--- a/Authentication - B.pptx
+++ b/Authentication - B.pptx
@@ -301,7 +301,8 @@
           <a:p>
             <a:fld id="{BC8B1206-7415-4CAA-BABF-4B2FCC8828A3}" type="datetimeFigureOut">
               <a:rPr lang="en-ZA" smtClean="0"/>
-              <a:t>2015-04-14</a:t>
+              <a:pPr/>
+              <a:t>2015/04/16</a:t>
             </a:fld>
             <a:endParaRPr lang="en-ZA"/>
           </a:p>
@@ -343,6 +344,7 @@
           <a:p>
             <a:fld id="{FF1E2881-C859-4715-83A0-919D8B92F780}" type="slidenum">
               <a:rPr lang="en-ZA" smtClean="0"/>
+              <a:pPr/>
               <a:t>‹#›</a:t>
             </a:fld>
             <a:endParaRPr lang="en-ZA"/>
@@ -352,7 +354,7 @@
     </p:spTree>
     <p:extLst>
       <p:ext uri="{BB962C8B-B14F-4D97-AF65-F5344CB8AC3E}">
-        <p14:creationId xmlns:p14="http://schemas.microsoft.com/office/powerpoint/2010/main" val="32494294"/>
+        <p14:creationId xmlns:p14="http://schemas.microsoft.com/office/powerpoint/2010/main" xmlns="" val="32494294"/>
       </p:ext>
     </p:extLst>
   </p:cSld>
@@ -471,7 +473,8 @@
           <a:p>
             <a:fld id="{BC8B1206-7415-4CAA-BABF-4B2FCC8828A3}" type="datetimeFigureOut">
               <a:rPr lang="en-ZA" smtClean="0"/>
-              <a:t>2015-04-14</a:t>
+              <a:pPr/>
+              <a:t>2015/04/16</a:t>
             </a:fld>
             <a:endParaRPr lang="en-ZA"/>
           </a:p>
@@ -513,6 +516,7 @@
           <a:p>
             <a:fld id="{FF1E2881-C859-4715-83A0-919D8B92F780}" type="slidenum">
               <a:rPr lang="en-ZA" smtClean="0"/>
+              <a:pPr/>
               <a:t>‹#›</a:t>
             </a:fld>
             <a:endParaRPr lang="en-ZA"/>
@@ -522,7 +526,7 @@
     </p:spTree>
     <p:extLst>
       <p:ext uri="{BB962C8B-B14F-4D97-AF65-F5344CB8AC3E}">
-        <p14:creationId xmlns:p14="http://schemas.microsoft.com/office/powerpoint/2010/main" val="1407415046"/>
+        <p14:creationId xmlns:p14="http://schemas.microsoft.com/office/powerpoint/2010/main" xmlns="" val="1407415046"/>
       </p:ext>
     </p:extLst>
   </p:cSld>
@@ -651,7 +655,8 @@
           <a:p>
             <a:fld id="{BC8B1206-7415-4CAA-BABF-4B2FCC8828A3}" type="datetimeFigureOut">
               <a:rPr lang="en-ZA" smtClean="0"/>
-              <a:t>2015-04-14</a:t>
+              <a:pPr/>
+              <a:t>2015/04/16</a:t>
             </a:fld>
             <a:endParaRPr lang="en-ZA"/>
           </a:p>
@@ -693,6 +698,7 @@
           <a:p>
             <a:fld id="{FF1E2881-C859-4715-83A0-919D8B92F780}" type="slidenum">
               <a:rPr lang="en-ZA" smtClean="0"/>
+              <a:pPr/>
               <a:t>‹#›</a:t>
             </a:fld>
             <a:endParaRPr lang="en-ZA"/>
@@ -702,7 +708,7 @@
     </p:spTree>
     <p:extLst>
       <p:ext uri="{BB962C8B-B14F-4D97-AF65-F5344CB8AC3E}">
-        <p14:creationId xmlns:p14="http://schemas.microsoft.com/office/powerpoint/2010/main" val="3489674815"/>
+        <p14:creationId xmlns:p14="http://schemas.microsoft.com/office/powerpoint/2010/main" xmlns="" val="3489674815"/>
       </p:ext>
     </p:extLst>
   </p:cSld>
@@ -821,7 +827,8 @@
           <a:p>
             <a:fld id="{BC8B1206-7415-4CAA-BABF-4B2FCC8828A3}" type="datetimeFigureOut">
               <a:rPr lang="en-ZA" smtClean="0"/>
-              <a:t>2015-04-14</a:t>
+              <a:pPr/>
+              <a:t>2015/04/16</a:t>
             </a:fld>
             <a:endParaRPr lang="en-ZA"/>
           </a:p>
@@ -863,6 +870,7 @@
           <a:p>
             <a:fld id="{FF1E2881-C859-4715-83A0-919D8B92F780}" type="slidenum">
               <a:rPr lang="en-ZA" smtClean="0"/>
+              <a:pPr/>
               <a:t>‹#›</a:t>
             </a:fld>
             <a:endParaRPr lang="en-ZA"/>
@@ -872,7 +880,7 @@
     </p:spTree>
     <p:extLst>
       <p:ext uri="{BB962C8B-B14F-4D97-AF65-F5344CB8AC3E}">
-        <p14:creationId xmlns:p14="http://schemas.microsoft.com/office/powerpoint/2010/main" val="3922563659"/>
+        <p14:creationId xmlns:p14="http://schemas.microsoft.com/office/powerpoint/2010/main" xmlns="" val="3922563659"/>
       </p:ext>
     </p:extLst>
   </p:cSld>
@@ -1067,7 +1075,8 @@
           <a:p>
             <a:fld id="{BC8B1206-7415-4CAA-BABF-4B2FCC8828A3}" type="datetimeFigureOut">
               <a:rPr lang="en-ZA" smtClean="0"/>
-              <a:t>2015-04-14</a:t>
+              <a:pPr/>
+              <a:t>2015/04/16</a:t>
             </a:fld>
             <a:endParaRPr lang="en-ZA"/>
           </a:p>
@@ -1109,6 +1118,7 @@
           <a:p>
             <a:fld id="{FF1E2881-C859-4715-83A0-919D8B92F780}" type="slidenum">
               <a:rPr lang="en-ZA" smtClean="0"/>
+              <a:pPr/>
               <a:t>‹#›</a:t>
             </a:fld>
             <a:endParaRPr lang="en-ZA"/>
@@ -1118,7 +1128,7 @@
     </p:spTree>
     <p:extLst>
       <p:ext uri="{BB962C8B-B14F-4D97-AF65-F5344CB8AC3E}">
-        <p14:creationId xmlns:p14="http://schemas.microsoft.com/office/powerpoint/2010/main" val="2839950182"/>
+        <p14:creationId xmlns:p14="http://schemas.microsoft.com/office/powerpoint/2010/main" xmlns="" val="2839950182"/>
       </p:ext>
     </p:extLst>
   </p:cSld>
@@ -1355,7 +1365,8 @@
           <a:p>
             <a:fld id="{BC8B1206-7415-4CAA-BABF-4B2FCC8828A3}" type="datetimeFigureOut">
               <a:rPr lang="en-ZA" smtClean="0"/>
-              <a:t>2015-04-14</a:t>
+              <a:pPr/>
+              <a:t>2015/04/16</a:t>
             </a:fld>
             <a:endParaRPr lang="en-ZA"/>
           </a:p>
@@ -1397,6 +1408,7 @@
           <a:p>
             <a:fld id="{FF1E2881-C859-4715-83A0-919D8B92F780}" type="slidenum">
               <a:rPr lang="en-ZA" smtClean="0"/>
+              <a:pPr/>
               <a:t>‹#›</a:t>
             </a:fld>
             <a:endParaRPr lang="en-ZA"/>
@@ -1406,7 +1418,7 @@
     </p:spTree>
     <p:extLst>
       <p:ext uri="{BB962C8B-B14F-4D97-AF65-F5344CB8AC3E}">
-        <p14:creationId xmlns:p14="http://schemas.microsoft.com/office/powerpoint/2010/main" val="3287254344"/>
+        <p14:creationId xmlns:p14="http://schemas.microsoft.com/office/powerpoint/2010/main" xmlns="" val="3287254344"/>
       </p:ext>
     </p:extLst>
   </p:cSld>
@@ -1777,7 +1789,8 @@
           <a:p>
             <a:fld id="{BC8B1206-7415-4CAA-BABF-4B2FCC8828A3}" type="datetimeFigureOut">
               <a:rPr lang="en-ZA" smtClean="0"/>
-              <a:t>2015-04-14</a:t>
+              <a:pPr/>
+              <a:t>2015/04/16</a:t>
             </a:fld>
             <a:endParaRPr lang="en-ZA"/>
           </a:p>
@@ -1819,6 +1832,7 @@
           <a:p>
             <a:fld id="{FF1E2881-C859-4715-83A0-919D8B92F780}" type="slidenum">
               <a:rPr lang="en-ZA" smtClean="0"/>
+              <a:pPr/>
               <a:t>‹#›</a:t>
             </a:fld>
             <a:endParaRPr lang="en-ZA"/>
@@ -1828,7 +1842,7 @@
     </p:spTree>
     <p:extLst>
       <p:ext uri="{BB962C8B-B14F-4D97-AF65-F5344CB8AC3E}">
-        <p14:creationId xmlns:p14="http://schemas.microsoft.com/office/powerpoint/2010/main" val="2992548387"/>
+        <p14:creationId xmlns:p14="http://schemas.microsoft.com/office/powerpoint/2010/main" xmlns="" val="2992548387"/>
       </p:ext>
     </p:extLst>
   </p:cSld>
@@ -1895,7 +1909,8 @@
           <a:p>
             <a:fld id="{BC8B1206-7415-4CAA-BABF-4B2FCC8828A3}" type="datetimeFigureOut">
               <a:rPr lang="en-ZA" smtClean="0"/>
-              <a:t>2015-04-14</a:t>
+              <a:pPr/>
+              <a:t>2015/04/16</a:t>
             </a:fld>
             <a:endParaRPr lang="en-ZA"/>
           </a:p>
@@ -1937,6 +1952,7 @@
           <a:p>
             <a:fld id="{FF1E2881-C859-4715-83A0-919D8B92F780}" type="slidenum">
               <a:rPr lang="en-ZA" smtClean="0"/>
+              <a:pPr/>
               <a:t>‹#›</a:t>
             </a:fld>
             <a:endParaRPr lang="en-ZA"/>
@@ -1946,7 +1962,7 @@
     </p:spTree>
     <p:extLst>
       <p:ext uri="{BB962C8B-B14F-4D97-AF65-F5344CB8AC3E}">
-        <p14:creationId xmlns:p14="http://schemas.microsoft.com/office/powerpoint/2010/main" val="4081995342"/>
+        <p14:creationId xmlns:p14="http://schemas.microsoft.com/office/powerpoint/2010/main" xmlns="" val="4081995342"/>
       </p:ext>
     </p:extLst>
   </p:cSld>
@@ -1990,7 +2006,8 @@
           <a:p>
             <a:fld id="{BC8B1206-7415-4CAA-BABF-4B2FCC8828A3}" type="datetimeFigureOut">
               <a:rPr lang="en-ZA" smtClean="0"/>
-              <a:t>2015-04-14</a:t>
+              <a:pPr/>
+              <a:t>2015/04/16</a:t>
             </a:fld>
             <a:endParaRPr lang="en-ZA"/>
           </a:p>
@@ -2032,6 +2049,7 @@
           <a:p>
             <a:fld id="{FF1E2881-C859-4715-83A0-919D8B92F780}" type="slidenum">
               <a:rPr lang="en-ZA" smtClean="0"/>
+              <a:pPr/>
               <a:t>‹#›</a:t>
             </a:fld>
             <a:endParaRPr lang="en-ZA"/>
@@ -2041,7 +2059,7 @@
     </p:spTree>
     <p:extLst>
       <p:ext uri="{BB962C8B-B14F-4D97-AF65-F5344CB8AC3E}">
-        <p14:creationId xmlns:p14="http://schemas.microsoft.com/office/powerpoint/2010/main" val="1897818696"/>
+        <p14:creationId xmlns:p14="http://schemas.microsoft.com/office/powerpoint/2010/main" xmlns="" val="1897818696"/>
       </p:ext>
     </p:extLst>
   </p:cSld>
@@ -2267,7 +2285,8 @@
           <a:p>
             <a:fld id="{BC8B1206-7415-4CAA-BABF-4B2FCC8828A3}" type="datetimeFigureOut">
               <a:rPr lang="en-ZA" smtClean="0"/>
-              <a:t>2015-04-14</a:t>
+              <a:pPr/>
+              <a:t>2015/04/16</a:t>
             </a:fld>
             <a:endParaRPr lang="en-ZA"/>
           </a:p>
@@ -2309,6 +2328,7 @@
           <a:p>
             <a:fld id="{FF1E2881-C859-4715-83A0-919D8B92F780}" type="slidenum">
               <a:rPr lang="en-ZA" smtClean="0"/>
+              <a:pPr/>
               <a:t>‹#›</a:t>
             </a:fld>
             <a:endParaRPr lang="en-ZA"/>
@@ -2318,7 +2338,7 @@
     </p:spTree>
     <p:extLst>
       <p:ext uri="{BB962C8B-B14F-4D97-AF65-F5344CB8AC3E}">
-        <p14:creationId xmlns:p14="http://schemas.microsoft.com/office/powerpoint/2010/main" val="2349542582"/>
+        <p14:creationId xmlns:p14="http://schemas.microsoft.com/office/powerpoint/2010/main" xmlns="" val="2349542582"/>
       </p:ext>
     </p:extLst>
   </p:cSld>
@@ -2520,7 +2540,8 @@
           <a:p>
             <a:fld id="{BC8B1206-7415-4CAA-BABF-4B2FCC8828A3}" type="datetimeFigureOut">
               <a:rPr lang="en-ZA" smtClean="0"/>
-              <a:t>2015-04-14</a:t>
+              <a:pPr/>
+              <a:t>2015/04/16</a:t>
             </a:fld>
             <a:endParaRPr lang="en-ZA"/>
           </a:p>
@@ -2562,6 +2583,7 @@
           <a:p>
             <a:fld id="{FF1E2881-C859-4715-83A0-919D8B92F780}" type="slidenum">
               <a:rPr lang="en-ZA" smtClean="0"/>
+              <a:pPr/>
               <a:t>‹#›</a:t>
             </a:fld>
             <a:endParaRPr lang="en-ZA"/>
@@ -2571,7 +2593,7 @@
     </p:spTree>
     <p:extLst>
       <p:ext uri="{BB962C8B-B14F-4D97-AF65-F5344CB8AC3E}">
-        <p14:creationId xmlns:p14="http://schemas.microsoft.com/office/powerpoint/2010/main" val="1781508516"/>
+        <p14:creationId xmlns:p14="http://schemas.microsoft.com/office/powerpoint/2010/main" xmlns="" val="1781508516"/>
       </p:ext>
     </p:extLst>
   </p:cSld>
@@ -2742,7 +2764,8 @@
           <a:p>
             <a:fld id="{BC8B1206-7415-4CAA-BABF-4B2FCC8828A3}" type="datetimeFigureOut">
               <a:rPr lang="en-ZA" smtClean="0"/>
-              <a:t>2015-04-14</a:t>
+              <a:pPr/>
+              <a:t>2015/04/16</a:t>
             </a:fld>
             <a:endParaRPr lang="en-ZA"/>
           </a:p>
@@ -2820,6 +2843,7 @@
           <a:p>
             <a:fld id="{FF1E2881-C859-4715-83A0-919D8B92F780}" type="slidenum">
               <a:rPr lang="en-ZA" smtClean="0"/>
+              <a:pPr/>
               <a:t>‹#›</a:t>
             </a:fld>
             <a:endParaRPr lang="en-ZA"/>
@@ -2829,7 +2853,7 @@
     </p:spTree>
     <p:extLst>
       <p:ext uri="{BB962C8B-B14F-4D97-AF65-F5344CB8AC3E}">
-        <p14:creationId xmlns:p14="http://schemas.microsoft.com/office/powerpoint/2010/main" val="2839475855"/>
+        <p14:creationId xmlns:p14="http://schemas.microsoft.com/office/powerpoint/2010/main" xmlns="" val="2839475855"/>
       </p:ext>
     </p:extLst>
   </p:cSld>
@@ -3177,7 +3201,7 @@
         <p:spPr>
           <a:xfrm>
             <a:off x="827584" y="2060848"/>
-            <a:ext cx="7560840" cy="4032448"/>
+            <a:ext cx="7706816" cy="4032448"/>
           </a:xfrm>
           <a:solidFill>
             <a:schemeClr val="tx1">
@@ -3283,7 +3307,7 @@
                   <a:schemeClr val="bg1"/>
                 </a:solidFill>
               </a:rPr>
-              <a:t>	12247040 - </a:t>
+              <a:t>	</a:t>
             </a:r>
             <a:r>
               <a:rPr lang="en-ZA" dirty="0" smtClean="0">
@@ -3291,7 +3315,15 @@
                   <a:schemeClr val="bg1"/>
                 </a:solidFill>
               </a:rPr>
-              <a:t>Team Lead</a:t>
+              <a:t> 12247040 </a:t>
+            </a:r>
+            <a:r>
+              <a:rPr lang="en-ZA" dirty="0" smtClean="0">
+                <a:solidFill>
+                  <a:schemeClr val="bg1"/>
+                </a:solidFill>
+              </a:rPr>
+              <a:t>- Team Lead</a:t>
             </a:r>
           </a:p>
           <a:p>
@@ -3326,8 +3358,21 @@
                   <a:schemeClr val="bg1"/>
                 </a:solidFill>
               </a:rPr>
-              <a:t>	13049136</a:t>
-            </a:r>
+              <a:t>	</a:t>
+            </a:r>
+            <a:r>
+              <a:rPr lang="en-ZA" dirty="0" smtClean="0">
+                <a:solidFill>
+                  <a:schemeClr val="bg1"/>
+                </a:solidFill>
+              </a:rPr>
+              <a:t> 13049136</a:t>
+            </a:r>
+            <a:endParaRPr lang="en-ZA" dirty="0" smtClean="0">
+              <a:solidFill>
+                <a:schemeClr val="bg1"/>
+              </a:solidFill>
+            </a:endParaRPr>
           </a:p>
           <a:p>
             <a:pPr algn="l"/>
@@ -3361,67 +3406,85 @@
                   <a:schemeClr val="bg1"/>
                 </a:solidFill>
               </a:rPr>
+              <a:t> </a:t>
+            </a:r>
+            <a:r>
+              <a:rPr lang="en-ZA" dirty="0" smtClean="0">
+                <a:solidFill>
+                  <a:schemeClr val="bg1"/>
+                </a:solidFill>
+              </a:rPr>
+              <a:t>12167844 </a:t>
+            </a:r>
+            <a:endParaRPr lang="en-ZA" dirty="0" smtClean="0">
+              <a:solidFill>
+                <a:schemeClr val="bg1"/>
+              </a:solidFill>
+            </a:endParaRPr>
+          </a:p>
+          <a:p>
+            <a:pPr algn="l"/>
+            <a:r>
+              <a:rPr lang="en-ZA" dirty="0">
+                <a:solidFill>
+                  <a:schemeClr val="bg1"/>
+                </a:solidFill>
+              </a:rPr>
               <a:t>	</a:t>
             </a:r>
             <a:r>
+              <a:rPr lang="en-ZA" dirty="0" err="1" smtClean="0">
+                <a:solidFill>
+                  <a:schemeClr val="bg1"/>
+                </a:solidFill>
+              </a:rPr>
+              <a:t>Kaleab</a:t>
+            </a:r>
+            <a:r>
               <a:rPr lang="en-ZA" dirty="0" smtClean="0">
                 <a:solidFill>
                   <a:schemeClr val="bg1"/>
                 </a:solidFill>
               </a:rPr>
-              <a:t>12167844 </a:t>
-            </a:r>
-          </a:p>
-          <a:p>
-            <a:pPr algn="l"/>
+              <a:t> </a:t>
+            </a:r>
+            <a:r>
+              <a:rPr lang="en-ZA" dirty="0" err="1">
+                <a:solidFill>
+                  <a:schemeClr val="bg1"/>
+                </a:solidFill>
+              </a:rPr>
+              <a:t>Tessera</a:t>
+            </a:r>
             <a:r>
               <a:rPr lang="en-ZA" dirty="0">
                 <a:solidFill>
                   <a:schemeClr val="bg1"/>
                 </a:solidFill>
               </a:rPr>
-              <a:t>	 </a:t>
-            </a:r>
-            <a:r>
-              <a:rPr lang="en-ZA" dirty="0" err="1">
-                <a:solidFill>
-                  <a:schemeClr val="bg1"/>
-                </a:solidFill>
-              </a:rPr>
-              <a:t>Kaleab</a:t>
-            </a:r>
-            <a:r>
-              <a:rPr lang="en-ZA" dirty="0">
-                <a:solidFill>
-                  <a:schemeClr val="bg1"/>
-                </a:solidFill>
-              </a:rPr>
               <a:t> </a:t>
             </a:r>
             <a:r>
-              <a:rPr lang="en-ZA" dirty="0" err="1">
-                <a:solidFill>
-                  <a:schemeClr val="bg1"/>
-                </a:solidFill>
-              </a:rPr>
-              <a:t>Tessera</a:t>
-            </a:r>
-            <a:r>
-              <a:rPr lang="en-ZA" dirty="0">
-                <a:solidFill>
-                  <a:schemeClr val="bg1"/>
-                </a:solidFill>
-              </a:rPr>
-              <a:t> </a:t>
-            </a:r>
-            <a:r>
               <a:rPr lang="en-ZA" dirty="0" smtClean="0">
                 <a:solidFill>
                   <a:schemeClr val="bg1"/>
                 </a:solidFill>
               </a:rPr>
-              <a:t>	13048423</a:t>
-            </a:r>
+              <a:t>	</a:t>
+            </a:r>
+            <a:r>
+              <a:rPr lang="en-ZA" dirty="0" smtClean="0">
+                <a:solidFill>
+                  <a:schemeClr val="bg1"/>
+                </a:solidFill>
+              </a:rPr>
+              <a:t> 13048423</a:t>
+            </a:r>
+            <a:endParaRPr lang="en-ZA" dirty="0" smtClean="0">
+              <a:solidFill>
+                <a:schemeClr val="bg1"/>
+              </a:solidFill>
+            </a:endParaRPr>
           </a:p>
           <a:p>
             <a:pPr algn="l"/>
@@ -3444,7 +3507,7 @@
     </p:spTree>
     <p:extLst>
       <p:ext uri="{BB962C8B-B14F-4D97-AF65-F5344CB8AC3E}">
-        <p14:creationId xmlns:p14="http://schemas.microsoft.com/office/powerpoint/2010/main" val="308255282"/>
+        <p14:creationId xmlns:p14="http://schemas.microsoft.com/office/powerpoint/2010/main" xmlns="" val="308255282"/>
       </p:ext>
     </p:extLst>
   </p:cSld>
@@ -3523,7 +3586,7 @@
     </p:spTree>
     <p:extLst>
       <p:ext uri="{BB962C8B-B14F-4D97-AF65-F5344CB8AC3E}">
-        <p14:creationId xmlns:p14="http://schemas.microsoft.com/office/powerpoint/2010/main" val="2854353392"/>
+        <p14:creationId xmlns:p14="http://schemas.microsoft.com/office/powerpoint/2010/main" xmlns="" val="2854353392"/>
       </p:ext>
     </p:extLst>
   </p:cSld>
@@ -4072,15 +4135,7 @@
                   <a:schemeClr val="bg1"/>
                 </a:solidFill>
               </a:rPr>
-              <a:t>How challenges were overcome</a:t>
-            </a:r>
-            <a:r>
-              <a:rPr lang="en-ZA" sz="2000" b="1" dirty="0" smtClean="0">
-                <a:solidFill>
-                  <a:schemeClr val="bg1"/>
-                </a:solidFill>
-              </a:rPr>
-              <a:t>: </a:t>
+              <a:t>How challenges were overcome: </a:t>
             </a:r>
           </a:p>
           <a:p>
@@ -4148,7 +4203,7 @@
     </p:spTree>
     <p:extLst>
       <p:ext uri="{BB962C8B-B14F-4D97-AF65-F5344CB8AC3E}">
-        <p14:creationId xmlns:p14="http://schemas.microsoft.com/office/powerpoint/2010/main" val="4160446826"/>
+        <p14:creationId xmlns:p14="http://schemas.microsoft.com/office/powerpoint/2010/main" xmlns="" val="4160446826"/>
       </p:ext>
     </p:extLst>
   </p:cSld>
@@ -4235,7 +4290,7 @@
     </p:spTree>
     <p:extLst>
       <p:ext uri="{BB962C8B-B14F-4D97-AF65-F5344CB8AC3E}">
-        <p14:creationId xmlns:p14="http://schemas.microsoft.com/office/powerpoint/2010/main" val="1691782833"/>
+        <p14:creationId xmlns:p14="http://schemas.microsoft.com/office/powerpoint/2010/main" xmlns="" val="1691782833"/>
       </p:ext>
     </p:extLst>
   </p:cSld>
@@ -4729,15 +4784,7 @@
                   <a:schemeClr val="bg1"/>
                 </a:solidFill>
               </a:rPr>
-              <a:t>How challenges were overcome</a:t>
-            </a:r>
-            <a:r>
-              <a:rPr lang="en-ZA" sz="2000" b="1" dirty="0" smtClean="0">
-                <a:solidFill>
-                  <a:schemeClr val="bg1"/>
-                </a:solidFill>
-              </a:rPr>
-              <a:t>: </a:t>
+              <a:t>How challenges were overcome: </a:t>
             </a:r>
           </a:p>
           <a:p>
@@ -4805,7 +4852,7 @@
     </p:spTree>
     <p:extLst>
       <p:ext uri="{BB962C8B-B14F-4D97-AF65-F5344CB8AC3E}">
-        <p14:creationId xmlns:p14="http://schemas.microsoft.com/office/powerpoint/2010/main" val="109087637"/>
+        <p14:creationId xmlns:p14="http://schemas.microsoft.com/office/powerpoint/2010/main" xmlns="" val="109087637"/>
       </p:ext>
     </p:extLst>
   </p:cSld>
@@ -4884,7 +4931,7 @@
     </p:spTree>
     <p:extLst>
       <p:ext uri="{BB962C8B-B14F-4D97-AF65-F5344CB8AC3E}">
-        <p14:creationId xmlns:p14="http://schemas.microsoft.com/office/powerpoint/2010/main" val="3333079403"/>
+        <p14:creationId xmlns:p14="http://schemas.microsoft.com/office/powerpoint/2010/main" xmlns="" val="3333079403"/>
       </p:ext>
     </p:extLst>
   </p:cSld>
@@ -5015,7 +5062,7 @@
     </p:spTree>
     <p:extLst>
       <p:ext uri="{BB962C8B-B14F-4D97-AF65-F5344CB8AC3E}">
-        <p14:creationId xmlns:p14="http://schemas.microsoft.com/office/powerpoint/2010/main" val="2165796761"/>
+        <p14:creationId xmlns:p14="http://schemas.microsoft.com/office/powerpoint/2010/main" xmlns="" val="2165796761"/>
       </p:ext>
     </p:extLst>
   </p:cSld>
@@ -5643,15 +5690,7 @@
                   <a:schemeClr val="bg1"/>
                 </a:solidFill>
               </a:rPr>
-              <a:t>How challenges were overcome</a:t>
-            </a:r>
-            <a:r>
-              <a:rPr lang="en-ZA" sz="2200" b="1" dirty="0" smtClean="0">
-                <a:solidFill>
-                  <a:schemeClr val="bg1"/>
-                </a:solidFill>
-              </a:rPr>
-              <a:t>: </a:t>
+              <a:t>How challenges were overcome: </a:t>
             </a:r>
           </a:p>
           <a:p>
@@ -5773,7 +5812,7 @@
     </p:spTree>
     <p:extLst>
       <p:ext uri="{BB962C8B-B14F-4D97-AF65-F5344CB8AC3E}">
-        <p14:creationId xmlns:p14="http://schemas.microsoft.com/office/powerpoint/2010/main" val="3871235512"/>
+        <p14:creationId xmlns:p14="http://schemas.microsoft.com/office/powerpoint/2010/main" xmlns="" val="3871235512"/>
       </p:ext>
     </p:extLst>
   </p:cSld>
@@ -5852,7 +5891,7 @@
     </p:spTree>
     <p:extLst>
       <p:ext uri="{BB962C8B-B14F-4D97-AF65-F5344CB8AC3E}">
-        <p14:creationId xmlns:p14="http://schemas.microsoft.com/office/powerpoint/2010/main" val="2631370394"/>
+        <p14:creationId xmlns:p14="http://schemas.microsoft.com/office/powerpoint/2010/main" xmlns="" val="2631370394"/>
       </p:ext>
     </p:extLst>
   </p:cSld>
@@ -6346,15 +6385,7 @@
                   <a:schemeClr val="bg1"/>
                 </a:solidFill>
               </a:rPr>
-              <a:t>How challenges were overcome</a:t>
-            </a:r>
-            <a:r>
-              <a:rPr lang="en-ZA" sz="2000" b="1" dirty="0" smtClean="0">
-                <a:solidFill>
-                  <a:schemeClr val="bg1"/>
-                </a:solidFill>
-              </a:rPr>
-              <a:t>: </a:t>
+              <a:t>How challenges were overcome: </a:t>
             </a:r>
           </a:p>
           <a:p>
@@ -6422,7 +6453,7 @@
     </p:spTree>
     <p:extLst>
       <p:ext uri="{BB962C8B-B14F-4D97-AF65-F5344CB8AC3E}">
-        <p14:creationId xmlns:p14="http://schemas.microsoft.com/office/powerpoint/2010/main" val="3329563870"/>
+        <p14:creationId xmlns:p14="http://schemas.microsoft.com/office/powerpoint/2010/main" xmlns="" val="3329563870"/>
       </p:ext>
     </p:extLst>
   </p:cSld>
@@ -6501,7 +6532,7 @@
     </p:spTree>
     <p:extLst>
       <p:ext uri="{BB962C8B-B14F-4D97-AF65-F5344CB8AC3E}">
-        <p14:creationId xmlns:p14="http://schemas.microsoft.com/office/powerpoint/2010/main" val="149508204"/>
+        <p14:creationId xmlns:p14="http://schemas.microsoft.com/office/powerpoint/2010/main" xmlns="" val="149508204"/>
       </p:ext>
     </p:extLst>
   </p:cSld>
@@ -6995,15 +7026,7 @@
                   <a:schemeClr val="bg1"/>
                 </a:solidFill>
               </a:rPr>
-              <a:t>How challenges were overcome</a:t>
-            </a:r>
-            <a:r>
-              <a:rPr lang="en-ZA" sz="2000" b="1" dirty="0" smtClean="0">
-                <a:solidFill>
-                  <a:schemeClr val="bg1"/>
-                </a:solidFill>
-              </a:rPr>
-              <a:t>: </a:t>
+              <a:t>How challenges were overcome: </a:t>
             </a:r>
           </a:p>
           <a:p>
@@ -7071,7 +7094,7 @@
     </p:spTree>
     <p:extLst>
       <p:ext uri="{BB962C8B-B14F-4D97-AF65-F5344CB8AC3E}">
-        <p14:creationId xmlns:p14="http://schemas.microsoft.com/office/powerpoint/2010/main" val="446071776"/>
+        <p14:creationId xmlns:p14="http://schemas.microsoft.com/office/powerpoint/2010/main" xmlns="" val="446071776"/>
       </p:ext>
     </p:extLst>
   </p:cSld>
@@ -7150,7 +7173,7 @@
     </p:spTree>
     <p:extLst>
       <p:ext uri="{BB962C8B-B14F-4D97-AF65-F5344CB8AC3E}">
-        <p14:creationId xmlns:p14="http://schemas.microsoft.com/office/powerpoint/2010/main" val="2854353392"/>
+        <p14:creationId xmlns:p14="http://schemas.microsoft.com/office/powerpoint/2010/main" xmlns="" val="2854353392"/>
       </p:ext>
     </p:extLst>
   </p:cSld>
@@ -7644,15 +7667,7 @@
                   <a:schemeClr val="bg1"/>
                 </a:solidFill>
               </a:rPr>
-              <a:t>How challenges were overcome</a:t>
-            </a:r>
-            <a:r>
-              <a:rPr lang="en-ZA" sz="2000" b="1" dirty="0" smtClean="0">
-                <a:solidFill>
-                  <a:schemeClr val="bg1"/>
-                </a:solidFill>
-              </a:rPr>
-              <a:t>: </a:t>
+              <a:t>How challenges were overcome: </a:t>
             </a:r>
           </a:p>
           <a:p>
@@ -7720,7 +7735,7 @@
     </p:spTree>
     <p:extLst>
       <p:ext uri="{BB962C8B-B14F-4D97-AF65-F5344CB8AC3E}">
-        <p14:creationId xmlns:p14="http://schemas.microsoft.com/office/powerpoint/2010/main" val="446071776"/>
+        <p14:creationId xmlns:p14="http://schemas.microsoft.com/office/powerpoint/2010/main" xmlns="" val="446071776"/>
       </p:ext>
     </p:extLst>
   </p:cSld>

--- a/Authentication - B.pptx
+++ b/Authentication - B.pptx
@@ -8,17 +8,11 @@
     <p:sldId id="256" r:id="rId2"/>
     <p:sldId id="257" r:id="rId3"/>
     <p:sldId id="258" r:id="rId4"/>
-    <p:sldId id="259" r:id="rId5"/>
-    <p:sldId id="260" r:id="rId6"/>
-    <p:sldId id="261" r:id="rId7"/>
-    <p:sldId id="262" r:id="rId8"/>
-    <p:sldId id="263" r:id="rId9"/>
-    <p:sldId id="264" r:id="rId10"/>
-    <p:sldId id="265" r:id="rId11"/>
-    <p:sldId id="266" r:id="rId12"/>
-    <p:sldId id="267" r:id="rId13"/>
-    <p:sldId id="268" r:id="rId14"/>
-    <p:sldId id="269" r:id="rId15"/>
+    <p:sldId id="260" r:id="rId5"/>
+    <p:sldId id="262" r:id="rId6"/>
+    <p:sldId id="264" r:id="rId7"/>
+    <p:sldId id="266" r:id="rId8"/>
+    <p:sldId id="268" r:id="rId9"/>
   </p:sldIdLst>
   <p:sldSz cx="9144000" cy="6858000" type="screen4x3"/>
   <p:notesSz cx="6858000" cy="9144000"/>
@@ -301,8 +295,7 @@
           <a:p>
             <a:fld id="{BC8B1206-7415-4CAA-BABF-4B2FCC8828A3}" type="datetimeFigureOut">
               <a:rPr lang="en-ZA" smtClean="0"/>
-              <a:pPr/>
-              <a:t>2015/04/16</a:t>
+              <a:t>2015-04-16</a:t>
             </a:fld>
             <a:endParaRPr lang="en-ZA"/>
           </a:p>
@@ -344,7 +337,6 @@
           <a:p>
             <a:fld id="{FF1E2881-C859-4715-83A0-919D8B92F780}" type="slidenum">
               <a:rPr lang="en-ZA" smtClean="0"/>
-              <a:pPr/>
               <a:t>‹#›</a:t>
             </a:fld>
             <a:endParaRPr lang="en-ZA"/>
@@ -354,7 +346,7 @@
     </p:spTree>
     <p:extLst>
       <p:ext uri="{BB962C8B-B14F-4D97-AF65-F5344CB8AC3E}">
-        <p14:creationId xmlns:p14="http://schemas.microsoft.com/office/powerpoint/2010/main" xmlns="" val="32494294"/>
+        <p14:creationId xmlns:p14="http://schemas.microsoft.com/office/powerpoint/2010/main" val="32494294"/>
       </p:ext>
     </p:extLst>
   </p:cSld>
@@ -473,8 +465,7 @@
           <a:p>
             <a:fld id="{BC8B1206-7415-4CAA-BABF-4B2FCC8828A3}" type="datetimeFigureOut">
               <a:rPr lang="en-ZA" smtClean="0"/>
-              <a:pPr/>
-              <a:t>2015/04/16</a:t>
+              <a:t>2015-04-16</a:t>
             </a:fld>
             <a:endParaRPr lang="en-ZA"/>
           </a:p>
@@ -516,7 +507,6 @@
           <a:p>
             <a:fld id="{FF1E2881-C859-4715-83A0-919D8B92F780}" type="slidenum">
               <a:rPr lang="en-ZA" smtClean="0"/>
-              <a:pPr/>
               <a:t>‹#›</a:t>
             </a:fld>
             <a:endParaRPr lang="en-ZA"/>
@@ -526,7 +516,7 @@
     </p:spTree>
     <p:extLst>
       <p:ext uri="{BB962C8B-B14F-4D97-AF65-F5344CB8AC3E}">
-        <p14:creationId xmlns:p14="http://schemas.microsoft.com/office/powerpoint/2010/main" xmlns="" val="1407415046"/>
+        <p14:creationId xmlns:p14="http://schemas.microsoft.com/office/powerpoint/2010/main" val="1407415046"/>
       </p:ext>
     </p:extLst>
   </p:cSld>
@@ -655,8 +645,7 @@
           <a:p>
             <a:fld id="{BC8B1206-7415-4CAA-BABF-4B2FCC8828A3}" type="datetimeFigureOut">
               <a:rPr lang="en-ZA" smtClean="0"/>
-              <a:pPr/>
-              <a:t>2015/04/16</a:t>
+              <a:t>2015-04-16</a:t>
             </a:fld>
             <a:endParaRPr lang="en-ZA"/>
           </a:p>
@@ -698,7 +687,6 @@
           <a:p>
             <a:fld id="{FF1E2881-C859-4715-83A0-919D8B92F780}" type="slidenum">
               <a:rPr lang="en-ZA" smtClean="0"/>
-              <a:pPr/>
               <a:t>‹#›</a:t>
             </a:fld>
             <a:endParaRPr lang="en-ZA"/>
@@ -708,7 +696,7 @@
     </p:spTree>
     <p:extLst>
       <p:ext uri="{BB962C8B-B14F-4D97-AF65-F5344CB8AC3E}">
-        <p14:creationId xmlns:p14="http://schemas.microsoft.com/office/powerpoint/2010/main" xmlns="" val="3489674815"/>
+        <p14:creationId xmlns:p14="http://schemas.microsoft.com/office/powerpoint/2010/main" val="3489674815"/>
       </p:ext>
     </p:extLst>
   </p:cSld>
@@ -827,8 +815,7 @@
           <a:p>
             <a:fld id="{BC8B1206-7415-4CAA-BABF-4B2FCC8828A3}" type="datetimeFigureOut">
               <a:rPr lang="en-ZA" smtClean="0"/>
-              <a:pPr/>
-              <a:t>2015/04/16</a:t>
+              <a:t>2015-04-16</a:t>
             </a:fld>
             <a:endParaRPr lang="en-ZA"/>
           </a:p>
@@ -870,7 +857,6 @@
           <a:p>
             <a:fld id="{FF1E2881-C859-4715-83A0-919D8B92F780}" type="slidenum">
               <a:rPr lang="en-ZA" smtClean="0"/>
-              <a:pPr/>
               <a:t>‹#›</a:t>
             </a:fld>
             <a:endParaRPr lang="en-ZA"/>
@@ -880,7 +866,7 @@
     </p:spTree>
     <p:extLst>
       <p:ext uri="{BB962C8B-B14F-4D97-AF65-F5344CB8AC3E}">
-        <p14:creationId xmlns:p14="http://schemas.microsoft.com/office/powerpoint/2010/main" xmlns="" val="3922563659"/>
+        <p14:creationId xmlns:p14="http://schemas.microsoft.com/office/powerpoint/2010/main" val="3922563659"/>
       </p:ext>
     </p:extLst>
   </p:cSld>
@@ -1075,8 +1061,7 @@
           <a:p>
             <a:fld id="{BC8B1206-7415-4CAA-BABF-4B2FCC8828A3}" type="datetimeFigureOut">
               <a:rPr lang="en-ZA" smtClean="0"/>
-              <a:pPr/>
-              <a:t>2015/04/16</a:t>
+              <a:t>2015-04-16</a:t>
             </a:fld>
             <a:endParaRPr lang="en-ZA"/>
           </a:p>
@@ -1118,7 +1103,6 @@
           <a:p>
             <a:fld id="{FF1E2881-C859-4715-83A0-919D8B92F780}" type="slidenum">
               <a:rPr lang="en-ZA" smtClean="0"/>
-              <a:pPr/>
               <a:t>‹#›</a:t>
             </a:fld>
             <a:endParaRPr lang="en-ZA"/>
@@ -1128,7 +1112,7 @@
     </p:spTree>
     <p:extLst>
       <p:ext uri="{BB962C8B-B14F-4D97-AF65-F5344CB8AC3E}">
-        <p14:creationId xmlns:p14="http://schemas.microsoft.com/office/powerpoint/2010/main" xmlns="" val="2839950182"/>
+        <p14:creationId xmlns:p14="http://schemas.microsoft.com/office/powerpoint/2010/main" val="2839950182"/>
       </p:ext>
     </p:extLst>
   </p:cSld>
@@ -1365,8 +1349,7 @@
           <a:p>
             <a:fld id="{BC8B1206-7415-4CAA-BABF-4B2FCC8828A3}" type="datetimeFigureOut">
               <a:rPr lang="en-ZA" smtClean="0"/>
-              <a:pPr/>
-              <a:t>2015/04/16</a:t>
+              <a:t>2015-04-16</a:t>
             </a:fld>
             <a:endParaRPr lang="en-ZA"/>
           </a:p>
@@ -1408,7 +1391,6 @@
           <a:p>
             <a:fld id="{FF1E2881-C859-4715-83A0-919D8B92F780}" type="slidenum">
               <a:rPr lang="en-ZA" smtClean="0"/>
-              <a:pPr/>
               <a:t>‹#›</a:t>
             </a:fld>
             <a:endParaRPr lang="en-ZA"/>
@@ -1418,7 +1400,7 @@
     </p:spTree>
     <p:extLst>
       <p:ext uri="{BB962C8B-B14F-4D97-AF65-F5344CB8AC3E}">
-        <p14:creationId xmlns:p14="http://schemas.microsoft.com/office/powerpoint/2010/main" xmlns="" val="3287254344"/>
+        <p14:creationId xmlns:p14="http://schemas.microsoft.com/office/powerpoint/2010/main" val="3287254344"/>
       </p:ext>
     </p:extLst>
   </p:cSld>
@@ -1789,8 +1771,7 @@
           <a:p>
             <a:fld id="{BC8B1206-7415-4CAA-BABF-4B2FCC8828A3}" type="datetimeFigureOut">
               <a:rPr lang="en-ZA" smtClean="0"/>
-              <a:pPr/>
-              <a:t>2015/04/16</a:t>
+              <a:t>2015-04-16</a:t>
             </a:fld>
             <a:endParaRPr lang="en-ZA"/>
           </a:p>
@@ -1832,7 +1813,6 @@
           <a:p>
             <a:fld id="{FF1E2881-C859-4715-83A0-919D8B92F780}" type="slidenum">
               <a:rPr lang="en-ZA" smtClean="0"/>
-              <a:pPr/>
               <a:t>‹#›</a:t>
             </a:fld>
             <a:endParaRPr lang="en-ZA"/>
@@ -1842,7 +1822,7 @@
     </p:spTree>
     <p:extLst>
       <p:ext uri="{BB962C8B-B14F-4D97-AF65-F5344CB8AC3E}">
-        <p14:creationId xmlns:p14="http://schemas.microsoft.com/office/powerpoint/2010/main" xmlns="" val="2992548387"/>
+        <p14:creationId xmlns:p14="http://schemas.microsoft.com/office/powerpoint/2010/main" val="2992548387"/>
       </p:ext>
     </p:extLst>
   </p:cSld>
@@ -1909,8 +1889,7 @@
           <a:p>
             <a:fld id="{BC8B1206-7415-4CAA-BABF-4B2FCC8828A3}" type="datetimeFigureOut">
               <a:rPr lang="en-ZA" smtClean="0"/>
-              <a:pPr/>
-              <a:t>2015/04/16</a:t>
+              <a:t>2015-04-16</a:t>
             </a:fld>
             <a:endParaRPr lang="en-ZA"/>
           </a:p>
@@ -1952,7 +1931,6 @@
           <a:p>
             <a:fld id="{FF1E2881-C859-4715-83A0-919D8B92F780}" type="slidenum">
               <a:rPr lang="en-ZA" smtClean="0"/>
-              <a:pPr/>
               <a:t>‹#›</a:t>
             </a:fld>
             <a:endParaRPr lang="en-ZA"/>
@@ -1962,7 +1940,7 @@
     </p:spTree>
     <p:extLst>
       <p:ext uri="{BB962C8B-B14F-4D97-AF65-F5344CB8AC3E}">
-        <p14:creationId xmlns:p14="http://schemas.microsoft.com/office/powerpoint/2010/main" xmlns="" val="4081995342"/>
+        <p14:creationId xmlns:p14="http://schemas.microsoft.com/office/powerpoint/2010/main" val="4081995342"/>
       </p:ext>
     </p:extLst>
   </p:cSld>
@@ -2006,8 +1984,7 @@
           <a:p>
             <a:fld id="{BC8B1206-7415-4CAA-BABF-4B2FCC8828A3}" type="datetimeFigureOut">
               <a:rPr lang="en-ZA" smtClean="0"/>
-              <a:pPr/>
-              <a:t>2015/04/16</a:t>
+              <a:t>2015-04-16</a:t>
             </a:fld>
             <a:endParaRPr lang="en-ZA"/>
           </a:p>
@@ -2049,7 +2026,6 @@
           <a:p>
             <a:fld id="{FF1E2881-C859-4715-83A0-919D8B92F780}" type="slidenum">
               <a:rPr lang="en-ZA" smtClean="0"/>
-              <a:pPr/>
               <a:t>‹#›</a:t>
             </a:fld>
             <a:endParaRPr lang="en-ZA"/>
@@ -2059,7 +2035,7 @@
     </p:spTree>
     <p:extLst>
       <p:ext uri="{BB962C8B-B14F-4D97-AF65-F5344CB8AC3E}">
-        <p14:creationId xmlns:p14="http://schemas.microsoft.com/office/powerpoint/2010/main" xmlns="" val="1897818696"/>
+        <p14:creationId xmlns:p14="http://schemas.microsoft.com/office/powerpoint/2010/main" val="1897818696"/>
       </p:ext>
     </p:extLst>
   </p:cSld>
@@ -2285,8 +2261,7 @@
           <a:p>
             <a:fld id="{BC8B1206-7415-4CAA-BABF-4B2FCC8828A3}" type="datetimeFigureOut">
               <a:rPr lang="en-ZA" smtClean="0"/>
-              <a:pPr/>
-              <a:t>2015/04/16</a:t>
+              <a:t>2015-04-16</a:t>
             </a:fld>
             <a:endParaRPr lang="en-ZA"/>
           </a:p>
@@ -2328,7 +2303,6 @@
           <a:p>
             <a:fld id="{FF1E2881-C859-4715-83A0-919D8B92F780}" type="slidenum">
               <a:rPr lang="en-ZA" smtClean="0"/>
-              <a:pPr/>
               <a:t>‹#›</a:t>
             </a:fld>
             <a:endParaRPr lang="en-ZA"/>
@@ -2338,7 +2312,7 @@
     </p:spTree>
     <p:extLst>
       <p:ext uri="{BB962C8B-B14F-4D97-AF65-F5344CB8AC3E}">
-        <p14:creationId xmlns:p14="http://schemas.microsoft.com/office/powerpoint/2010/main" xmlns="" val="2349542582"/>
+        <p14:creationId xmlns:p14="http://schemas.microsoft.com/office/powerpoint/2010/main" val="2349542582"/>
       </p:ext>
     </p:extLst>
   </p:cSld>
@@ -2540,8 +2514,7 @@
           <a:p>
             <a:fld id="{BC8B1206-7415-4CAA-BABF-4B2FCC8828A3}" type="datetimeFigureOut">
               <a:rPr lang="en-ZA" smtClean="0"/>
-              <a:pPr/>
-              <a:t>2015/04/16</a:t>
+              <a:t>2015-04-16</a:t>
             </a:fld>
             <a:endParaRPr lang="en-ZA"/>
           </a:p>
@@ -2583,7 +2556,6 @@
           <a:p>
             <a:fld id="{FF1E2881-C859-4715-83A0-919D8B92F780}" type="slidenum">
               <a:rPr lang="en-ZA" smtClean="0"/>
-              <a:pPr/>
               <a:t>‹#›</a:t>
             </a:fld>
             <a:endParaRPr lang="en-ZA"/>
@@ -2593,7 +2565,7 @@
     </p:spTree>
     <p:extLst>
       <p:ext uri="{BB962C8B-B14F-4D97-AF65-F5344CB8AC3E}">
-        <p14:creationId xmlns:p14="http://schemas.microsoft.com/office/powerpoint/2010/main" xmlns="" val="1781508516"/>
+        <p14:creationId xmlns:p14="http://schemas.microsoft.com/office/powerpoint/2010/main" val="1781508516"/>
       </p:ext>
     </p:extLst>
   </p:cSld>
@@ -2764,8 +2736,7 @@
           <a:p>
             <a:fld id="{BC8B1206-7415-4CAA-BABF-4B2FCC8828A3}" type="datetimeFigureOut">
               <a:rPr lang="en-ZA" smtClean="0"/>
-              <a:pPr/>
-              <a:t>2015/04/16</a:t>
+              <a:t>2015-04-16</a:t>
             </a:fld>
             <a:endParaRPr lang="en-ZA"/>
           </a:p>
@@ -2843,7 +2814,6 @@
           <a:p>
             <a:fld id="{FF1E2881-C859-4715-83A0-919D8B92F780}" type="slidenum">
               <a:rPr lang="en-ZA" smtClean="0"/>
-              <a:pPr/>
               <a:t>‹#›</a:t>
             </a:fld>
             <a:endParaRPr lang="en-ZA"/>
@@ -2853,7 +2823,7 @@
     </p:spTree>
     <p:extLst>
       <p:ext uri="{BB962C8B-B14F-4D97-AF65-F5344CB8AC3E}">
-        <p14:creationId xmlns:p14="http://schemas.microsoft.com/office/powerpoint/2010/main" xmlns="" val="2839475855"/>
+        <p14:creationId xmlns:p14="http://schemas.microsoft.com/office/powerpoint/2010/main" val="2839475855"/>
       </p:ext>
     </p:extLst>
   </p:cSld>
@@ -3201,7 +3171,7 @@
         <p:spPr>
           <a:xfrm>
             <a:off x="827584" y="2060848"/>
-            <a:ext cx="7706816" cy="4032448"/>
+            <a:ext cx="7560840" cy="4032448"/>
           </a:xfrm>
           <a:solidFill>
             <a:schemeClr val="tx1">
@@ -3307,6 +3277,17 @@
                   <a:schemeClr val="bg1"/>
                 </a:solidFill>
               </a:rPr>
+              <a:t>	12247040 - Team Lead</a:t>
+            </a:r>
+          </a:p>
+          <a:p>
+            <a:pPr algn="l"/>
+            <a:r>
+              <a:rPr lang="en-ZA" dirty="0">
+                <a:solidFill>
+                  <a:schemeClr val="bg1"/>
+                </a:solidFill>
+              </a:rPr>
               <a:t>	</a:t>
             </a:r>
             <a:r>
@@ -3315,7 +3296,15 @@
                   <a:schemeClr val="bg1"/>
                 </a:solidFill>
               </a:rPr>
-              <a:t> 12247040 </a:t>
+              <a:t>Jessica </a:t>
+            </a:r>
+            <a:r>
+              <a:rPr lang="en-ZA" dirty="0" err="1" smtClean="0">
+                <a:solidFill>
+                  <a:schemeClr val="bg1"/>
+                </a:solidFill>
+              </a:rPr>
+              <a:t>Lessev</a:t>
             </a:r>
             <a:r>
               <a:rPr lang="en-ZA" dirty="0" smtClean="0">
@@ -3323,7 +3312,7 @@
                   <a:schemeClr val="bg1"/>
                 </a:solidFill>
               </a:rPr>
-              <a:t>- Team Lead</a:t>
+              <a:t>	13049136</a:t>
             </a:r>
           </a:p>
           <a:p>
@@ -3342,7 +3331,7 @@
                   <a:schemeClr val="bg1"/>
                 </a:solidFill>
               </a:rPr>
-              <a:t>Jessica </a:t>
+              <a:t>Armand </a:t>
             </a:r>
             <a:r>
               <a:rPr lang="en-ZA" dirty="0" err="1" smtClean="0">
@@ -3350,7 +3339,15 @@
                   <a:schemeClr val="bg1"/>
                 </a:solidFill>
               </a:rPr>
-              <a:t>Lessev</a:t>
+              <a:t>Pieterse</a:t>
+            </a:r>
+            <a:r>
+              <a:rPr lang="en-ZA" dirty="0">
+                <a:solidFill>
+                  <a:schemeClr val="bg1"/>
+                </a:solidFill>
+              </a:rPr>
+              <a:t>	</a:t>
             </a:r>
             <a:r>
               <a:rPr lang="en-ZA" dirty="0" smtClean="0">
@@ -3358,7 +3355,50 @@
                   <a:schemeClr val="bg1"/>
                 </a:solidFill>
               </a:rPr>
-              <a:t>	</a:t>
+              <a:t>12167844 </a:t>
+            </a:r>
+          </a:p>
+          <a:p>
+            <a:pPr algn="l"/>
+            <a:r>
+              <a:rPr lang="en-ZA" dirty="0">
+                <a:solidFill>
+                  <a:schemeClr val="bg1"/>
+                </a:solidFill>
+              </a:rPr>
+              <a:t>	 </a:t>
+            </a:r>
+            <a:r>
+              <a:rPr lang="en-ZA" dirty="0" err="1">
+                <a:solidFill>
+                  <a:schemeClr val="bg1"/>
+                </a:solidFill>
+              </a:rPr>
+              <a:t>Kaleab</a:t>
+            </a:r>
+            <a:r>
+              <a:rPr lang="en-ZA" dirty="0">
+                <a:solidFill>
+                  <a:schemeClr val="bg1"/>
+                </a:solidFill>
+              </a:rPr>
+              <a:t> </a:t>
+            </a:r>
+            <a:r>
+              <a:rPr lang="en-ZA" dirty="0" err="1">
+                <a:solidFill>
+                  <a:schemeClr val="bg1"/>
+                </a:solidFill>
+              </a:rPr>
+              <a:t>Tessera</a:t>
+            </a:r>
+            <a:r>
+              <a:rPr lang="en-ZA" dirty="0">
+                <a:solidFill>
+                  <a:schemeClr val="bg1"/>
+                </a:solidFill>
+              </a:rPr>
+              <a:t> </a:t>
             </a:r>
             <a:r>
               <a:rPr lang="en-ZA" dirty="0" smtClean="0">
@@ -3366,125 +3406,8 @@
                   <a:schemeClr val="bg1"/>
                 </a:solidFill>
               </a:rPr>
-              <a:t> 13049136</a:t>
-            </a:r>
-            <a:endParaRPr lang="en-ZA" dirty="0" smtClean="0">
-              <a:solidFill>
-                <a:schemeClr val="bg1"/>
-              </a:solidFill>
-            </a:endParaRPr>
-          </a:p>
-          <a:p>
-            <a:pPr algn="l"/>
-            <a:r>
-              <a:rPr lang="en-ZA" dirty="0">
-                <a:solidFill>
-                  <a:schemeClr val="bg1"/>
-                </a:solidFill>
-              </a:rPr>
-              <a:t>	</a:t>
-            </a:r>
-            <a:r>
-              <a:rPr lang="en-ZA" dirty="0" smtClean="0">
-                <a:solidFill>
-                  <a:schemeClr val="bg1"/>
-                </a:solidFill>
-              </a:rPr>
-              <a:t>Armand </a:t>
-            </a:r>
-            <a:r>
-              <a:rPr lang="en-ZA" dirty="0" err="1" smtClean="0">
-                <a:solidFill>
-                  <a:schemeClr val="bg1"/>
-                </a:solidFill>
-              </a:rPr>
-              <a:t>Pieterse</a:t>
-            </a:r>
-            <a:r>
-              <a:rPr lang="en-ZA" dirty="0">
-                <a:solidFill>
-                  <a:schemeClr val="bg1"/>
-                </a:solidFill>
-              </a:rPr>
-              <a:t> </a:t>
-            </a:r>
-            <a:r>
-              <a:rPr lang="en-ZA" dirty="0" smtClean="0">
-                <a:solidFill>
-                  <a:schemeClr val="bg1"/>
-                </a:solidFill>
-              </a:rPr>
-              <a:t>12167844 </a:t>
-            </a:r>
-            <a:endParaRPr lang="en-ZA" dirty="0" smtClean="0">
-              <a:solidFill>
-                <a:schemeClr val="bg1"/>
-              </a:solidFill>
-            </a:endParaRPr>
-          </a:p>
-          <a:p>
-            <a:pPr algn="l"/>
-            <a:r>
-              <a:rPr lang="en-ZA" dirty="0">
-                <a:solidFill>
-                  <a:schemeClr val="bg1"/>
-                </a:solidFill>
-              </a:rPr>
-              <a:t>	</a:t>
-            </a:r>
-            <a:r>
-              <a:rPr lang="en-ZA" dirty="0" err="1" smtClean="0">
-                <a:solidFill>
-                  <a:schemeClr val="bg1"/>
-                </a:solidFill>
-              </a:rPr>
-              <a:t>Kaleab</a:t>
-            </a:r>
-            <a:r>
-              <a:rPr lang="en-ZA" dirty="0" smtClean="0">
-                <a:solidFill>
-                  <a:schemeClr val="bg1"/>
-                </a:solidFill>
-              </a:rPr>
-              <a:t> </a:t>
-            </a:r>
-            <a:r>
-              <a:rPr lang="en-ZA" dirty="0" err="1">
-                <a:solidFill>
-                  <a:schemeClr val="bg1"/>
-                </a:solidFill>
-              </a:rPr>
-              <a:t>Tessera</a:t>
-            </a:r>
-            <a:r>
-              <a:rPr lang="en-ZA" dirty="0">
-                <a:solidFill>
-                  <a:schemeClr val="bg1"/>
-                </a:solidFill>
-              </a:rPr>
-              <a:t> </a:t>
-            </a:r>
-            <a:r>
-              <a:rPr lang="en-ZA" dirty="0" smtClean="0">
-                <a:solidFill>
-                  <a:schemeClr val="bg1"/>
-                </a:solidFill>
-              </a:rPr>
-              <a:t>	</a:t>
-            </a:r>
-            <a:r>
-              <a:rPr lang="en-ZA" dirty="0" smtClean="0">
-                <a:solidFill>
-                  <a:schemeClr val="bg1"/>
-                </a:solidFill>
-              </a:rPr>
-              <a:t> 13048423</a:t>
-            </a:r>
-            <a:endParaRPr lang="en-ZA" dirty="0" smtClean="0">
-              <a:solidFill>
-                <a:schemeClr val="bg1"/>
-              </a:solidFill>
-            </a:endParaRPr>
+              <a:t>	13048423</a:t>
+            </a:r>
           </a:p>
           <a:p>
             <a:pPr algn="l"/>
@@ -3507,1431 +3430,7 @@
     </p:spTree>
     <p:extLst>
       <p:ext uri="{BB962C8B-B14F-4D97-AF65-F5344CB8AC3E}">
-        <p14:creationId xmlns:p14="http://schemas.microsoft.com/office/powerpoint/2010/main" xmlns="" val="308255282"/>
-      </p:ext>
-    </p:extLst>
-  </p:cSld>
-  <p:clrMapOvr>
-    <a:masterClrMapping/>
-  </p:clrMapOvr>
-  <p:timing>
-    <p:tnLst>
-      <p:par>
-        <p:cTn id="1" dur="indefinite" restart="never" nodeType="tmRoot"/>
-      </p:par>
-    </p:tnLst>
-  </p:timing>
-</p:sld>
-</file>
-
-<file path=ppt/slides/slide10.xml><?xml version="1.0" encoding="utf-8"?>
-<p:sld xmlns:a="http://schemas.openxmlformats.org/drawingml/2006/main" xmlns:r="http://schemas.openxmlformats.org/officeDocument/2006/relationships" xmlns:p="http://schemas.openxmlformats.org/presentationml/2006/main">
-  <p:cSld>
-    <p:spTree>
-      <p:nvGrpSpPr>
-        <p:cNvPr id="1" name=""/>
-        <p:cNvGrpSpPr/>
-        <p:nvPr/>
-      </p:nvGrpSpPr>
-      <p:grpSpPr>
-        <a:xfrm>
-          <a:off x="0" y="0"/>
-          <a:ext cx="0" cy="0"/>
-          <a:chOff x="0" y="0"/>
-          <a:chExt cx="0" cy="0"/>
-        </a:xfrm>
-      </p:grpSpPr>
-      <p:sp>
-        <p:nvSpPr>
-          <p:cNvPr id="2" name="Title 1"/>
-          <p:cNvSpPr>
-            <a:spLocks noGrp="1"/>
-          </p:cNvSpPr>
-          <p:nvPr>
-            <p:ph type="title"/>
-          </p:nvPr>
-        </p:nvSpPr>
-        <p:spPr/>
-        <p:txBody>
-          <a:bodyPr/>
-          <a:lstStyle/>
-          <a:p>
-            <a:r>
-              <a:rPr lang="en-ZA" dirty="0" smtClean="0"/>
-              <a:t>Code … If short enough … </a:t>
-            </a:r>
-            <a:endParaRPr lang="en-ZA" dirty="0"/>
-          </a:p>
-        </p:txBody>
-      </p:sp>
-      <p:sp>
-        <p:nvSpPr>
-          <p:cNvPr id="3" name="Content Placeholder 2"/>
-          <p:cNvSpPr>
-            <a:spLocks noGrp="1"/>
-          </p:cNvSpPr>
-          <p:nvPr>
-            <p:ph idx="1"/>
-          </p:nvPr>
-        </p:nvSpPr>
-        <p:spPr/>
-        <p:txBody>
-          <a:bodyPr/>
-          <a:lstStyle/>
-          <a:p>
-            <a:endParaRPr lang="en-ZA" dirty="0"/>
-          </a:p>
-        </p:txBody>
-      </p:sp>
-    </p:spTree>
-    <p:extLst>
-      <p:ext uri="{BB962C8B-B14F-4D97-AF65-F5344CB8AC3E}">
-        <p14:creationId xmlns:p14="http://schemas.microsoft.com/office/powerpoint/2010/main" xmlns="" val="2854353392"/>
-      </p:ext>
-    </p:extLst>
-  </p:cSld>
-  <p:clrMapOvr>
-    <a:masterClrMapping/>
-  </p:clrMapOvr>
-  <p:timing>
-    <p:tnLst>
-      <p:par>
-        <p:cTn id="1" dur="indefinite" restart="never" nodeType="tmRoot"/>
-      </p:par>
-    </p:tnLst>
-  </p:timing>
-</p:sld>
-</file>
-
-<file path=ppt/slides/slide11.xml><?xml version="1.0" encoding="utf-8"?>
-<p:sld xmlns:a="http://schemas.openxmlformats.org/drawingml/2006/main" xmlns:r="http://schemas.openxmlformats.org/officeDocument/2006/relationships" xmlns:p="http://schemas.openxmlformats.org/presentationml/2006/main">
-  <p:cSld>
-    <p:spTree>
-      <p:nvGrpSpPr>
-        <p:cNvPr id="1" name=""/>
-        <p:cNvGrpSpPr/>
-        <p:nvPr/>
-      </p:nvGrpSpPr>
-      <p:grpSpPr>
-        <a:xfrm>
-          <a:off x="0" y="0"/>
-          <a:ext cx="0" cy="0"/>
-          <a:chOff x="0" y="0"/>
-          <a:chExt cx="0" cy="0"/>
-        </a:xfrm>
-      </p:grpSpPr>
-      <p:sp>
-        <p:nvSpPr>
-          <p:cNvPr id="2" name="Title 1"/>
-          <p:cNvSpPr>
-            <a:spLocks noGrp="1"/>
-          </p:cNvSpPr>
-          <p:nvPr>
-            <p:ph type="title"/>
-          </p:nvPr>
-        </p:nvSpPr>
-        <p:spPr>
-          <a:xfrm>
-            <a:off x="457200" y="274638"/>
-            <a:ext cx="8229600" cy="1210146"/>
-          </a:xfrm>
-          <a:solidFill>
-            <a:schemeClr val="tx1"/>
-          </a:solidFill>
-          <a:ln>
-            <a:noFill/>
-          </a:ln>
-          <a:effectLst>
-            <a:softEdge rad="635000"/>
-          </a:effectLst>
-        </p:spPr>
-        <p:txBody>
-          <a:bodyPr vert="horz" lIns="91440" tIns="45720" rIns="91440" bIns="45720" rtlCol="0" anchor="ctr">
-            <a:normAutofit fontScale="90000"/>
-          </a:bodyPr>
-          <a:lstStyle/>
-          <a:p>
-            <a:r>
-              <a:rPr lang="en-ZA" sz="5400" u="sng" dirty="0" err="1" smtClean="0">
-                <a:solidFill>
-                  <a:schemeClr val="bg1"/>
-                </a:solidFill>
-              </a:rPr>
-              <a:t>removeAuthorization</a:t>
-            </a:r>
-            <a:r>
-              <a:rPr lang="en-ZA" sz="5400" u="sng" dirty="0" smtClean="0">
-                <a:solidFill>
-                  <a:schemeClr val="bg1"/>
-                </a:solidFill>
-              </a:rPr>
-              <a:t>()</a:t>
-            </a:r>
-            <a:br>
-              <a:rPr lang="en-ZA" sz="5400" u="sng" dirty="0" smtClean="0">
-                <a:solidFill>
-                  <a:schemeClr val="bg1"/>
-                </a:solidFill>
-              </a:rPr>
-            </a:br>
-            <a:r>
-              <a:rPr lang="en-ZA" sz="2200" u="sng" dirty="0" smtClean="0">
-                <a:solidFill>
-                  <a:schemeClr val="bg1"/>
-                </a:solidFill>
-              </a:rPr>
-              <a:t>Authors: Jessica </a:t>
-            </a:r>
-            <a:r>
-              <a:rPr lang="en-ZA" sz="2200" u="sng" dirty="0" err="1" smtClean="0">
-                <a:solidFill>
-                  <a:schemeClr val="bg1"/>
-                </a:solidFill>
-              </a:rPr>
-              <a:t>Lessev</a:t>
-            </a:r>
-            <a:endParaRPr lang="en-ZA" sz="2200" u="sng" dirty="0">
-              <a:solidFill>
-                <a:schemeClr val="bg1"/>
-              </a:solidFill>
-            </a:endParaRPr>
-          </a:p>
-        </p:txBody>
-      </p:sp>
-      <p:sp>
-        <p:nvSpPr>
-          <p:cNvPr id="3" name="Content Placeholder 2"/>
-          <p:cNvSpPr>
-            <a:spLocks noGrp="1"/>
-          </p:cNvSpPr>
-          <p:nvPr>
-            <p:ph idx="1"/>
-          </p:nvPr>
-        </p:nvSpPr>
-        <p:spPr>
-          <a:xfrm>
-            <a:off x="323528" y="1628800"/>
-            <a:ext cx="4104456" cy="4680520"/>
-          </a:xfrm>
-          <a:solidFill>
-            <a:schemeClr val="tx1">
-              <a:lumMod val="95000"/>
-              <a:lumOff val="5000"/>
-            </a:schemeClr>
-          </a:solidFill>
-          <a:effectLst>
-            <a:softEdge rad="63500"/>
-          </a:effectLst>
-        </p:spPr>
-        <p:txBody>
-          <a:bodyPr>
-            <a:normAutofit fontScale="92500" lnSpcReduction="10000"/>
-          </a:bodyPr>
-          <a:lstStyle/>
-          <a:p>
-            <a:pPr marL="0" indent="0" algn="just">
-              <a:buNone/>
-            </a:pPr>
-            <a:r>
-              <a:rPr lang="en-ZA" sz="2200" b="1" dirty="0" smtClean="0">
-                <a:solidFill>
-                  <a:schemeClr val="bg1"/>
-                </a:solidFill>
-              </a:rPr>
-              <a:t>Description</a:t>
-            </a:r>
-            <a:r>
-              <a:rPr lang="en-ZA" sz="2000" dirty="0" smtClean="0">
-                <a:solidFill>
-                  <a:schemeClr val="bg1"/>
-                </a:solidFill>
-              </a:rPr>
-              <a:t>: </a:t>
-            </a:r>
-            <a:r>
-              <a:rPr lang="en-ZA" sz="1700" dirty="0" smtClean="0">
-                <a:solidFill>
-                  <a:schemeClr val="bg1"/>
-                </a:solidFill>
-              </a:rPr>
-              <a:t>It is a void function and does not return any value.</a:t>
-            </a:r>
-          </a:p>
-          <a:p>
-            <a:pPr marL="0" indent="0" algn="just">
-              <a:buNone/>
-            </a:pPr>
-            <a:r>
-              <a:rPr lang="en-ZA" sz="1700" dirty="0" smtClean="0">
-                <a:solidFill>
-                  <a:schemeClr val="bg1"/>
-                </a:solidFill>
-              </a:rPr>
-              <a:t>The aim of the function is "remove" an authorization of a restriction by setting a "deleted" flag to true.</a:t>
-            </a:r>
-          </a:p>
-          <a:p>
-            <a:pPr marL="0" indent="0" algn="just">
-              <a:buNone/>
-            </a:pPr>
-            <a:endParaRPr lang="en-ZA" sz="2000" dirty="0" smtClean="0">
-              <a:solidFill>
-                <a:schemeClr val="bg1"/>
-              </a:solidFill>
-            </a:endParaRPr>
-          </a:p>
-          <a:p>
-            <a:pPr marL="0" indent="0" algn="just">
-              <a:buNone/>
-            </a:pPr>
-            <a:r>
-              <a:rPr lang="en-ZA" sz="2000" b="1" dirty="0" smtClean="0">
-                <a:solidFill>
-                  <a:schemeClr val="bg1"/>
-                </a:solidFill>
-              </a:rPr>
-              <a:t>Function </a:t>
-            </a:r>
-            <a:r>
-              <a:rPr lang="en-ZA" sz="2200" b="1" dirty="0" smtClean="0">
-                <a:solidFill>
-                  <a:schemeClr val="bg1"/>
-                </a:solidFill>
-              </a:rPr>
-              <a:t>Outline</a:t>
-            </a:r>
-            <a:endParaRPr lang="en-ZA" sz="2000" b="1" dirty="0" smtClean="0">
-              <a:solidFill>
-                <a:schemeClr val="bg1"/>
-              </a:solidFill>
-            </a:endParaRPr>
-          </a:p>
-          <a:p>
-            <a:pPr marL="514350" indent="-514350" algn="just">
-              <a:buAutoNum type="arabicPeriod"/>
-            </a:pPr>
-            <a:r>
-              <a:rPr lang="en-ZA" sz="1700" dirty="0" smtClean="0">
-                <a:solidFill>
-                  <a:schemeClr val="bg1"/>
-                </a:solidFill>
-              </a:rPr>
-              <a:t>remove() connects to the database that contains data regarding services, statuses, restrictions and other information about the system.</a:t>
-            </a:r>
-          </a:p>
-          <a:p>
-            <a:pPr marL="514350" indent="-514350" algn="just">
-              <a:buAutoNum type="arabicPeriod"/>
-            </a:pPr>
-            <a:r>
-              <a:rPr lang="en-ZA" sz="1700" dirty="0" smtClean="0">
-                <a:solidFill>
-                  <a:schemeClr val="bg1"/>
-                </a:solidFill>
-              </a:rPr>
-              <a:t>The function locates the record in the database that corresponds to the </a:t>
-            </a:r>
-            <a:r>
-              <a:rPr lang="en-ZA" sz="1700" dirty="0" err="1" smtClean="0">
-                <a:solidFill>
-                  <a:schemeClr val="bg1"/>
-                </a:solidFill>
-              </a:rPr>
-              <a:t>authorizedID</a:t>
-            </a:r>
-            <a:r>
-              <a:rPr lang="en-ZA" sz="1700" dirty="0" smtClean="0">
-                <a:solidFill>
-                  <a:schemeClr val="bg1"/>
-                </a:solidFill>
-              </a:rPr>
-              <a:t> variable.</a:t>
-            </a:r>
-          </a:p>
-          <a:p>
-            <a:pPr marL="514350" indent="-514350" algn="just">
-              <a:buAutoNum type="arabicPeriod"/>
-            </a:pPr>
-            <a:r>
-              <a:rPr lang="en-ZA" sz="1700" dirty="0" smtClean="0">
-                <a:solidFill>
-                  <a:schemeClr val="bg1"/>
-                </a:solidFill>
-              </a:rPr>
-              <a:t>Updates the </a:t>
-            </a:r>
-            <a:r>
-              <a:rPr lang="en-ZA" sz="1700" dirty="0" err="1" smtClean="0">
-                <a:solidFill>
-                  <a:schemeClr val="bg1"/>
-                </a:solidFill>
-              </a:rPr>
-              <a:t>boolean</a:t>
-            </a:r>
-            <a:r>
-              <a:rPr lang="en-ZA" sz="1700" dirty="0" smtClean="0">
-                <a:solidFill>
-                  <a:schemeClr val="bg1"/>
-                </a:solidFill>
-              </a:rPr>
-              <a:t> field to false to show that authorization is removed.</a:t>
-            </a:r>
-            <a:r>
-              <a:rPr lang="en-ZA" dirty="0" smtClean="0">
-                <a:solidFill>
-                  <a:schemeClr val="bg1"/>
-                </a:solidFill>
-              </a:rPr>
-              <a:t>	</a:t>
-            </a:r>
-          </a:p>
-          <a:p>
-            <a:endParaRPr lang="en-ZA" dirty="0" smtClean="0">
-              <a:solidFill>
-                <a:schemeClr val="bg1"/>
-              </a:solidFill>
-            </a:endParaRPr>
-          </a:p>
-          <a:p>
-            <a:endParaRPr lang="en-ZA" dirty="0">
-              <a:solidFill>
-                <a:schemeClr val="bg1"/>
-              </a:solidFill>
-            </a:endParaRPr>
-          </a:p>
-          <a:p>
-            <a:endParaRPr lang="en-ZA" dirty="0">
-              <a:solidFill>
-                <a:schemeClr val="bg1"/>
-              </a:solidFill>
-            </a:endParaRPr>
-          </a:p>
-        </p:txBody>
-      </p:sp>
-      <p:sp>
-        <p:nvSpPr>
-          <p:cNvPr id="4" name="Content Placeholder 2"/>
-          <p:cNvSpPr txBox="1">
-            <a:spLocks/>
-          </p:cNvSpPr>
-          <p:nvPr/>
-        </p:nvSpPr>
-        <p:spPr>
-          <a:xfrm>
-            <a:off x="4788024" y="1628800"/>
-            <a:ext cx="4104456" cy="4680520"/>
-          </a:xfrm>
-          <a:prstGeom prst="rect">
-            <a:avLst/>
-          </a:prstGeom>
-          <a:solidFill>
-            <a:schemeClr val="tx1">
-              <a:lumMod val="95000"/>
-              <a:lumOff val="5000"/>
-            </a:schemeClr>
-          </a:solidFill>
-          <a:effectLst>
-            <a:softEdge rad="63500"/>
-          </a:effectLst>
-        </p:spPr>
-        <p:txBody>
-          <a:bodyPr vert="horz" lIns="91440" tIns="45720" rIns="91440" bIns="45720" rtlCol="0">
-            <a:normAutofit/>
-          </a:bodyPr>
-          <a:lstStyle>
-            <a:lvl1pPr marL="342900" indent="-342900" algn="l" defTabSz="914400" rtl="0" eaLnBrk="1" latinLnBrk="0" hangingPunct="1">
-              <a:spcBef>
-                <a:spcPct val="20000"/>
-              </a:spcBef>
-              <a:buFont typeface="Arial" pitchFamily="34" charset="0"/>
-              <a:buChar char="•"/>
-              <a:defRPr sz="3200" kern="1200">
-                <a:solidFill>
-                  <a:schemeClr val="tx1"/>
-                </a:solidFill>
-                <a:latin typeface="+mn-lt"/>
-                <a:ea typeface="+mn-ea"/>
-                <a:cs typeface="+mn-cs"/>
-              </a:defRPr>
-            </a:lvl1pPr>
-            <a:lvl2pPr marL="742950" indent="-285750" algn="l" defTabSz="914400" rtl="0" eaLnBrk="1" latinLnBrk="0" hangingPunct="1">
-              <a:spcBef>
-                <a:spcPct val="20000"/>
-              </a:spcBef>
-              <a:buFont typeface="Arial" pitchFamily="34" charset="0"/>
-              <a:buChar char="–"/>
-              <a:defRPr sz="2800" kern="1200">
-                <a:solidFill>
-                  <a:schemeClr val="tx1"/>
-                </a:solidFill>
-                <a:latin typeface="+mn-lt"/>
-                <a:ea typeface="+mn-ea"/>
-                <a:cs typeface="+mn-cs"/>
-              </a:defRPr>
-            </a:lvl2pPr>
-            <a:lvl3pPr marL="1143000" indent="-228600" algn="l" defTabSz="914400" rtl="0" eaLnBrk="1" latinLnBrk="0" hangingPunct="1">
-              <a:spcBef>
-                <a:spcPct val="20000"/>
-              </a:spcBef>
-              <a:buFont typeface="Arial" pitchFamily="34" charset="0"/>
-              <a:buChar char="•"/>
-              <a:defRPr sz="2400" kern="1200">
-                <a:solidFill>
-                  <a:schemeClr val="tx1"/>
-                </a:solidFill>
-                <a:latin typeface="+mn-lt"/>
-                <a:ea typeface="+mn-ea"/>
-                <a:cs typeface="+mn-cs"/>
-              </a:defRPr>
-            </a:lvl3pPr>
-            <a:lvl4pPr marL="1600200" indent="-228600" algn="l" defTabSz="914400" rtl="0" eaLnBrk="1" latinLnBrk="0" hangingPunct="1">
-              <a:spcBef>
-                <a:spcPct val="20000"/>
-              </a:spcBef>
-              <a:buFont typeface="Arial" pitchFamily="34" charset="0"/>
-              <a:buChar char="–"/>
-              <a:defRPr sz="2000" kern="1200">
-                <a:solidFill>
-                  <a:schemeClr val="tx1"/>
-                </a:solidFill>
-                <a:latin typeface="+mn-lt"/>
-                <a:ea typeface="+mn-ea"/>
-                <a:cs typeface="+mn-cs"/>
-              </a:defRPr>
-            </a:lvl4pPr>
-            <a:lvl5pPr marL="2057400" indent="-228600" algn="l" defTabSz="914400" rtl="0" eaLnBrk="1" latinLnBrk="0" hangingPunct="1">
-              <a:spcBef>
-                <a:spcPct val="20000"/>
-              </a:spcBef>
-              <a:buFont typeface="Arial" pitchFamily="34" charset="0"/>
-              <a:buChar char="»"/>
-              <a:defRPr sz="2000" kern="1200">
-                <a:solidFill>
-                  <a:schemeClr val="tx1"/>
-                </a:solidFill>
-                <a:latin typeface="+mn-lt"/>
-                <a:ea typeface="+mn-ea"/>
-                <a:cs typeface="+mn-cs"/>
-              </a:defRPr>
-            </a:lvl5pPr>
-            <a:lvl6pPr marL="2514600" indent="-228600" algn="l" defTabSz="914400" rtl="0" eaLnBrk="1" latinLnBrk="0" hangingPunct="1">
-              <a:spcBef>
-                <a:spcPct val="20000"/>
-              </a:spcBef>
-              <a:buFont typeface="Arial" pitchFamily="34" charset="0"/>
-              <a:buChar char="•"/>
-              <a:defRPr sz="2000" kern="1200">
-                <a:solidFill>
-                  <a:schemeClr val="tx1"/>
-                </a:solidFill>
-                <a:latin typeface="+mn-lt"/>
-                <a:ea typeface="+mn-ea"/>
-                <a:cs typeface="+mn-cs"/>
-              </a:defRPr>
-            </a:lvl6pPr>
-            <a:lvl7pPr marL="2971800" indent="-228600" algn="l" defTabSz="914400" rtl="0" eaLnBrk="1" latinLnBrk="0" hangingPunct="1">
-              <a:spcBef>
-                <a:spcPct val="20000"/>
-              </a:spcBef>
-              <a:buFont typeface="Arial" pitchFamily="34" charset="0"/>
-              <a:buChar char="•"/>
-              <a:defRPr sz="2000" kern="1200">
-                <a:solidFill>
-                  <a:schemeClr val="tx1"/>
-                </a:solidFill>
-                <a:latin typeface="+mn-lt"/>
-                <a:ea typeface="+mn-ea"/>
-                <a:cs typeface="+mn-cs"/>
-              </a:defRPr>
-            </a:lvl7pPr>
-            <a:lvl8pPr marL="3429000" indent="-228600" algn="l" defTabSz="914400" rtl="0" eaLnBrk="1" latinLnBrk="0" hangingPunct="1">
-              <a:spcBef>
-                <a:spcPct val="20000"/>
-              </a:spcBef>
-              <a:buFont typeface="Arial" pitchFamily="34" charset="0"/>
-              <a:buChar char="•"/>
-              <a:defRPr sz="2000" kern="1200">
-                <a:solidFill>
-                  <a:schemeClr val="tx1"/>
-                </a:solidFill>
-                <a:latin typeface="+mn-lt"/>
-                <a:ea typeface="+mn-ea"/>
-                <a:cs typeface="+mn-cs"/>
-              </a:defRPr>
-            </a:lvl8pPr>
-            <a:lvl9pPr marL="3886200" indent="-228600" algn="l" defTabSz="914400" rtl="0" eaLnBrk="1" latinLnBrk="0" hangingPunct="1">
-              <a:spcBef>
-                <a:spcPct val="20000"/>
-              </a:spcBef>
-              <a:buFont typeface="Arial" pitchFamily="34" charset="0"/>
-              <a:buChar char="•"/>
-              <a:defRPr sz="2000" kern="1200">
-                <a:solidFill>
-                  <a:schemeClr val="tx1"/>
-                </a:solidFill>
-                <a:latin typeface="+mn-lt"/>
-                <a:ea typeface="+mn-ea"/>
-                <a:cs typeface="+mn-cs"/>
-              </a:defRPr>
-            </a:lvl9pPr>
-          </a:lstStyle>
-          <a:p>
-            <a:pPr marL="0" indent="0" algn="just">
-              <a:buFont typeface="Arial" pitchFamily="34" charset="0"/>
-              <a:buNone/>
-            </a:pPr>
-            <a:r>
-              <a:rPr lang="en-ZA" sz="2000" b="1" dirty="0" smtClean="0">
-                <a:solidFill>
-                  <a:schemeClr val="bg1"/>
-                </a:solidFill>
-              </a:rPr>
-              <a:t>Challenges Faced: </a:t>
-            </a:r>
-          </a:p>
-          <a:p>
-            <a:pPr marL="514350" indent="-514350" algn="just">
-              <a:buFont typeface="Arial" pitchFamily="34" charset="0"/>
-              <a:buAutoNum type="arabicPeriod"/>
-            </a:pPr>
-            <a:r>
-              <a:rPr lang="en-ZA" sz="2000" dirty="0" smtClean="0">
-                <a:solidFill>
-                  <a:schemeClr val="bg1"/>
-                </a:solidFill>
-              </a:rPr>
-              <a:t>…</a:t>
-            </a:r>
-          </a:p>
-          <a:p>
-            <a:pPr marL="514350" indent="-514350" algn="just">
-              <a:buFont typeface="Arial" pitchFamily="34" charset="0"/>
-              <a:buAutoNum type="arabicPeriod"/>
-            </a:pPr>
-            <a:endParaRPr lang="en-ZA" sz="2000" dirty="0">
-              <a:solidFill>
-                <a:schemeClr val="bg1"/>
-              </a:solidFill>
-            </a:endParaRPr>
-          </a:p>
-          <a:p>
-            <a:pPr marL="514350" indent="-514350" algn="just">
-              <a:buFont typeface="Arial" pitchFamily="34" charset="0"/>
-              <a:buAutoNum type="arabicPeriod"/>
-            </a:pPr>
-            <a:endParaRPr lang="en-ZA" sz="2000" dirty="0">
-              <a:solidFill>
-                <a:schemeClr val="bg1"/>
-              </a:solidFill>
-            </a:endParaRPr>
-          </a:p>
-          <a:p>
-            <a:pPr marL="0" indent="0" algn="just">
-              <a:buNone/>
-            </a:pPr>
-            <a:r>
-              <a:rPr lang="en-ZA" sz="2000" b="1" dirty="0" smtClean="0">
-                <a:solidFill>
-                  <a:schemeClr val="bg1"/>
-                </a:solidFill>
-              </a:rPr>
-              <a:t>How challenges were overcome: </a:t>
-            </a:r>
-          </a:p>
-          <a:p>
-            <a:pPr marL="514350" indent="-514350" algn="just">
-              <a:buFont typeface="+mj-lt"/>
-              <a:buAutoNum type="arabicPeriod"/>
-            </a:pPr>
-            <a:r>
-              <a:rPr lang="en-ZA" sz="2000" dirty="0" smtClean="0">
-                <a:solidFill>
-                  <a:schemeClr val="bg1"/>
-                </a:solidFill>
-              </a:rPr>
-              <a:t>…</a:t>
-            </a:r>
-          </a:p>
-          <a:p>
-            <a:pPr marL="0" indent="0" algn="just">
-              <a:buFont typeface="Arial" pitchFamily="34" charset="0"/>
-              <a:buNone/>
-            </a:pPr>
-            <a:endParaRPr lang="en-ZA" dirty="0" smtClean="0">
-              <a:solidFill>
-                <a:schemeClr val="bg1"/>
-              </a:solidFill>
-            </a:endParaRPr>
-          </a:p>
-          <a:p>
-            <a:pPr marL="0" indent="0">
-              <a:buFont typeface="Arial" pitchFamily="34" charset="0"/>
-              <a:buNone/>
-            </a:pPr>
-            <a:r>
-              <a:rPr lang="en-ZA" dirty="0" smtClean="0">
-                <a:solidFill>
-                  <a:schemeClr val="bg1"/>
-                </a:solidFill>
-              </a:rPr>
-              <a:t>	</a:t>
-            </a:r>
-          </a:p>
-          <a:p>
-            <a:endParaRPr lang="en-ZA" dirty="0" smtClean="0">
-              <a:solidFill>
-                <a:schemeClr val="bg1"/>
-              </a:solidFill>
-            </a:endParaRPr>
-          </a:p>
-          <a:p>
-            <a:endParaRPr lang="en-ZA" dirty="0" smtClean="0">
-              <a:solidFill>
-                <a:schemeClr val="bg1"/>
-              </a:solidFill>
-            </a:endParaRPr>
-          </a:p>
-          <a:p>
-            <a:endParaRPr lang="en-ZA" dirty="0">
-              <a:solidFill>
-                <a:schemeClr val="bg1"/>
-              </a:solidFill>
-            </a:endParaRPr>
-          </a:p>
-        </p:txBody>
-      </p:sp>
-    </p:spTree>
-    <p:extLst>
-      <p:ext uri="{BB962C8B-B14F-4D97-AF65-F5344CB8AC3E}">
-        <p14:creationId xmlns:p14="http://schemas.microsoft.com/office/powerpoint/2010/main" xmlns="" val="4160446826"/>
-      </p:ext>
-    </p:extLst>
-  </p:cSld>
-  <p:clrMapOvr>
-    <a:masterClrMapping/>
-  </p:clrMapOvr>
-  <p:timing>
-    <p:tnLst>
-      <p:par>
-        <p:cTn id="1" dur="indefinite" restart="never" nodeType="tmRoot"/>
-      </p:par>
-    </p:tnLst>
-  </p:timing>
-</p:sld>
-</file>
-
-<file path=ppt/slides/slide12.xml><?xml version="1.0" encoding="utf-8"?>
-<p:sld xmlns:a="http://schemas.openxmlformats.org/drawingml/2006/main" xmlns:r="http://schemas.openxmlformats.org/officeDocument/2006/relationships" xmlns:p="http://schemas.openxmlformats.org/presentationml/2006/main">
-  <p:cSld>
-    <p:spTree>
-      <p:nvGrpSpPr>
-        <p:cNvPr id="1" name=""/>
-        <p:cNvGrpSpPr/>
-        <p:nvPr/>
-      </p:nvGrpSpPr>
-      <p:grpSpPr>
-        <a:xfrm>
-          <a:off x="0" y="0"/>
-          <a:ext cx="0" cy="0"/>
-          <a:chOff x="0" y="0"/>
-          <a:chExt cx="0" cy="0"/>
-        </a:xfrm>
-      </p:grpSpPr>
-      <p:sp>
-        <p:nvSpPr>
-          <p:cNvPr id="2" name="Title 1"/>
-          <p:cNvSpPr>
-            <a:spLocks noGrp="1"/>
-          </p:cNvSpPr>
-          <p:nvPr>
-            <p:ph type="title"/>
-          </p:nvPr>
-        </p:nvSpPr>
-        <p:spPr/>
-        <p:txBody>
-          <a:bodyPr/>
-          <a:lstStyle/>
-          <a:p>
-            <a:r>
-              <a:rPr lang="en-ZA" b="1" dirty="0" smtClean="0">
-                <a:solidFill>
-                  <a:schemeClr val="bg1"/>
-                </a:solidFill>
-              </a:rPr>
-              <a:t>Code</a:t>
-            </a:r>
-            <a:endParaRPr lang="en-ZA" b="1" dirty="0">
-              <a:solidFill>
-                <a:schemeClr val="bg1"/>
-              </a:solidFill>
-            </a:endParaRPr>
-          </a:p>
-        </p:txBody>
-      </p:sp>
-      <p:sp>
-        <p:nvSpPr>
-          <p:cNvPr id="3" name="Content Placeholder 2"/>
-          <p:cNvSpPr>
-            <a:spLocks noGrp="1"/>
-          </p:cNvSpPr>
-          <p:nvPr>
-            <p:ph idx="1"/>
-          </p:nvPr>
-        </p:nvSpPr>
-        <p:spPr/>
-        <p:txBody>
-          <a:bodyPr/>
-          <a:lstStyle/>
-          <a:p>
-            <a:endParaRPr lang="en-ZA" dirty="0"/>
-          </a:p>
-        </p:txBody>
-      </p:sp>
-    </p:spTree>
-    <p:extLst>
-      <p:ext uri="{BB962C8B-B14F-4D97-AF65-F5344CB8AC3E}">
-        <p14:creationId xmlns:p14="http://schemas.microsoft.com/office/powerpoint/2010/main" xmlns="" val="1691782833"/>
-      </p:ext>
-    </p:extLst>
-  </p:cSld>
-  <p:clrMapOvr>
-    <a:masterClrMapping/>
-  </p:clrMapOvr>
-  <p:timing>
-    <p:tnLst>
-      <p:par>
-        <p:cTn id="1" dur="indefinite" restart="never" nodeType="tmRoot"/>
-      </p:par>
-    </p:tnLst>
-  </p:timing>
-</p:sld>
-</file>
-
-<file path=ppt/slides/slide13.xml><?xml version="1.0" encoding="utf-8"?>
-<p:sld xmlns:a="http://schemas.openxmlformats.org/drawingml/2006/main" xmlns:r="http://schemas.openxmlformats.org/officeDocument/2006/relationships" xmlns:p="http://schemas.openxmlformats.org/presentationml/2006/main">
-  <p:cSld>
-    <p:spTree>
-      <p:nvGrpSpPr>
-        <p:cNvPr id="1" name=""/>
-        <p:cNvGrpSpPr/>
-        <p:nvPr/>
-      </p:nvGrpSpPr>
-      <p:grpSpPr>
-        <a:xfrm>
-          <a:off x="0" y="0"/>
-          <a:ext cx="0" cy="0"/>
-          <a:chOff x="0" y="0"/>
-          <a:chExt cx="0" cy="0"/>
-        </a:xfrm>
-      </p:grpSpPr>
-      <p:sp>
-        <p:nvSpPr>
-          <p:cNvPr id="2" name="Title 1"/>
-          <p:cNvSpPr>
-            <a:spLocks noGrp="1"/>
-          </p:cNvSpPr>
-          <p:nvPr>
-            <p:ph type="title"/>
-          </p:nvPr>
-        </p:nvSpPr>
-        <p:spPr>
-          <a:xfrm>
-            <a:off x="457200" y="274638"/>
-            <a:ext cx="8229600" cy="1210146"/>
-          </a:xfrm>
-          <a:solidFill>
-            <a:schemeClr val="tx1"/>
-          </a:solidFill>
-          <a:ln>
-            <a:noFill/>
-          </a:ln>
-          <a:effectLst>
-            <a:softEdge rad="635000"/>
-          </a:effectLst>
-        </p:spPr>
-        <p:txBody>
-          <a:bodyPr vert="horz" lIns="91440" tIns="45720" rIns="91440" bIns="45720" rtlCol="0" anchor="ctr">
-            <a:normAutofit fontScale="90000"/>
-          </a:bodyPr>
-          <a:lstStyle/>
-          <a:p>
-            <a:r>
-              <a:rPr lang="en-ZA" sz="5400" u="sng" dirty="0" err="1" smtClean="0">
-                <a:solidFill>
-                  <a:schemeClr val="bg1"/>
-                </a:solidFill>
-              </a:rPr>
-              <a:t>updateAuthorization</a:t>
-            </a:r>
-            <a:r>
-              <a:rPr lang="en-ZA" sz="5400" u="sng" dirty="0" smtClean="0">
-                <a:solidFill>
-                  <a:schemeClr val="bg1"/>
-                </a:solidFill>
-              </a:rPr>
-              <a:t>()</a:t>
-            </a:r>
-            <a:br>
-              <a:rPr lang="en-ZA" sz="5400" u="sng" dirty="0" smtClean="0">
-                <a:solidFill>
-                  <a:schemeClr val="bg1"/>
-                </a:solidFill>
-              </a:rPr>
-            </a:br>
-            <a:r>
-              <a:rPr lang="en-ZA" sz="2200" u="sng" dirty="0" smtClean="0">
-                <a:solidFill>
-                  <a:schemeClr val="bg1"/>
-                </a:solidFill>
-              </a:rPr>
-              <a:t>Authors:</a:t>
-            </a:r>
-            <a:endParaRPr lang="en-ZA" sz="2200" u="sng" dirty="0">
-              <a:solidFill>
-                <a:schemeClr val="bg1"/>
-              </a:solidFill>
-            </a:endParaRPr>
-          </a:p>
-        </p:txBody>
-      </p:sp>
-      <p:sp>
-        <p:nvSpPr>
-          <p:cNvPr id="3" name="Content Placeholder 2"/>
-          <p:cNvSpPr>
-            <a:spLocks noGrp="1"/>
-          </p:cNvSpPr>
-          <p:nvPr>
-            <p:ph idx="1"/>
-          </p:nvPr>
-        </p:nvSpPr>
-        <p:spPr>
-          <a:xfrm>
-            <a:off x="323528" y="1628800"/>
-            <a:ext cx="4104456" cy="4680520"/>
-          </a:xfrm>
-          <a:solidFill>
-            <a:schemeClr val="tx1">
-              <a:lumMod val="95000"/>
-              <a:lumOff val="5000"/>
-            </a:schemeClr>
-          </a:solidFill>
-          <a:effectLst>
-            <a:softEdge rad="63500"/>
-          </a:effectLst>
-        </p:spPr>
-        <p:txBody>
-          <a:bodyPr>
-            <a:normAutofit/>
-          </a:bodyPr>
-          <a:lstStyle/>
-          <a:p>
-            <a:pPr marL="0" indent="0" algn="just">
-              <a:buNone/>
-            </a:pPr>
-            <a:r>
-              <a:rPr lang="en-ZA" sz="2000" b="1" dirty="0" smtClean="0">
-                <a:solidFill>
-                  <a:schemeClr val="bg1"/>
-                </a:solidFill>
-              </a:rPr>
-              <a:t>Description</a:t>
-            </a:r>
-            <a:r>
-              <a:rPr lang="en-ZA" sz="2000" dirty="0" smtClean="0">
-                <a:solidFill>
-                  <a:schemeClr val="bg1"/>
-                </a:solidFill>
-              </a:rPr>
-              <a:t>:</a:t>
-            </a:r>
-          </a:p>
-          <a:p>
-            <a:pPr marL="0" indent="0" algn="just">
-              <a:buNone/>
-            </a:pPr>
-            <a:endParaRPr lang="en-ZA" sz="2000" dirty="0">
-              <a:solidFill>
-                <a:schemeClr val="bg1"/>
-              </a:solidFill>
-            </a:endParaRPr>
-          </a:p>
-          <a:p>
-            <a:pPr marL="0" indent="0" algn="just">
-              <a:buNone/>
-            </a:pPr>
-            <a:endParaRPr lang="en-ZA" sz="2000" dirty="0" smtClean="0">
-              <a:solidFill>
-                <a:schemeClr val="bg1"/>
-              </a:solidFill>
-            </a:endParaRPr>
-          </a:p>
-          <a:p>
-            <a:pPr marL="0" indent="0" algn="just">
-              <a:buNone/>
-            </a:pPr>
-            <a:endParaRPr lang="en-ZA" sz="2000" dirty="0" smtClean="0">
-              <a:solidFill>
-                <a:schemeClr val="bg1"/>
-              </a:solidFill>
-            </a:endParaRPr>
-          </a:p>
-          <a:p>
-            <a:pPr marL="0" indent="0" algn="just">
-              <a:buNone/>
-            </a:pPr>
-            <a:r>
-              <a:rPr lang="en-ZA" sz="2000" b="1" dirty="0" smtClean="0">
-                <a:solidFill>
-                  <a:schemeClr val="bg1"/>
-                </a:solidFill>
-              </a:rPr>
-              <a:t>Function Outline</a:t>
-            </a:r>
-          </a:p>
-          <a:p>
-            <a:pPr marL="514350" indent="-514350" algn="just">
-              <a:buAutoNum type="arabicPeriod"/>
-            </a:pPr>
-            <a:r>
-              <a:rPr lang="en-ZA" sz="2000" dirty="0" smtClean="0">
-                <a:solidFill>
-                  <a:schemeClr val="bg1"/>
-                </a:solidFill>
-              </a:rPr>
-              <a:t>…</a:t>
-            </a:r>
-          </a:p>
-          <a:p>
-            <a:pPr marL="0" indent="0" algn="just">
-              <a:buNone/>
-            </a:pPr>
-            <a:endParaRPr lang="en-ZA" dirty="0">
-              <a:solidFill>
-                <a:schemeClr val="bg1"/>
-              </a:solidFill>
-            </a:endParaRPr>
-          </a:p>
-          <a:p>
-            <a:pPr marL="0" indent="0" algn="just">
-              <a:buNone/>
-            </a:pPr>
-            <a:endParaRPr lang="en-ZA" dirty="0" smtClean="0">
-              <a:solidFill>
-                <a:schemeClr val="bg1"/>
-              </a:solidFill>
-            </a:endParaRPr>
-          </a:p>
-          <a:p>
-            <a:pPr marL="0" indent="0">
-              <a:buNone/>
-            </a:pPr>
-            <a:r>
-              <a:rPr lang="en-ZA" dirty="0" smtClean="0">
-                <a:solidFill>
-                  <a:schemeClr val="bg1"/>
-                </a:solidFill>
-              </a:rPr>
-              <a:t>	</a:t>
-            </a:r>
-          </a:p>
-          <a:p>
-            <a:endParaRPr lang="en-ZA" dirty="0" smtClean="0">
-              <a:solidFill>
-                <a:schemeClr val="bg1"/>
-              </a:solidFill>
-            </a:endParaRPr>
-          </a:p>
-          <a:p>
-            <a:endParaRPr lang="en-ZA" dirty="0">
-              <a:solidFill>
-                <a:schemeClr val="bg1"/>
-              </a:solidFill>
-            </a:endParaRPr>
-          </a:p>
-          <a:p>
-            <a:endParaRPr lang="en-ZA" dirty="0">
-              <a:solidFill>
-                <a:schemeClr val="bg1"/>
-              </a:solidFill>
-            </a:endParaRPr>
-          </a:p>
-        </p:txBody>
-      </p:sp>
-      <p:sp>
-        <p:nvSpPr>
-          <p:cNvPr id="4" name="Content Placeholder 2"/>
-          <p:cNvSpPr txBox="1">
-            <a:spLocks/>
-          </p:cNvSpPr>
-          <p:nvPr/>
-        </p:nvSpPr>
-        <p:spPr>
-          <a:xfrm>
-            <a:off x="4788024" y="1628800"/>
-            <a:ext cx="4104456" cy="4680520"/>
-          </a:xfrm>
-          <a:prstGeom prst="rect">
-            <a:avLst/>
-          </a:prstGeom>
-          <a:solidFill>
-            <a:schemeClr val="tx1">
-              <a:lumMod val="95000"/>
-              <a:lumOff val="5000"/>
-            </a:schemeClr>
-          </a:solidFill>
-          <a:effectLst>
-            <a:softEdge rad="63500"/>
-          </a:effectLst>
-        </p:spPr>
-        <p:txBody>
-          <a:bodyPr vert="horz" lIns="91440" tIns="45720" rIns="91440" bIns="45720" rtlCol="0">
-            <a:normAutofit/>
-          </a:bodyPr>
-          <a:lstStyle>
-            <a:lvl1pPr marL="342900" indent="-342900" algn="l" defTabSz="914400" rtl="0" eaLnBrk="1" latinLnBrk="0" hangingPunct="1">
-              <a:spcBef>
-                <a:spcPct val="20000"/>
-              </a:spcBef>
-              <a:buFont typeface="Arial" pitchFamily="34" charset="0"/>
-              <a:buChar char="•"/>
-              <a:defRPr sz="3200" kern="1200">
-                <a:solidFill>
-                  <a:schemeClr val="tx1"/>
-                </a:solidFill>
-                <a:latin typeface="+mn-lt"/>
-                <a:ea typeface="+mn-ea"/>
-                <a:cs typeface="+mn-cs"/>
-              </a:defRPr>
-            </a:lvl1pPr>
-            <a:lvl2pPr marL="742950" indent="-285750" algn="l" defTabSz="914400" rtl="0" eaLnBrk="1" latinLnBrk="0" hangingPunct="1">
-              <a:spcBef>
-                <a:spcPct val="20000"/>
-              </a:spcBef>
-              <a:buFont typeface="Arial" pitchFamily="34" charset="0"/>
-              <a:buChar char="–"/>
-              <a:defRPr sz="2800" kern="1200">
-                <a:solidFill>
-                  <a:schemeClr val="tx1"/>
-                </a:solidFill>
-                <a:latin typeface="+mn-lt"/>
-                <a:ea typeface="+mn-ea"/>
-                <a:cs typeface="+mn-cs"/>
-              </a:defRPr>
-            </a:lvl2pPr>
-            <a:lvl3pPr marL="1143000" indent="-228600" algn="l" defTabSz="914400" rtl="0" eaLnBrk="1" latinLnBrk="0" hangingPunct="1">
-              <a:spcBef>
-                <a:spcPct val="20000"/>
-              </a:spcBef>
-              <a:buFont typeface="Arial" pitchFamily="34" charset="0"/>
-              <a:buChar char="•"/>
-              <a:defRPr sz="2400" kern="1200">
-                <a:solidFill>
-                  <a:schemeClr val="tx1"/>
-                </a:solidFill>
-                <a:latin typeface="+mn-lt"/>
-                <a:ea typeface="+mn-ea"/>
-                <a:cs typeface="+mn-cs"/>
-              </a:defRPr>
-            </a:lvl3pPr>
-            <a:lvl4pPr marL="1600200" indent="-228600" algn="l" defTabSz="914400" rtl="0" eaLnBrk="1" latinLnBrk="0" hangingPunct="1">
-              <a:spcBef>
-                <a:spcPct val="20000"/>
-              </a:spcBef>
-              <a:buFont typeface="Arial" pitchFamily="34" charset="0"/>
-              <a:buChar char="–"/>
-              <a:defRPr sz="2000" kern="1200">
-                <a:solidFill>
-                  <a:schemeClr val="tx1"/>
-                </a:solidFill>
-                <a:latin typeface="+mn-lt"/>
-                <a:ea typeface="+mn-ea"/>
-                <a:cs typeface="+mn-cs"/>
-              </a:defRPr>
-            </a:lvl4pPr>
-            <a:lvl5pPr marL="2057400" indent="-228600" algn="l" defTabSz="914400" rtl="0" eaLnBrk="1" latinLnBrk="0" hangingPunct="1">
-              <a:spcBef>
-                <a:spcPct val="20000"/>
-              </a:spcBef>
-              <a:buFont typeface="Arial" pitchFamily="34" charset="0"/>
-              <a:buChar char="»"/>
-              <a:defRPr sz="2000" kern="1200">
-                <a:solidFill>
-                  <a:schemeClr val="tx1"/>
-                </a:solidFill>
-                <a:latin typeface="+mn-lt"/>
-                <a:ea typeface="+mn-ea"/>
-                <a:cs typeface="+mn-cs"/>
-              </a:defRPr>
-            </a:lvl5pPr>
-            <a:lvl6pPr marL="2514600" indent="-228600" algn="l" defTabSz="914400" rtl="0" eaLnBrk="1" latinLnBrk="0" hangingPunct="1">
-              <a:spcBef>
-                <a:spcPct val="20000"/>
-              </a:spcBef>
-              <a:buFont typeface="Arial" pitchFamily="34" charset="0"/>
-              <a:buChar char="•"/>
-              <a:defRPr sz="2000" kern="1200">
-                <a:solidFill>
-                  <a:schemeClr val="tx1"/>
-                </a:solidFill>
-                <a:latin typeface="+mn-lt"/>
-                <a:ea typeface="+mn-ea"/>
-                <a:cs typeface="+mn-cs"/>
-              </a:defRPr>
-            </a:lvl6pPr>
-            <a:lvl7pPr marL="2971800" indent="-228600" algn="l" defTabSz="914400" rtl="0" eaLnBrk="1" latinLnBrk="0" hangingPunct="1">
-              <a:spcBef>
-                <a:spcPct val="20000"/>
-              </a:spcBef>
-              <a:buFont typeface="Arial" pitchFamily="34" charset="0"/>
-              <a:buChar char="•"/>
-              <a:defRPr sz="2000" kern="1200">
-                <a:solidFill>
-                  <a:schemeClr val="tx1"/>
-                </a:solidFill>
-                <a:latin typeface="+mn-lt"/>
-                <a:ea typeface="+mn-ea"/>
-                <a:cs typeface="+mn-cs"/>
-              </a:defRPr>
-            </a:lvl7pPr>
-            <a:lvl8pPr marL="3429000" indent="-228600" algn="l" defTabSz="914400" rtl="0" eaLnBrk="1" latinLnBrk="0" hangingPunct="1">
-              <a:spcBef>
-                <a:spcPct val="20000"/>
-              </a:spcBef>
-              <a:buFont typeface="Arial" pitchFamily="34" charset="0"/>
-              <a:buChar char="•"/>
-              <a:defRPr sz="2000" kern="1200">
-                <a:solidFill>
-                  <a:schemeClr val="tx1"/>
-                </a:solidFill>
-                <a:latin typeface="+mn-lt"/>
-                <a:ea typeface="+mn-ea"/>
-                <a:cs typeface="+mn-cs"/>
-              </a:defRPr>
-            </a:lvl8pPr>
-            <a:lvl9pPr marL="3886200" indent="-228600" algn="l" defTabSz="914400" rtl="0" eaLnBrk="1" latinLnBrk="0" hangingPunct="1">
-              <a:spcBef>
-                <a:spcPct val="20000"/>
-              </a:spcBef>
-              <a:buFont typeface="Arial" pitchFamily="34" charset="0"/>
-              <a:buChar char="•"/>
-              <a:defRPr sz="2000" kern="1200">
-                <a:solidFill>
-                  <a:schemeClr val="tx1"/>
-                </a:solidFill>
-                <a:latin typeface="+mn-lt"/>
-                <a:ea typeface="+mn-ea"/>
-                <a:cs typeface="+mn-cs"/>
-              </a:defRPr>
-            </a:lvl9pPr>
-          </a:lstStyle>
-          <a:p>
-            <a:pPr marL="0" indent="0" algn="just">
-              <a:buFont typeface="Arial" pitchFamily="34" charset="0"/>
-              <a:buNone/>
-            </a:pPr>
-            <a:r>
-              <a:rPr lang="en-ZA" sz="2000" b="1" dirty="0" smtClean="0">
-                <a:solidFill>
-                  <a:schemeClr val="bg1"/>
-                </a:solidFill>
-              </a:rPr>
-              <a:t>Challenges Faced: </a:t>
-            </a:r>
-          </a:p>
-          <a:p>
-            <a:pPr marL="514350" indent="-514350" algn="just">
-              <a:buFont typeface="Arial" pitchFamily="34" charset="0"/>
-              <a:buAutoNum type="arabicPeriod"/>
-            </a:pPr>
-            <a:r>
-              <a:rPr lang="en-ZA" sz="2000" dirty="0" smtClean="0">
-                <a:solidFill>
-                  <a:schemeClr val="bg1"/>
-                </a:solidFill>
-              </a:rPr>
-              <a:t>…</a:t>
-            </a:r>
-          </a:p>
-          <a:p>
-            <a:pPr marL="514350" indent="-514350" algn="just">
-              <a:buFont typeface="Arial" pitchFamily="34" charset="0"/>
-              <a:buAutoNum type="arabicPeriod"/>
-            </a:pPr>
-            <a:endParaRPr lang="en-ZA" sz="2000" dirty="0">
-              <a:solidFill>
-                <a:schemeClr val="bg1"/>
-              </a:solidFill>
-            </a:endParaRPr>
-          </a:p>
-          <a:p>
-            <a:pPr marL="514350" indent="-514350" algn="just">
-              <a:buFont typeface="Arial" pitchFamily="34" charset="0"/>
-              <a:buAutoNum type="arabicPeriod"/>
-            </a:pPr>
-            <a:endParaRPr lang="en-ZA" sz="2000" dirty="0">
-              <a:solidFill>
-                <a:schemeClr val="bg1"/>
-              </a:solidFill>
-            </a:endParaRPr>
-          </a:p>
-          <a:p>
-            <a:pPr marL="0" indent="0" algn="just">
-              <a:buNone/>
-            </a:pPr>
-            <a:r>
-              <a:rPr lang="en-ZA" sz="2000" b="1" dirty="0" smtClean="0">
-                <a:solidFill>
-                  <a:schemeClr val="bg1"/>
-                </a:solidFill>
-              </a:rPr>
-              <a:t>How challenges were overcome: </a:t>
-            </a:r>
-          </a:p>
-          <a:p>
-            <a:pPr marL="514350" indent="-514350" algn="just">
-              <a:buFont typeface="+mj-lt"/>
-              <a:buAutoNum type="arabicPeriod"/>
-            </a:pPr>
-            <a:r>
-              <a:rPr lang="en-ZA" sz="2000" dirty="0" smtClean="0">
-                <a:solidFill>
-                  <a:schemeClr val="bg1"/>
-                </a:solidFill>
-              </a:rPr>
-              <a:t>…</a:t>
-            </a:r>
-          </a:p>
-          <a:p>
-            <a:pPr marL="0" indent="0" algn="just">
-              <a:buFont typeface="Arial" pitchFamily="34" charset="0"/>
-              <a:buNone/>
-            </a:pPr>
-            <a:endParaRPr lang="en-ZA" dirty="0" smtClean="0">
-              <a:solidFill>
-                <a:schemeClr val="bg1"/>
-              </a:solidFill>
-            </a:endParaRPr>
-          </a:p>
-          <a:p>
-            <a:pPr marL="0" indent="0">
-              <a:buFont typeface="Arial" pitchFamily="34" charset="0"/>
-              <a:buNone/>
-            </a:pPr>
-            <a:r>
-              <a:rPr lang="en-ZA" dirty="0" smtClean="0">
-                <a:solidFill>
-                  <a:schemeClr val="bg1"/>
-                </a:solidFill>
-              </a:rPr>
-              <a:t>	</a:t>
-            </a:r>
-          </a:p>
-          <a:p>
-            <a:endParaRPr lang="en-ZA" dirty="0" smtClean="0">
-              <a:solidFill>
-                <a:schemeClr val="bg1"/>
-              </a:solidFill>
-            </a:endParaRPr>
-          </a:p>
-          <a:p>
-            <a:endParaRPr lang="en-ZA" dirty="0" smtClean="0">
-              <a:solidFill>
-                <a:schemeClr val="bg1"/>
-              </a:solidFill>
-            </a:endParaRPr>
-          </a:p>
-          <a:p>
-            <a:endParaRPr lang="en-ZA" dirty="0">
-              <a:solidFill>
-                <a:schemeClr val="bg1"/>
-              </a:solidFill>
-            </a:endParaRPr>
-          </a:p>
-        </p:txBody>
-      </p:sp>
-    </p:spTree>
-    <p:extLst>
-      <p:ext uri="{BB962C8B-B14F-4D97-AF65-F5344CB8AC3E}">
-        <p14:creationId xmlns:p14="http://schemas.microsoft.com/office/powerpoint/2010/main" xmlns="" val="109087637"/>
-      </p:ext>
-    </p:extLst>
-  </p:cSld>
-  <p:clrMapOvr>
-    <a:masterClrMapping/>
-  </p:clrMapOvr>
-  <p:timing>
-    <p:tnLst>
-      <p:par>
-        <p:cTn id="1" dur="indefinite" restart="never" nodeType="tmRoot"/>
-      </p:par>
-    </p:tnLst>
-  </p:timing>
-</p:sld>
-</file>
-
-<file path=ppt/slides/slide14.xml><?xml version="1.0" encoding="utf-8"?>
-<p:sld xmlns:a="http://schemas.openxmlformats.org/drawingml/2006/main" xmlns:r="http://schemas.openxmlformats.org/officeDocument/2006/relationships" xmlns:p="http://schemas.openxmlformats.org/presentationml/2006/main">
-  <p:cSld>
-    <p:spTree>
-      <p:nvGrpSpPr>
-        <p:cNvPr id="1" name=""/>
-        <p:cNvGrpSpPr/>
-        <p:nvPr/>
-      </p:nvGrpSpPr>
-      <p:grpSpPr>
-        <a:xfrm>
-          <a:off x="0" y="0"/>
-          <a:ext cx="0" cy="0"/>
-          <a:chOff x="0" y="0"/>
-          <a:chExt cx="0" cy="0"/>
-        </a:xfrm>
-      </p:grpSpPr>
-      <p:sp>
-        <p:nvSpPr>
-          <p:cNvPr id="2" name="Title 1"/>
-          <p:cNvSpPr>
-            <a:spLocks noGrp="1"/>
-          </p:cNvSpPr>
-          <p:nvPr>
-            <p:ph type="title"/>
-          </p:nvPr>
-        </p:nvSpPr>
-        <p:spPr/>
-        <p:txBody>
-          <a:bodyPr/>
-          <a:lstStyle/>
-          <a:p>
-            <a:r>
-              <a:rPr lang="en-ZA" dirty="0" smtClean="0"/>
-              <a:t>Code … If short enough … </a:t>
-            </a:r>
-            <a:endParaRPr lang="en-ZA" dirty="0"/>
-          </a:p>
-        </p:txBody>
-      </p:sp>
-      <p:sp>
-        <p:nvSpPr>
-          <p:cNvPr id="3" name="Content Placeholder 2"/>
-          <p:cNvSpPr>
-            <a:spLocks noGrp="1"/>
-          </p:cNvSpPr>
-          <p:nvPr>
-            <p:ph idx="1"/>
-          </p:nvPr>
-        </p:nvSpPr>
-        <p:spPr/>
-        <p:txBody>
-          <a:bodyPr/>
-          <a:lstStyle/>
-          <a:p>
-            <a:endParaRPr lang="en-ZA" dirty="0"/>
-          </a:p>
-        </p:txBody>
-      </p:sp>
-    </p:spTree>
-    <p:extLst>
-      <p:ext uri="{BB962C8B-B14F-4D97-AF65-F5344CB8AC3E}">
-        <p14:creationId xmlns:p14="http://schemas.microsoft.com/office/powerpoint/2010/main" xmlns="" val="3333079403"/>
+        <p14:creationId xmlns:p14="http://schemas.microsoft.com/office/powerpoint/2010/main" val="308255282"/>
       </p:ext>
     </p:extLst>
   </p:cSld>
@@ -5062,7 +3561,7 @@
     </p:spTree>
     <p:extLst>
       <p:ext uri="{BB962C8B-B14F-4D97-AF65-F5344CB8AC3E}">
-        <p14:creationId xmlns:p14="http://schemas.microsoft.com/office/powerpoint/2010/main" xmlns="" val="2165796761"/>
+        <p14:creationId xmlns:p14="http://schemas.microsoft.com/office/powerpoint/2010/main" val="2165796761"/>
       </p:ext>
     </p:extLst>
   </p:cSld>
@@ -5812,7 +4311,7 @@
     </p:spTree>
     <p:extLst>
       <p:ext uri="{BB962C8B-B14F-4D97-AF65-F5344CB8AC3E}">
-        <p14:creationId xmlns:p14="http://schemas.microsoft.com/office/powerpoint/2010/main" xmlns="" val="3871235512"/>
+        <p14:creationId xmlns:p14="http://schemas.microsoft.com/office/powerpoint/2010/main" val="3871235512"/>
       </p:ext>
     </p:extLst>
   </p:cSld>
@@ -5856,16 +4355,63 @@
             <p:ph type="title"/>
           </p:nvPr>
         </p:nvSpPr>
-        <p:spPr/>
-        <p:txBody>
-          <a:bodyPr/>
+        <p:spPr>
+          <a:xfrm>
+            <a:off x="457200" y="274638"/>
+            <a:ext cx="8229600" cy="1210146"/>
+          </a:xfrm>
+          <a:solidFill>
+            <a:schemeClr val="tx1"/>
+          </a:solidFill>
+          <a:ln>
+            <a:noFill/>
+          </a:ln>
+          <a:effectLst>
+            <a:softEdge rad="635000"/>
+          </a:effectLst>
+        </p:spPr>
+        <p:txBody>
+          <a:bodyPr vert="horz" lIns="91440" tIns="45720" rIns="91440" bIns="45720" rtlCol="0" anchor="ctr">
+            <a:normAutofit fontScale="90000"/>
+          </a:bodyPr>
           <a:lstStyle/>
           <a:p>
             <a:r>
-              <a:rPr lang="en-ZA" dirty="0" smtClean="0"/>
-              <a:t>Code … If short enough … </a:t>
-            </a:r>
-            <a:endParaRPr lang="en-ZA" dirty="0"/>
+              <a:rPr lang="en-ZA" sz="5400" u="sng" dirty="0" err="1" smtClean="0">
+                <a:solidFill>
+                  <a:schemeClr val="bg1"/>
+                </a:solidFill>
+              </a:rPr>
+              <a:t>addAuthorization</a:t>
+            </a:r>
+            <a:r>
+              <a:rPr lang="en-ZA" sz="5400" u="sng" dirty="0" smtClean="0">
+                <a:solidFill>
+                  <a:schemeClr val="bg1"/>
+                </a:solidFill>
+              </a:rPr>
+              <a:t>()</a:t>
+            </a:r>
+            <a:br>
+              <a:rPr lang="en-ZA" sz="5400" u="sng" dirty="0" smtClean="0">
+                <a:solidFill>
+                  <a:schemeClr val="bg1"/>
+                </a:solidFill>
+              </a:rPr>
+            </a:br>
+            <a:r>
+              <a:rPr lang="en-ZA" sz="2200" u="sng" dirty="0" smtClean="0">
+                <a:solidFill>
+                  <a:schemeClr val="bg1"/>
+                </a:solidFill>
+              </a:rPr>
+              <a:t>Authors:</a:t>
+            </a:r>
+            <a:endParaRPr lang="en-ZA" sz="2200" u="sng" dirty="0">
+              <a:solidFill>
+                <a:schemeClr val="bg1"/>
+              </a:solidFill>
+            </a:endParaRPr>
           </a:p>
         </p:txBody>
       </p:sp>
@@ -5879,19 +4425,455 @@
             <p:ph idx="1"/>
           </p:nvPr>
         </p:nvSpPr>
-        <p:spPr/>
-        <p:txBody>
-          <a:bodyPr/>
+        <p:spPr>
+          <a:xfrm>
+            <a:off x="323528" y="1628800"/>
+            <a:ext cx="4104456" cy="4680520"/>
+          </a:xfrm>
+          <a:solidFill>
+            <a:schemeClr val="tx1">
+              <a:lumMod val="95000"/>
+              <a:lumOff val="5000"/>
+            </a:schemeClr>
+          </a:solidFill>
+          <a:effectLst>
+            <a:softEdge rad="63500"/>
+          </a:effectLst>
+        </p:spPr>
+        <p:txBody>
+          <a:bodyPr>
+            <a:normAutofit/>
+          </a:bodyPr>
           <a:lstStyle/>
           <a:p>
-            <a:endParaRPr lang="en-ZA" dirty="0"/>
+            <a:pPr marL="0" indent="0" algn="just">
+              <a:buNone/>
+            </a:pPr>
+            <a:r>
+              <a:rPr lang="en-ZA" sz="2000" b="1" dirty="0" smtClean="0">
+                <a:solidFill>
+                  <a:schemeClr val="bg1"/>
+                </a:solidFill>
+              </a:rPr>
+              <a:t>Description</a:t>
+            </a:r>
+            <a:r>
+              <a:rPr lang="en-ZA" sz="2000" dirty="0" smtClean="0">
+                <a:solidFill>
+                  <a:schemeClr val="bg1"/>
+                </a:solidFill>
+              </a:rPr>
+              <a:t>:</a:t>
+            </a:r>
+          </a:p>
+          <a:p>
+            <a:pPr marL="0" indent="0" algn="just">
+              <a:buNone/>
+            </a:pPr>
+            <a:endParaRPr lang="en-ZA" sz="2000" dirty="0">
+              <a:solidFill>
+                <a:schemeClr val="bg1"/>
+              </a:solidFill>
+            </a:endParaRPr>
+          </a:p>
+          <a:p>
+            <a:pPr marL="0" indent="0" algn="just">
+              <a:buNone/>
+            </a:pPr>
+            <a:endParaRPr lang="en-ZA" sz="2000" dirty="0" smtClean="0">
+              <a:solidFill>
+                <a:schemeClr val="bg1"/>
+              </a:solidFill>
+            </a:endParaRPr>
+          </a:p>
+          <a:p>
+            <a:pPr marL="0" indent="0" algn="just">
+              <a:buNone/>
+            </a:pPr>
+            <a:endParaRPr lang="en-ZA" sz="2000" dirty="0" smtClean="0">
+              <a:solidFill>
+                <a:schemeClr val="bg1"/>
+              </a:solidFill>
+            </a:endParaRPr>
+          </a:p>
+          <a:p>
+            <a:pPr marL="0" indent="0" algn="just">
+              <a:buNone/>
+            </a:pPr>
+            <a:r>
+              <a:rPr lang="en-ZA" sz="2000" b="1" dirty="0" smtClean="0">
+                <a:solidFill>
+                  <a:schemeClr val="bg1"/>
+                </a:solidFill>
+              </a:rPr>
+              <a:t>Function Outline</a:t>
+            </a:r>
+          </a:p>
+          <a:p>
+            <a:pPr marL="514350" indent="-514350" algn="just">
+              <a:buAutoNum type="arabicPeriod"/>
+            </a:pPr>
+            <a:r>
+              <a:rPr lang="en-ZA" sz="2000" dirty="0" smtClean="0">
+                <a:solidFill>
+                  <a:schemeClr val="bg1"/>
+                </a:solidFill>
+              </a:rPr>
+              <a:t>…</a:t>
+            </a:r>
+          </a:p>
+          <a:p>
+            <a:pPr marL="0" indent="0" algn="just">
+              <a:buNone/>
+            </a:pPr>
+            <a:endParaRPr lang="en-ZA" dirty="0">
+              <a:solidFill>
+                <a:schemeClr val="bg1"/>
+              </a:solidFill>
+            </a:endParaRPr>
+          </a:p>
+          <a:p>
+            <a:pPr marL="0" indent="0" algn="just">
+              <a:buNone/>
+            </a:pPr>
+            <a:endParaRPr lang="en-ZA" dirty="0" smtClean="0">
+              <a:solidFill>
+                <a:schemeClr val="bg1"/>
+              </a:solidFill>
+            </a:endParaRPr>
+          </a:p>
+          <a:p>
+            <a:pPr marL="0" indent="0">
+              <a:buNone/>
+            </a:pPr>
+            <a:r>
+              <a:rPr lang="en-ZA" dirty="0" smtClean="0">
+                <a:solidFill>
+                  <a:schemeClr val="bg1"/>
+                </a:solidFill>
+              </a:rPr>
+              <a:t>	</a:t>
+            </a:r>
+          </a:p>
+          <a:p>
+            <a:endParaRPr lang="en-ZA" dirty="0" smtClean="0">
+              <a:solidFill>
+                <a:schemeClr val="bg1"/>
+              </a:solidFill>
+            </a:endParaRPr>
+          </a:p>
+          <a:p>
+            <a:endParaRPr lang="en-ZA" dirty="0">
+              <a:solidFill>
+                <a:schemeClr val="bg1"/>
+              </a:solidFill>
+            </a:endParaRPr>
+          </a:p>
+          <a:p>
+            <a:endParaRPr lang="en-ZA" dirty="0">
+              <a:solidFill>
+                <a:schemeClr val="bg1"/>
+              </a:solidFill>
+            </a:endParaRPr>
+          </a:p>
+        </p:txBody>
+      </p:sp>
+      <p:sp>
+        <p:nvSpPr>
+          <p:cNvPr id="4" name="Content Placeholder 2"/>
+          <p:cNvSpPr txBox="1">
+            <a:spLocks/>
+          </p:cNvSpPr>
+          <p:nvPr/>
+        </p:nvSpPr>
+        <p:spPr>
+          <a:xfrm>
+            <a:off x="4788024" y="1628800"/>
+            <a:ext cx="4104456" cy="4680520"/>
+          </a:xfrm>
+          <a:prstGeom prst="rect">
+            <a:avLst/>
+          </a:prstGeom>
+          <a:solidFill>
+            <a:schemeClr val="tx1">
+              <a:lumMod val="95000"/>
+              <a:lumOff val="5000"/>
+            </a:schemeClr>
+          </a:solidFill>
+          <a:effectLst>
+            <a:softEdge rad="63500"/>
+          </a:effectLst>
+        </p:spPr>
+        <p:txBody>
+          <a:bodyPr vert="horz" lIns="91440" tIns="45720" rIns="91440" bIns="45720" rtlCol="0">
+            <a:normAutofit/>
+          </a:bodyPr>
+          <a:lstStyle>
+            <a:lvl1pPr marL="342900" indent="-342900" algn="l" defTabSz="914400" rtl="0" eaLnBrk="1" latinLnBrk="0" hangingPunct="1">
+              <a:spcBef>
+                <a:spcPct val="20000"/>
+              </a:spcBef>
+              <a:buFont typeface="Arial" pitchFamily="34" charset="0"/>
+              <a:buChar char="•"/>
+              <a:defRPr sz="3200" kern="1200">
+                <a:solidFill>
+                  <a:schemeClr val="tx1"/>
+                </a:solidFill>
+                <a:latin typeface="+mn-lt"/>
+                <a:ea typeface="+mn-ea"/>
+                <a:cs typeface="+mn-cs"/>
+              </a:defRPr>
+            </a:lvl1pPr>
+            <a:lvl2pPr marL="742950" indent="-285750" algn="l" defTabSz="914400" rtl="0" eaLnBrk="1" latinLnBrk="0" hangingPunct="1">
+              <a:spcBef>
+                <a:spcPct val="20000"/>
+              </a:spcBef>
+              <a:buFont typeface="Arial" pitchFamily="34" charset="0"/>
+              <a:buChar char="–"/>
+              <a:defRPr sz="2800" kern="1200">
+                <a:solidFill>
+                  <a:schemeClr val="tx1"/>
+                </a:solidFill>
+                <a:latin typeface="+mn-lt"/>
+                <a:ea typeface="+mn-ea"/>
+                <a:cs typeface="+mn-cs"/>
+              </a:defRPr>
+            </a:lvl2pPr>
+            <a:lvl3pPr marL="1143000" indent="-228600" algn="l" defTabSz="914400" rtl="0" eaLnBrk="1" latinLnBrk="0" hangingPunct="1">
+              <a:spcBef>
+                <a:spcPct val="20000"/>
+              </a:spcBef>
+              <a:buFont typeface="Arial" pitchFamily="34" charset="0"/>
+              <a:buChar char="•"/>
+              <a:defRPr sz="2400" kern="1200">
+                <a:solidFill>
+                  <a:schemeClr val="tx1"/>
+                </a:solidFill>
+                <a:latin typeface="+mn-lt"/>
+                <a:ea typeface="+mn-ea"/>
+                <a:cs typeface="+mn-cs"/>
+              </a:defRPr>
+            </a:lvl3pPr>
+            <a:lvl4pPr marL="1600200" indent="-228600" algn="l" defTabSz="914400" rtl="0" eaLnBrk="1" latinLnBrk="0" hangingPunct="1">
+              <a:spcBef>
+                <a:spcPct val="20000"/>
+              </a:spcBef>
+              <a:buFont typeface="Arial" pitchFamily="34" charset="0"/>
+              <a:buChar char="–"/>
+              <a:defRPr sz="2000" kern="1200">
+                <a:solidFill>
+                  <a:schemeClr val="tx1"/>
+                </a:solidFill>
+                <a:latin typeface="+mn-lt"/>
+                <a:ea typeface="+mn-ea"/>
+                <a:cs typeface="+mn-cs"/>
+              </a:defRPr>
+            </a:lvl4pPr>
+            <a:lvl5pPr marL="2057400" indent="-228600" algn="l" defTabSz="914400" rtl="0" eaLnBrk="1" latinLnBrk="0" hangingPunct="1">
+              <a:spcBef>
+                <a:spcPct val="20000"/>
+              </a:spcBef>
+              <a:buFont typeface="Arial" pitchFamily="34" charset="0"/>
+              <a:buChar char="»"/>
+              <a:defRPr sz="2000" kern="1200">
+                <a:solidFill>
+                  <a:schemeClr val="tx1"/>
+                </a:solidFill>
+                <a:latin typeface="+mn-lt"/>
+                <a:ea typeface="+mn-ea"/>
+                <a:cs typeface="+mn-cs"/>
+              </a:defRPr>
+            </a:lvl5pPr>
+            <a:lvl6pPr marL="2514600" indent="-228600" algn="l" defTabSz="914400" rtl="0" eaLnBrk="1" latinLnBrk="0" hangingPunct="1">
+              <a:spcBef>
+                <a:spcPct val="20000"/>
+              </a:spcBef>
+              <a:buFont typeface="Arial" pitchFamily="34" charset="0"/>
+              <a:buChar char="•"/>
+              <a:defRPr sz="2000" kern="1200">
+                <a:solidFill>
+                  <a:schemeClr val="tx1"/>
+                </a:solidFill>
+                <a:latin typeface="+mn-lt"/>
+                <a:ea typeface="+mn-ea"/>
+                <a:cs typeface="+mn-cs"/>
+              </a:defRPr>
+            </a:lvl6pPr>
+            <a:lvl7pPr marL="2971800" indent="-228600" algn="l" defTabSz="914400" rtl="0" eaLnBrk="1" latinLnBrk="0" hangingPunct="1">
+              <a:spcBef>
+                <a:spcPct val="20000"/>
+              </a:spcBef>
+              <a:buFont typeface="Arial" pitchFamily="34" charset="0"/>
+              <a:buChar char="•"/>
+              <a:defRPr sz="2000" kern="1200">
+                <a:solidFill>
+                  <a:schemeClr val="tx1"/>
+                </a:solidFill>
+                <a:latin typeface="+mn-lt"/>
+                <a:ea typeface="+mn-ea"/>
+                <a:cs typeface="+mn-cs"/>
+              </a:defRPr>
+            </a:lvl7pPr>
+            <a:lvl8pPr marL="3429000" indent="-228600" algn="l" defTabSz="914400" rtl="0" eaLnBrk="1" latinLnBrk="0" hangingPunct="1">
+              <a:spcBef>
+                <a:spcPct val="20000"/>
+              </a:spcBef>
+              <a:buFont typeface="Arial" pitchFamily="34" charset="0"/>
+              <a:buChar char="•"/>
+              <a:defRPr sz="2000" kern="1200">
+                <a:solidFill>
+                  <a:schemeClr val="tx1"/>
+                </a:solidFill>
+                <a:latin typeface="+mn-lt"/>
+                <a:ea typeface="+mn-ea"/>
+                <a:cs typeface="+mn-cs"/>
+              </a:defRPr>
+            </a:lvl8pPr>
+            <a:lvl9pPr marL="3886200" indent="-228600" algn="l" defTabSz="914400" rtl="0" eaLnBrk="1" latinLnBrk="0" hangingPunct="1">
+              <a:spcBef>
+                <a:spcPct val="20000"/>
+              </a:spcBef>
+              <a:buFont typeface="Arial" pitchFamily="34" charset="0"/>
+              <a:buChar char="•"/>
+              <a:defRPr sz="2000" kern="1200">
+                <a:solidFill>
+                  <a:schemeClr val="tx1"/>
+                </a:solidFill>
+                <a:latin typeface="+mn-lt"/>
+                <a:ea typeface="+mn-ea"/>
+                <a:cs typeface="+mn-cs"/>
+              </a:defRPr>
+            </a:lvl9pPr>
+          </a:lstStyle>
+          <a:p>
+            <a:pPr marL="0" indent="0" algn="just">
+              <a:buFont typeface="Arial" pitchFamily="34" charset="0"/>
+              <a:buNone/>
+            </a:pPr>
+            <a:r>
+              <a:rPr lang="en-ZA" sz="2000" b="1" dirty="0" smtClean="0">
+                <a:solidFill>
+                  <a:schemeClr val="bg1"/>
+                </a:solidFill>
+              </a:rPr>
+              <a:t>Challenges Faced: </a:t>
+            </a:r>
+          </a:p>
+          <a:p>
+            <a:pPr marL="514350" indent="-514350" algn="just">
+              <a:buFont typeface="Arial" pitchFamily="34" charset="0"/>
+              <a:buAutoNum type="arabicPeriod"/>
+            </a:pPr>
+            <a:r>
+              <a:rPr lang="en-ZA" sz="2000" dirty="0" smtClean="0">
+                <a:solidFill>
+                  <a:schemeClr val="bg1"/>
+                </a:solidFill>
+              </a:rPr>
+              <a:t>…</a:t>
+            </a:r>
+          </a:p>
+          <a:p>
+            <a:pPr marL="514350" indent="-514350" algn="just">
+              <a:buFont typeface="Arial" pitchFamily="34" charset="0"/>
+              <a:buAutoNum type="arabicPeriod"/>
+            </a:pPr>
+            <a:endParaRPr lang="en-ZA" sz="2000" dirty="0">
+              <a:solidFill>
+                <a:schemeClr val="bg1"/>
+              </a:solidFill>
+            </a:endParaRPr>
+          </a:p>
+          <a:p>
+            <a:pPr marL="514350" indent="-514350" algn="just">
+              <a:buFont typeface="Arial" pitchFamily="34" charset="0"/>
+              <a:buAutoNum type="arabicPeriod"/>
+            </a:pPr>
+            <a:endParaRPr lang="en-ZA" sz="2000" dirty="0">
+              <a:solidFill>
+                <a:schemeClr val="bg1"/>
+              </a:solidFill>
+            </a:endParaRPr>
+          </a:p>
+          <a:p>
+            <a:pPr marL="0" indent="0" algn="just">
+              <a:buNone/>
+            </a:pPr>
+            <a:r>
+              <a:rPr lang="en-ZA" sz="2000" b="1" dirty="0" smtClean="0">
+                <a:solidFill>
+                  <a:schemeClr val="bg1"/>
+                </a:solidFill>
+              </a:rPr>
+              <a:t>How challenges were overcome: </a:t>
+            </a:r>
+          </a:p>
+          <a:p>
+            <a:pPr marL="514350" indent="-514350" algn="just">
+              <a:buFont typeface="+mj-lt"/>
+              <a:buAutoNum type="arabicPeriod"/>
+            </a:pPr>
+            <a:r>
+              <a:rPr lang="en-ZA" sz="2000" dirty="0" smtClean="0">
+                <a:solidFill>
+                  <a:schemeClr val="bg1"/>
+                </a:solidFill>
+              </a:rPr>
+              <a:t>…</a:t>
+            </a:r>
+          </a:p>
+          <a:p>
+            <a:pPr marL="0" indent="0" algn="just">
+              <a:buFont typeface="Arial" pitchFamily="34" charset="0"/>
+              <a:buNone/>
+            </a:pPr>
+            <a:endParaRPr lang="en-ZA" dirty="0" smtClean="0">
+              <a:solidFill>
+                <a:schemeClr val="bg1"/>
+              </a:solidFill>
+            </a:endParaRPr>
+          </a:p>
+          <a:p>
+            <a:pPr marL="0" indent="0">
+              <a:buFont typeface="Arial" pitchFamily="34" charset="0"/>
+              <a:buNone/>
+            </a:pPr>
+            <a:r>
+              <a:rPr lang="en-ZA" dirty="0" smtClean="0">
+                <a:solidFill>
+                  <a:schemeClr val="bg1"/>
+                </a:solidFill>
+              </a:rPr>
+              <a:t>	</a:t>
+            </a:r>
+          </a:p>
+          <a:p>
+            <a:endParaRPr lang="en-ZA" dirty="0" smtClean="0">
+              <a:solidFill>
+                <a:schemeClr val="bg1"/>
+              </a:solidFill>
+            </a:endParaRPr>
+          </a:p>
+          <a:p>
+            <a:endParaRPr lang="en-ZA" dirty="0" smtClean="0">
+              <a:solidFill>
+                <a:schemeClr val="bg1"/>
+              </a:solidFill>
+            </a:endParaRPr>
+          </a:p>
+          <a:p>
+            <a:endParaRPr lang="en-ZA" dirty="0">
+              <a:solidFill>
+                <a:schemeClr val="bg1"/>
+              </a:solidFill>
+            </a:endParaRPr>
           </a:p>
         </p:txBody>
       </p:sp>
     </p:spTree>
     <p:extLst>
       <p:ext uri="{BB962C8B-B14F-4D97-AF65-F5344CB8AC3E}">
-        <p14:creationId xmlns:p14="http://schemas.microsoft.com/office/powerpoint/2010/main" xmlns="" val="2631370394"/>
+        <p14:creationId xmlns:p14="http://schemas.microsoft.com/office/powerpoint/2010/main" val="3329563870"/>
       </p:ext>
     </p:extLst>
   </p:cSld>
@@ -5962,7 +4944,7 @@
                   <a:schemeClr val="bg1"/>
                 </a:solidFill>
               </a:rPr>
-              <a:t>addAuthorization</a:t>
+              <a:t>getAuthorization</a:t>
             </a:r>
             <a:r>
               <a:rPr lang="en-ZA" sz="5400" u="sng" dirty="0" smtClean="0">
@@ -6453,7 +5435,7 @@
     </p:spTree>
     <p:extLst>
       <p:ext uri="{BB962C8B-B14F-4D97-AF65-F5344CB8AC3E}">
-        <p14:creationId xmlns:p14="http://schemas.microsoft.com/office/powerpoint/2010/main" xmlns="" val="3329563870"/>
+        <p14:creationId xmlns:p14="http://schemas.microsoft.com/office/powerpoint/2010/main" val="446071776"/>
       </p:ext>
     </p:extLst>
   </p:cSld>
@@ -6497,16 +5479,63 @@
             <p:ph type="title"/>
           </p:nvPr>
         </p:nvSpPr>
-        <p:spPr/>
-        <p:txBody>
-          <a:bodyPr/>
+        <p:spPr>
+          <a:xfrm>
+            <a:off x="457200" y="274638"/>
+            <a:ext cx="8229600" cy="1210146"/>
+          </a:xfrm>
+          <a:solidFill>
+            <a:schemeClr val="tx1"/>
+          </a:solidFill>
+          <a:ln>
+            <a:noFill/>
+          </a:ln>
+          <a:effectLst>
+            <a:softEdge rad="635000"/>
+          </a:effectLst>
+        </p:spPr>
+        <p:txBody>
+          <a:bodyPr vert="horz" lIns="91440" tIns="45720" rIns="91440" bIns="45720" rtlCol="0" anchor="ctr">
+            <a:normAutofit fontScale="90000"/>
+          </a:bodyPr>
           <a:lstStyle/>
           <a:p>
             <a:r>
-              <a:rPr lang="en-ZA" dirty="0" smtClean="0"/>
-              <a:t>Code … If short enough … </a:t>
-            </a:r>
-            <a:endParaRPr lang="en-ZA" dirty="0"/>
+              <a:rPr lang="en-ZA" sz="5400" u="sng" dirty="0" err="1" smtClean="0">
+                <a:solidFill>
+                  <a:schemeClr val="bg1"/>
+                </a:solidFill>
+              </a:rPr>
+              <a:t>addAuthorization</a:t>
+            </a:r>
+            <a:r>
+              <a:rPr lang="en-ZA" sz="5400" u="sng" dirty="0" smtClean="0">
+                <a:solidFill>
+                  <a:schemeClr val="bg1"/>
+                </a:solidFill>
+              </a:rPr>
+              <a:t>()</a:t>
+            </a:r>
+            <a:br>
+              <a:rPr lang="en-ZA" sz="5400" u="sng" dirty="0" smtClean="0">
+                <a:solidFill>
+                  <a:schemeClr val="bg1"/>
+                </a:solidFill>
+              </a:rPr>
+            </a:br>
+            <a:r>
+              <a:rPr lang="en-ZA" sz="2200" u="sng" dirty="0" smtClean="0">
+                <a:solidFill>
+                  <a:schemeClr val="bg1"/>
+                </a:solidFill>
+              </a:rPr>
+              <a:t>Authors:</a:t>
+            </a:r>
+            <a:endParaRPr lang="en-ZA" sz="2200" u="sng" dirty="0">
+              <a:solidFill>
+                <a:schemeClr val="bg1"/>
+              </a:solidFill>
+            </a:endParaRPr>
           </a:p>
         </p:txBody>
       </p:sp>
@@ -6520,19 +5549,455 @@
             <p:ph idx="1"/>
           </p:nvPr>
         </p:nvSpPr>
-        <p:spPr/>
-        <p:txBody>
-          <a:bodyPr/>
+        <p:spPr>
+          <a:xfrm>
+            <a:off x="323528" y="1628800"/>
+            <a:ext cx="4104456" cy="4680520"/>
+          </a:xfrm>
+          <a:solidFill>
+            <a:schemeClr val="tx1">
+              <a:lumMod val="95000"/>
+              <a:lumOff val="5000"/>
+            </a:schemeClr>
+          </a:solidFill>
+          <a:effectLst>
+            <a:softEdge rad="63500"/>
+          </a:effectLst>
+        </p:spPr>
+        <p:txBody>
+          <a:bodyPr>
+            <a:normAutofit/>
+          </a:bodyPr>
           <a:lstStyle/>
           <a:p>
-            <a:endParaRPr lang="en-ZA" dirty="0"/>
+            <a:pPr marL="0" indent="0" algn="just">
+              <a:buNone/>
+            </a:pPr>
+            <a:r>
+              <a:rPr lang="en-ZA" sz="2000" b="1" dirty="0" smtClean="0">
+                <a:solidFill>
+                  <a:schemeClr val="bg1"/>
+                </a:solidFill>
+              </a:rPr>
+              <a:t>Description</a:t>
+            </a:r>
+            <a:r>
+              <a:rPr lang="en-ZA" sz="2000" dirty="0" smtClean="0">
+                <a:solidFill>
+                  <a:schemeClr val="bg1"/>
+                </a:solidFill>
+              </a:rPr>
+              <a:t>:</a:t>
+            </a:r>
+          </a:p>
+          <a:p>
+            <a:pPr marL="0" indent="0" algn="just">
+              <a:buNone/>
+            </a:pPr>
+            <a:endParaRPr lang="en-ZA" sz="2000" dirty="0">
+              <a:solidFill>
+                <a:schemeClr val="bg1"/>
+              </a:solidFill>
+            </a:endParaRPr>
+          </a:p>
+          <a:p>
+            <a:pPr marL="0" indent="0" algn="just">
+              <a:buNone/>
+            </a:pPr>
+            <a:endParaRPr lang="en-ZA" sz="2000" dirty="0" smtClean="0">
+              <a:solidFill>
+                <a:schemeClr val="bg1"/>
+              </a:solidFill>
+            </a:endParaRPr>
+          </a:p>
+          <a:p>
+            <a:pPr marL="0" indent="0" algn="just">
+              <a:buNone/>
+            </a:pPr>
+            <a:endParaRPr lang="en-ZA" sz="2000" dirty="0" smtClean="0">
+              <a:solidFill>
+                <a:schemeClr val="bg1"/>
+              </a:solidFill>
+            </a:endParaRPr>
+          </a:p>
+          <a:p>
+            <a:pPr marL="0" indent="0" algn="just">
+              <a:buNone/>
+            </a:pPr>
+            <a:r>
+              <a:rPr lang="en-ZA" sz="2000" b="1" dirty="0" smtClean="0">
+                <a:solidFill>
+                  <a:schemeClr val="bg1"/>
+                </a:solidFill>
+              </a:rPr>
+              <a:t>Function Outline</a:t>
+            </a:r>
+          </a:p>
+          <a:p>
+            <a:pPr marL="514350" indent="-514350" algn="just">
+              <a:buAutoNum type="arabicPeriod"/>
+            </a:pPr>
+            <a:r>
+              <a:rPr lang="en-ZA" sz="2000" dirty="0" smtClean="0">
+                <a:solidFill>
+                  <a:schemeClr val="bg1"/>
+                </a:solidFill>
+              </a:rPr>
+              <a:t>…</a:t>
+            </a:r>
+          </a:p>
+          <a:p>
+            <a:pPr marL="0" indent="0" algn="just">
+              <a:buNone/>
+            </a:pPr>
+            <a:endParaRPr lang="en-ZA" dirty="0">
+              <a:solidFill>
+                <a:schemeClr val="bg1"/>
+              </a:solidFill>
+            </a:endParaRPr>
+          </a:p>
+          <a:p>
+            <a:pPr marL="0" indent="0" algn="just">
+              <a:buNone/>
+            </a:pPr>
+            <a:endParaRPr lang="en-ZA" dirty="0" smtClean="0">
+              <a:solidFill>
+                <a:schemeClr val="bg1"/>
+              </a:solidFill>
+            </a:endParaRPr>
+          </a:p>
+          <a:p>
+            <a:pPr marL="0" indent="0">
+              <a:buNone/>
+            </a:pPr>
+            <a:r>
+              <a:rPr lang="en-ZA" dirty="0" smtClean="0">
+                <a:solidFill>
+                  <a:schemeClr val="bg1"/>
+                </a:solidFill>
+              </a:rPr>
+              <a:t>	</a:t>
+            </a:r>
+          </a:p>
+          <a:p>
+            <a:endParaRPr lang="en-ZA" dirty="0" smtClean="0">
+              <a:solidFill>
+                <a:schemeClr val="bg1"/>
+              </a:solidFill>
+            </a:endParaRPr>
+          </a:p>
+          <a:p>
+            <a:endParaRPr lang="en-ZA" dirty="0">
+              <a:solidFill>
+                <a:schemeClr val="bg1"/>
+              </a:solidFill>
+            </a:endParaRPr>
+          </a:p>
+          <a:p>
+            <a:endParaRPr lang="en-ZA" dirty="0">
+              <a:solidFill>
+                <a:schemeClr val="bg1"/>
+              </a:solidFill>
+            </a:endParaRPr>
+          </a:p>
+        </p:txBody>
+      </p:sp>
+      <p:sp>
+        <p:nvSpPr>
+          <p:cNvPr id="4" name="Content Placeholder 2"/>
+          <p:cNvSpPr txBox="1">
+            <a:spLocks/>
+          </p:cNvSpPr>
+          <p:nvPr/>
+        </p:nvSpPr>
+        <p:spPr>
+          <a:xfrm>
+            <a:off x="4788024" y="1628800"/>
+            <a:ext cx="4104456" cy="4680520"/>
+          </a:xfrm>
+          <a:prstGeom prst="rect">
+            <a:avLst/>
+          </a:prstGeom>
+          <a:solidFill>
+            <a:schemeClr val="tx1">
+              <a:lumMod val="95000"/>
+              <a:lumOff val="5000"/>
+            </a:schemeClr>
+          </a:solidFill>
+          <a:effectLst>
+            <a:softEdge rad="63500"/>
+          </a:effectLst>
+        </p:spPr>
+        <p:txBody>
+          <a:bodyPr vert="horz" lIns="91440" tIns="45720" rIns="91440" bIns="45720" rtlCol="0">
+            <a:normAutofit/>
+          </a:bodyPr>
+          <a:lstStyle>
+            <a:lvl1pPr marL="342900" indent="-342900" algn="l" defTabSz="914400" rtl="0" eaLnBrk="1" latinLnBrk="0" hangingPunct="1">
+              <a:spcBef>
+                <a:spcPct val="20000"/>
+              </a:spcBef>
+              <a:buFont typeface="Arial" pitchFamily="34" charset="0"/>
+              <a:buChar char="•"/>
+              <a:defRPr sz="3200" kern="1200">
+                <a:solidFill>
+                  <a:schemeClr val="tx1"/>
+                </a:solidFill>
+                <a:latin typeface="+mn-lt"/>
+                <a:ea typeface="+mn-ea"/>
+                <a:cs typeface="+mn-cs"/>
+              </a:defRPr>
+            </a:lvl1pPr>
+            <a:lvl2pPr marL="742950" indent="-285750" algn="l" defTabSz="914400" rtl="0" eaLnBrk="1" latinLnBrk="0" hangingPunct="1">
+              <a:spcBef>
+                <a:spcPct val="20000"/>
+              </a:spcBef>
+              <a:buFont typeface="Arial" pitchFamily="34" charset="0"/>
+              <a:buChar char="–"/>
+              <a:defRPr sz="2800" kern="1200">
+                <a:solidFill>
+                  <a:schemeClr val="tx1"/>
+                </a:solidFill>
+                <a:latin typeface="+mn-lt"/>
+                <a:ea typeface="+mn-ea"/>
+                <a:cs typeface="+mn-cs"/>
+              </a:defRPr>
+            </a:lvl2pPr>
+            <a:lvl3pPr marL="1143000" indent="-228600" algn="l" defTabSz="914400" rtl="0" eaLnBrk="1" latinLnBrk="0" hangingPunct="1">
+              <a:spcBef>
+                <a:spcPct val="20000"/>
+              </a:spcBef>
+              <a:buFont typeface="Arial" pitchFamily="34" charset="0"/>
+              <a:buChar char="•"/>
+              <a:defRPr sz="2400" kern="1200">
+                <a:solidFill>
+                  <a:schemeClr val="tx1"/>
+                </a:solidFill>
+                <a:latin typeface="+mn-lt"/>
+                <a:ea typeface="+mn-ea"/>
+                <a:cs typeface="+mn-cs"/>
+              </a:defRPr>
+            </a:lvl3pPr>
+            <a:lvl4pPr marL="1600200" indent="-228600" algn="l" defTabSz="914400" rtl="0" eaLnBrk="1" latinLnBrk="0" hangingPunct="1">
+              <a:spcBef>
+                <a:spcPct val="20000"/>
+              </a:spcBef>
+              <a:buFont typeface="Arial" pitchFamily="34" charset="0"/>
+              <a:buChar char="–"/>
+              <a:defRPr sz="2000" kern="1200">
+                <a:solidFill>
+                  <a:schemeClr val="tx1"/>
+                </a:solidFill>
+                <a:latin typeface="+mn-lt"/>
+                <a:ea typeface="+mn-ea"/>
+                <a:cs typeface="+mn-cs"/>
+              </a:defRPr>
+            </a:lvl4pPr>
+            <a:lvl5pPr marL="2057400" indent="-228600" algn="l" defTabSz="914400" rtl="0" eaLnBrk="1" latinLnBrk="0" hangingPunct="1">
+              <a:spcBef>
+                <a:spcPct val="20000"/>
+              </a:spcBef>
+              <a:buFont typeface="Arial" pitchFamily="34" charset="0"/>
+              <a:buChar char="»"/>
+              <a:defRPr sz="2000" kern="1200">
+                <a:solidFill>
+                  <a:schemeClr val="tx1"/>
+                </a:solidFill>
+                <a:latin typeface="+mn-lt"/>
+                <a:ea typeface="+mn-ea"/>
+                <a:cs typeface="+mn-cs"/>
+              </a:defRPr>
+            </a:lvl5pPr>
+            <a:lvl6pPr marL="2514600" indent="-228600" algn="l" defTabSz="914400" rtl="0" eaLnBrk="1" latinLnBrk="0" hangingPunct="1">
+              <a:spcBef>
+                <a:spcPct val="20000"/>
+              </a:spcBef>
+              <a:buFont typeface="Arial" pitchFamily="34" charset="0"/>
+              <a:buChar char="•"/>
+              <a:defRPr sz="2000" kern="1200">
+                <a:solidFill>
+                  <a:schemeClr val="tx1"/>
+                </a:solidFill>
+                <a:latin typeface="+mn-lt"/>
+                <a:ea typeface="+mn-ea"/>
+                <a:cs typeface="+mn-cs"/>
+              </a:defRPr>
+            </a:lvl6pPr>
+            <a:lvl7pPr marL="2971800" indent="-228600" algn="l" defTabSz="914400" rtl="0" eaLnBrk="1" latinLnBrk="0" hangingPunct="1">
+              <a:spcBef>
+                <a:spcPct val="20000"/>
+              </a:spcBef>
+              <a:buFont typeface="Arial" pitchFamily="34" charset="0"/>
+              <a:buChar char="•"/>
+              <a:defRPr sz="2000" kern="1200">
+                <a:solidFill>
+                  <a:schemeClr val="tx1"/>
+                </a:solidFill>
+                <a:latin typeface="+mn-lt"/>
+                <a:ea typeface="+mn-ea"/>
+                <a:cs typeface="+mn-cs"/>
+              </a:defRPr>
+            </a:lvl7pPr>
+            <a:lvl8pPr marL="3429000" indent="-228600" algn="l" defTabSz="914400" rtl="0" eaLnBrk="1" latinLnBrk="0" hangingPunct="1">
+              <a:spcBef>
+                <a:spcPct val="20000"/>
+              </a:spcBef>
+              <a:buFont typeface="Arial" pitchFamily="34" charset="0"/>
+              <a:buChar char="•"/>
+              <a:defRPr sz="2000" kern="1200">
+                <a:solidFill>
+                  <a:schemeClr val="tx1"/>
+                </a:solidFill>
+                <a:latin typeface="+mn-lt"/>
+                <a:ea typeface="+mn-ea"/>
+                <a:cs typeface="+mn-cs"/>
+              </a:defRPr>
+            </a:lvl8pPr>
+            <a:lvl9pPr marL="3886200" indent="-228600" algn="l" defTabSz="914400" rtl="0" eaLnBrk="1" latinLnBrk="0" hangingPunct="1">
+              <a:spcBef>
+                <a:spcPct val="20000"/>
+              </a:spcBef>
+              <a:buFont typeface="Arial" pitchFamily="34" charset="0"/>
+              <a:buChar char="•"/>
+              <a:defRPr sz="2000" kern="1200">
+                <a:solidFill>
+                  <a:schemeClr val="tx1"/>
+                </a:solidFill>
+                <a:latin typeface="+mn-lt"/>
+                <a:ea typeface="+mn-ea"/>
+                <a:cs typeface="+mn-cs"/>
+              </a:defRPr>
+            </a:lvl9pPr>
+          </a:lstStyle>
+          <a:p>
+            <a:pPr marL="0" indent="0" algn="just">
+              <a:buFont typeface="Arial" pitchFamily="34" charset="0"/>
+              <a:buNone/>
+            </a:pPr>
+            <a:r>
+              <a:rPr lang="en-ZA" sz="2000" b="1" dirty="0" smtClean="0">
+                <a:solidFill>
+                  <a:schemeClr val="bg1"/>
+                </a:solidFill>
+              </a:rPr>
+              <a:t>Challenges Faced: </a:t>
+            </a:r>
+          </a:p>
+          <a:p>
+            <a:pPr marL="514350" indent="-514350" algn="just">
+              <a:buFont typeface="Arial" pitchFamily="34" charset="0"/>
+              <a:buAutoNum type="arabicPeriod"/>
+            </a:pPr>
+            <a:r>
+              <a:rPr lang="en-ZA" sz="2000" dirty="0" smtClean="0">
+                <a:solidFill>
+                  <a:schemeClr val="bg1"/>
+                </a:solidFill>
+              </a:rPr>
+              <a:t>…</a:t>
+            </a:r>
+          </a:p>
+          <a:p>
+            <a:pPr marL="514350" indent="-514350" algn="just">
+              <a:buFont typeface="Arial" pitchFamily="34" charset="0"/>
+              <a:buAutoNum type="arabicPeriod"/>
+            </a:pPr>
+            <a:endParaRPr lang="en-ZA" sz="2000" dirty="0">
+              <a:solidFill>
+                <a:schemeClr val="bg1"/>
+              </a:solidFill>
+            </a:endParaRPr>
+          </a:p>
+          <a:p>
+            <a:pPr marL="514350" indent="-514350" algn="just">
+              <a:buFont typeface="Arial" pitchFamily="34" charset="0"/>
+              <a:buAutoNum type="arabicPeriod"/>
+            </a:pPr>
+            <a:endParaRPr lang="en-ZA" sz="2000" dirty="0">
+              <a:solidFill>
+                <a:schemeClr val="bg1"/>
+              </a:solidFill>
+            </a:endParaRPr>
+          </a:p>
+          <a:p>
+            <a:pPr marL="0" indent="0" algn="just">
+              <a:buNone/>
+            </a:pPr>
+            <a:r>
+              <a:rPr lang="en-ZA" sz="2000" b="1" dirty="0" smtClean="0">
+                <a:solidFill>
+                  <a:schemeClr val="bg1"/>
+                </a:solidFill>
+              </a:rPr>
+              <a:t>How challenges were overcome: </a:t>
+            </a:r>
+          </a:p>
+          <a:p>
+            <a:pPr marL="514350" indent="-514350" algn="just">
+              <a:buFont typeface="+mj-lt"/>
+              <a:buAutoNum type="arabicPeriod"/>
+            </a:pPr>
+            <a:r>
+              <a:rPr lang="en-ZA" sz="2000" dirty="0" smtClean="0">
+                <a:solidFill>
+                  <a:schemeClr val="bg1"/>
+                </a:solidFill>
+              </a:rPr>
+              <a:t>…</a:t>
+            </a:r>
+          </a:p>
+          <a:p>
+            <a:pPr marL="0" indent="0" algn="just">
+              <a:buFont typeface="Arial" pitchFamily="34" charset="0"/>
+              <a:buNone/>
+            </a:pPr>
+            <a:endParaRPr lang="en-ZA" dirty="0" smtClean="0">
+              <a:solidFill>
+                <a:schemeClr val="bg1"/>
+              </a:solidFill>
+            </a:endParaRPr>
+          </a:p>
+          <a:p>
+            <a:pPr marL="0" indent="0">
+              <a:buFont typeface="Arial" pitchFamily="34" charset="0"/>
+              <a:buNone/>
+            </a:pPr>
+            <a:r>
+              <a:rPr lang="en-ZA" dirty="0" smtClean="0">
+                <a:solidFill>
+                  <a:schemeClr val="bg1"/>
+                </a:solidFill>
+              </a:rPr>
+              <a:t>	</a:t>
+            </a:r>
+          </a:p>
+          <a:p>
+            <a:endParaRPr lang="en-ZA" dirty="0" smtClean="0">
+              <a:solidFill>
+                <a:schemeClr val="bg1"/>
+              </a:solidFill>
+            </a:endParaRPr>
+          </a:p>
+          <a:p>
+            <a:endParaRPr lang="en-ZA" dirty="0" smtClean="0">
+              <a:solidFill>
+                <a:schemeClr val="bg1"/>
+              </a:solidFill>
+            </a:endParaRPr>
+          </a:p>
+          <a:p>
+            <a:endParaRPr lang="en-ZA" dirty="0">
+              <a:solidFill>
+                <a:schemeClr val="bg1"/>
+              </a:solidFill>
+            </a:endParaRPr>
           </a:p>
         </p:txBody>
       </p:sp>
     </p:spTree>
     <p:extLst>
       <p:ext uri="{BB962C8B-B14F-4D97-AF65-F5344CB8AC3E}">
-        <p14:creationId xmlns:p14="http://schemas.microsoft.com/office/powerpoint/2010/main" xmlns="" val="149508204"/>
+        <p14:creationId xmlns:p14="http://schemas.microsoft.com/office/powerpoint/2010/main" val="446071776"/>
       </p:ext>
     </p:extLst>
   </p:cSld>
@@ -6603,7 +6068,7 @@
                   <a:schemeClr val="bg1"/>
                 </a:solidFill>
               </a:rPr>
-              <a:t>getAuthorization</a:t>
+              <a:t>removeAuthorization</a:t>
             </a:r>
             <a:r>
               <a:rPr lang="en-ZA" sz="5400" u="sng" dirty="0" smtClean="0">
@@ -6626,7 +6091,15 @@
                   <a:schemeClr val="bg1"/>
                 </a:solidFill>
               </a:rPr>
-              <a:t>Authors:</a:t>
+              <a:t>Authors: Jessica </a:t>
+            </a:r>
+            <a:r>
+              <a:rPr lang="en-ZA" sz="2200" u="sng" dirty="0" err="1" smtClean="0">
+                <a:solidFill>
+                  <a:schemeClr val="bg1"/>
+                </a:solidFill>
+              </a:rPr>
+              <a:t>Lessev</a:t>
             </a:r>
             <a:endParaRPr lang="en-ZA" sz="2200" u="sng" dirty="0">
               <a:solidFill>
@@ -6663,7 +6136,7 @@
         </p:spPr>
         <p:txBody>
           <a:bodyPr>
-            <a:normAutofit/>
+            <a:normAutofit fontScale="92500" lnSpcReduction="10000"/>
           </a:bodyPr>
           <a:lstStyle/>
           <a:p>
@@ -6671,102 +6144,149 @@
               <a:buNone/>
             </a:pPr>
             <a:r>
+              <a:rPr lang="en-ZA" sz="2200" b="1" dirty="0" smtClean="0">
+                <a:solidFill>
+                  <a:schemeClr val="bg1"/>
+                </a:solidFill>
+              </a:rPr>
+              <a:t>Description</a:t>
+            </a:r>
+            <a:r>
+              <a:rPr lang="en-ZA" sz="2000" dirty="0" smtClean="0">
+                <a:solidFill>
+                  <a:schemeClr val="bg1"/>
+                </a:solidFill>
+              </a:rPr>
+              <a:t>: </a:t>
+            </a:r>
+            <a:r>
+              <a:rPr lang="en-ZA" sz="1700" dirty="0" smtClean="0">
+                <a:solidFill>
+                  <a:schemeClr val="bg1"/>
+                </a:solidFill>
+              </a:rPr>
+              <a:t>It is a void function and does not return any value.</a:t>
+            </a:r>
+          </a:p>
+          <a:p>
+            <a:pPr marL="0" indent="0" algn="just">
+              <a:buNone/>
+            </a:pPr>
+            <a:r>
+              <a:rPr lang="en-ZA" sz="1700" dirty="0" smtClean="0">
+                <a:solidFill>
+                  <a:schemeClr val="bg1"/>
+                </a:solidFill>
+              </a:rPr>
+              <a:t>The aim of the function is "remove" an authorization of a restriction by setting a "deleted" flag to true.</a:t>
+            </a:r>
+          </a:p>
+          <a:p>
+            <a:pPr marL="0" indent="0" algn="just">
+              <a:buNone/>
+            </a:pPr>
+            <a:endParaRPr lang="en-ZA" sz="2000" dirty="0" smtClean="0">
+              <a:solidFill>
+                <a:schemeClr val="bg1"/>
+              </a:solidFill>
+            </a:endParaRPr>
+          </a:p>
+          <a:p>
+            <a:pPr marL="0" indent="0" algn="just">
+              <a:buNone/>
+            </a:pPr>
+            <a:r>
               <a:rPr lang="en-ZA" sz="2000" b="1" dirty="0" smtClean="0">
                 <a:solidFill>
                   <a:schemeClr val="bg1"/>
                 </a:solidFill>
               </a:rPr>
-              <a:t>Description</a:t>
-            </a:r>
-            <a:r>
-              <a:rPr lang="en-ZA" sz="2000" dirty="0" smtClean="0">
-                <a:solidFill>
-                  <a:schemeClr val="bg1"/>
-                </a:solidFill>
-              </a:rPr>
-              <a:t>:</a:t>
-            </a:r>
-          </a:p>
-          <a:p>
-            <a:pPr marL="0" indent="0" algn="just">
-              <a:buNone/>
-            </a:pPr>
-            <a:endParaRPr lang="en-ZA" sz="2000" dirty="0">
-              <a:solidFill>
-                <a:schemeClr val="bg1"/>
-              </a:solidFill>
-            </a:endParaRPr>
-          </a:p>
-          <a:p>
-            <a:pPr marL="0" indent="0" algn="just">
-              <a:buNone/>
-            </a:pPr>
-            <a:endParaRPr lang="en-ZA" sz="2000" dirty="0" smtClean="0">
-              <a:solidFill>
-                <a:schemeClr val="bg1"/>
-              </a:solidFill>
-            </a:endParaRPr>
-          </a:p>
-          <a:p>
-            <a:pPr marL="0" indent="0" algn="just">
-              <a:buNone/>
-            </a:pPr>
-            <a:endParaRPr lang="en-ZA" sz="2000" dirty="0" smtClean="0">
-              <a:solidFill>
-                <a:schemeClr val="bg1"/>
-              </a:solidFill>
-            </a:endParaRPr>
-          </a:p>
-          <a:p>
-            <a:pPr marL="0" indent="0" algn="just">
-              <a:buNone/>
-            </a:pPr>
-            <a:r>
-              <a:rPr lang="en-ZA" sz="2000" b="1" dirty="0" smtClean="0">
-                <a:solidFill>
-                  <a:schemeClr val="bg1"/>
-                </a:solidFill>
-              </a:rPr>
-              <a:t>Function Outline</a:t>
-            </a:r>
+              <a:t>Function </a:t>
+            </a:r>
+            <a:r>
+              <a:rPr lang="en-ZA" sz="2200" b="1" dirty="0" smtClean="0">
+                <a:solidFill>
+                  <a:schemeClr val="bg1"/>
+                </a:solidFill>
+              </a:rPr>
+              <a:t>Outline</a:t>
+            </a:r>
+            <a:endParaRPr lang="en-ZA" sz="2000" b="1" dirty="0" smtClean="0">
+              <a:solidFill>
+                <a:schemeClr val="bg1"/>
+              </a:solidFill>
+            </a:endParaRPr>
           </a:p>
           <a:p>
             <a:pPr marL="514350" indent="-514350" algn="just">
               <a:buAutoNum type="arabicPeriod"/>
             </a:pPr>
             <a:r>
-              <a:rPr lang="en-ZA" sz="2000" dirty="0" smtClean="0">
-                <a:solidFill>
-                  <a:schemeClr val="bg1"/>
-                </a:solidFill>
-              </a:rPr>
-              <a:t>…</a:t>
-            </a:r>
-          </a:p>
-          <a:p>
-            <a:pPr marL="0" indent="0" algn="just">
-              <a:buNone/>
-            </a:pPr>
-            <a:endParaRPr lang="en-ZA" dirty="0">
-              <a:solidFill>
-                <a:schemeClr val="bg1"/>
-              </a:solidFill>
-            </a:endParaRPr>
-          </a:p>
-          <a:p>
-            <a:pPr marL="0" indent="0" algn="just">
-              <a:buNone/>
-            </a:pPr>
-            <a:endParaRPr lang="en-ZA" dirty="0" smtClean="0">
-              <a:solidFill>
-                <a:schemeClr val="bg1"/>
-              </a:solidFill>
-            </a:endParaRPr>
-          </a:p>
-          <a:p>
-            <a:pPr marL="0" indent="0">
-              <a:buNone/>
-            </a:pPr>
+              <a:rPr lang="en-ZA" sz="1700" dirty="0" smtClean="0">
+                <a:solidFill>
+                  <a:schemeClr val="bg1"/>
+                </a:solidFill>
+              </a:rPr>
+              <a:t>remove() connects to the database that contains data regarding services, statuses, restrictions and other information about the system.</a:t>
+            </a:r>
+          </a:p>
+          <a:p>
+            <a:pPr marL="514350" indent="-514350" algn="just">
+              <a:buAutoNum type="arabicPeriod"/>
+            </a:pPr>
+            <a:r>
+              <a:rPr lang="en-ZA" sz="1700" dirty="0" smtClean="0">
+                <a:solidFill>
+                  <a:schemeClr val="bg1"/>
+                </a:solidFill>
+              </a:rPr>
+              <a:t>The function locates the record in the database that corresponds to the </a:t>
+            </a:r>
+            <a:r>
+              <a:rPr lang="en-ZA" sz="1700" dirty="0" err="1" smtClean="0">
+                <a:solidFill>
+                  <a:schemeClr val="bg1"/>
+                </a:solidFill>
+              </a:rPr>
+              <a:t>authorizedID</a:t>
+            </a:r>
+            <a:r>
+              <a:rPr lang="en-ZA" sz="1700" dirty="0" smtClean="0">
+                <a:solidFill>
+                  <a:schemeClr val="bg1"/>
+                </a:solidFill>
+              </a:rPr>
+              <a:t> variable.</a:t>
+            </a:r>
+          </a:p>
+          <a:p>
+            <a:pPr marL="514350" indent="-514350" algn="just">
+              <a:buAutoNum type="arabicPeriod"/>
+            </a:pPr>
+            <a:r>
+              <a:rPr lang="en-ZA" sz="1700" dirty="0" smtClean="0">
+                <a:solidFill>
+                  <a:schemeClr val="bg1"/>
+                </a:solidFill>
+              </a:rPr>
+              <a:t>Updates the </a:t>
+            </a:r>
+            <a:r>
+              <a:rPr lang="en-ZA" sz="1700" dirty="0" err="1" smtClean="0">
+                <a:solidFill>
+                  <a:schemeClr val="bg1"/>
+                </a:solidFill>
+              </a:rPr>
+              <a:t>boolean</a:t>
+            </a:r>
+            <a:r>
+              <a:rPr lang="en-ZA" sz="1700" dirty="0" smtClean="0">
+                <a:solidFill>
+                  <a:schemeClr val="bg1"/>
+                </a:solidFill>
+              </a:rPr>
+              <a:t> field to false to show that authorization is removed.</a:t>
+            </a:r>
             <a:r>
               <a:rPr lang="en-ZA" dirty="0" smtClean="0">
                 <a:solidFill>
@@ -7094,7 +6614,7 @@
     </p:spTree>
     <p:extLst>
       <p:ext uri="{BB962C8B-B14F-4D97-AF65-F5344CB8AC3E}">
-        <p14:creationId xmlns:p14="http://schemas.microsoft.com/office/powerpoint/2010/main" xmlns="" val="446071776"/>
+        <p14:creationId xmlns:p14="http://schemas.microsoft.com/office/powerpoint/2010/main" val="4160446826"/>
       </p:ext>
     </p:extLst>
   </p:cSld>
@@ -7138,85 +6658,6 @@
             <p:ph type="title"/>
           </p:nvPr>
         </p:nvSpPr>
-        <p:spPr/>
-        <p:txBody>
-          <a:bodyPr/>
-          <a:lstStyle/>
-          <a:p>
-            <a:r>
-              <a:rPr lang="en-ZA" dirty="0" smtClean="0"/>
-              <a:t>Code … If short enough … </a:t>
-            </a:r>
-            <a:endParaRPr lang="en-ZA" dirty="0"/>
-          </a:p>
-        </p:txBody>
-      </p:sp>
-      <p:sp>
-        <p:nvSpPr>
-          <p:cNvPr id="3" name="Content Placeholder 2"/>
-          <p:cNvSpPr>
-            <a:spLocks noGrp="1"/>
-          </p:cNvSpPr>
-          <p:nvPr>
-            <p:ph idx="1"/>
-          </p:nvPr>
-        </p:nvSpPr>
-        <p:spPr/>
-        <p:txBody>
-          <a:bodyPr/>
-          <a:lstStyle/>
-          <a:p>
-            <a:endParaRPr lang="en-ZA" dirty="0"/>
-          </a:p>
-        </p:txBody>
-      </p:sp>
-    </p:spTree>
-    <p:extLst>
-      <p:ext uri="{BB962C8B-B14F-4D97-AF65-F5344CB8AC3E}">
-        <p14:creationId xmlns:p14="http://schemas.microsoft.com/office/powerpoint/2010/main" xmlns="" val="2854353392"/>
-      </p:ext>
-    </p:extLst>
-  </p:cSld>
-  <p:clrMapOvr>
-    <a:masterClrMapping/>
-  </p:clrMapOvr>
-  <p:timing>
-    <p:tnLst>
-      <p:par>
-        <p:cTn id="1" dur="indefinite" restart="never" nodeType="tmRoot"/>
-      </p:par>
-    </p:tnLst>
-  </p:timing>
-</p:sld>
-</file>
-
-<file path=ppt/slides/slide9.xml><?xml version="1.0" encoding="utf-8"?>
-<p:sld xmlns:a="http://schemas.openxmlformats.org/drawingml/2006/main" xmlns:r="http://schemas.openxmlformats.org/officeDocument/2006/relationships" xmlns:p="http://schemas.openxmlformats.org/presentationml/2006/main">
-  <p:cSld>
-    <p:spTree>
-      <p:nvGrpSpPr>
-        <p:cNvPr id="1" name=""/>
-        <p:cNvGrpSpPr/>
-        <p:nvPr/>
-      </p:nvGrpSpPr>
-      <p:grpSpPr>
-        <a:xfrm>
-          <a:off x="0" y="0"/>
-          <a:ext cx="0" cy="0"/>
-          <a:chOff x="0" y="0"/>
-          <a:chExt cx="0" cy="0"/>
-        </a:xfrm>
-      </p:grpSpPr>
-      <p:sp>
-        <p:nvSpPr>
-          <p:cNvPr id="2" name="Title 1"/>
-          <p:cNvSpPr>
-            <a:spLocks noGrp="1"/>
-          </p:cNvSpPr>
-          <p:nvPr>
-            <p:ph type="title"/>
-          </p:nvPr>
-        </p:nvSpPr>
         <p:spPr>
           <a:xfrm>
             <a:off x="457200" y="274638"/>
@@ -7244,7 +6685,7 @@
                   <a:schemeClr val="bg1"/>
                 </a:solidFill>
               </a:rPr>
-              <a:t>addAuthorization</a:t>
+              <a:t>updateAuthorization</a:t>
             </a:r>
             <a:r>
               <a:rPr lang="en-ZA" sz="5400" u="sng" dirty="0" smtClean="0">
@@ -7735,7 +7176,7 @@
     </p:spTree>
     <p:extLst>
       <p:ext uri="{BB962C8B-B14F-4D97-AF65-F5344CB8AC3E}">
-        <p14:creationId xmlns:p14="http://schemas.microsoft.com/office/powerpoint/2010/main" xmlns="" val="446071776"/>
+        <p14:creationId xmlns:p14="http://schemas.microsoft.com/office/powerpoint/2010/main" val="109087637"/>
       </p:ext>
     </p:extLst>
   </p:cSld>

--- a/Authentication - B.pptx
+++ b/Authentication - B.pptx
@@ -10,9 +10,10 @@
     <p:sldId id="258" r:id="rId4"/>
     <p:sldId id="260" r:id="rId5"/>
     <p:sldId id="262" r:id="rId6"/>
-    <p:sldId id="264" r:id="rId7"/>
-    <p:sldId id="266" r:id="rId8"/>
-    <p:sldId id="268" r:id="rId9"/>
+    <p:sldId id="266" r:id="rId7"/>
+    <p:sldId id="268" r:id="rId8"/>
+    <p:sldId id="269" r:id="rId9"/>
+    <p:sldId id="271" r:id="rId10"/>
   </p:sldIdLst>
   <p:sldSz cx="9144000" cy="6858000" type="screen4x3"/>
   <p:notesSz cx="6858000" cy="9144000"/>
@@ -3479,13 +3480,25 @@
           <a:bodyPr/>
           <a:lstStyle/>
           <a:p>
+            <a:pPr algn="just"/>
             <a:r>
               <a:rPr lang="en-ZA" dirty="0" smtClean="0">
                 <a:solidFill>
                   <a:schemeClr val="bg1"/>
                 </a:solidFill>
               </a:rPr>
-              <a:t>… Describe what authentication is about</a:t>
+              <a:t>Authentication works with the users’ rights and privileges to use certain services. It is about determining status levels and authenticating the use of services. </a:t>
+            </a:r>
+          </a:p>
+          <a:p>
+            <a:pPr algn="just"/>
+            <a:r>
+              <a:rPr lang="en-ZA" dirty="0" smtClean="0">
+                <a:solidFill>
+                  <a:schemeClr val="bg1"/>
+                </a:solidFill>
+              </a:rPr>
+              <a:t>Assistant functionality such as removing a users authorization, setting a users authorization and checking a users authorization is present.</a:t>
             </a:r>
             <a:endParaRPr lang="en-ZA" dirty="0">
               <a:solidFill>
@@ -3627,12 +3640,12 @@
           <a:lstStyle/>
           <a:p>
             <a:r>
-              <a:rPr lang="en-ZA" sz="5400" u="sng" dirty="0" err="1">
-                <a:solidFill>
-                  <a:schemeClr val="bg1"/>
-                </a:solidFill>
-              </a:rPr>
-              <a:t>isAuthorization</a:t>
+              <a:rPr lang="en-ZA" sz="5400" u="sng" dirty="0" err="1" smtClean="0">
+                <a:solidFill>
+                  <a:schemeClr val="bg1"/>
+                </a:solidFill>
+              </a:rPr>
+              <a:t>isAuthorized</a:t>
             </a:r>
             <a:r>
               <a:rPr lang="en-ZA" sz="5400" u="sng" dirty="0" smtClean="0">
@@ -3732,7 +3745,7 @@
         </p:spPr>
         <p:txBody>
           <a:bodyPr>
-            <a:normAutofit fontScale="25000" lnSpcReduction="20000"/>
+            <a:normAutofit fontScale="40000" lnSpcReduction="20000"/>
           </a:bodyPr>
           <a:lstStyle/>
           <a:p>
@@ -3784,100 +3797,18 @@
                   <a:schemeClr val="bg1"/>
                 </a:solidFill>
               </a:rPr>
-              <a:t>Function Outline</a:t>
-            </a:r>
-          </a:p>
-          <a:p>
-            <a:pPr marL="514350" indent="-514350" algn="just">
-              <a:buAutoNum type="arabicPeriod"/>
-            </a:pPr>
-            <a:r>
-              <a:rPr lang="en-ZA" sz="6400" dirty="0" err="1" smtClean="0">
-                <a:solidFill>
-                  <a:schemeClr val="bg1"/>
-                </a:solidFill>
-              </a:rPr>
-              <a:t>isAuthorized</a:t>
-            </a:r>
-            <a:r>
-              <a:rPr lang="en-ZA" sz="6400" dirty="0" smtClean="0">
-                <a:solidFill>
-                  <a:schemeClr val="bg1"/>
-                </a:solidFill>
-              </a:rPr>
-              <a:t>() connects to the database that contains data regarding services, statuses and other information about the system.</a:t>
-            </a:r>
-          </a:p>
-          <a:p>
-            <a:pPr marL="514350" indent="-514350" algn="just">
-              <a:buAutoNum type="arabicPeriod"/>
-            </a:pPr>
-            <a:r>
-              <a:rPr lang="en-ZA" sz="6400" dirty="0" smtClean="0">
-                <a:solidFill>
-                  <a:schemeClr val="bg1"/>
-                </a:solidFill>
-              </a:rPr>
-              <a:t>Function reads the database and attempts to find the record with the matching data as the service, role and </a:t>
-            </a:r>
-            <a:r>
-              <a:rPr lang="en-ZA" sz="6400" dirty="0" err="1" smtClean="0">
-                <a:solidFill>
-                  <a:schemeClr val="bg1"/>
-                </a:solidFill>
-              </a:rPr>
-              <a:t>buzzspace</a:t>
-            </a:r>
-            <a:r>
-              <a:rPr lang="en-ZA" sz="6400" dirty="0" smtClean="0">
-                <a:solidFill>
-                  <a:schemeClr val="bg1"/>
-                </a:solidFill>
-              </a:rPr>
-              <a:t> variables.</a:t>
-            </a:r>
-          </a:p>
-          <a:p>
-            <a:pPr marL="514350" indent="-514350" algn="just">
-              <a:buAutoNum type="arabicPeriod"/>
-            </a:pPr>
-            <a:r>
-              <a:rPr lang="en-ZA" sz="6400" dirty="0" smtClean="0">
-                <a:solidFill>
-                  <a:schemeClr val="bg1"/>
-                </a:solidFill>
-              </a:rPr>
-              <a:t>If no such record is found or a restriction is not found it means no restriction exists and so the user may use the service; </a:t>
-            </a:r>
-            <a:r>
-              <a:rPr lang="en-ZA" sz="6400" dirty="0" err="1" smtClean="0">
-                <a:solidFill>
-                  <a:schemeClr val="bg1"/>
-                </a:solidFill>
-              </a:rPr>
-              <a:t>ie</a:t>
-            </a:r>
-            <a:r>
-              <a:rPr lang="en-ZA" sz="6400" dirty="0" smtClean="0">
-                <a:solidFill>
-                  <a:schemeClr val="bg1"/>
-                </a:solidFill>
-              </a:rPr>
-              <a:t> function returns true.</a:t>
-            </a:r>
-          </a:p>
-          <a:p>
-            <a:pPr marL="514350" indent="-514350" algn="just">
-              <a:buAutoNum type="arabicPeriod"/>
-            </a:pPr>
-            <a:r>
-              <a:rPr lang="en-ZA" sz="6400" dirty="0" smtClean="0">
-                <a:solidFill>
-                  <a:schemeClr val="bg1"/>
-                </a:solidFill>
-              </a:rPr>
-              <a:t> Otherwise a "User Not Authorized" Exception is thrown and the user is denied access to that service.</a:t>
-            </a:r>
+              <a:t>Pre and Post Conditions:</a:t>
+            </a:r>
+          </a:p>
+          <a:p>
+            <a:pPr marL="0" indent="0" algn="just">
+              <a:buNone/>
+            </a:pPr>
+            <a:endParaRPr lang="en-ZA" sz="6400" dirty="0" smtClean="0">
+              <a:solidFill>
+                <a:schemeClr val="bg1"/>
+              </a:solidFill>
+            </a:endParaRPr>
           </a:p>
           <a:p>
             <a:pPr marL="0" indent="0" algn="just">
@@ -3963,7 +3894,7 @@
         </p:spPr>
         <p:txBody>
           <a:bodyPr vert="horz" lIns="91440" tIns="45720" rIns="91440" bIns="45720" rtlCol="0">
-            <a:normAutofit/>
+            <a:normAutofit lnSpcReduction="10000"/>
           </a:bodyPr>
           <a:lstStyle>
             <a:lvl1pPr marL="342900" indent="-342900" algn="l" defTabSz="914400" rtl="0" eaLnBrk="1" latinLnBrk="0" hangingPunct="1">
@@ -4127,7 +4058,15 @@
                   <a:schemeClr val="bg1"/>
                 </a:solidFill>
               </a:rPr>
-              <a:t>Did not know how to define a class in JavaScript.</a:t>
+              <a:t>Did not know how to define a class in JavaScript</a:t>
+            </a:r>
+            <a:r>
+              <a:rPr lang="en-ZA" sz="1700" dirty="0" smtClean="0">
+                <a:solidFill>
+                  <a:schemeClr val="bg1"/>
+                </a:solidFill>
+              </a:rPr>
+              <a:t>.</a:t>
             </a:r>
           </a:p>
           <a:p>
@@ -4136,37 +4075,18 @@
               <a:buAutoNum type="arabicPeriod"/>
             </a:pPr>
             <a:r>
-              <a:rPr lang="en-ZA" sz="1700" dirty="0">
-                <a:solidFill>
-                  <a:schemeClr val="bg1"/>
-                </a:solidFill>
-              </a:rPr>
-              <a:t>Synchronous problem – </a:t>
-            </a:r>
-            <a:r>
-              <a:rPr lang="en-ZA" sz="1700" dirty="0" err="1">
-                <a:solidFill>
-                  <a:schemeClr val="bg1"/>
-                </a:solidFill>
-              </a:rPr>
-              <a:t>Sphe</a:t>
-            </a:r>
-            <a:r>
-              <a:rPr lang="en-ZA" sz="1700" dirty="0">
-                <a:solidFill>
-                  <a:schemeClr val="bg1"/>
-                </a:solidFill>
-              </a:rPr>
-              <a:t> </a:t>
-            </a:r>
-            <a:r>
               <a:rPr lang="en-ZA" sz="1700" dirty="0" smtClean="0">
                 <a:solidFill>
                   <a:schemeClr val="bg1"/>
                 </a:solidFill>
               </a:rPr>
-              <a:t>*</a:t>
-            </a:r>
+              <a:t>The function calls to the database returned asynchronously.</a:t>
+            </a:r>
+            <a:endParaRPr lang="en-ZA" sz="1700" dirty="0">
+              <a:solidFill>
+                <a:schemeClr val="bg1"/>
+              </a:solidFill>
+            </a:endParaRPr>
           </a:p>
           <a:p>
             <a:pPr marL="514350" indent="-514350" algn="just">
@@ -4225,25 +4145,17 @@
                   <a:schemeClr val="bg1"/>
                 </a:solidFill>
               </a:rPr>
-              <a:t>…</a:t>
-            </a:r>
-            <a:r>
-              <a:rPr lang="en-ZA" sz="1600" dirty="0" err="1" smtClean="0">
-                <a:solidFill>
-                  <a:schemeClr val="bg1"/>
-                </a:solidFill>
-              </a:rPr>
-              <a:t>Sphe</a:t>
-            </a:r>
-            <a:r>
-              <a:rPr lang="en-ZA" sz="1600" dirty="0" smtClean="0">
-                <a:solidFill>
-                  <a:schemeClr val="bg1"/>
-                </a:solidFill>
-              </a:rPr>
-              <a:t>*</a:t>
-            </a:r>
-            <a:endParaRPr lang="en-ZA" sz="1600" dirty="0">
+              <a:t>By embedding functions within one another, the values returned are used for the next call to </a:t>
+            </a:r>
+            <a:r>
+              <a:rPr lang="en-ZA" sz="1600" smtClean="0">
+                <a:solidFill>
+                  <a:schemeClr val="bg1"/>
+                </a:solidFill>
+              </a:rPr>
+              <a:t>the database.</a:t>
+            </a:r>
+            <a:endParaRPr lang="en-ZA" sz="1600" dirty="0" smtClean="0">
               <a:solidFill>
                 <a:schemeClr val="bg1"/>
               </a:solidFill>
@@ -4501,25 +4413,12 @@
               <a:buNone/>
             </a:pPr>
             <a:r>
-              <a:rPr lang="en-ZA" sz="2000" b="1" dirty="0" smtClean="0">
-                <a:solidFill>
-                  <a:schemeClr val="bg1"/>
-                </a:solidFill>
-              </a:rPr>
-              <a:t>Function Outline</a:t>
-            </a:r>
-          </a:p>
-          <a:p>
-            <a:pPr marL="514350" indent="-514350" algn="just">
-              <a:buAutoNum type="arabicPeriod"/>
-            </a:pPr>
-            <a:r>
-              <a:rPr lang="en-ZA" sz="2000" dirty="0" smtClean="0">
-                <a:solidFill>
-                  <a:schemeClr val="bg1"/>
-                </a:solidFill>
-              </a:rPr>
-              <a:t>…</a:t>
+              <a:rPr lang="en-ZA" sz="2000" b="1" dirty="0">
+                <a:solidFill>
+                  <a:schemeClr val="bg1"/>
+                </a:solidFill>
+              </a:rPr>
+              <a:t>Pre and Post Conditions:</a:t>
             </a:r>
           </a:p>
           <a:p>
@@ -5063,25 +4962,12 @@
               <a:buNone/>
             </a:pPr>
             <a:r>
-              <a:rPr lang="en-ZA" sz="2000" b="1" dirty="0" smtClean="0">
-                <a:solidFill>
-                  <a:schemeClr val="bg1"/>
-                </a:solidFill>
-              </a:rPr>
-              <a:t>Function Outline</a:t>
-            </a:r>
-          </a:p>
-          <a:p>
-            <a:pPr marL="514350" indent="-514350" algn="just">
-              <a:buAutoNum type="arabicPeriod"/>
-            </a:pPr>
-            <a:r>
-              <a:rPr lang="en-ZA" sz="2000" dirty="0" smtClean="0">
-                <a:solidFill>
-                  <a:schemeClr val="bg1"/>
-                </a:solidFill>
-              </a:rPr>
-              <a:t>…</a:t>
+              <a:rPr lang="en-ZA" sz="2000" b="1" dirty="0">
+                <a:solidFill>
+                  <a:schemeClr val="bg1"/>
+                </a:solidFill>
+              </a:rPr>
+              <a:t>Pre and Post Conditions:</a:t>
             </a:r>
           </a:p>
           <a:p>
@@ -5506,7 +5392,7 @@
                   <a:schemeClr val="bg1"/>
                 </a:solidFill>
               </a:rPr>
-              <a:t>addAuthorization</a:t>
+              <a:t>removeAuthorization</a:t>
             </a:r>
             <a:r>
               <a:rPr lang="en-ZA" sz="5400" u="sng" dirty="0" smtClean="0">
@@ -5529,7 +5415,15 @@
                   <a:schemeClr val="bg1"/>
                 </a:solidFill>
               </a:rPr>
-              <a:t>Authors:</a:t>
+              <a:t>Authors: Jessica </a:t>
+            </a:r>
+            <a:r>
+              <a:rPr lang="en-ZA" sz="2200" u="sng" dirty="0" err="1" smtClean="0">
+                <a:solidFill>
+                  <a:schemeClr val="bg1"/>
+                </a:solidFill>
+              </a:rPr>
+              <a:t>Lessev</a:t>
             </a:r>
             <a:endParaRPr lang="en-ZA" sz="2200" u="sng" dirty="0">
               <a:solidFill>
@@ -5552,7 +5446,7 @@
         <p:spPr>
           <a:xfrm>
             <a:off x="323528" y="1628800"/>
-            <a:ext cx="4104456" cy="4680520"/>
+            <a:ext cx="4176464" cy="4824536"/>
           </a:xfrm>
           <a:solidFill>
             <a:schemeClr val="tx1">
@@ -5587,14 +5481,27 @@
                   <a:schemeClr val="bg1"/>
                 </a:solidFill>
               </a:rPr>
-              <a:t>:</a:t>
-            </a:r>
+              <a:t>: </a:t>
+            </a:r>
+            <a:endParaRPr lang="en-ZA" sz="2000" dirty="0" smtClean="0">
+              <a:solidFill>
+                <a:schemeClr val="bg1"/>
+              </a:solidFill>
+            </a:endParaRPr>
           </a:p>
           <a:p>
             <a:pPr marL="0" indent="0" algn="just">
               <a:buNone/>
             </a:pPr>
-            <a:endParaRPr lang="en-ZA" sz="2000" dirty="0">
+            <a:r>
+              <a:rPr lang="en-ZA" sz="1900" dirty="0" smtClean="0">
+                <a:solidFill>
+                  <a:schemeClr val="bg1"/>
+                </a:solidFill>
+              </a:rPr>
+              <a:t>Void function. Accepts one parameter - authorization ID.</a:t>
+            </a:r>
+            <a:endParaRPr lang="en-ZA" sz="1900" dirty="0" smtClean="0">
               <a:solidFill>
                 <a:schemeClr val="bg1"/>
               </a:solidFill>
@@ -5604,6 +5511,32 @@
             <a:pPr marL="0" indent="0" algn="just">
               <a:buNone/>
             </a:pPr>
+            <a:r>
+              <a:rPr lang="en-ZA" sz="1900" dirty="0" smtClean="0">
+                <a:solidFill>
+                  <a:schemeClr val="bg1"/>
+                </a:solidFill>
+              </a:rPr>
+              <a:t>The aim of the function is "remove" an authorization of a restriction by setting a "deleted" flag to true</a:t>
+            </a:r>
+            <a:r>
+              <a:rPr lang="en-ZA" sz="1900" dirty="0" smtClean="0">
+                <a:solidFill>
+                  <a:schemeClr val="bg1"/>
+                </a:solidFill>
+              </a:rPr>
+              <a:t>. Since nothing may leave the system.</a:t>
+            </a:r>
+            <a:endParaRPr lang="en-ZA" sz="1900" dirty="0" smtClean="0">
+              <a:solidFill>
+                <a:schemeClr val="bg1"/>
+              </a:solidFill>
+            </a:endParaRPr>
+          </a:p>
+          <a:p>
+            <a:pPr marL="0" indent="0" algn="just">
+              <a:buNone/>
+            </a:pPr>
             <a:endParaRPr lang="en-ZA" sz="2000" dirty="0" smtClean="0">
               <a:solidFill>
                 <a:schemeClr val="bg1"/>
@@ -5614,79 +5547,57 @@
             <a:pPr marL="0" indent="0" algn="just">
               <a:buNone/>
             </a:pPr>
-            <a:endParaRPr lang="en-ZA" sz="2000" dirty="0" smtClean="0">
-              <a:solidFill>
-                <a:schemeClr val="bg1"/>
-              </a:solidFill>
-            </a:endParaRPr>
+            <a:r>
+              <a:rPr lang="en-ZA" sz="2000" b="1" dirty="0">
+                <a:solidFill>
+                  <a:schemeClr val="bg1"/>
+                </a:solidFill>
+              </a:rPr>
+              <a:t>Pre and Post Conditions:</a:t>
+            </a:r>
           </a:p>
           <a:p>
             <a:pPr marL="0" indent="0" algn="just">
               <a:buNone/>
             </a:pPr>
             <a:r>
-              <a:rPr lang="en-ZA" sz="2000" b="1" dirty="0" smtClean="0">
-                <a:solidFill>
-                  <a:schemeClr val="bg1"/>
-                </a:solidFill>
-              </a:rPr>
-              <a:t>Function Outline</a:t>
-            </a:r>
-          </a:p>
-          <a:p>
-            <a:pPr marL="514350" indent="-514350" algn="just">
-              <a:buAutoNum type="arabicPeriod"/>
-            </a:pPr>
-            <a:r>
-              <a:rPr lang="en-ZA" sz="2000" dirty="0" smtClean="0">
-                <a:solidFill>
-                  <a:schemeClr val="bg1"/>
-                </a:solidFill>
-              </a:rPr>
-              <a:t>…</a:t>
-            </a:r>
-          </a:p>
-          <a:p>
-            <a:pPr marL="0" indent="0" algn="just">
-              <a:buNone/>
-            </a:pPr>
-            <a:endParaRPr lang="en-ZA" dirty="0">
-              <a:solidFill>
-                <a:schemeClr val="bg1"/>
-              </a:solidFill>
-            </a:endParaRPr>
-          </a:p>
-          <a:p>
-            <a:pPr marL="0" indent="0" algn="just">
-              <a:buNone/>
-            </a:pPr>
-            <a:endParaRPr lang="en-ZA" dirty="0" smtClean="0">
-              <a:solidFill>
-                <a:schemeClr val="bg1"/>
-              </a:solidFill>
-            </a:endParaRPr>
-          </a:p>
-          <a:p>
-            <a:pPr marL="0" indent="0">
-              <a:buNone/>
-            </a:pPr>
-            <a:r>
-              <a:rPr lang="en-ZA" dirty="0" smtClean="0">
-                <a:solidFill>
-                  <a:schemeClr val="bg1"/>
-                </a:solidFill>
-              </a:rPr>
-              <a:t>	</a:t>
-            </a:r>
-          </a:p>
-          <a:p>
-            <a:endParaRPr lang="en-ZA" dirty="0" smtClean="0">
-              <a:solidFill>
-                <a:schemeClr val="bg1"/>
-              </a:solidFill>
-            </a:endParaRPr>
-          </a:p>
-          <a:p>
+              <a:rPr lang="en-ZA" sz="1800" b="1" dirty="0" smtClean="0">
+                <a:solidFill>
+                  <a:schemeClr val="bg1"/>
+                </a:solidFill>
+              </a:rPr>
+              <a:t>Pre-conditions</a:t>
+            </a:r>
+            <a:r>
+              <a:rPr lang="en-ZA" sz="1800" b="1" dirty="0">
+                <a:solidFill>
+                  <a:schemeClr val="bg1"/>
+                </a:solidFill>
+              </a:rPr>
+              <a:t>: </a:t>
+            </a:r>
+          </a:p>
+          <a:p>
+            <a:pPr algn="just"/>
+            <a:r>
+              <a:rPr lang="en-ZA" sz="1900" dirty="0" smtClean="0">
+                <a:solidFill>
+                  <a:schemeClr val="bg1"/>
+                </a:solidFill>
+              </a:rPr>
+              <a:t>The user must have authorization to remove authorizations.</a:t>
+            </a:r>
+          </a:p>
+          <a:p>
+            <a:pPr algn="just"/>
+            <a:r>
+              <a:rPr lang="en-ZA" sz="1900" dirty="0" smtClean="0">
+                <a:solidFill>
+                  <a:schemeClr val="bg1"/>
+                </a:solidFill>
+              </a:rPr>
+              <a:t>The restriction to be removed must be specified.</a:t>
+            </a:r>
             <a:endParaRPr lang="en-ZA" dirty="0">
               <a:solidFill>
                 <a:schemeClr val="bg1"/>
@@ -5712,8 +5623,8 @@
         </p:nvSpPr>
         <p:spPr>
           <a:xfrm>
-            <a:off x="4788024" y="1628800"/>
-            <a:ext cx="4104456" cy="4680520"/>
+            <a:off x="4499992" y="1628800"/>
+            <a:ext cx="4320480" cy="4824536"/>
           </a:xfrm>
           <a:prstGeom prst="rect">
             <a:avLst/>
@@ -5730,7 +5641,7 @@
         </p:spPr>
         <p:txBody>
           <a:bodyPr vert="horz" lIns="91440" tIns="45720" rIns="91440" bIns="45720" rtlCol="0">
-            <a:normAutofit/>
+            <a:normAutofit fontScale="32500" lnSpcReduction="20000"/>
           </a:bodyPr>
           <a:lstStyle>
             <a:lvl1pPr marL="342900" indent="-342900" algn="l" defTabSz="914400" rtl="0" eaLnBrk="1" latinLnBrk="0" hangingPunct="1">
@@ -5871,49 +5782,121 @@
           </a:lstStyle>
           <a:p>
             <a:pPr marL="0" indent="0" algn="just">
+              <a:buNone/>
+            </a:pPr>
+            <a:r>
+              <a:rPr lang="en-ZA" sz="6200" b="1" dirty="0">
+                <a:solidFill>
+                  <a:schemeClr val="bg1"/>
+                </a:solidFill>
+              </a:rPr>
+              <a:t>Post-conditions:</a:t>
+            </a:r>
+          </a:p>
+          <a:p>
+            <a:pPr algn="just"/>
+            <a:r>
+              <a:rPr lang="en-ZA" sz="5800" dirty="0" smtClean="0">
+                <a:solidFill>
+                  <a:schemeClr val="bg1"/>
+                </a:solidFill>
+              </a:rPr>
+              <a:t>The “deleted” field in the database is false – thus ignored.</a:t>
+            </a:r>
+          </a:p>
+          <a:p>
+            <a:pPr algn="just"/>
+            <a:r>
+              <a:rPr lang="en-ZA" sz="5800" dirty="0" smtClean="0">
+                <a:solidFill>
+                  <a:schemeClr val="bg1"/>
+                </a:solidFill>
+              </a:rPr>
+              <a:t>The </a:t>
+            </a:r>
+            <a:r>
+              <a:rPr lang="en-ZA" sz="5800" dirty="0">
+                <a:solidFill>
+                  <a:schemeClr val="bg1"/>
+                </a:solidFill>
+              </a:rPr>
+              <a:t>"deleted" field in the database is set to true. - Thus </a:t>
+            </a:r>
+            <a:r>
+              <a:rPr lang="en-ZA" sz="5800" dirty="0" smtClean="0">
+                <a:solidFill>
+                  <a:schemeClr val="bg1"/>
+                </a:solidFill>
+              </a:rPr>
+              <a:t>authorizations </a:t>
+            </a:r>
+            <a:r>
+              <a:rPr lang="en-ZA" sz="5800" dirty="0">
+                <a:solidFill>
+                  <a:schemeClr val="bg1"/>
+                </a:solidFill>
+              </a:rPr>
+              <a:t>deleted.</a:t>
+            </a:r>
+          </a:p>
+          <a:p>
+            <a:pPr marL="0" indent="0" algn="just">
               <a:buFont typeface="Arial" pitchFamily="34" charset="0"/>
               <a:buNone/>
             </a:pPr>
-            <a:r>
-              <a:rPr lang="en-ZA" sz="2000" b="1" dirty="0" smtClean="0">
-                <a:solidFill>
-                  <a:schemeClr val="bg1"/>
-                </a:solidFill>
-              </a:rPr>
-              <a:t>Challenges Faced: </a:t>
-            </a:r>
+            <a:endParaRPr lang="en-ZA" sz="5800" b="1" dirty="0" smtClean="0">
+              <a:solidFill>
+                <a:schemeClr val="bg1"/>
+              </a:solidFill>
+            </a:endParaRPr>
+          </a:p>
+          <a:p>
+            <a:pPr marL="0" indent="0" algn="just">
+              <a:buFont typeface="Arial" pitchFamily="34" charset="0"/>
+              <a:buNone/>
+            </a:pPr>
+            <a:r>
+              <a:rPr lang="en-ZA" sz="6200" b="1" dirty="0" smtClean="0">
+                <a:solidFill>
+                  <a:schemeClr val="bg1"/>
+                </a:solidFill>
+              </a:rPr>
+              <a:t>Challenges </a:t>
+            </a:r>
+            <a:r>
+              <a:rPr lang="en-ZA" sz="6200" b="1" dirty="0" smtClean="0">
+                <a:solidFill>
+                  <a:schemeClr val="bg1"/>
+                </a:solidFill>
+              </a:rPr>
+              <a:t>Faced: </a:t>
+            </a:r>
+          </a:p>
+          <a:p>
+            <a:pPr marL="457200" indent="-457200" algn="just">
+              <a:buFont typeface="+mj-lt"/>
+              <a:buAutoNum type="arabicPeriod"/>
+            </a:pPr>
+            <a:r>
+              <a:rPr lang="en-ZA" sz="5800" dirty="0" smtClean="0">
+                <a:solidFill>
+                  <a:schemeClr val="bg1"/>
+                </a:solidFill>
+              </a:rPr>
+              <a:t>A small challenge was not knowing the correct syntax to communicate with the database.</a:t>
+            </a:r>
+            <a:endParaRPr lang="en-ZA" sz="5800" dirty="0">
+              <a:solidFill>
+                <a:schemeClr val="bg1"/>
+              </a:solidFill>
+            </a:endParaRPr>
           </a:p>
           <a:p>
             <a:pPr marL="514350" indent="-514350" algn="just">
               <a:buFont typeface="Arial" pitchFamily="34" charset="0"/>
               <a:buAutoNum type="arabicPeriod"/>
             </a:pPr>
-            <a:r>
-              <a:rPr lang="en-ZA" sz="2000" dirty="0" smtClean="0">
-                <a:solidFill>
-                  <a:schemeClr val="bg1"/>
-                </a:solidFill>
-              </a:rPr>
-              <a:t>…</a:t>
-            </a:r>
-          </a:p>
-          <a:p>
-            <a:pPr marL="514350" indent="-514350" algn="just">
-              <a:buFont typeface="Arial" pitchFamily="34" charset="0"/>
-              <a:buAutoNum type="arabicPeriod"/>
-            </a:pPr>
-            <a:endParaRPr lang="en-ZA" sz="2000" dirty="0">
-              <a:solidFill>
-                <a:schemeClr val="bg1"/>
-              </a:solidFill>
-            </a:endParaRPr>
-          </a:p>
-          <a:p>
-            <a:pPr marL="514350" indent="-514350" algn="just">
-              <a:buFont typeface="Arial" pitchFamily="34" charset="0"/>
-              <a:buAutoNum type="arabicPeriod"/>
-            </a:pPr>
-            <a:endParaRPr lang="en-ZA" sz="2000" dirty="0">
+            <a:endParaRPr lang="en-ZA" sz="5800" dirty="0">
               <a:solidFill>
                 <a:schemeClr val="bg1"/>
               </a:solidFill>
@@ -5924,7 +5907,7 @@
               <a:buNone/>
             </a:pPr>
             <a:r>
-              <a:rPr lang="en-ZA" sz="2000" b="1" dirty="0" smtClean="0">
+              <a:rPr lang="en-ZA" sz="6200" b="1" dirty="0" smtClean="0">
                 <a:solidFill>
                   <a:schemeClr val="bg1"/>
                 </a:solidFill>
@@ -5938,38 +5921,18 @@
               <a:buAutoNum type="arabicPeriod"/>
             </a:pPr>
             <a:r>
-              <a:rPr lang="en-ZA" sz="2000" dirty="0" smtClean="0">
-                <a:solidFill>
-                  <a:schemeClr val="bg1"/>
-                </a:solidFill>
-              </a:rPr>
-              <a:t>…</a:t>
-            </a:r>
-          </a:p>
-          <a:p>
-            <a:pPr marL="0" indent="0" algn="just">
-              <a:buFont typeface="Arial" pitchFamily="34" charset="0"/>
-              <a:buNone/>
-            </a:pPr>
+              <a:rPr lang="en-ZA" sz="5800" dirty="0" smtClean="0">
+                <a:solidFill>
+                  <a:schemeClr val="bg1"/>
+                </a:solidFill>
+              </a:rPr>
+              <a:t>Through research and  sharing of knowledge with fellow team members.</a:t>
+            </a:r>
             <a:endParaRPr lang="en-ZA" dirty="0" smtClean="0">
               <a:solidFill>
                 <a:schemeClr val="bg1"/>
               </a:solidFill>
             </a:endParaRPr>
-          </a:p>
-          <a:p>
-            <a:pPr marL="0" indent="0">
-              <a:buFont typeface="Arial" pitchFamily="34" charset="0"/>
-              <a:buNone/>
-            </a:pPr>
-            <a:r>
-              <a:rPr lang="en-ZA" dirty="0" smtClean="0">
-                <a:solidFill>
-                  <a:schemeClr val="bg1"/>
-                </a:solidFill>
-              </a:rPr>
-              <a:t>	</a:t>
-            </a:r>
           </a:p>
           <a:p>
             <a:endParaRPr lang="en-ZA" dirty="0" smtClean="0">
@@ -5997,7 +5960,7 @@
     </p:spTree>
     <p:extLst>
       <p:ext uri="{BB962C8B-B14F-4D97-AF65-F5344CB8AC3E}">
-        <p14:creationId xmlns:p14="http://schemas.microsoft.com/office/powerpoint/2010/main" val="446071776"/>
+        <p14:creationId xmlns:p14="http://schemas.microsoft.com/office/powerpoint/2010/main" val="4160446826"/>
       </p:ext>
     </p:extLst>
   </p:cSld>
@@ -6068,7 +6031,7 @@
                   <a:schemeClr val="bg1"/>
                 </a:solidFill>
               </a:rPr>
-              <a:t>removeAuthorization</a:t>
+              <a:t>updateAuthorization</a:t>
             </a:r>
             <a:r>
               <a:rPr lang="en-ZA" sz="5400" u="sng" dirty="0" smtClean="0">
@@ -6091,15 +6054,7 @@
                   <a:schemeClr val="bg1"/>
                 </a:solidFill>
               </a:rPr>
-              <a:t>Authors: Jessica </a:t>
-            </a:r>
-            <a:r>
-              <a:rPr lang="en-ZA" sz="2200" u="sng" dirty="0" err="1" smtClean="0">
-                <a:solidFill>
-                  <a:schemeClr val="bg1"/>
-                </a:solidFill>
-              </a:rPr>
-              <a:t>Lessev</a:t>
+              <a:t>Authors:</a:t>
             </a:r>
             <a:endParaRPr lang="en-ZA" sz="2200" u="sng" dirty="0">
               <a:solidFill>
@@ -6136,7 +6091,7 @@
         </p:spPr>
         <p:txBody>
           <a:bodyPr>
-            <a:normAutofit fontScale="92500" lnSpcReduction="10000"/>
+            <a:normAutofit/>
           </a:bodyPr>
           <a:lstStyle/>
           <a:p>
@@ -6144,7 +6099,7 @@
               <a:buNone/>
             </a:pPr>
             <a:r>
-              <a:rPr lang="en-ZA" sz="2200" b="1" dirty="0" smtClean="0">
+              <a:rPr lang="en-ZA" sz="2000" b="1" dirty="0" smtClean="0">
                 <a:solidFill>
                   <a:schemeClr val="bg1"/>
                 </a:solidFill>
@@ -6157,29 +6112,18 @@
                   <a:schemeClr val="bg1"/>
                 </a:solidFill>
               </a:rPr>
-              <a:t>: </a:t>
-            </a:r>
-            <a:r>
-              <a:rPr lang="en-ZA" sz="1700" dirty="0" smtClean="0">
-                <a:solidFill>
-                  <a:schemeClr val="bg1"/>
-                </a:solidFill>
-              </a:rPr>
-              <a:t>It is a void function and does not return any value.</a:t>
+              <a:t>:</a:t>
             </a:r>
           </a:p>
           <a:p>
             <a:pPr marL="0" indent="0" algn="just">
               <a:buNone/>
             </a:pPr>
-            <a:r>
-              <a:rPr lang="en-ZA" sz="1700" dirty="0" smtClean="0">
-                <a:solidFill>
-                  <a:schemeClr val="bg1"/>
-                </a:solidFill>
-              </a:rPr>
-              <a:t>The aim of the function is "remove" an authorization of a restriction by setting a "deleted" flag to true.</a:t>
-            </a:r>
+            <a:endParaRPr lang="en-ZA" sz="2000" dirty="0">
+              <a:solidFill>
+                <a:schemeClr val="bg1"/>
+              </a:solidFill>
+            </a:endParaRPr>
           </a:p>
           <a:p>
             <a:pPr marL="0" indent="0" algn="just">
@@ -6195,98 +6139,49 @@
             <a:pPr marL="0" indent="0" algn="just">
               <a:buNone/>
             </a:pPr>
-            <a:r>
-              <a:rPr lang="en-ZA" sz="2000" b="1" dirty="0" smtClean="0">
-                <a:solidFill>
-                  <a:schemeClr val="bg1"/>
-                </a:solidFill>
-              </a:rPr>
-              <a:t>Function </a:t>
-            </a:r>
-            <a:r>
-              <a:rPr lang="en-ZA" sz="2200" b="1" dirty="0" smtClean="0">
-                <a:solidFill>
-                  <a:schemeClr val="bg1"/>
-                </a:solidFill>
-              </a:rPr>
-              <a:t>Outline</a:t>
-            </a:r>
-            <a:endParaRPr lang="en-ZA" sz="2000" b="1" dirty="0" smtClean="0">
-              <a:solidFill>
-                <a:schemeClr val="bg1"/>
-              </a:solidFill>
-            </a:endParaRPr>
-          </a:p>
-          <a:p>
-            <a:pPr marL="514350" indent="-514350" algn="just">
-              <a:buAutoNum type="arabicPeriod"/>
-            </a:pPr>
-            <a:r>
-              <a:rPr lang="en-ZA" sz="1700" dirty="0" smtClean="0">
-                <a:solidFill>
-                  <a:schemeClr val="bg1"/>
-                </a:solidFill>
-              </a:rPr>
-              <a:t>remove() connects to the database that contains data regarding services, statuses, restrictions and other information about the system.</a:t>
-            </a:r>
-          </a:p>
-          <a:p>
-            <a:pPr marL="514350" indent="-514350" algn="just">
-              <a:buAutoNum type="arabicPeriod"/>
-            </a:pPr>
-            <a:r>
-              <a:rPr lang="en-ZA" sz="1700" dirty="0" smtClean="0">
-                <a:solidFill>
-                  <a:schemeClr val="bg1"/>
-                </a:solidFill>
-              </a:rPr>
-              <a:t>The function locates the record in the database that corresponds to the </a:t>
-            </a:r>
-            <a:r>
-              <a:rPr lang="en-ZA" sz="1700" dirty="0" err="1" smtClean="0">
-                <a:solidFill>
-                  <a:schemeClr val="bg1"/>
-                </a:solidFill>
-              </a:rPr>
-              <a:t>authorizedID</a:t>
-            </a:r>
-            <a:r>
-              <a:rPr lang="en-ZA" sz="1700" dirty="0" smtClean="0">
-                <a:solidFill>
-                  <a:schemeClr val="bg1"/>
-                </a:solidFill>
-              </a:rPr>
-              <a:t> variable.</a:t>
-            </a:r>
-          </a:p>
-          <a:p>
-            <a:pPr marL="514350" indent="-514350" algn="just">
-              <a:buAutoNum type="arabicPeriod"/>
-            </a:pPr>
-            <a:r>
-              <a:rPr lang="en-ZA" sz="1700" dirty="0" smtClean="0">
-                <a:solidFill>
-                  <a:schemeClr val="bg1"/>
-                </a:solidFill>
-              </a:rPr>
-              <a:t>Updates the </a:t>
-            </a:r>
-            <a:r>
-              <a:rPr lang="en-ZA" sz="1700" dirty="0" err="1" smtClean="0">
-                <a:solidFill>
-                  <a:schemeClr val="bg1"/>
-                </a:solidFill>
-              </a:rPr>
-              <a:t>boolean</a:t>
-            </a:r>
-            <a:r>
-              <a:rPr lang="en-ZA" sz="1700" dirty="0" smtClean="0">
-                <a:solidFill>
-                  <a:schemeClr val="bg1"/>
-                </a:solidFill>
-              </a:rPr>
-              <a:t> field to false to show that authorization is removed.</a:t>
-            </a:r>
+            <a:endParaRPr lang="en-ZA" sz="2000" dirty="0" smtClean="0">
+              <a:solidFill>
+                <a:schemeClr val="bg1"/>
+              </a:solidFill>
+            </a:endParaRPr>
+          </a:p>
+          <a:p>
+            <a:pPr marL="0" indent="0" algn="just">
+              <a:buNone/>
+            </a:pPr>
+            <a:r>
+              <a:rPr lang="en-ZA" sz="2000" b="1" dirty="0">
+                <a:solidFill>
+                  <a:schemeClr val="bg1"/>
+                </a:solidFill>
+              </a:rPr>
+              <a:t>Pre and Post Conditions:</a:t>
+            </a:r>
+          </a:p>
+          <a:p>
+            <a:pPr marL="0" indent="0" algn="just">
+              <a:buNone/>
+            </a:pPr>
+            <a:endParaRPr lang="en-ZA" dirty="0">
+              <a:solidFill>
+                <a:schemeClr val="bg1"/>
+              </a:solidFill>
+            </a:endParaRPr>
+          </a:p>
+          <a:p>
+            <a:pPr marL="0" indent="0" algn="just">
+              <a:buNone/>
+            </a:pPr>
+            <a:endParaRPr lang="en-ZA" dirty="0" smtClean="0">
+              <a:solidFill>
+                <a:schemeClr val="bg1"/>
+              </a:solidFill>
+            </a:endParaRPr>
+          </a:p>
+          <a:p>
+            <a:pPr marL="0" indent="0">
+              <a:buNone/>
+            </a:pPr>
             <a:r>
               <a:rPr lang="en-ZA" dirty="0" smtClean="0">
                 <a:solidFill>
@@ -6614,7 +6509,7 @@
     </p:spTree>
     <p:extLst>
       <p:ext uri="{BB962C8B-B14F-4D97-AF65-F5344CB8AC3E}">
-        <p14:creationId xmlns:p14="http://schemas.microsoft.com/office/powerpoint/2010/main" val="4160446826"/>
+        <p14:creationId xmlns:p14="http://schemas.microsoft.com/office/powerpoint/2010/main" val="109087637"/>
       </p:ext>
     </p:extLst>
   </p:cSld>
@@ -6675,40 +6570,17 @@
         </p:spPr>
         <p:txBody>
           <a:bodyPr vert="horz" lIns="91440" tIns="45720" rIns="91440" bIns="45720" rtlCol="0" anchor="ctr">
-            <a:normAutofit fontScale="90000"/>
+            <a:normAutofit/>
           </a:bodyPr>
           <a:lstStyle/>
           <a:p>
             <a:r>
-              <a:rPr lang="en-ZA" sz="5400" u="sng" dirty="0" err="1" smtClean="0">
-                <a:solidFill>
-                  <a:schemeClr val="bg1"/>
-                </a:solidFill>
-              </a:rPr>
-              <a:t>updateAuthorization</a:t>
-            </a:r>
-            <a:r>
               <a:rPr lang="en-ZA" sz="5400" u="sng" dirty="0" smtClean="0">
                 <a:solidFill>
                   <a:schemeClr val="bg1"/>
                 </a:solidFill>
               </a:rPr>
-              <a:t>()</a:t>
-            </a:r>
-            <a:br>
-              <a:rPr lang="en-ZA" sz="5400" u="sng" dirty="0" smtClean="0">
-                <a:solidFill>
-                  <a:schemeClr val="bg1"/>
-                </a:solidFill>
-              </a:rPr>
-            </a:br>
-            <a:r>
-              <a:rPr lang="en-ZA" sz="2200" u="sng" dirty="0" smtClean="0">
-                <a:solidFill>
-                  <a:schemeClr val="bg1"/>
-                </a:solidFill>
-              </a:rPr>
-              <a:t>Authors:</a:t>
+              <a:t>UI Elements</a:t>
             </a:r>
             <a:endParaRPr lang="en-ZA" sz="2200" u="sng" dirty="0">
               <a:solidFill>
@@ -6731,7 +6603,7 @@
         <p:spPr>
           <a:xfrm>
             <a:off x="323528" y="1628800"/>
-            <a:ext cx="4104456" cy="4680520"/>
+            <a:ext cx="8352928" cy="4680520"/>
           </a:xfrm>
           <a:solidFill>
             <a:schemeClr val="tx1">
@@ -6749,86 +6621,73 @@
           </a:bodyPr>
           <a:lstStyle/>
           <a:p>
-            <a:pPr marL="0" indent="0" algn="just">
-              <a:buNone/>
-            </a:pPr>
-            <a:r>
-              <a:rPr lang="en-ZA" sz="2000" b="1" dirty="0" smtClean="0">
-                <a:solidFill>
-                  <a:schemeClr val="bg1"/>
-                </a:solidFill>
-              </a:rPr>
-              <a:t>Description</a:t>
-            </a:r>
-            <a:r>
-              <a:rPr lang="en-ZA" sz="2000" dirty="0" smtClean="0">
-                <a:solidFill>
-                  <a:schemeClr val="bg1"/>
-                </a:solidFill>
-              </a:rPr>
-              <a:t>:</a:t>
-            </a:r>
-          </a:p>
-          <a:p>
-            <a:pPr marL="0" indent="0" algn="just">
-              <a:buNone/>
-            </a:pPr>
-            <a:endParaRPr lang="en-ZA" sz="2000" dirty="0">
-              <a:solidFill>
-                <a:schemeClr val="bg1"/>
-              </a:solidFill>
-            </a:endParaRPr>
-          </a:p>
-          <a:p>
-            <a:pPr marL="0" indent="0" algn="just">
-              <a:buNone/>
-            </a:pPr>
-            <a:endParaRPr lang="en-ZA" sz="2000" dirty="0" smtClean="0">
-              <a:solidFill>
-                <a:schemeClr val="bg1"/>
-              </a:solidFill>
-            </a:endParaRPr>
-          </a:p>
-          <a:p>
-            <a:pPr marL="0" indent="0" algn="just">
-              <a:buNone/>
-            </a:pPr>
-            <a:endParaRPr lang="en-ZA" sz="2000" dirty="0" smtClean="0">
-              <a:solidFill>
-                <a:schemeClr val="bg1"/>
-              </a:solidFill>
-            </a:endParaRPr>
-          </a:p>
-          <a:p>
-            <a:pPr marL="0" indent="0" algn="just">
-              <a:buNone/>
-            </a:pPr>
-            <a:r>
-              <a:rPr lang="en-ZA" sz="2000" b="1" dirty="0" smtClean="0">
-                <a:solidFill>
-                  <a:schemeClr val="bg1"/>
-                </a:solidFill>
-              </a:rPr>
-              <a:t>Function Outline</a:t>
-            </a:r>
-          </a:p>
-          <a:p>
-            <a:pPr marL="514350" indent="-514350" algn="just">
-              <a:buAutoNum type="arabicPeriod"/>
-            </a:pPr>
-            <a:r>
-              <a:rPr lang="en-ZA" sz="2000" dirty="0" smtClean="0">
-                <a:solidFill>
-                  <a:schemeClr val="bg1"/>
-                </a:solidFill>
-              </a:rPr>
-              <a:t>…</a:t>
-            </a:r>
-          </a:p>
-          <a:p>
-            <a:pPr marL="0" indent="0" algn="just">
-              <a:buNone/>
-            </a:pPr>
+            <a:r>
+              <a:rPr lang="en-ZA" dirty="0" smtClean="0">
+                <a:solidFill>
+                  <a:schemeClr val="bg1"/>
+                </a:solidFill>
+              </a:rPr>
+              <a:t>UI is needed for the following functionality:</a:t>
+            </a:r>
+          </a:p>
+          <a:p>
+            <a:pPr lvl="1"/>
+            <a:r>
+              <a:rPr lang="en-ZA" dirty="0" err="1" smtClean="0">
+                <a:solidFill>
+                  <a:schemeClr val="bg1"/>
+                </a:solidFill>
+              </a:rPr>
+              <a:t>addAuthorizationRestrictions</a:t>
+            </a:r>
+            <a:r>
+              <a:rPr lang="en-ZA" dirty="0" smtClean="0">
+                <a:solidFill>
+                  <a:schemeClr val="bg1"/>
+                </a:solidFill>
+              </a:rPr>
+              <a:t>()</a:t>
+            </a:r>
+          </a:p>
+          <a:p>
+            <a:pPr lvl="1"/>
+            <a:r>
+              <a:rPr lang="en-ZA" dirty="0" err="1" smtClean="0">
+                <a:solidFill>
+                  <a:schemeClr val="bg1"/>
+                </a:solidFill>
+              </a:rPr>
+              <a:t>updateAuthorization</a:t>
+            </a:r>
+            <a:r>
+              <a:rPr lang="en-ZA" dirty="0" smtClean="0">
+                <a:solidFill>
+                  <a:schemeClr val="bg1"/>
+                </a:solidFill>
+              </a:rPr>
+              <a:t>()</a:t>
+            </a:r>
+          </a:p>
+          <a:p>
+            <a:pPr lvl="1"/>
+            <a:r>
+              <a:rPr lang="en-ZA" dirty="0" err="1" smtClean="0">
+                <a:solidFill>
+                  <a:schemeClr val="bg1"/>
+                </a:solidFill>
+              </a:rPr>
+              <a:t>removeAuthorization</a:t>
+            </a:r>
+            <a:r>
+              <a:rPr lang="en-ZA" dirty="0" smtClean="0">
+                <a:solidFill>
+                  <a:schemeClr val="bg1"/>
+                </a:solidFill>
+              </a:rPr>
+              <a:t>()</a:t>
+            </a:r>
+          </a:p>
+          <a:p>
             <a:endParaRPr lang="en-ZA" dirty="0">
               <a:solidFill>
                 <a:schemeClr val="bg1"/>
@@ -6836,67 +6695,116 @@
             </a:endParaRPr>
           </a:p>
           <a:p>
-            <a:pPr marL="0" indent="0" algn="just">
-              <a:buNone/>
-            </a:pPr>
-            <a:endParaRPr lang="en-ZA" dirty="0" smtClean="0">
-              <a:solidFill>
-                <a:schemeClr val="bg1"/>
-              </a:solidFill>
-            </a:endParaRPr>
-          </a:p>
-          <a:p>
-            <a:pPr marL="0" indent="0">
-              <a:buNone/>
-            </a:pPr>
             <a:r>
               <a:rPr lang="en-ZA" dirty="0" smtClean="0">
                 <a:solidFill>
                   <a:schemeClr val="bg1"/>
                 </a:solidFill>
               </a:rPr>
-              <a:t>	</a:t>
-            </a:r>
-          </a:p>
-          <a:p>
-            <a:endParaRPr lang="en-ZA" dirty="0" smtClean="0">
-              <a:solidFill>
-                <a:schemeClr val="bg1"/>
-              </a:solidFill>
-            </a:endParaRPr>
-          </a:p>
-          <a:p>
-            <a:endParaRPr lang="en-ZA" dirty="0">
-              <a:solidFill>
-                <a:schemeClr val="bg1"/>
-              </a:solidFill>
-            </a:endParaRPr>
-          </a:p>
-          <a:p>
-            <a:endParaRPr lang="en-ZA" dirty="0">
-              <a:solidFill>
-                <a:schemeClr val="bg1"/>
-              </a:solidFill>
-            </a:endParaRPr>
-          </a:p>
-        </p:txBody>
-      </p:sp>
-      <p:sp>
-        <p:nvSpPr>
-          <p:cNvPr id="4" name="Content Placeholder 2"/>
-          <p:cNvSpPr txBox="1">
-            <a:spLocks/>
-          </p:cNvSpPr>
-          <p:nvPr/>
+              <a:t>It is recommended that all the above functionality is located on one interface under a “Settings Menu”.</a:t>
+            </a:r>
+          </a:p>
+        </p:txBody>
+      </p:sp>
+    </p:spTree>
+    <p:extLst>
+      <p:ext uri="{BB962C8B-B14F-4D97-AF65-F5344CB8AC3E}">
+        <p14:creationId xmlns:p14="http://schemas.microsoft.com/office/powerpoint/2010/main" val="176429030"/>
+      </p:ext>
+    </p:extLst>
+  </p:cSld>
+  <p:clrMapOvr>
+    <a:masterClrMapping/>
+  </p:clrMapOvr>
+  <p:timing>
+    <p:tnLst>
+      <p:par>
+        <p:cTn id="1" dur="indefinite" restart="never" nodeType="tmRoot"/>
+      </p:par>
+    </p:tnLst>
+  </p:timing>
+</p:sld>
+</file>
+
+<file path=ppt/slides/slide9.xml><?xml version="1.0" encoding="utf-8"?>
+<p:sld xmlns:a="http://schemas.openxmlformats.org/drawingml/2006/main" xmlns:r="http://schemas.openxmlformats.org/officeDocument/2006/relationships" xmlns:p="http://schemas.openxmlformats.org/presentationml/2006/main">
+  <p:cSld>
+    <p:spTree>
+      <p:nvGrpSpPr>
+        <p:cNvPr id="1" name=""/>
+        <p:cNvGrpSpPr/>
+        <p:nvPr/>
+      </p:nvGrpSpPr>
+      <p:grpSpPr>
+        <a:xfrm>
+          <a:off x="0" y="0"/>
+          <a:ext cx="0" cy="0"/>
+          <a:chOff x="0" y="0"/>
+          <a:chExt cx="0" cy="0"/>
+        </a:xfrm>
+      </p:grpSpPr>
+      <p:sp>
+        <p:nvSpPr>
+          <p:cNvPr id="2" name="Title 1"/>
+          <p:cNvSpPr>
+            <a:spLocks noGrp="1"/>
+          </p:cNvSpPr>
+          <p:nvPr>
+            <p:ph type="title"/>
+          </p:nvPr>
         </p:nvSpPr>
         <p:spPr>
           <a:xfrm>
-            <a:off x="4788024" y="1628800"/>
-            <a:ext cx="4104456" cy="4680520"/>
+            <a:off x="457200" y="274638"/>
+            <a:ext cx="8229600" cy="1210146"/>
           </a:xfrm>
-          <a:prstGeom prst="rect">
-            <a:avLst/>
-          </a:prstGeom>
+          <a:solidFill>
+            <a:schemeClr val="tx1"/>
+          </a:solidFill>
+          <a:ln>
+            <a:noFill/>
+          </a:ln>
+          <a:effectLst>
+            <a:softEdge rad="635000"/>
+          </a:effectLst>
+        </p:spPr>
+        <p:txBody>
+          <a:bodyPr vert="horz" lIns="91440" tIns="45720" rIns="91440" bIns="45720" rtlCol="0" anchor="ctr">
+            <a:normAutofit/>
+          </a:bodyPr>
+          <a:lstStyle/>
+          <a:p>
+            <a:r>
+              <a:rPr lang="en-ZA" sz="5400" u="sng" dirty="0" smtClean="0">
+                <a:solidFill>
+                  <a:schemeClr val="bg1"/>
+                </a:solidFill>
+              </a:rPr>
+              <a:t>Builds</a:t>
+            </a:r>
+            <a:endParaRPr lang="en-ZA" sz="2200" u="sng" dirty="0">
+              <a:solidFill>
+                <a:schemeClr val="bg1"/>
+              </a:solidFill>
+            </a:endParaRPr>
+          </a:p>
+        </p:txBody>
+      </p:sp>
+      <p:sp>
+        <p:nvSpPr>
+          <p:cNvPr id="3" name="Content Placeholder 2"/>
+          <p:cNvSpPr>
+            <a:spLocks noGrp="1"/>
+          </p:cNvSpPr>
+          <p:nvPr>
+            <p:ph idx="1"/>
+          </p:nvPr>
+        </p:nvSpPr>
+        <p:spPr>
+          <a:xfrm>
+            <a:off x="2627784" y="2132856"/>
+            <a:ext cx="3888432" cy="2448272"/>
+          </a:xfrm>
           <a:solidFill>
             <a:schemeClr val="tx1">
               <a:lumMod val="95000"/>
@@ -6908,228 +6816,60 @@
           </a:effectLst>
         </p:spPr>
         <p:txBody>
-          <a:bodyPr vert="horz" lIns="91440" tIns="45720" rIns="91440" bIns="45720" rtlCol="0">
-            <a:normAutofit/>
+          <a:bodyPr>
+            <a:normAutofit lnSpcReduction="10000"/>
           </a:bodyPr>
-          <a:lstStyle>
-            <a:lvl1pPr marL="342900" indent="-342900" algn="l" defTabSz="914400" rtl="0" eaLnBrk="1" latinLnBrk="0" hangingPunct="1">
-              <a:spcBef>
-                <a:spcPct val="20000"/>
-              </a:spcBef>
-              <a:buFont typeface="Arial" pitchFamily="34" charset="0"/>
-              <a:buChar char="•"/>
-              <a:defRPr sz="3200" kern="1200">
-                <a:solidFill>
-                  <a:schemeClr val="tx1"/>
-                </a:solidFill>
-                <a:latin typeface="+mn-lt"/>
-                <a:ea typeface="+mn-ea"/>
-                <a:cs typeface="+mn-cs"/>
-              </a:defRPr>
-            </a:lvl1pPr>
-            <a:lvl2pPr marL="742950" indent="-285750" algn="l" defTabSz="914400" rtl="0" eaLnBrk="1" latinLnBrk="0" hangingPunct="1">
-              <a:spcBef>
-                <a:spcPct val="20000"/>
-              </a:spcBef>
-              <a:buFont typeface="Arial" pitchFamily="34" charset="0"/>
-              <a:buChar char="–"/>
-              <a:defRPr sz="2800" kern="1200">
-                <a:solidFill>
-                  <a:schemeClr val="tx1"/>
-                </a:solidFill>
-                <a:latin typeface="+mn-lt"/>
-                <a:ea typeface="+mn-ea"/>
-                <a:cs typeface="+mn-cs"/>
-              </a:defRPr>
-            </a:lvl2pPr>
-            <a:lvl3pPr marL="1143000" indent="-228600" algn="l" defTabSz="914400" rtl="0" eaLnBrk="1" latinLnBrk="0" hangingPunct="1">
-              <a:spcBef>
-                <a:spcPct val="20000"/>
-              </a:spcBef>
-              <a:buFont typeface="Arial" pitchFamily="34" charset="0"/>
-              <a:buChar char="•"/>
-              <a:defRPr sz="2400" kern="1200">
-                <a:solidFill>
-                  <a:schemeClr val="tx1"/>
-                </a:solidFill>
-                <a:latin typeface="+mn-lt"/>
-                <a:ea typeface="+mn-ea"/>
-                <a:cs typeface="+mn-cs"/>
-              </a:defRPr>
-            </a:lvl3pPr>
-            <a:lvl4pPr marL="1600200" indent="-228600" algn="l" defTabSz="914400" rtl="0" eaLnBrk="1" latinLnBrk="0" hangingPunct="1">
-              <a:spcBef>
-                <a:spcPct val="20000"/>
-              </a:spcBef>
-              <a:buFont typeface="Arial" pitchFamily="34" charset="0"/>
-              <a:buChar char="–"/>
-              <a:defRPr sz="2000" kern="1200">
-                <a:solidFill>
-                  <a:schemeClr val="tx1"/>
-                </a:solidFill>
-                <a:latin typeface="+mn-lt"/>
-                <a:ea typeface="+mn-ea"/>
-                <a:cs typeface="+mn-cs"/>
-              </a:defRPr>
-            </a:lvl4pPr>
-            <a:lvl5pPr marL="2057400" indent="-228600" algn="l" defTabSz="914400" rtl="0" eaLnBrk="1" latinLnBrk="0" hangingPunct="1">
-              <a:spcBef>
-                <a:spcPct val="20000"/>
-              </a:spcBef>
-              <a:buFont typeface="Arial" pitchFamily="34" charset="0"/>
-              <a:buChar char="»"/>
-              <a:defRPr sz="2000" kern="1200">
-                <a:solidFill>
-                  <a:schemeClr val="tx1"/>
-                </a:solidFill>
-                <a:latin typeface="+mn-lt"/>
-                <a:ea typeface="+mn-ea"/>
-                <a:cs typeface="+mn-cs"/>
-              </a:defRPr>
-            </a:lvl5pPr>
-            <a:lvl6pPr marL="2514600" indent="-228600" algn="l" defTabSz="914400" rtl="0" eaLnBrk="1" latinLnBrk="0" hangingPunct="1">
-              <a:spcBef>
-                <a:spcPct val="20000"/>
-              </a:spcBef>
-              <a:buFont typeface="Arial" pitchFamily="34" charset="0"/>
-              <a:buChar char="•"/>
-              <a:defRPr sz="2000" kern="1200">
-                <a:solidFill>
-                  <a:schemeClr val="tx1"/>
-                </a:solidFill>
-                <a:latin typeface="+mn-lt"/>
-                <a:ea typeface="+mn-ea"/>
-                <a:cs typeface="+mn-cs"/>
-              </a:defRPr>
-            </a:lvl6pPr>
-            <a:lvl7pPr marL="2971800" indent="-228600" algn="l" defTabSz="914400" rtl="0" eaLnBrk="1" latinLnBrk="0" hangingPunct="1">
-              <a:spcBef>
-                <a:spcPct val="20000"/>
-              </a:spcBef>
-              <a:buFont typeface="Arial" pitchFamily="34" charset="0"/>
-              <a:buChar char="•"/>
-              <a:defRPr sz="2000" kern="1200">
-                <a:solidFill>
-                  <a:schemeClr val="tx1"/>
-                </a:solidFill>
-                <a:latin typeface="+mn-lt"/>
-                <a:ea typeface="+mn-ea"/>
-                <a:cs typeface="+mn-cs"/>
-              </a:defRPr>
-            </a:lvl7pPr>
-            <a:lvl8pPr marL="3429000" indent="-228600" algn="l" defTabSz="914400" rtl="0" eaLnBrk="1" latinLnBrk="0" hangingPunct="1">
-              <a:spcBef>
-                <a:spcPct val="20000"/>
-              </a:spcBef>
-              <a:buFont typeface="Arial" pitchFamily="34" charset="0"/>
-              <a:buChar char="•"/>
-              <a:defRPr sz="2000" kern="1200">
-                <a:solidFill>
-                  <a:schemeClr val="tx1"/>
-                </a:solidFill>
-                <a:latin typeface="+mn-lt"/>
-                <a:ea typeface="+mn-ea"/>
-                <a:cs typeface="+mn-cs"/>
-              </a:defRPr>
-            </a:lvl8pPr>
-            <a:lvl9pPr marL="3886200" indent="-228600" algn="l" defTabSz="914400" rtl="0" eaLnBrk="1" latinLnBrk="0" hangingPunct="1">
-              <a:spcBef>
-                <a:spcPct val="20000"/>
-              </a:spcBef>
-              <a:buFont typeface="Arial" pitchFamily="34" charset="0"/>
-              <a:buChar char="•"/>
-              <a:defRPr sz="2000" kern="1200">
-                <a:solidFill>
-                  <a:schemeClr val="tx1"/>
-                </a:solidFill>
-                <a:latin typeface="+mn-lt"/>
-                <a:ea typeface="+mn-ea"/>
-                <a:cs typeface="+mn-cs"/>
-              </a:defRPr>
-            </a:lvl9pPr>
-          </a:lstStyle>
-          <a:p>
-            <a:pPr marL="0" indent="0" algn="just">
-              <a:buFont typeface="Arial" pitchFamily="34" charset="0"/>
-              <a:buNone/>
-            </a:pPr>
-            <a:r>
-              <a:rPr lang="en-ZA" sz="2000" b="1" dirty="0" smtClean="0">
-                <a:solidFill>
-                  <a:schemeClr val="bg1"/>
-                </a:solidFill>
-              </a:rPr>
-              <a:t>Challenges Faced: </a:t>
-            </a:r>
-          </a:p>
-          <a:p>
-            <a:pPr marL="514350" indent="-514350" algn="just">
-              <a:buFont typeface="Arial" pitchFamily="34" charset="0"/>
-              <a:buAutoNum type="arabicPeriod"/>
-            </a:pPr>
-            <a:r>
-              <a:rPr lang="en-ZA" sz="2000" dirty="0" smtClean="0">
-                <a:solidFill>
-                  <a:schemeClr val="bg1"/>
-                </a:solidFill>
-              </a:rPr>
-              <a:t>…</a:t>
-            </a:r>
-          </a:p>
-          <a:p>
-            <a:pPr marL="514350" indent="-514350" algn="just">
-              <a:buFont typeface="Arial" pitchFamily="34" charset="0"/>
-              <a:buAutoNum type="arabicPeriod"/>
-            </a:pPr>
-            <a:endParaRPr lang="en-ZA" sz="2000" dirty="0">
-              <a:solidFill>
-                <a:schemeClr val="bg1"/>
-              </a:solidFill>
-            </a:endParaRPr>
-          </a:p>
-          <a:p>
-            <a:pPr marL="514350" indent="-514350" algn="just">
-              <a:buFont typeface="Arial" pitchFamily="34" charset="0"/>
-              <a:buAutoNum type="arabicPeriod"/>
-            </a:pPr>
-            <a:endParaRPr lang="en-ZA" sz="2000" dirty="0">
-              <a:solidFill>
-                <a:schemeClr val="bg1"/>
-              </a:solidFill>
-            </a:endParaRPr>
-          </a:p>
-          <a:p>
-            <a:pPr marL="0" indent="0" algn="just">
-              <a:buNone/>
-            </a:pPr>
-            <a:r>
-              <a:rPr lang="en-ZA" sz="2000" b="1" dirty="0" smtClean="0">
-                <a:solidFill>
-                  <a:schemeClr val="bg1"/>
-                </a:solidFill>
-              </a:rPr>
-              <a:t>How challenges were overcome: </a:t>
-            </a:r>
-          </a:p>
-          <a:p>
-            <a:pPr marL="514350" indent="-514350" algn="just">
-              <a:buFont typeface="+mj-lt"/>
-              <a:buAutoNum type="arabicPeriod"/>
-            </a:pPr>
-            <a:r>
-              <a:rPr lang="en-ZA" sz="2000" dirty="0" smtClean="0">
-                <a:solidFill>
-                  <a:schemeClr val="bg1"/>
-                </a:solidFill>
-              </a:rPr>
-              <a:t>…</a:t>
-            </a:r>
-          </a:p>
-          <a:p>
-            <a:pPr marL="0" indent="0" algn="just">
-              <a:buFont typeface="Arial" pitchFamily="34" charset="0"/>
-              <a:buNone/>
-            </a:pPr>
+          <a:lstStyle/>
+          <a:p>
+            <a:r>
+              <a:rPr lang="en-ZA" dirty="0" smtClean="0">
+                <a:solidFill>
+                  <a:schemeClr val="bg1"/>
+                </a:solidFill>
+              </a:rPr>
+              <a:t>Technologies used:</a:t>
+            </a:r>
+          </a:p>
+          <a:p>
+            <a:pPr lvl="1"/>
+            <a:r>
+              <a:rPr lang="en-ZA" dirty="0" smtClean="0">
+                <a:solidFill>
+                  <a:schemeClr val="bg1"/>
+                </a:solidFill>
+              </a:rPr>
+              <a:t>Node.js</a:t>
+            </a:r>
+          </a:p>
+          <a:p>
+            <a:pPr lvl="1"/>
+            <a:r>
+              <a:rPr lang="en-ZA" dirty="0" err="1" smtClean="0">
+                <a:solidFill>
+                  <a:schemeClr val="bg1"/>
+                </a:solidFill>
+              </a:rPr>
+              <a:t>MongoDB</a:t>
+            </a:r>
+            <a:r>
+              <a:rPr lang="en-ZA" dirty="0" smtClean="0">
+                <a:solidFill>
+                  <a:schemeClr val="bg1"/>
+                </a:solidFill>
+              </a:rPr>
+              <a:t> </a:t>
+            </a:r>
+          </a:p>
+          <a:p>
+            <a:pPr lvl="1"/>
+            <a:r>
+              <a:rPr lang="en-ZA" dirty="0" err="1" smtClean="0">
+                <a:solidFill>
+                  <a:schemeClr val="bg1"/>
+                </a:solidFill>
+              </a:rPr>
+              <a:t>GitHub</a:t>
+            </a:r>
             <a:endParaRPr lang="en-ZA" dirty="0" smtClean="0">
               <a:solidFill>
                 <a:schemeClr val="bg1"/>
@@ -7137,20 +6877,28 @@
             </a:endParaRPr>
           </a:p>
           <a:p>
-            <a:pPr marL="0" indent="0">
-              <a:buFont typeface="Arial" pitchFamily="34" charset="0"/>
-              <a:buNone/>
-            </a:pPr>
+            <a:pPr lvl="1"/>
+            <a:r>
+              <a:rPr lang="en-ZA" dirty="0" err="1" smtClean="0">
+                <a:solidFill>
+                  <a:schemeClr val="bg1"/>
+                </a:solidFill>
+              </a:rPr>
+              <a:t>NodeUnit</a:t>
+            </a:r>
             <a:r>
               <a:rPr lang="en-ZA" dirty="0" smtClean="0">
                 <a:solidFill>
                   <a:schemeClr val="bg1"/>
                 </a:solidFill>
               </a:rPr>
-              <a:t>	</a:t>
-            </a:r>
-          </a:p>
-          <a:p>
+              <a:t> ****</a:t>
+            </a:r>
+          </a:p>
+          <a:p>
+            <a:pPr marL="457200" lvl="1" indent="0">
+              <a:buNone/>
+            </a:pPr>
             <a:endParaRPr lang="en-ZA" dirty="0" smtClean="0">
               <a:solidFill>
                 <a:schemeClr val="bg1"/>
@@ -7158,14 +6906,8 @@
             </a:endParaRPr>
           </a:p>
           <a:p>
+            <a:pPr lvl="1"/>
             <a:endParaRPr lang="en-ZA" dirty="0" smtClean="0">
-              <a:solidFill>
-                <a:schemeClr val="bg1"/>
-              </a:solidFill>
-            </a:endParaRPr>
-          </a:p>
-          <a:p>
-            <a:endParaRPr lang="en-ZA" dirty="0">
               <a:solidFill>
                 <a:schemeClr val="bg1"/>
               </a:solidFill>
@@ -7176,7 +6918,7 @@
     </p:spTree>
     <p:extLst>
       <p:ext uri="{BB962C8B-B14F-4D97-AF65-F5344CB8AC3E}">
-        <p14:creationId xmlns:p14="http://schemas.microsoft.com/office/powerpoint/2010/main" val="109087637"/>
+        <p14:creationId xmlns:p14="http://schemas.microsoft.com/office/powerpoint/2010/main" val="1129193988"/>
       </p:ext>
     </p:extLst>
   </p:cSld>

--- a/Authentication - B.pptx
+++ b/Authentication - B.pptx
@@ -296,7 +296,8 @@
           <a:p>
             <a:fld id="{BC8B1206-7415-4CAA-BABF-4B2FCC8828A3}" type="datetimeFigureOut">
               <a:rPr lang="en-ZA" smtClean="0"/>
-              <a:t>2015-04-16</a:t>
+              <a:pPr/>
+              <a:t>2015/04/16</a:t>
             </a:fld>
             <a:endParaRPr lang="en-ZA"/>
           </a:p>
@@ -338,6 +339,7 @@
           <a:p>
             <a:fld id="{FF1E2881-C859-4715-83A0-919D8B92F780}" type="slidenum">
               <a:rPr lang="en-ZA" smtClean="0"/>
+              <a:pPr/>
               <a:t>‹#›</a:t>
             </a:fld>
             <a:endParaRPr lang="en-ZA"/>
@@ -347,7 +349,7 @@
     </p:spTree>
     <p:extLst>
       <p:ext uri="{BB962C8B-B14F-4D97-AF65-F5344CB8AC3E}">
-        <p14:creationId xmlns:p14="http://schemas.microsoft.com/office/powerpoint/2010/main" val="32494294"/>
+        <p14:creationId xmlns:p14="http://schemas.microsoft.com/office/powerpoint/2010/main" xmlns="" val="32494294"/>
       </p:ext>
     </p:extLst>
   </p:cSld>
@@ -466,7 +468,8 @@
           <a:p>
             <a:fld id="{BC8B1206-7415-4CAA-BABF-4B2FCC8828A3}" type="datetimeFigureOut">
               <a:rPr lang="en-ZA" smtClean="0"/>
-              <a:t>2015-04-16</a:t>
+              <a:pPr/>
+              <a:t>2015/04/16</a:t>
             </a:fld>
             <a:endParaRPr lang="en-ZA"/>
           </a:p>
@@ -508,6 +511,7 @@
           <a:p>
             <a:fld id="{FF1E2881-C859-4715-83A0-919D8B92F780}" type="slidenum">
               <a:rPr lang="en-ZA" smtClean="0"/>
+              <a:pPr/>
               <a:t>‹#›</a:t>
             </a:fld>
             <a:endParaRPr lang="en-ZA"/>
@@ -517,7 +521,7 @@
     </p:spTree>
     <p:extLst>
       <p:ext uri="{BB962C8B-B14F-4D97-AF65-F5344CB8AC3E}">
-        <p14:creationId xmlns:p14="http://schemas.microsoft.com/office/powerpoint/2010/main" val="1407415046"/>
+        <p14:creationId xmlns:p14="http://schemas.microsoft.com/office/powerpoint/2010/main" xmlns="" val="1407415046"/>
       </p:ext>
     </p:extLst>
   </p:cSld>
@@ -646,7 +650,8 @@
           <a:p>
             <a:fld id="{BC8B1206-7415-4CAA-BABF-4B2FCC8828A3}" type="datetimeFigureOut">
               <a:rPr lang="en-ZA" smtClean="0"/>
-              <a:t>2015-04-16</a:t>
+              <a:pPr/>
+              <a:t>2015/04/16</a:t>
             </a:fld>
             <a:endParaRPr lang="en-ZA"/>
           </a:p>
@@ -688,6 +693,7 @@
           <a:p>
             <a:fld id="{FF1E2881-C859-4715-83A0-919D8B92F780}" type="slidenum">
               <a:rPr lang="en-ZA" smtClean="0"/>
+              <a:pPr/>
               <a:t>‹#›</a:t>
             </a:fld>
             <a:endParaRPr lang="en-ZA"/>
@@ -697,7 +703,7 @@
     </p:spTree>
     <p:extLst>
       <p:ext uri="{BB962C8B-B14F-4D97-AF65-F5344CB8AC3E}">
-        <p14:creationId xmlns:p14="http://schemas.microsoft.com/office/powerpoint/2010/main" val="3489674815"/>
+        <p14:creationId xmlns:p14="http://schemas.microsoft.com/office/powerpoint/2010/main" xmlns="" val="3489674815"/>
       </p:ext>
     </p:extLst>
   </p:cSld>
@@ -816,7 +822,8 @@
           <a:p>
             <a:fld id="{BC8B1206-7415-4CAA-BABF-4B2FCC8828A3}" type="datetimeFigureOut">
               <a:rPr lang="en-ZA" smtClean="0"/>
-              <a:t>2015-04-16</a:t>
+              <a:pPr/>
+              <a:t>2015/04/16</a:t>
             </a:fld>
             <a:endParaRPr lang="en-ZA"/>
           </a:p>
@@ -858,6 +865,7 @@
           <a:p>
             <a:fld id="{FF1E2881-C859-4715-83A0-919D8B92F780}" type="slidenum">
               <a:rPr lang="en-ZA" smtClean="0"/>
+              <a:pPr/>
               <a:t>‹#›</a:t>
             </a:fld>
             <a:endParaRPr lang="en-ZA"/>
@@ -867,7 +875,7 @@
     </p:spTree>
     <p:extLst>
       <p:ext uri="{BB962C8B-B14F-4D97-AF65-F5344CB8AC3E}">
-        <p14:creationId xmlns:p14="http://schemas.microsoft.com/office/powerpoint/2010/main" val="3922563659"/>
+        <p14:creationId xmlns:p14="http://schemas.microsoft.com/office/powerpoint/2010/main" xmlns="" val="3922563659"/>
       </p:ext>
     </p:extLst>
   </p:cSld>
@@ -1062,7 +1070,8 @@
           <a:p>
             <a:fld id="{BC8B1206-7415-4CAA-BABF-4B2FCC8828A3}" type="datetimeFigureOut">
               <a:rPr lang="en-ZA" smtClean="0"/>
-              <a:t>2015-04-16</a:t>
+              <a:pPr/>
+              <a:t>2015/04/16</a:t>
             </a:fld>
             <a:endParaRPr lang="en-ZA"/>
           </a:p>
@@ -1104,6 +1113,7 @@
           <a:p>
             <a:fld id="{FF1E2881-C859-4715-83A0-919D8B92F780}" type="slidenum">
               <a:rPr lang="en-ZA" smtClean="0"/>
+              <a:pPr/>
               <a:t>‹#›</a:t>
             </a:fld>
             <a:endParaRPr lang="en-ZA"/>
@@ -1113,7 +1123,7 @@
     </p:spTree>
     <p:extLst>
       <p:ext uri="{BB962C8B-B14F-4D97-AF65-F5344CB8AC3E}">
-        <p14:creationId xmlns:p14="http://schemas.microsoft.com/office/powerpoint/2010/main" val="2839950182"/>
+        <p14:creationId xmlns:p14="http://schemas.microsoft.com/office/powerpoint/2010/main" xmlns="" val="2839950182"/>
       </p:ext>
     </p:extLst>
   </p:cSld>
@@ -1350,7 +1360,8 @@
           <a:p>
             <a:fld id="{BC8B1206-7415-4CAA-BABF-4B2FCC8828A3}" type="datetimeFigureOut">
               <a:rPr lang="en-ZA" smtClean="0"/>
-              <a:t>2015-04-16</a:t>
+              <a:pPr/>
+              <a:t>2015/04/16</a:t>
             </a:fld>
             <a:endParaRPr lang="en-ZA"/>
           </a:p>
@@ -1392,6 +1403,7 @@
           <a:p>
             <a:fld id="{FF1E2881-C859-4715-83A0-919D8B92F780}" type="slidenum">
               <a:rPr lang="en-ZA" smtClean="0"/>
+              <a:pPr/>
               <a:t>‹#›</a:t>
             </a:fld>
             <a:endParaRPr lang="en-ZA"/>
@@ -1401,7 +1413,7 @@
     </p:spTree>
     <p:extLst>
       <p:ext uri="{BB962C8B-B14F-4D97-AF65-F5344CB8AC3E}">
-        <p14:creationId xmlns:p14="http://schemas.microsoft.com/office/powerpoint/2010/main" val="3287254344"/>
+        <p14:creationId xmlns:p14="http://schemas.microsoft.com/office/powerpoint/2010/main" xmlns="" val="3287254344"/>
       </p:ext>
     </p:extLst>
   </p:cSld>
@@ -1772,7 +1784,8 @@
           <a:p>
             <a:fld id="{BC8B1206-7415-4CAA-BABF-4B2FCC8828A3}" type="datetimeFigureOut">
               <a:rPr lang="en-ZA" smtClean="0"/>
-              <a:t>2015-04-16</a:t>
+              <a:pPr/>
+              <a:t>2015/04/16</a:t>
             </a:fld>
             <a:endParaRPr lang="en-ZA"/>
           </a:p>
@@ -1814,6 +1827,7 @@
           <a:p>
             <a:fld id="{FF1E2881-C859-4715-83A0-919D8B92F780}" type="slidenum">
               <a:rPr lang="en-ZA" smtClean="0"/>
+              <a:pPr/>
               <a:t>‹#›</a:t>
             </a:fld>
             <a:endParaRPr lang="en-ZA"/>
@@ -1823,7 +1837,7 @@
     </p:spTree>
     <p:extLst>
       <p:ext uri="{BB962C8B-B14F-4D97-AF65-F5344CB8AC3E}">
-        <p14:creationId xmlns:p14="http://schemas.microsoft.com/office/powerpoint/2010/main" val="2992548387"/>
+        <p14:creationId xmlns:p14="http://schemas.microsoft.com/office/powerpoint/2010/main" xmlns="" val="2992548387"/>
       </p:ext>
     </p:extLst>
   </p:cSld>
@@ -1890,7 +1904,8 @@
           <a:p>
             <a:fld id="{BC8B1206-7415-4CAA-BABF-4B2FCC8828A3}" type="datetimeFigureOut">
               <a:rPr lang="en-ZA" smtClean="0"/>
-              <a:t>2015-04-16</a:t>
+              <a:pPr/>
+              <a:t>2015/04/16</a:t>
             </a:fld>
             <a:endParaRPr lang="en-ZA"/>
           </a:p>
@@ -1932,6 +1947,7 @@
           <a:p>
             <a:fld id="{FF1E2881-C859-4715-83A0-919D8B92F780}" type="slidenum">
               <a:rPr lang="en-ZA" smtClean="0"/>
+              <a:pPr/>
               <a:t>‹#›</a:t>
             </a:fld>
             <a:endParaRPr lang="en-ZA"/>
@@ -1941,7 +1957,7 @@
     </p:spTree>
     <p:extLst>
       <p:ext uri="{BB962C8B-B14F-4D97-AF65-F5344CB8AC3E}">
-        <p14:creationId xmlns:p14="http://schemas.microsoft.com/office/powerpoint/2010/main" val="4081995342"/>
+        <p14:creationId xmlns:p14="http://schemas.microsoft.com/office/powerpoint/2010/main" xmlns="" val="4081995342"/>
       </p:ext>
     </p:extLst>
   </p:cSld>
@@ -1985,7 +2001,8 @@
           <a:p>
             <a:fld id="{BC8B1206-7415-4CAA-BABF-4B2FCC8828A3}" type="datetimeFigureOut">
               <a:rPr lang="en-ZA" smtClean="0"/>
-              <a:t>2015-04-16</a:t>
+              <a:pPr/>
+              <a:t>2015/04/16</a:t>
             </a:fld>
             <a:endParaRPr lang="en-ZA"/>
           </a:p>
@@ -2027,6 +2044,7 @@
           <a:p>
             <a:fld id="{FF1E2881-C859-4715-83A0-919D8B92F780}" type="slidenum">
               <a:rPr lang="en-ZA" smtClean="0"/>
+              <a:pPr/>
               <a:t>‹#›</a:t>
             </a:fld>
             <a:endParaRPr lang="en-ZA"/>
@@ -2036,7 +2054,7 @@
     </p:spTree>
     <p:extLst>
       <p:ext uri="{BB962C8B-B14F-4D97-AF65-F5344CB8AC3E}">
-        <p14:creationId xmlns:p14="http://schemas.microsoft.com/office/powerpoint/2010/main" val="1897818696"/>
+        <p14:creationId xmlns:p14="http://schemas.microsoft.com/office/powerpoint/2010/main" xmlns="" val="1897818696"/>
       </p:ext>
     </p:extLst>
   </p:cSld>
@@ -2262,7 +2280,8 @@
           <a:p>
             <a:fld id="{BC8B1206-7415-4CAA-BABF-4B2FCC8828A3}" type="datetimeFigureOut">
               <a:rPr lang="en-ZA" smtClean="0"/>
-              <a:t>2015-04-16</a:t>
+              <a:pPr/>
+              <a:t>2015/04/16</a:t>
             </a:fld>
             <a:endParaRPr lang="en-ZA"/>
           </a:p>
@@ -2304,6 +2323,7 @@
           <a:p>
             <a:fld id="{FF1E2881-C859-4715-83A0-919D8B92F780}" type="slidenum">
               <a:rPr lang="en-ZA" smtClean="0"/>
+              <a:pPr/>
               <a:t>‹#›</a:t>
             </a:fld>
             <a:endParaRPr lang="en-ZA"/>
@@ -2313,7 +2333,7 @@
     </p:spTree>
     <p:extLst>
       <p:ext uri="{BB962C8B-B14F-4D97-AF65-F5344CB8AC3E}">
-        <p14:creationId xmlns:p14="http://schemas.microsoft.com/office/powerpoint/2010/main" val="2349542582"/>
+        <p14:creationId xmlns:p14="http://schemas.microsoft.com/office/powerpoint/2010/main" xmlns="" val="2349542582"/>
       </p:ext>
     </p:extLst>
   </p:cSld>
@@ -2515,7 +2535,8 @@
           <a:p>
             <a:fld id="{BC8B1206-7415-4CAA-BABF-4B2FCC8828A3}" type="datetimeFigureOut">
               <a:rPr lang="en-ZA" smtClean="0"/>
-              <a:t>2015-04-16</a:t>
+              <a:pPr/>
+              <a:t>2015/04/16</a:t>
             </a:fld>
             <a:endParaRPr lang="en-ZA"/>
           </a:p>
@@ -2557,6 +2578,7 @@
           <a:p>
             <a:fld id="{FF1E2881-C859-4715-83A0-919D8B92F780}" type="slidenum">
               <a:rPr lang="en-ZA" smtClean="0"/>
+              <a:pPr/>
               <a:t>‹#›</a:t>
             </a:fld>
             <a:endParaRPr lang="en-ZA"/>
@@ -2566,7 +2588,7 @@
     </p:spTree>
     <p:extLst>
       <p:ext uri="{BB962C8B-B14F-4D97-AF65-F5344CB8AC3E}">
-        <p14:creationId xmlns:p14="http://schemas.microsoft.com/office/powerpoint/2010/main" val="1781508516"/>
+        <p14:creationId xmlns:p14="http://schemas.microsoft.com/office/powerpoint/2010/main" xmlns="" val="1781508516"/>
       </p:ext>
     </p:extLst>
   </p:cSld>
@@ -2737,7 +2759,8 @@
           <a:p>
             <a:fld id="{BC8B1206-7415-4CAA-BABF-4B2FCC8828A3}" type="datetimeFigureOut">
               <a:rPr lang="en-ZA" smtClean="0"/>
-              <a:t>2015-04-16</a:t>
+              <a:pPr/>
+              <a:t>2015/04/16</a:t>
             </a:fld>
             <a:endParaRPr lang="en-ZA"/>
           </a:p>
@@ -2815,6 +2838,7 @@
           <a:p>
             <a:fld id="{FF1E2881-C859-4715-83A0-919D8B92F780}" type="slidenum">
               <a:rPr lang="en-ZA" smtClean="0"/>
+              <a:pPr/>
               <a:t>‹#›</a:t>
             </a:fld>
             <a:endParaRPr lang="en-ZA"/>
@@ -2824,7 +2848,7 @@
     </p:spTree>
     <p:extLst>
       <p:ext uri="{BB962C8B-B14F-4D97-AF65-F5344CB8AC3E}">
-        <p14:creationId xmlns:p14="http://schemas.microsoft.com/office/powerpoint/2010/main" val="2839475855"/>
+        <p14:creationId xmlns:p14="http://schemas.microsoft.com/office/powerpoint/2010/main" xmlns="" val="2839475855"/>
       </p:ext>
     </p:extLst>
   </p:cSld>
@@ -3172,7 +3196,7 @@
         <p:spPr>
           <a:xfrm>
             <a:off x="827584" y="2060848"/>
-            <a:ext cx="7560840" cy="4032448"/>
+            <a:ext cx="7935416" cy="4032448"/>
           </a:xfrm>
           <a:solidFill>
             <a:schemeClr val="tx1">
@@ -3278,7 +3302,23 @@
                   <a:schemeClr val="bg1"/>
                 </a:solidFill>
               </a:rPr>
-              <a:t>	12247040 - Team Lead</a:t>
+              <a:t>	</a:t>
+            </a:r>
+            <a:r>
+              <a:rPr lang="en-ZA" dirty="0" smtClean="0">
+                <a:solidFill>
+                  <a:schemeClr val="bg1"/>
+                </a:solidFill>
+              </a:rPr>
+              <a:t> 12247040 </a:t>
+            </a:r>
+            <a:r>
+              <a:rPr lang="en-ZA" dirty="0" smtClean="0">
+                <a:solidFill>
+                  <a:schemeClr val="bg1"/>
+                </a:solidFill>
+              </a:rPr>
+              <a:t>- Team Lead</a:t>
             </a:r>
           </a:p>
           <a:p>
@@ -3313,8 +3353,21 @@
                   <a:schemeClr val="bg1"/>
                 </a:solidFill>
               </a:rPr>
-              <a:t>	13049136</a:t>
-            </a:r>
+              <a:t>	</a:t>
+            </a:r>
+            <a:r>
+              <a:rPr lang="en-ZA" dirty="0" smtClean="0">
+                <a:solidFill>
+                  <a:schemeClr val="bg1"/>
+                </a:solidFill>
+              </a:rPr>
+              <a:t> 13049136</a:t>
+            </a:r>
+            <a:endParaRPr lang="en-ZA" dirty="0" smtClean="0">
+              <a:solidFill>
+                <a:schemeClr val="bg1"/>
+              </a:solidFill>
+            </a:endParaRPr>
           </a:p>
           <a:p>
             <a:pPr algn="l"/>
@@ -3348,67 +3401,85 @@
                   <a:schemeClr val="bg1"/>
                 </a:solidFill>
               </a:rPr>
+              <a:t> </a:t>
+            </a:r>
+            <a:r>
+              <a:rPr lang="en-ZA" dirty="0" smtClean="0">
+                <a:solidFill>
+                  <a:schemeClr val="bg1"/>
+                </a:solidFill>
+              </a:rPr>
+              <a:t>12167844 </a:t>
+            </a:r>
+            <a:endParaRPr lang="en-ZA" dirty="0" smtClean="0">
+              <a:solidFill>
+                <a:schemeClr val="bg1"/>
+              </a:solidFill>
+            </a:endParaRPr>
+          </a:p>
+          <a:p>
+            <a:pPr algn="l"/>
+            <a:r>
+              <a:rPr lang="en-ZA" dirty="0">
+                <a:solidFill>
+                  <a:schemeClr val="bg1"/>
+                </a:solidFill>
+              </a:rPr>
               <a:t>	</a:t>
             </a:r>
             <a:r>
+              <a:rPr lang="en-ZA" dirty="0" err="1" smtClean="0">
+                <a:solidFill>
+                  <a:schemeClr val="bg1"/>
+                </a:solidFill>
+              </a:rPr>
+              <a:t>Kaleab</a:t>
+            </a:r>
+            <a:r>
               <a:rPr lang="en-ZA" dirty="0" smtClean="0">
                 <a:solidFill>
                   <a:schemeClr val="bg1"/>
                 </a:solidFill>
               </a:rPr>
-              <a:t>12167844 </a:t>
-            </a:r>
-          </a:p>
-          <a:p>
-            <a:pPr algn="l"/>
+              <a:t> </a:t>
+            </a:r>
+            <a:r>
+              <a:rPr lang="en-ZA" dirty="0" err="1">
+                <a:solidFill>
+                  <a:schemeClr val="bg1"/>
+                </a:solidFill>
+              </a:rPr>
+              <a:t>Tessera</a:t>
+            </a:r>
             <a:r>
               <a:rPr lang="en-ZA" dirty="0">
                 <a:solidFill>
                   <a:schemeClr val="bg1"/>
                 </a:solidFill>
               </a:rPr>
-              <a:t>	 </a:t>
-            </a:r>
-            <a:r>
-              <a:rPr lang="en-ZA" dirty="0" err="1">
-                <a:solidFill>
-                  <a:schemeClr val="bg1"/>
-                </a:solidFill>
-              </a:rPr>
-              <a:t>Kaleab</a:t>
-            </a:r>
-            <a:r>
-              <a:rPr lang="en-ZA" dirty="0">
-                <a:solidFill>
-                  <a:schemeClr val="bg1"/>
-                </a:solidFill>
-              </a:rPr>
               <a:t> </a:t>
             </a:r>
             <a:r>
-              <a:rPr lang="en-ZA" dirty="0" err="1">
-                <a:solidFill>
-                  <a:schemeClr val="bg1"/>
-                </a:solidFill>
-              </a:rPr>
-              <a:t>Tessera</a:t>
-            </a:r>
-            <a:r>
-              <a:rPr lang="en-ZA" dirty="0">
-                <a:solidFill>
-                  <a:schemeClr val="bg1"/>
-                </a:solidFill>
-              </a:rPr>
-              <a:t> </a:t>
-            </a:r>
-            <a:r>
               <a:rPr lang="en-ZA" dirty="0" smtClean="0">
                 <a:solidFill>
                   <a:schemeClr val="bg1"/>
                 </a:solidFill>
               </a:rPr>
-              <a:t>	13048423</a:t>
-            </a:r>
+              <a:t>	</a:t>
+            </a:r>
+            <a:r>
+              <a:rPr lang="en-ZA" dirty="0" smtClean="0">
+                <a:solidFill>
+                  <a:schemeClr val="bg1"/>
+                </a:solidFill>
+              </a:rPr>
+              <a:t> 13048423</a:t>
+            </a:r>
+            <a:endParaRPr lang="en-ZA" dirty="0" smtClean="0">
+              <a:solidFill>
+                <a:schemeClr val="bg1"/>
+              </a:solidFill>
+            </a:endParaRPr>
           </a:p>
           <a:p>
             <a:pPr algn="l"/>
@@ -3431,7 +3502,7 @@
     </p:spTree>
     <p:extLst>
       <p:ext uri="{BB962C8B-B14F-4D97-AF65-F5344CB8AC3E}">
-        <p14:creationId xmlns:p14="http://schemas.microsoft.com/office/powerpoint/2010/main" val="308255282"/>
+        <p14:creationId xmlns:p14="http://schemas.microsoft.com/office/powerpoint/2010/main" xmlns="" val="308255282"/>
       </p:ext>
     </p:extLst>
   </p:cSld>
@@ -3574,7 +3645,7 @@
     </p:spTree>
     <p:extLst>
       <p:ext uri="{BB962C8B-B14F-4D97-AF65-F5344CB8AC3E}">
-        <p14:creationId xmlns:p14="http://schemas.microsoft.com/office/powerpoint/2010/main" val="2165796761"/>
+        <p14:creationId xmlns:p14="http://schemas.microsoft.com/office/powerpoint/2010/main" xmlns="" val="2165796761"/>
       </p:ext>
     </p:extLst>
   </p:cSld>
@@ -4223,7 +4294,7 @@
     </p:spTree>
     <p:extLst>
       <p:ext uri="{BB962C8B-B14F-4D97-AF65-F5344CB8AC3E}">
-        <p14:creationId xmlns:p14="http://schemas.microsoft.com/office/powerpoint/2010/main" val="3871235512"/>
+        <p14:creationId xmlns:p14="http://schemas.microsoft.com/office/powerpoint/2010/main" xmlns="" val="3871235512"/>
       </p:ext>
     </p:extLst>
   </p:cSld>
@@ -4354,7 +4425,7 @@
         </p:spPr>
         <p:txBody>
           <a:bodyPr>
-            <a:normAutofit/>
+            <a:normAutofit lnSpcReduction="10000"/>
           </a:bodyPr>
           <a:lstStyle/>
           <a:p>
@@ -4382,7 +4453,7 @@
             <a:pPr marL="0" indent="0" algn="just">
               <a:buNone/>
             </a:pPr>
-            <a:endParaRPr lang="en-ZA" sz="2000" dirty="0">
+            <a:endParaRPr lang="en-ZA" sz="1000" dirty="0" smtClean="0">
               <a:solidFill>
                 <a:schemeClr val="bg1"/>
               </a:solidFill>
@@ -4392,7 +4463,55 @@
             <a:pPr marL="0" indent="0" algn="just">
               <a:buNone/>
             </a:pPr>
-            <a:endParaRPr lang="en-ZA" sz="2000" dirty="0" smtClean="0">
+            <a:r>
+              <a:rPr lang="en-ZA" sz="1800" dirty="0" smtClean="0">
+                <a:solidFill>
+                  <a:schemeClr val="bg1"/>
+                </a:solidFill>
+              </a:rPr>
+              <a:t>Adds a restriction to a certain </a:t>
+            </a:r>
+            <a:r>
+              <a:rPr lang="en-ZA" sz="1800" dirty="0" err="1" smtClean="0">
+                <a:solidFill>
+                  <a:schemeClr val="bg1"/>
+                </a:solidFill>
+              </a:rPr>
+              <a:t>buzzSpace</a:t>
+            </a:r>
+            <a:r>
+              <a:rPr lang="en-ZA" sz="1800" dirty="0" smtClean="0">
+                <a:solidFill>
+                  <a:schemeClr val="bg1"/>
+                </a:solidFill>
+              </a:rPr>
+              <a:t> </a:t>
+            </a:r>
+            <a:r>
+              <a:rPr lang="en-ZA" sz="1800" dirty="0" smtClean="0">
+                <a:solidFill>
+                  <a:schemeClr val="bg1"/>
+                </a:solidFill>
+              </a:rPr>
+              <a:t>for a specific service, based on a minimum role and minimum </a:t>
+            </a:r>
+            <a:r>
+              <a:rPr lang="en-ZA" sz="1800" dirty="0" err="1" smtClean="0">
+                <a:solidFill>
+                  <a:schemeClr val="bg1"/>
+                </a:solidFill>
+              </a:rPr>
+              <a:t>statuspoints</a:t>
+            </a:r>
+            <a:r>
+              <a:rPr lang="en-ZA" sz="1800" dirty="0" smtClean="0">
+                <a:solidFill>
+                  <a:schemeClr val="bg1"/>
+                </a:solidFill>
+              </a:rPr>
+              <a:t>, if the required conditions are met.</a:t>
+            </a:r>
+            <a:endParaRPr lang="en-ZA" sz="1800" dirty="0">
               <a:solidFill>
                 <a:schemeClr val="bg1"/>
               </a:solidFill>
@@ -4402,7 +4521,7 @@
             <a:pPr marL="0" indent="0" algn="just">
               <a:buNone/>
             </a:pPr>
-            <a:endParaRPr lang="en-ZA" sz="2000" dirty="0" smtClean="0">
+            <a:endParaRPr lang="en-ZA" sz="1000" dirty="0" smtClean="0">
               <a:solidFill>
                 <a:schemeClr val="bg1"/>
               </a:solidFill>
@@ -4418,14 +4537,22 @@
                   <a:schemeClr val="bg1"/>
                 </a:solidFill>
               </a:rPr>
-              <a:t>Pre and Post Conditions:</a:t>
+              <a:t>Pre and Post Conditions</a:t>
+            </a:r>
+            <a:r>
+              <a:rPr lang="en-ZA" sz="2000" b="1" dirty="0" smtClean="0">
+                <a:solidFill>
+                  <a:schemeClr val="bg1"/>
+                </a:solidFill>
+              </a:rPr>
+              <a:t>:</a:t>
             </a:r>
           </a:p>
           <a:p>
             <a:pPr marL="0" indent="0" algn="just">
               <a:buNone/>
             </a:pPr>
-            <a:endParaRPr lang="en-ZA" dirty="0">
+            <a:endParaRPr lang="en-ZA" sz="1000" b="1" dirty="0">
               <a:solidFill>
                 <a:schemeClr val="bg1"/>
               </a:solidFill>
@@ -4435,41 +4562,135 @@
             <a:pPr marL="0" indent="0" algn="just">
               <a:buNone/>
             </a:pPr>
-            <a:endParaRPr lang="en-ZA" dirty="0" smtClean="0">
-              <a:solidFill>
-                <a:schemeClr val="bg1"/>
-              </a:solidFill>
-            </a:endParaRPr>
-          </a:p>
-          <a:p>
-            <a:pPr marL="0" indent="0">
-              <a:buNone/>
-            </a:pPr>
-            <a:r>
-              <a:rPr lang="en-ZA" dirty="0" smtClean="0">
-                <a:solidFill>
-                  <a:schemeClr val="bg1"/>
-                </a:solidFill>
-              </a:rPr>
-              <a:t>	</a:t>
-            </a:r>
-          </a:p>
-          <a:p>
-            <a:endParaRPr lang="en-ZA" dirty="0" smtClean="0">
-              <a:solidFill>
-                <a:schemeClr val="bg1"/>
-              </a:solidFill>
-            </a:endParaRPr>
-          </a:p>
-          <a:p>
-            <a:endParaRPr lang="en-ZA" dirty="0">
-              <a:solidFill>
-                <a:schemeClr val="bg1"/>
-              </a:solidFill>
-            </a:endParaRPr>
-          </a:p>
-          <a:p>
-            <a:endParaRPr lang="en-ZA" dirty="0">
+            <a:r>
+              <a:rPr lang="en-ZA" sz="1800" dirty="0" smtClean="0">
+                <a:solidFill>
+                  <a:schemeClr val="bg1"/>
+                </a:solidFill>
+              </a:rPr>
+              <a:t>*Specific r</a:t>
+            </a:r>
+            <a:r>
+              <a:rPr lang="en-ZA" sz="1800" dirty="0" smtClean="0">
+                <a:solidFill>
+                  <a:schemeClr val="bg1"/>
+                </a:solidFill>
+              </a:rPr>
+              <a:t>estriction should not exist.</a:t>
+            </a:r>
+          </a:p>
+          <a:p>
+            <a:pPr marL="0" indent="0" algn="just">
+              <a:buNone/>
+            </a:pPr>
+            <a:r>
+              <a:rPr lang="en-ZA" sz="1800" dirty="0" smtClean="0">
+                <a:solidFill>
+                  <a:schemeClr val="bg1"/>
+                </a:solidFill>
+              </a:rPr>
+              <a:t>*Specified </a:t>
+            </a:r>
+            <a:r>
+              <a:rPr lang="en-ZA" sz="1800" dirty="0" err="1" smtClean="0">
+                <a:solidFill>
+                  <a:schemeClr val="bg1"/>
+                </a:solidFill>
+              </a:rPr>
+              <a:t>buzzSpace</a:t>
+            </a:r>
+            <a:r>
+              <a:rPr lang="en-ZA" sz="1800" dirty="0" smtClean="0">
+                <a:solidFill>
+                  <a:schemeClr val="bg1"/>
+                </a:solidFill>
+              </a:rPr>
+              <a:t> should Exist.</a:t>
+            </a:r>
+            <a:endParaRPr lang="en-ZA" sz="1800" dirty="0" smtClean="0">
+              <a:solidFill>
+                <a:schemeClr val="bg1"/>
+              </a:solidFill>
+            </a:endParaRPr>
+          </a:p>
+          <a:p>
+            <a:pPr marL="0" indent="0" algn="just">
+              <a:buNone/>
+            </a:pPr>
+            <a:r>
+              <a:rPr lang="en-ZA" sz="1800" dirty="0" smtClean="0">
+                <a:solidFill>
+                  <a:schemeClr val="bg1"/>
+                </a:solidFill>
+              </a:rPr>
+              <a:t>*Specified service should </a:t>
+            </a:r>
+            <a:r>
+              <a:rPr lang="en-ZA" sz="1800" dirty="0" smtClean="0">
+                <a:solidFill>
+                  <a:schemeClr val="bg1"/>
+                </a:solidFill>
+              </a:rPr>
+              <a:t>Exist</a:t>
+            </a:r>
+            <a:r>
+              <a:rPr lang="en-ZA" sz="1800" dirty="0" smtClean="0">
+                <a:solidFill>
+                  <a:schemeClr val="bg1"/>
+                </a:solidFill>
+              </a:rPr>
+              <a:t>.</a:t>
+            </a:r>
+          </a:p>
+          <a:p>
+            <a:pPr marL="0" indent="0" algn="just">
+              <a:buNone/>
+            </a:pPr>
+            <a:r>
+              <a:rPr lang="en-ZA" sz="1800" dirty="0" smtClean="0">
+                <a:solidFill>
+                  <a:schemeClr val="bg1"/>
+                </a:solidFill>
+              </a:rPr>
+              <a:t>*Specified role should be valid. </a:t>
+            </a:r>
+          </a:p>
+          <a:p>
+            <a:pPr marL="0" indent="0" algn="just">
+              <a:buNone/>
+            </a:pPr>
+            <a:r>
+              <a:rPr lang="en-ZA" sz="1800" dirty="0" smtClean="0">
+                <a:solidFill>
+                  <a:schemeClr val="bg1"/>
+                </a:solidFill>
+              </a:rPr>
+              <a:t>*Minimum Status points should be valid.</a:t>
+            </a:r>
+          </a:p>
+          <a:p>
+            <a:pPr marL="0" indent="0" algn="just">
+              <a:buNone/>
+            </a:pPr>
+            <a:endParaRPr lang="en-ZA" sz="1800" dirty="0" smtClean="0">
+              <a:solidFill>
+                <a:schemeClr val="bg1"/>
+              </a:solidFill>
+            </a:endParaRPr>
+          </a:p>
+          <a:p>
+            <a:pPr marL="0" indent="0" algn="just">
+              <a:buNone/>
+            </a:pPr>
+            <a:r>
+              <a:rPr lang="en-ZA" sz="1800" dirty="0" smtClean="0">
+                <a:solidFill>
+                  <a:schemeClr val="bg1"/>
+                </a:solidFill>
+              </a:rPr>
+              <a:t>#The new restriction document was added to the database.</a:t>
+            </a:r>
+            <a:endParaRPr lang="en-ZA" sz="1800" dirty="0">
               <a:solidFill>
                 <a:schemeClr val="bg1"/>
               </a:solidFill>
@@ -4488,7 +4709,7 @@
         <p:spPr>
           <a:xfrm>
             <a:off x="4788024" y="1628800"/>
-            <a:ext cx="4104456" cy="4680520"/>
+            <a:ext cx="4203576" cy="4680520"/>
           </a:xfrm>
           <a:prstGeom prst="rect">
             <a:avLst/>
@@ -4505,7 +4726,7 @@
         </p:spPr>
         <p:txBody>
           <a:bodyPr vert="horz" lIns="91440" tIns="45720" rIns="91440" bIns="45720" rtlCol="0">
-            <a:normAutofit/>
+            <a:normAutofit fontScale="77500" lnSpcReduction="20000"/>
           </a:bodyPr>
           <a:lstStyle>
             <a:lvl1pPr marL="342900" indent="-342900" algn="l" defTabSz="914400" rtl="0" eaLnBrk="1" latinLnBrk="0" hangingPunct="1">
@@ -4669,25 +4890,87 @@
                   <a:schemeClr val="bg1"/>
                 </a:solidFill>
               </a:rPr>
-              <a:t>…</a:t>
-            </a:r>
+              <a:t>Understanding how </a:t>
+            </a:r>
+            <a:r>
+              <a:rPr lang="en-ZA" sz="2000" dirty="0" smtClean="0">
+                <a:solidFill>
+                  <a:schemeClr val="bg1"/>
+                </a:solidFill>
+              </a:rPr>
+              <a:t>to use the new technologies/applications. Like </a:t>
+            </a:r>
+            <a:r>
+              <a:rPr lang="en-ZA" sz="2000" dirty="0" err="1" smtClean="0">
+                <a:solidFill>
+                  <a:schemeClr val="bg1"/>
+                </a:solidFill>
+              </a:rPr>
+              <a:t>MongoDB</a:t>
+            </a:r>
+            <a:r>
+              <a:rPr lang="en-ZA" sz="2000" dirty="0" smtClean="0">
+                <a:solidFill>
+                  <a:schemeClr val="bg1"/>
+                </a:solidFill>
+              </a:rPr>
+              <a:t> and Mongoose, as well as </a:t>
+            </a:r>
+            <a:r>
+              <a:rPr lang="en-ZA" sz="2000" dirty="0" err="1" smtClean="0">
+                <a:solidFill>
+                  <a:schemeClr val="bg1"/>
+                </a:solidFill>
+              </a:rPr>
+              <a:t>Javascript</a:t>
+            </a:r>
+            <a:r>
+              <a:rPr lang="en-ZA" sz="2000" dirty="0" smtClean="0">
+                <a:solidFill>
+                  <a:schemeClr val="bg1"/>
+                </a:solidFill>
+              </a:rPr>
+              <a:t> without using a browser.</a:t>
+            </a:r>
+            <a:endParaRPr lang="en-ZA" sz="2000" dirty="0">
+              <a:solidFill>
+                <a:schemeClr val="bg1"/>
+              </a:solidFill>
+            </a:endParaRPr>
           </a:p>
           <a:p>
             <a:pPr marL="514350" indent="-514350" algn="just">
               <a:buFont typeface="Arial" pitchFamily="34" charset="0"/>
               <a:buAutoNum type="arabicPeriod"/>
             </a:pPr>
-            <a:endParaRPr lang="en-ZA" sz="2000" dirty="0">
-              <a:solidFill>
-                <a:schemeClr val="bg1"/>
-              </a:solidFill>
-            </a:endParaRPr>
+            <a:r>
+              <a:rPr lang="en-ZA" sz="2000" dirty="0" smtClean="0">
+                <a:solidFill>
+                  <a:schemeClr val="bg1"/>
+                </a:solidFill>
+              </a:rPr>
+              <a:t>Struggling with work and calls being asynchronous.(Some code being overtaken because of asynchronous execution .)</a:t>
+            </a:r>
           </a:p>
           <a:p>
             <a:pPr marL="514350" indent="-514350" algn="just">
               <a:buFont typeface="Arial" pitchFamily="34" charset="0"/>
               <a:buAutoNum type="arabicPeriod"/>
             </a:pPr>
+            <a:r>
+              <a:rPr lang="en-ZA" sz="2000" dirty="0" smtClean="0">
+                <a:solidFill>
+                  <a:schemeClr val="bg1"/>
+                </a:solidFill>
+              </a:rPr>
+              <a:t>Waiting for other teams to do their work or give instructions to our team. For example top level giving the database schemas to us lower levels.</a:t>
+            </a:r>
+          </a:p>
+          <a:p>
+            <a:pPr marL="514350" indent="-514350" algn="just">
+              <a:buFont typeface="Arial" pitchFamily="34" charset="0"/>
+              <a:buAutoNum type="arabicPeriod"/>
+            </a:pPr>
             <a:endParaRPr lang="en-ZA" sz="2000" dirty="0">
               <a:solidFill>
                 <a:schemeClr val="bg1"/>
@@ -4718,49 +5001,65 @@
                   <a:schemeClr val="bg1"/>
                 </a:solidFill>
               </a:rPr>
-              <a:t>…</a:t>
-            </a:r>
-          </a:p>
-          <a:p>
-            <a:pPr marL="0" indent="0" algn="just">
-              <a:buFont typeface="Arial" pitchFamily="34" charset="0"/>
-              <a:buNone/>
-            </a:pPr>
-            <a:endParaRPr lang="en-ZA" dirty="0" smtClean="0">
-              <a:solidFill>
-                <a:schemeClr val="bg1"/>
-              </a:solidFill>
-            </a:endParaRPr>
-          </a:p>
-          <a:p>
-            <a:pPr marL="0" indent="0">
-              <a:buFont typeface="Arial" pitchFamily="34" charset="0"/>
-              <a:buNone/>
-            </a:pPr>
-            <a:r>
-              <a:rPr lang="en-ZA" dirty="0" smtClean="0">
-                <a:solidFill>
-                  <a:schemeClr val="bg1"/>
-                </a:solidFill>
-              </a:rPr>
-              <a:t>	</a:t>
-            </a:r>
-          </a:p>
-          <a:p>
-            <a:endParaRPr lang="en-ZA" dirty="0" smtClean="0">
-              <a:solidFill>
-                <a:schemeClr val="bg1"/>
-              </a:solidFill>
-            </a:endParaRPr>
-          </a:p>
-          <a:p>
-            <a:endParaRPr lang="en-ZA" dirty="0" smtClean="0">
-              <a:solidFill>
-                <a:schemeClr val="bg1"/>
-              </a:solidFill>
-            </a:endParaRPr>
-          </a:p>
-          <a:p>
+              <a:t>Doing research/asking team members.</a:t>
+            </a:r>
+          </a:p>
+          <a:p>
+            <a:pPr marL="514350" indent="-514350" algn="just">
+              <a:buFont typeface="+mj-lt"/>
+              <a:buAutoNum type="arabicPeriod"/>
+            </a:pPr>
+            <a:r>
+              <a:rPr lang="en-ZA" sz="2000" dirty="0" smtClean="0">
+                <a:solidFill>
+                  <a:schemeClr val="bg1"/>
+                </a:solidFill>
+              </a:rPr>
+              <a:t>Made use of a </a:t>
+            </a:r>
+            <a:r>
+              <a:rPr lang="en-ZA" sz="2000" dirty="0" err="1" smtClean="0">
+                <a:solidFill>
+                  <a:schemeClr val="bg1"/>
+                </a:solidFill>
+              </a:rPr>
+              <a:t>callback</a:t>
+            </a:r>
+            <a:r>
+              <a:rPr lang="en-ZA" sz="2000" dirty="0" smtClean="0">
+                <a:solidFill>
+                  <a:schemeClr val="bg1"/>
+                </a:solidFill>
+              </a:rPr>
+              <a:t> function/value. To ensure the correct </a:t>
+            </a:r>
+            <a:r>
+              <a:rPr lang="en-ZA" sz="2000" dirty="0" smtClean="0">
+                <a:solidFill>
+                  <a:schemeClr val="bg1"/>
+                </a:solidFill>
+              </a:rPr>
+              <a:t>execution of code.</a:t>
+            </a:r>
+            <a:endParaRPr lang="en-ZA" sz="2000" dirty="0" smtClean="0">
+              <a:solidFill>
+                <a:schemeClr val="bg1"/>
+              </a:solidFill>
+            </a:endParaRPr>
+          </a:p>
+          <a:p>
+            <a:pPr marL="514350" indent="-514350" algn="just">
+              <a:buFont typeface="+mj-lt"/>
+              <a:buAutoNum type="arabicPeriod"/>
+            </a:pPr>
+            <a:r>
+              <a:rPr lang="en-ZA" sz="2000" dirty="0" smtClean="0">
+                <a:solidFill>
+                  <a:schemeClr val="bg1"/>
+                </a:solidFill>
+              </a:rPr>
+              <a:t>Just used some patience and tried to focus on what could be done at that time.</a:t>
+            </a:r>
             <a:endParaRPr lang="en-ZA" dirty="0">
               <a:solidFill>
                 <a:schemeClr val="bg1"/>
@@ -4772,7 +5071,7 @@
     </p:spTree>
     <p:extLst>
       <p:ext uri="{BB962C8B-B14F-4D97-AF65-F5344CB8AC3E}">
-        <p14:creationId xmlns:p14="http://schemas.microsoft.com/office/powerpoint/2010/main" val="3329563870"/>
+        <p14:creationId xmlns:p14="http://schemas.microsoft.com/office/powerpoint/2010/main" xmlns="" val="3329563870"/>
       </p:ext>
     </p:extLst>
   </p:cSld>
@@ -5321,7 +5620,7 @@
     </p:spTree>
     <p:extLst>
       <p:ext uri="{BB962C8B-B14F-4D97-AF65-F5344CB8AC3E}">
-        <p14:creationId xmlns:p14="http://schemas.microsoft.com/office/powerpoint/2010/main" val="446071776"/>
+        <p14:creationId xmlns:p14="http://schemas.microsoft.com/office/powerpoint/2010/main" xmlns="" val="446071776"/>
       </p:ext>
     </p:extLst>
   </p:cSld>
@@ -5483,11 +5782,6 @@
               </a:rPr>
               <a:t>: </a:t>
             </a:r>
-            <a:endParaRPr lang="en-ZA" sz="2000" dirty="0" smtClean="0">
-              <a:solidFill>
-                <a:schemeClr val="bg1"/>
-              </a:solidFill>
-            </a:endParaRPr>
           </a:p>
           <a:p>
             <a:pPr marL="0" indent="0" algn="just">
@@ -5501,11 +5795,6 @@
               </a:rPr>
               <a:t>Void function. Accepts one parameter - authorization ID.</a:t>
             </a:r>
-            <a:endParaRPr lang="en-ZA" sz="1900" dirty="0" smtClean="0">
-              <a:solidFill>
-                <a:schemeClr val="bg1"/>
-              </a:solidFill>
-            </a:endParaRPr>
           </a:p>
           <a:p>
             <a:pPr marL="0" indent="0" algn="just">
@@ -5517,21 +5806,8 @@
                   <a:schemeClr val="bg1"/>
                 </a:solidFill>
               </a:rPr>
-              <a:t>The aim of the function is "remove" an authorization of a restriction by setting a "deleted" flag to true</a:t>
-            </a:r>
-            <a:r>
-              <a:rPr lang="en-ZA" sz="1900" dirty="0" smtClean="0">
-                <a:solidFill>
-                  <a:schemeClr val="bg1"/>
-                </a:solidFill>
-              </a:rPr>
-              <a:t>. Since nothing may leave the system.</a:t>
-            </a:r>
-            <a:endParaRPr lang="en-ZA" sz="1900" dirty="0" smtClean="0">
-              <a:solidFill>
-                <a:schemeClr val="bg1"/>
-              </a:solidFill>
-            </a:endParaRPr>
+              <a:t>The aim of the function is "remove" an authorization of a restriction by setting a "deleted" flag to true. Since nothing may leave the system.</a:t>
+            </a:r>
           </a:p>
           <a:p>
             <a:pPr marL="0" indent="0" algn="just">
@@ -5861,15 +6137,7 @@
                   <a:schemeClr val="bg1"/>
                 </a:solidFill>
               </a:rPr>
-              <a:t>Challenges </a:t>
-            </a:r>
-            <a:r>
-              <a:rPr lang="en-ZA" sz="6200" b="1" dirty="0" smtClean="0">
-                <a:solidFill>
-                  <a:schemeClr val="bg1"/>
-                </a:solidFill>
-              </a:rPr>
-              <a:t>Faced: </a:t>
+              <a:t>Challenges Faced: </a:t>
             </a:r>
           </a:p>
           <a:p>
@@ -5960,7 +6228,7 @@
     </p:spTree>
     <p:extLst>
       <p:ext uri="{BB962C8B-B14F-4D97-AF65-F5344CB8AC3E}">
-        <p14:creationId xmlns:p14="http://schemas.microsoft.com/office/powerpoint/2010/main" val="4160446826"/>
+        <p14:creationId xmlns:p14="http://schemas.microsoft.com/office/powerpoint/2010/main" xmlns="" val="4160446826"/>
       </p:ext>
     </p:extLst>
   </p:cSld>
@@ -6509,7 +6777,7 @@
     </p:spTree>
     <p:extLst>
       <p:ext uri="{BB962C8B-B14F-4D97-AF65-F5344CB8AC3E}">
-        <p14:creationId xmlns:p14="http://schemas.microsoft.com/office/powerpoint/2010/main" val="109087637"/>
+        <p14:creationId xmlns:p14="http://schemas.microsoft.com/office/powerpoint/2010/main" xmlns="" val="109087637"/>
       </p:ext>
     </p:extLst>
   </p:cSld>
@@ -6709,7 +6977,7 @@
     </p:spTree>
     <p:extLst>
       <p:ext uri="{BB962C8B-B14F-4D97-AF65-F5344CB8AC3E}">
-        <p14:creationId xmlns:p14="http://schemas.microsoft.com/office/powerpoint/2010/main" val="176429030"/>
+        <p14:creationId xmlns:p14="http://schemas.microsoft.com/office/powerpoint/2010/main" xmlns="" val="176429030"/>
       </p:ext>
     </p:extLst>
   </p:cSld>
@@ -6918,7 +7186,7 @@
     </p:spTree>
     <p:extLst>
       <p:ext uri="{BB962C8B-B14F-4D97-AF65-F5344CB8AC3E}">
-        <p14:creationId xmlns:p14="http://schemas.microsoft.com/office/powerpoint/2010/main" val="1129193988"/>
+        <p14:creationId xmlns:p14="http://schemas.microsoft.com/office/powerpoint/2010/main" xmlns="" val="1129193988"/>
       </p:ext>
     </p:extLst>
   </p:cSld>

--- a/Authentication - B.pptx
+++ b/Authentication - B.pptx
@@ -112,6 +112,22 @@
       </a:defRPr>
     </a:lvl9pPr>
   </p:defaultTextStyle>
+  <p:extLst>
+    <p:ext uri="{EFAFB233-063F-42B5-8137-9DF3F51BA10A}">
+      <p15:sldGuideLst xmlns:p15="http://schemas.microsoft.com/office/powerpoint/2012/main">
+        <p15:guide id="1" orient="horz" pos="2160">
+          <p15:clr>
+            <a:srgbClr val="A4A3A4"/>
+          </p15:clr>
+        </p15:guide>
+        <p15:guide id="2" pos="2880">
+          <p15:clr>
+            <a:srgbClr val="A4A3A4"/>
+          </p15:clr>
+        </p15:guide>
+      </p15:sldGuideLst>
+    </p:ext>
+  </p:extLst>
 </p:presentation>
 </file>
 
@@ -297,7 +313,7 @@
             <a:fld id="{BC8B1206-7415-4CAA-BABF-4B2FCC8828A3}" type="datetimeFigureOut">
               <a:rPr lang="en-ZA" smtClean="0"/>
               <a:pPr/>
-              <a:t>2015/04/16</a:t>
+              <a:t>2015-04-17</a:t>
             </a:fld>
             <a:endParaRPr lang="en-ZA"/>
           </a:p>
@@ -349,7 +365,7 @@
     </p:spTree>
     <p:extLst>
       <p:ext uri="{BB962C8B-B14F-4D97-AF65-F5344CB8AC3E}">
-        <p14:creationId xmlns:p14="http://schemas.microsoft.com/office/powerpoint/2010/main" xmlns="" val="32494294"/>
+        <p14:creationId xmlns:p14="http://schemas.microsoft.com/office/powerpoint/2010/main" val="32494294"/>
       </p:ext>
     </p:extLst>
   </p:cSld>
@@ -469,7 +485,7 @@
             <a:fld id="{BC8B1206-7415-4CAA-BABF-4B2FCC8828A3}" type="datetimeFigureOut">
               <a:rPr lang="en-ZA" smtClean="0"/>
               <a:pPr/>
-              <a:t>2015/04/16</a:t>
+              <a:t>2015-04-17</a:t>
             </a:fld>
             <a:endParaRPr lang="en-ZA"/>
           </a:p>
@@ -521,7 +537,7 @@
     </p:spTree>
     <p:extLst>
       <p:ext uri="{BB962C8B-B14F-4D97-AF65-F5344CB8AC3E}">
-        <p14:creationId xmlns:p14="http://schemas.microsoft.com/office/powerpoint/2010/main" xmlns="" val="1407415046"/>
+        <p14:creationId xmlns:p14="http://schemas.microsoft.com/office/powerpoint/2010/main" val="1407415046"/>
       </p:ext>
     </p:extLst>
   </p:cSld>
@@ -651,7 +667,7 @@
             <a:fld id="{BC8B1206-7415-4CAA-BABF-4B2FCC8828A3}" type="datetimeFigureOut">
               <a:rPr lang="en-ZA" smtClean="0"/>
               <a:pPr/>
-              <a:t>2015/04/16</a:t>
+              <a:t>2015-04-17</a:t>
             </a:fld>
             <a:endParaRPr lang="en-ZA"/>
           </a:p>
@@ -703,7 +719,7 @@
     </p:spTree>
     <p:extLst>
       <p:ext uri="{BB962C8B-B14F-4D97-AF65-F5344CB8AC3E}">
-        <p14:creationId xmlns:p14="http://schemas.microsoft.com/office/powerpoint/2010/main" xmlns="" val="3489674815"/>
+        <p14:creationId xmlns:p14="http://schemas.microsoft.com/office/powerpoint/2010/main" val="3489674815"/>
       </p:ext>
     </p:extLst>
   </p:cSld>
@@ -823,7 +839,7 @@
             <a:fld id="{BC8B1206-7415-4CAA-BABF-4B2FCC8828A3}" type="datetimeFigureOut">
               <a:rPr lang="en-ZA" smtClean="0"/>
               <a:pPr/>
-              <a:t>2015/04/16</a:t>
+              <a:t>2015-04-17</a:t>
             </a:fld>
             <a:endParaRPr lang="en-ZA"/>
           </a:p>
@@ -875,7 +891,7 @@
     </p:spTree>
     <p:extLst>
       <p:ext uri="{BB962C8B-B14F-4D97-AF65-F5344CB8AC3E}">
-        <p14:creationId xmlns:p14="http://schemas.microsoft.com/office/powerpoint/2010/main" xmlns="" val="3922563659"/>
+        <p14:creationId xmlns:p14="http://schemas.microsoft.com/office/powerpoint/2010/main" val="3922563659"/>
       </p:ext>
     </p:extLst>
   </p:cSld>
@@ -1071,7 +1087,7 @@
             <a:fld id="{BC8B1206-7415-4CAA-BABF-4B2FCC8828A3}" type="datetimeFigureOut">
               <a:rPr lang="en-ZA" smtClean="0"/>
               <a:pPr/>
-              <a:t>2015/04/16</a:t>
+              <a:t>2015-04-17</a:t>
             </a:fld>
             <a:endParaRPr lang="en-ZA"/>
           </a:p>
@@ -1123,7 +1139,7 @@
     </p:spTree>
     <p:extLst>
       <p:ext uri="{BB962C8B-B14F-4D97-AF65-F5344CB8AC3E}">
-        <p14:creationId xmlns:p14="http://schemas.microsoft.com/office/powerpoint/2010/main" xmlns="" val="2839950182"/>
+        <p14:creationId xmlns:p14="http://schemas.microsoft.com/office/powerpoint/2010/main" val="2839950182"/>
       </p:ext>
     </p:extLst>
   </p:cSld>
@@ -1361,7 +1377,7 @@
             <a:fld id="{BC8B1206-7415-4CAA-BABF-4B2FCC8828A3}" type="datetimeFigureOut">
               <a:rPr lang="en-ZA" smtClean="0"/>
               <a:pPr/>
-              <a:t>2015/04/16</a:t>
+              <a:t>2015-04-17</a:t>
             </a:fld>
             <a:endParaRPr lang="en-ZA"/>
           </a:p>
@@ -1413,7 +1429,7 @@
     </p:spTree>
     <p:extLst>
       <p:ext uri="{BB962C8B-B14F-4D97-AF65-F5344CB8AC3E}">
-        <p14:creationId xmlns:p14="http://schemas.microsoft.com/office/powerpoint/2010/main" xmlns="" val="3287254344"/>
+        <p14:creationId xmlns:p14="http://schemas.microsoft.com/office/powerpoint/2010/main" val="3287254344"/>
       </p:ext>
     </p:extLst>
   </p:cSld>
@@ -1785,7 +1801,7 @@
             <a:fld id="{BC8B1206-7415-4CAA-BABF-4B2FCC8828A3}" type="datetimeFigureOut">
               <a:rPr lang="en-ZA" smtClean="0"/>
               <a:pPr/>
-              <a:t>2015/04/16</a:t>
+              <a:t>2015-04-17</a:t>
             </a:fld>
             <a:endParaRPr lang="en-ZA"/>
           </a:p>
@@ -1837,7 +1853,7 @@
     </p:spTree>
     <p:extLst>
       <p:ext uri="{BB962C8B-B14F-4D97-AF65-F5344CB8AC3E}">
-        <p14:creationId xmlns:p14="http://schemas.microsoft.com/office/powerpoint/2010/main" xmlns="" val="2992548387"/>
+        <p14:creationId xmlns:p14="http://schemas.microsoft.com/office/powerpoint/2010/main" val="2992548387"/>
       </p:ext>
     </p:extLst>
   </p:cSld>
@@ -1905,7 +1921,7 @@
             <a:fld id="{BC8B1206-7415-4CAA-BABF-4B2FCC8828A3}" type="datetimeFigureOut">
               <a:rPr lang="en-ZA" smtClean="0"/>
               <a:pPr/>
-              <a:t>2015/04/16</a:t>
+              <a:t>2015-04-17</a:t>
             </a:fld>
             <a:endParaRPr lang="en-ZA"/>
           </a:p>
@@ -1957,7 +1973,7 @@
     </p:spTree>
     <p:extLst>
       <p:ext uri="{BB962C8B-B14F-4D97-AF65-F5344CB8AC3E}">
-        <p14:creationId xmlns:p14="http://schemas.microsoft.com/office/powerpoint/2010/main" xmlns="" val="4081995342"/>
+        <p14:creationId xmlns:p14="http://schemas.microsoft.com/office/powerpoint/2010/main" val="4081995342"/>
       </p:ext>
     </p:extLst>
   </p:cSld>
@@ -2002,7 +2018,7 @@
             <a:fld id="{BC8B1206-7415-4CAA-BABF-4B2FCC8828A3}" type="datetimeFigureOut">
               <a:rPr lang="en-ZA" smtClean="0"/>
               <a:pPr/>
-              <a:t>2015/04/16</a:t>
+              <a:t>2015-04-17</a:t>
             </a:fld>
             <a:endParaRPr lang="en-ZA"/>
           </a:p>
@@ -2054,7 +2070,7 @@
     </p:spTree>
     <p:extLst>
       <p:ext uri="{BB962C8B-B14F-4D97-AF65-F5344CB8AC3E}">
-        <p14:creationId xmlns:p14="http://schemas.microsoft.com/office/powerpoint/2010/main" xmlns="" val="1897818696"/>
+        <p14:creationId xmlns:p14="http://schemas.microsoft.com/office/powerpoint/2010/main" val="1897818696"/>
       </p:ext>
     </p:extLst>
   </p:cSld>
@@ -2281,7 +2297,7 @@
             <a:fld id="{BC8B1206-7415-4CAA-BABF-4B2FCC8828A3}" type="datetimeFigureOut">
               <a:rPr lang="en-ZA" smtClean="0"/>
               <a:pPr/>
-              <a:t>2015/04/16</a:t>
+              <a:t>2015-04-17</a:t>
             </a:fld>
             <a:endParaRPr lang="en-ZA"/>
           </a:p>
@@ -2333,7 +2349,7 @@
     </p:spTree>
     <p:extLst>
       <p:ext uri="{BB962C8B-B14F-4D97-AF65-F5344CB8AC3E}">
-        <p14:creationId xmlns:p14="http://schemas.microsoft.com/office/powerpoint/2010/main" xmlns="" val="2349542582"/>
+        <p14:creationId xmlns:p14="http://schemas.microsoft.com/office/powerpoint/2010/main" val="2349542582"/>
       </p:ext>
     </p:extLst>
   </p:cSld>
@@ -2536,7 +2552,7 @@
             <a:fld id="{BC8B1206-7415-4CAA-BABF-4B2FCC8828A3}" type="datetimeFigureOut">
               <a:rPr lang="en-ZA" smtClean="0"/>
               <a:pPr/>
-              <a:t>2015/04/16</a:t>
+              <a:t>2015-04-17</a:t>
             </a:fld>
             <a:endParaRPr lang="en-ZA"/>
           </a:p>
@@ -2588,7 +2604,7 @@
     </p:spTree>
     <p:extLst>
       <p:ext uri="{BB962C8B-B14F-4D97-AF65-F5344CB8AC3E}">
-        <p14:creationId xmlns:p14="http://schemas.microsoft.com/office/powerpoint/2010/main" xmlns="" val="1781508516"/>
+        <p14:creationId xmlns:p14="http://schemas.microsoft.com/office/powerpoint/2010/main" val="1781508516"/>
       </p:ext>
     </p:extLst>
   </p:cSld>
@@ -2760,7 +2776,7 @@
             <a:fld id="{BC8B1206-7415-4CAA-BABF-4B2FCC8828A3}" type="datetimeFigureOut">
               <a:rPr lang="en-ZA" smtClean="0"/>
               <a:pPr/>
-              <a:t>2015/04/16</a:t>
+              <a:t>2015-04-17</a:t>
             </a:fld>
             <a:endParaRPr lang="en-ZA"/>
           </a:p>
@@ -2848,7 +2864,7 @@
     </p:spTree>
     <p:extLst>
       <p:ext uri="{BB962C8B-B14F-4D97-AF65-F5344CB8AC3E}">
-        <p14:creationId xmlns:p14="http://schemas.microsoft.com/office/powerpoint/2010/main" xmlns="" val="2839475855"/>
+        <p14:creationId xmlns:p14="http://schemas.microsoft.com/office/powerpoint/2010/main" val="2839475855"/>
       </p:ext>
     </p:extLst>
   </p:cSld>
@@ -3302,6 +3318,17 @@
                   <a:schemeClr val="bg1"/>
                 </a:solidFill>
               </a:rPr>
+              <a:t>	 12247040 - Team Lead</a:t>
+            </a:r>
+          </a:p>
+          <a:p>
+            <a:pPr algn="l"/>
+            <a:r>
+              <a:rPr lang="en-ZA" dirty="0">
+                <a:solidFill>
+                  <a:schemeClr val="bg1"/>
+                </a:solidFill>
+              </a:rPr>
               <a:t>	</a:t>
             </a:r>
             <a:r>
@@ -3310,7 +3337,15 @@
                   <a:schemeClr val="bg1"/>
                 </a:solidFill>
               </a:rPr>
-              <a:t> 12247040 </a:t>
+              <a:t>Jessica </a:t>
+            </a:r>
+            <a:r>
+              <a:rPr lang="en-ZA" dirty="0" err="1" smtClean="0">
+                <a:solidFill>
+                  <a:schemeClr val="bg1"/>
+                </a:solidFill>
+              </a:rPr>
+              <a:t>Lessev</a:t>
             </a:r>
             <a:r>
               <a:rPr lang="en-ZA" dirty="0" smtClean="0">
@@ -3318,7 +3353,7 @@
                   <a:schemeClr val="bg1"/>
                 </a:solidFill>
               </a:rPr>
-              <a:t>- Team Lead</a:t>
+              <a:t>	 13049136</a:t>
             </a:r>
           </a:p>
           <a:p>
@@ -3337,7 +3372,7 @@
                   <a:schemeClr val="bg1"/>
                 </a:solidFill>
               </a:rPr>
-              <a:t>Jessica </a:t>
+              <a:t>Armand </a:t>
             </a:r>
             <a:r>
               <a:rPr lang="en-ZA" dirty="0" err="1" smtClean="0">
@@ -3345,7 +3380,15 @@
                   <a:schemeClr val="bg1"/>
                 </a:solidFill>
               </a:rPr>
-              <a:t>Lessev</a:t>
+              <a:t>Pieterse</a:t>
+            </a:r>
+            <a:r>
+              <a:rPr lang="en-ZA" dirty="0">
+                <a:solidFill>
+                  <a:schemeClr val="bg1"/>
+                </a:solidFill>
+              </a:rPr>
+              <a:t> </a:t>
             </a:r>
             <a:r>
               <a:rPr lang="en-ZA" dirty="0" smtClean="0">
@@ -3353,31 +3396,50 @@
                   <a:schemeClr val="bg1"/>
                 </a:solidFill>
               </a:rPr>
+              <a:t>12167844 </a:t>
+            </a:r>
+          </a:p>
+          <a:p>
+            <a:pPr algn="l"/>
+            <a:r>
+              <a:rPr lang="en-ZA" dirty="0">
+                <a:solidFill>
+                  <a:schemeClr val="bg1"/>
+                </a:solidFill>
+              </a:rPr>
               <a:t>	</a:t>
             </a:r>
             <a:r>
+              <a:rPr lang="en-ZA" dirty="0" err="1" smtClean="0">
+                <a:solidFill>
+                  <a:schemeClr val="bg1"/>
+                </a:solidFill>
+              </a:rPr>
+              <a:t>Kaleab</a:t>
+            </a:r>
+            <a:r>
               <a:rPr lang="en-ZA" dirty="0" smtClean="0">
                 <a:solidFill>
                   <a:schemeClr val="bg1"/>
                 </a:solidFill>
               </a:rPr>
-              <a:t> 13049136</a:t>
-            </a:r>
-            <a:endParaRPr lang="en-ZA" dirty="0" smtClean="0">
-              <a:solidFill>
-                <a:schemeClr val="bg1"/>
-              </a:solidFill>
-            </a:endParaRPr>
-          </a:p>
-          <a:p>
-            <a:pPr algn="l"/>
+              <a:t> </a:t>
+            </a:r>
+            <a:r>
+              <a:rPr lang="en-ZA" dirty="0" err="1">
+                <a:solidFill>
+                  <a:schemeClr val="bg1"/>
+                </a:solidFill>
+              </a:rPr>
+              <a:t>Tessera</a:t>
+            </a:r>
             <a:r>
               <a:rPr lang="en-ZA" dirty="0">
                 <a:solidFill>
                   <a:schemeClr val="bg1"/>
                 </a:solidFill>
               </a:rPr>
-              <a:t>	</a:t>
+              <a:t> </a:t>
             </a:r>
             <a:r>
               <a:rPr lang="en-ZA" dirty="0" smtClean="0">
@@ -3385,101 +3447,8 @@
                   <a:schemeClr val="bg1"/>
                 </a:solidFill>
               </a:rPr>
-              <a:t>Armand </a:t>
-            </a:r>
-            <a:r>
-              <a:rPr lang="en-ZA" dirty="0" err="1" smtClean="0">
-                <a:solidFill>
-                  <a:schemeClr val="bg1"/>
-                </a:solidFill>
-              </a:rPr>
-              <a:t>Pieterse</a:t>
-            </a:r>
-            <a:r>
-              <a:rPr lang="en-ZA" dirty="0">
-                <a:solidFill>
-                  <a:schemeClr val="bg1"/>
-                </a:solidFill>
-              </a:rPr>
-              <a:t> </a:t>
-            </a:r>
-            <a:r>
-              <a:rPr lang="en-ZA" dirty="0" smtClean="0">
-                <a:solidFill>
-                  <a:schemeClr val="bg1"/>
-                </a:solidFill>
-              </a:rPr>
-              <a:t>12167844 </a:t>
-            </a:r>
-            <a:endParaRPr lang="en-ZA" dirty="0" smtClean="0">
-              <a:solidFill>
-                <a:schemeClr val="bg1"/>
-              </a:solidFill>
-            </a:endParaRPr>
-          </a:p>
-          <a:p>
-            <a:pPr algn="l"/>
-            <a:r>
-              <a:rPr lang="en-ZA" dirty="0">
-                <a:solidFill>
-                  <a:schemeClr val="bg1"/>
-                </a:solidFill>
-              </a:rPr>
-              <a:t>	</a:t>
-            </a:r>
-            <a:r>
-              <a:rPr lang="en-ZA" dirty="0" err="1" smtClean="0">
-                <a:solidFill>
-                  <a:schemeClr val="bg1"/>
-                </a:solidFill>
-              </a:rPr>
-              <a:t>Kaleab</a:t>
-            </a:r>
-            <a:r>
-              <a:rPr lang="en-ZA" dirty="0" smtClean="0">
-                <a:solidFill>
-                  <a:schemeClr val="bg1"/>
-                </a:solidFill>
-              </a:rPr>
-              <a:t> </a:t>
-            </a:r>
-            <a:r>
-              <a:rPr lang="en-ZA" dirty="0" err="1">
-                <a:solidFill>
-                  <a:schemeClr val="bg1"/>
-                </a:solidFill>
-              </a:rPr>
-              <a:t>Tessera</a:t>
-            </a:r>
-            <a:r>
-              <a:rPr lang="en-ZA" dirty="0">
-                <a:solidFill>
-                  <a:schemeClr val="bg1"/>
-                </a:solidFill>
-              </a:rPr>
-              <a:t> </a:t>
-            </a:r>
-            <a:r>
-              <a:rPr lang="en-ZA" dirty="0" smtClean="0">
-                <a:solidFill>
-                  <a:schemeClr val="bg1"/>
-                </a:solidFill>
-              </a:rPr>
-              <a:t>	</a:t>
-            </a:r>
-            <a:r>
-              <a:rPr lang="en-ZA" dirty="0" smtClean="0">
-                <a:solidFill>
-                  <a:schemeClr val="bg1"/>
-                </a:solidFill>
-              </a:rPr>
-              <a:t> 13048423</a:t>
-            </a:r>
-            <a:endParaRPr lang="en-ZA" dirty="0" smtClean="0">
-              <a:solidFill>
-                <a:schemeClr val="bg1"/>
-              </a:solidFill>
-            </a:endParaRPr>
+              <a:t>	 13048423</a:t>
+            </a:r>
           </a:p>
           <a:p>
             <a:pPr algn="l"/>
@@ -3502,7 +3471,7 @@
     </p:spTree>
     <p:extLst>
       <p:ext uri="{BB962C8B-B14F-4D97-AF65-F5344CB8AC3E}">
-        <p14:creationId xmlns:p14="http://schemas.microsoft.com/office/powerpoint/2010/main" xmlns="" val="308255282"/>
+        <p14:creationId xmlns:p14="http://schemas.microsoft.com/office/powerpoint/2010/main" val="308255282"/>
       </p:ext>
     </p:extLst>
   </p:cSld>
@@ -3645,7 +3614,7 @@
     </p:spTree>
     <p:extLst>
       <p:ext uri="{BB962C8B-B14F-4D97-AF65-F5344CB8AC3E}">
-        <p14:creationId xmlns:p14="http://schemas.microsoft.com/office/powerpoint/2010/main" xmlns="" val="2165796761"/>
+        <p14:creationId xmlns:p14="http://schemas.microsoft.com/office/powerpoint/2010/main" val="2165796761"/>
       </p:ext>
     </p:extLst>
   </p:cSld>
@@ -3816,7 +3785,7 @@
         </p:spPr>
         <p:txBody>
           <a:bodyPr>
-            <a:normAutofit fontScale="40000" lnSpcReduction="20000"/>
+            <a:normAutofit fontScale="62500" lnSpcReduction="20000"/>
           </a:bodyPr>
           <a:lstStyle/>
           <a:p>
@@ -3824,7 +3793,7 @@
               <a:buNone/>
             </a:pPr>
             <a:r>
-              <a:rPr lang="en-ZA" sz="8000" b="1" dirty="0" smtClean="0">
+              <a:rPr lang="en-ZA" sz="5000" b="1" u="sng" dirty="0" smtClean="0">
                 <a:solidFill>
                   <a:schemeClr val="bg1"/>
                 </a:solidFill>
@@ -3832,15 +3801,25 @@
               <a:t>Description</a:t>
             </a:r>
             <a:r>
-              <a:rPr lang="en-ZA" sz="8000" dirty="0" smtClean="0">
+              <a:rPr lang="en-ZA" sz="5000" u="sng" dirty="0" smtClean="0">
                 <a:solidFill>
                   <a:schemeClr val="bg1"/>
                 </a:solidFill>
               </a:rPr>
               <a:t>: </a:t>
             </a:r>
-            <a:r>
-              <a:rPr lang="en-ZA" sz="6400" dirty="0" smtClean="0">
+            <a:endParaRPr lang="en-ZA" sz="5000" u="sng" dirty="0" smtClean="0">
+              <a:solidFill>
+                <a:schemeClr val="bg1"/>
+              </a:solidFill>
+            </a:endParaRPr>
+          </a:p>
+          <a:p>
+            <a:pPr marL="0" indent="0" algn="just">
+              <a:buNone/>
+            </a:pPr>
+            <a:r>
+              <a:rPr lang="en-ZA" sz="3400" dirty="0" smtClean="0">
                 <a:solidFill>
                   <a:schemeClr val="bg1"/>
                 </a:solidFill>
@@ -3863,12 +3842,20 @@
               <a:buNone/>
             </a:pPr>
             <a:r>
-              <a:rPr lang="en-ZA" sz="8000" b="1" dirty="0" smtClean="0">
-                <a:solidFill>
-                  <a:schemeClr val="bg1"/>
-                </a:solidFill>
-              </a:rPr>
-              <a:t>Pre and Post Conditions:</a:t>
+              <a:rPr lang="en-ZA" sz="5000" b="1" u="sng" dirty="0" smtClean="0">
+                <a:solidFill>
+                  <a:schemeClr val="bg1"/>
+                </a:solidFill>
+              </a:rPr>
+              <a:t>Pre and </a:t>
+            </a:r>
+            <a:r>
+              <a:rPr lang="en-ZA" sz="5000" b="1" u="sng" dirty="0" smtClean="0">
+                <a:solidFill>
+                  <a:schemeClr val="bg1"/>
+                </a:solidFill>
+              </a:rPr>
+              <a:t>Post Conditions:</a:t>
             </a:r>
           </a:p>
           <a:p>
@@ -4110,7 +4097,7 @@
               <a:buNone/>
             </a:pPr>
             <a:r>
-              <a:rPr lang="en-ZA" sz="2200" b="1" dirty="0" smtClean="0">
+              <a:rPr lang="en-ZA" sz="2000" b="1" u="sng" dirty="0" smtClean="0">
                 <a:solidFill>
                   <a:schemeClr val="bg1"/>
                 </a:solidFill>
@@ -4124,7 +4111,7 @@
               <a:buAutoNum type="arabicPeriod"/>
             </a:pPr>
             <a:r>
-              <a:rPr lang="en-ZA" sz="1700" dirty="0">
+              <a:rPr lang="en-ZA" sz="1600" dirty="0">
                 <a:solidFill>
                   <a:schemeClr val="bg1"/>
                 </a:solidFill>
@@ -4132,7 +4119,7 @@
               <a:t>Did not know how to define a class in JavaScript</a:t>
             </a:r>
             <a:r>
-              <a:rPr lang="en-ZA" sz="1700" dirty="0" smtClean="0">
+              <a:rPr lang="en-ZA" sz="1600" dirty="0" smtClean="0">
                 <a:solidFill>
                   <a:schemeClr val="bg1"/>
                 </a:solidFill>
@@ -4146,14 +4133,14 @@
               <a:buAutoNum type="arabicPeriod"/>
             </a:pPr>
             <a:r>
-              <a:rPr lang="en-ZA" sz="1700" dirty="0" smtClean="0">
+              <a:rPr lang="en-ZA" sz="1600" dirty="0" smtClean="0">
                 <a:solidFill>
                   <a:schemeClr val="bg1"/>
                 </a:solidFill>
               </a:rPr>
               <a:t>The function calls to the database returned asynchronously.</a:t>
             </a:r>
-            <a:endParaRPr lang="en-ZA" sz="1700" dirty="0">
+            <a:endParaRPr lang="en-ZA" sz="1600" dirty="0">
               <a:solidFill>
                 <a:schemeClr val="bg1"/>
               </a:solidFill>
@@ -4175,7 +4162,7 @@
               <a:buNone/>
             </a:pPr>
             <a:r>
-              <a:rPr lang="en-ZA" sz="2200" b="1" dirty="0" smtClean="0">
+              <a:rPr lang="en-ZA" sz="2000" b="1" u="sng" dirty="0" smtClean="0">
                 <a:solidFill>
                   <a:schemeClr val="bg1"/>
                 </a:solidFill>
@@ -4216,21 +4203,8 @@
                   <a:schemeClr val="bg1"/>
                 </a:solidFill>
               </a:rPr>
-              <a:t>By embedding functions within one another, the values returned are used for the next call to </a:t>
-            </a:r>
-            <a:r>
-              <a:rPr lang="en-ZA" sz="1600" smtClean="0">
-                <a:solidFill>
-                  <a:schemeClr val="bg1"/>
-                </a:solidFill>
-              </a:rPr>
-              <a:t>the database.</a:t>
-            </a:r>
-            <a:endParaRPr lang="en-ZA" sz="1600" dirty="0" smtClean="0">
-              <a:solidFill>
-                <a:schemeClr val="bg1"/>
-              </a:solidFill>
-            </a:endParaRPr>
+              <a:t>By embedding functions within one another, the values returned are used for the next call to the database.</a:t>
+            </a:r>
           </a:p>
           <a:p>
             <a:pPr marL="514350" indent="-514350" algn="just">
@@ -4294,7 +4268,7 @@
     </p:spTree>
     <p:extLst>
       <p:ext uri="{BB962C8B-B14F-4D97-AF65-F5344CB8AC3E}">
-        <p14:creationId xmlns:p14="http://schemas.microsoft.com/office/powerpoint/2010/main" xmlns="" val="3871235512"/>
+        <p14:creationId xmlns:p14="http://schemas.microsoft.com/office/powerpoint/2010/main" val="3871235512"/>
       </p:ext>
     </p:extLst>
   </p:cSld>
@@ -4388,7 +4362,23 @@
                   <a:schemeClr val="bg1"/>
                 </a:solidFill>
               </a:rPr>
-              <a:t>Authors:</a:t>
+              <a:t>Authors</a:t>
+            </a:r>
+            <a:r>
+              <a:rPr lang="en-ZA" sz="2200" u="sng" dirty="0">
+                <a:solidFill>
+                  <a:schemeClr val="bg1"/>
+                </a:solidFill>
+              </a:rPr>
+              <a:t>: Armand </a:t>
+            </a:r>
+            <a:r>
+              <a:rPr lang="en-ZA" sz="2200" u="sng" dirty="0" err="1">
+                <a:solidFill>
+                  <a:schemeClr val="bg1"/>
+                </a:solidFill>
+              </a:rPr>
+              <a:t>Pieterse</a:t>
             </a:r>
             <a:endParaRPr lang="en-ZA" sz="2200" u="sng" dirty="0">
               <a:solidFill>
@@ -4425,7 +4415,7 @@
         </p:spPr>
         <p:txBody>
           <a:bodyPr>
-            <a:normAutofit lnSpcReduction="10000"/>
+            <a:normAutofit fontScale="92500" lnSpcReduction="10000"/>
           </a:bodyPr>
           <a:lstStyle/>
           <a:p>
@@ -4433,7 +4423,7 @@
               <a:buNone/>
             </a:pPr>
             <a:r>
-              <a:rPr lang="en-ZA" sz="2000" b="1" dirty="0" smtClean="0">
+              <a:rPr lang="en-ZA" sz="2000" b="1" u="sng" dirty="0" smtClean="0">
                 <a:solidFill>
                   <a:schemeClr val="bg1"/>
                 </a:solidFill>
@@ -4441,7 +4431,7 @@
               <a:t>Description</a:t>
             </a:r>
             <a:r>
-              <a:rPr lang="en-ZA" sz="2000" dirty="0" smtClean="0">
+              <a:rPr lang="en-ZA" sz="2000" u="sng" dirty="0" smtClean="0">
                 <a:solidFill>
                   <a:schemeClr val="bg1"/>
                 </a:solidFill>
@@ -4485,7 +4475,15 @@
                   <a:schemeClr val="bg1"/>
                 </a:solidFill>
               </a:rPr>
-              <a:t> </a:t>
+              <a:t> for a specific service, based on a minimum role and minimum </a:t>
+            </a:r>
+            <a:r>
+              <a:rPr lang="en-ZA" sz="1800" dirty="0" err="1" smtClean="0">
+                <a:solidFill>
+                  <a:schemeClr val="bg1"/>
+                </a:solidFill>
+              </a:rPr>
+              <a:t>statuspoints</a:t>
             </a:r>
             <a:r>
               <a:rPr lang="en-ZA" sz="1800" dirty="0" smtClean="0">
@@ -4493,7 +4491,89 @@
                   <a:schemeClr val="bg1"/>
                 </a:solidFill>
               </a:rPr>
-              <a:t>for a specific service, based on a minimum role and minimum </a:t>
+              <a:t>, if the required conditions are met.</a:t>
+            </a:r>
+            <a:endParaRPr lang="en-ZA" sz="1800" dirty="0">
+              <a:solidFill>
+                <a:schemeClr val="bg1"/>
+              </a:solidFill>
+            </a:endParaRPr>
+          </a:p>
+          <a:p>
+            <a:pPr marL="0" indent="0" algn="just">
+              <a:buNone/>
+            </a:pPr>
+            <a:endParaRPr lang="en-ZA" sz="1000" dirty="0" smtClean="0">
+              <a:solidFill>
+                <a:schemeClr val="bg1"/>
+              </a:solidFill>
+            </a:endParaRPr>
+          </a:p>
+          <a:p>
+            <a:pPr marL="0" indent="0" algn="just">
+              <a:buNone/>
+            </a:pPr>
+            <a:r>
+              <a:rPr lang="en-ZA" sz="2000" b="1" u="sng" dirty="0">
+                <a:solidFill>
+                  <a:schemeClr val="bg1"/>
+                </a:solidFill>
+              </a:rPr>
+              <a:t>Pre and Post Conditions</a:t>
+            </a:r>
+            <a:r>
+              <a:rPr lang="en-ZA" sz="2000" b="1" u="sng" dirty="0" smtClean="0">
+                <a:solidFill>
+                  <a:schemeClr val="bg1"/>
+                </a:solidFill>
+              </a:rPr>
+              <a:t>:</a:t>
+            </a:r>
+          </a:p>
+          <a:p>
+            <a:pPr marL="0" indent="0" algn="just">
+              <a:buNone/>
+            </a:pPr>
+            <a:endParaRPr lang="en-ZA" sz="1000" b="1" dirty="0">
+              <a:solidFill>
+                <a:schemeClr val="bg1"/>
+              </a:solidFill>
+            </a:endParaRPr>
+          </a:p>
+          <a:p>
+            <a:pPr algn="just">
+              <a:buFont typeface="Wingdings" panose="05000000000000000000" pitchFamily="2" charset="2"/>
+              <a:buChar char="Ø"/>
+            </a:pPr>
+            <a:r>
+              <a:rPr lang="en-ZA" sz="1800" dirty="0" smtClean="0">
+                <a:solidFill>
+                  <a:schemeClr val="bg1"/>
+                </a:solidFill>
+              </a:rPr>
+              <a:t>Specific </a:t>
+            </a:r>
+            <a:r>
+              <a:rPr lang="en-ZA" sz="1800" dirty="0" smtClean="0">
+                <a:solidFill>
+                  <a:schemeClr val="bg1"/>
+                </a:solidFill>
+              </a:rPr>
+              <a:t>restriction should not exist.</a:t>
+            </a:r>
+          </a:p>
+          <a:p>
+            <a:pPr algn="just">
+              <a:buFont typeface="Wingdings" panose="05000000000000000000" pitchFamily="2" charset="2"/>
+              <a:buChar char="Ø"/>
+            </a:pPr>
+            <a:r>
+              <a:rPr lang="en-ZA" sz="1800" dirty="0" smtClean="0">
+                <a:solidFill>
+                  <a:schemeClr val="bg1"/>
+                </a:solidFill>
+              </a:rPr>
+              <a:t>Specified </a:t>
             </a:r>
             <a:r>
               <a:rPr lang="en-ZA" sz="1800" dirty="0" err="1" smtClean="0">
@@ -4501,7 +4581,7 @@
                   <a:schemeClr val="bg1"/>
                 </a:solidFill>
               </a:rPr>
-              <a:t>statuspoints</a:t>
+              <a:t>buzzSpace</a:t>
             </a:r>
             <a:r>
               <a:rPr lang="en-ZA" sz="1800" dirty="0" smtClean="0">
@@ -4509,58 +4589,13 @@
                   <a:schemeClr val="bg1"/>
                 </a:solidFill>
               </a:rPr>
-              <a:t>, if the required conditions are met.</a:t>
-            </a:r>
-            <a:endParaRPr lang="en-ZA" sz="1800" dirty="0">
-              <a:solidFill>
-                <a:schemeClr val="bg1"/>
-              </a:solidFill>
-            </a:endParaRPr>
-          </a:p>
-          <a:p>
-            <a:pPr marL="0" indent="0" algn="just">
-              <a:buNone/>
-            </a:pPr>
-            <a:endParaRPr lang="en-ZA" sz="1000" dirty="0" smtClean="0">
-              <a:solidFill>
-                <a:schemeClr val="bg1"/>
-              </a:solidFill>
-            </a:endParaRPr>
-          </a:p>
-          <a:p>
-            <a:pPr marL="0" indent="0" algn="just">
-              <a:buNone/>
-            </a:pPr>
-            <a:r>
-              <a:rPr lang="en-ZA" sz="2000" b="1" dirty="0">
-                <a:solidFill>
-                  <a:schemeClr val="bg1"/>
-                </a:solidFill>
-              </a:rPr>
-              <a:t>Pre and Post Conditions</a:t>
-            </a:r>
-            <a:r>
-              <a:rPr lang="en-ZA" sz="2000" b="1" dirty="0" smtClean="0">
-                <a:solidFill>
-                  <a:schemeClr val="bg1"/>
-                </a:solidFill>
-              </a:rPr>
-              <a:t>:</a:t>
-            </a:r>
-          </a:p>
-          <a:p>
-            <a:pPr marL="0" indent="0" algn="just">
-              <a:buNone/>
-            </a:pPr>
-            <a:endParaRPr lang="en-ZA" sz="1000" b="1" dirty="0">
-              <a:solidFill>
-                <a:schemeClr val="bg1"/>
-              </a:solidFill>
-            </a:endParaRPr>
-          </a:p>
-          <a:p>
-            <a:pPr marL="0" indent="0" algn="just">
-              <a:buNone/>
+              <a:t> should Exist.</a:t>
+            </a:r>
+          </a:p>
+          <a:p>
+            <a:pPr algn="just">
+              <a:buFont typeface="Wingdings" panose="05000000000000000000" pitchFamily="2" charset="2"/>
+              <a:buChar char="Ø"/>
             </a:pPr>
             <a:r>
               <a:rPr lang="en-ZA" sz="1800" dirty="0" smtClean="0">
@@ -4568,7 +4603,7 @@
                   <a:schemeClr val="bg1"/>
                 </a:solidFill>
               </a:rPr>
-              <a:t>*Specific r</a:t>
+              <a:t>Specified </a:t>
             </a:r>
             <a:r>
               <a:rPr lang="en-ZA" sz="1800" dirty="0" smtClean="0">
@@ -4576,12 +4611,13 @@
                   <a:schemeClr val="bg1"/>
                 </a:solidFill>
               </a:rPr>
-              <a:t>estriction should not exist.</a:t>
-            </a:r>
-          </a:p>
-          <a:p>
-            <a:pPr marL="0" indent="0" algn="just">
-              <a:buNone/>
+              <a:t>service should Exist.</a:t>
+            </a:r>
+          </a:p>
+          <a:p>
+            <a:pPr algn="just">
+              <a:buFont typeface="Wingdings" panose="05000000000000000000" pitchFamily="2" charset="2"/>
+              <a:buChar char="Ø"/>
             </a:pPr>
             <a:r>
               <a:rPr lang="en-ZA" sz="1800" dirty="0" smtClean="0">
@@ -4589,15 +4625,7 @@
                   <a:schemeClr val="bg1"/>
                 </a:solidFill>
               </a:rPr>
-              <a:t>*Specified </a:t>
-            </a:r>
-            <a:r>
-              <a:rPr lang="en-ZA" sz="1800" dirty="0" err="1" smtClean="0">
-                <a:solidFill>
-                  <a:schemeClr val="bg1"/>
-                </a:solidFill>
-              </a:rPr>
-              <a:t>buzzSpace</a:t>
+              <a:t>Specified </a:t>
             </a:r>
             <a:r>
               <a:rPr lang="en-ZA" sz="1800" dirty="0" smtClean="0">
@@ -4605,17 +4633,13 @@
                   <a:schemeClr val="bg1"/>
                 </a:solidFill>
               </a:rPr>
-              <a:t> should Exist.</a:t>
-            </a:r>
-            <a:endParaRPr lang="en-ZA" sz="1800" dirty="0" smtClean="0">
-              <a:solidFill>
-                <a:schemeClr val="bg1"/>
-              </a:solidFill>
-            </a:endParaRPr>
-          </a:p>
-          <a:p>
-            <a:pPr marL="0" indent="0" algn="just">
-              <a:buNone/>
+              <a:t>role should be valid. </a:t>
+            </a:r>
+          </a:p>
+          <a:p>
+            <a:pPr algn="just">
+              <a:buFont typeface="Wingdings" panose="05000000000000000000" pitchFamily="2" charset="2"/>
+              <a:buChar char="Ø"/>
             </a:pPr>
             <a:r>
               <a:rPr lang="en-ZA" sz="1800" dirty="0" smtClean="0">
@@ -4623,7 +4647,7 @@
                   <a:schemeClr val="bg1"/>
                 </a:solidFill>
               </a:rPr>
-              <a:t>*Specified service should </a:t>
+              <a:t>Minimum </a:t>
             </a:r>
             <a:r>
               <a:rPr lang="en-ZA" sz="1800" dirty="0" smtClean="0">
@@ -4631,41 +4655,7 @@
                   <a:schemeClr val="bg1"/>
                 </a:solidFill>
               </a:rPr>
-              <a:t>Exist</a:t>
-            </a:r>
-            <a:r>
-              <a:rPr lang="en-ZA" sz="1800" dirty="0" smtClean="0">
-                <a:solidFill>
-                  <a:schemeClr val="bg1"/>
-                </a:solidFill>
-              </a:rPr>
-              <a:t>.</a:t>
-            </a:r>
-          </a:p>
-          <a:p>
-            <a:pPr marL="0" indent="0" algn="just">
-              <a:buNone/>
-            </a:pPr>
-            <a:r>
-              <a:rPr lang="en-ZA" sz="1800" dirty="0" smtClean="0">
-                <a:solidFill>
-                  <a:schemeClr val="bg1"/>
-                </a:solidFill>
-              </a:rPr>
-              <a:t>*Specified role should be valid. </a:t>
-            </a:r>
-          </a:p>
-          <a:p>
-            <a:pPr marL="0" indent="0" algn="just">
-              <a:buNone/>
-            </a:pPr>
-            <a:r>
-              <a:rPr lang="en-ZA" sz="1800" dirty="0" smtClean="0">
-                <a:solidFill>
-                  <a:schemeClr val="bg1"/>
-                </a:solidFill>
-              </a:rPr>
-              <a:t>*Minimum Status points should be valid.</a:t>
+              <a:t>Status points should be valid.</a:t>
             </a:r>
           </a:p>
           <a:p>
@@ -4871,7 +4861,7 @@
               <a:buNone/>
             </a:pPr>
             <a:r>
-              <a:rPr lang="en-ZA" sz="2000" b="1" dirty="0" smtClean="0">
+              <a:rPr lang="en-ZA" sz="2000" b="1" u="sng" dirty="0" smtClean="0">
                 <a:solidFill>
                   <a:schemeClr val="bg1"/>
                 </a:solidFill>
@@ -4890,15 +4880,7 @@
                   <a:schemeClr val="bg1"/>
                 </a:solidFill>
               </a:rPr>
-              <a:t>Understanding how </a:t>
-            </a:r>
-            <a:r>
-              <a:rPr lang="en-ZA" sz="2000" dirty="0" smtClean="0">
-                <a:solidFill>
-                  <a:schemeClr val="bg1"/>
-                </a:solidFill>
-              </a:rPr>
-              <a:t>to use the new technologies/applications. Like </a:t>
+              <a:t>Understanding how to use the new technologies/applications. Like </a:t>
             </a:r>
             <a:r>
               <a:rPr lang="en-ZA" sz="2000" dirty="0" err="1" smtClean="0">
@@ -4982,7 +4964,7 @@
               <a:buNone/>
             </a:pPr>
             <a:r>
-              <a:rPr lang="en-ZA" sz="2000" b="1" dirty="0" smtClean="0">
+              <a:rPr lang="en-ZA" sz="2000" b="1" u="sng" dirty="0" smtClean="0">
                 <a:solidFill>
                   <a:schemeClr val="bg1"/>
                 </a:solidFill>
@@ -5031,21 +5013,8 @@
                   <a:schemeClr val="bg1"/>
                 </a:solidFill>
               </a:rPr>
-              <a:t> function/value. To ensure the correct </a:t>
-            </a:r>
-            <a:r>
-              <a:rPr lang="en-ZA" sz="2000" dirty="0" smtClean="0">
-                <a:solidFill>
-                  <a:schemeClr val="bg1"/>
-                </a:solidFill>
-              </a:rPr>
-              <a:t>execution of code.</a:t>
-            </a:r>
-            <a:endParaRPr lang="en-ZA" sz="2000" dirty="0" smtClean="0">
-              <a:solidFill>
-                <a:schemeClr val="bg1"/>
-              </a:solidFill>
-            </a:endParaRPr>
+              <a:t> function/value. To ensure the correct execution of code.</a:t>
+            </a:r>
           </a:p>
           <a:p>
             <a:pPr marL="514350" indent="-514350" algn="just">
@@ -5071,7 +5040,7 @@
     </p:spTree>
     <p:extLst>
       <p:ext uri="{BB962C8B-B14F-4D97-AF65-F5344CB8AC3E}">
-        <p14:creationId xmlns:p14="http://schemas.microsoft.com/office/powerpoint/2010/main" xmlns="" val="3329563870"/>
+        <p14:creationId xmlns:p14="http://schemas.microsoft.com/office/powerpoint/2010/main" val="3329563870"/>
       </p:ext>
     </p:extLst>
   </p:cSld>
@@ -5165,7 +5134,15 @@
                   <a:schemeClr val="bg1"/>
                 </a:solidFill>
               </a:rPr>
-              <a:t>Authors:</a:t>
+              <a:t>Authors</a:t>
+            </a:r>
+            <a:r>
+              <a:rPr lang="en-ZA" sz="2200" u="sng" dirty="0" smtClean="0">
+                <a:solidFill>
+                  <a:schemeClr val="bg1"/>
+                </a:solidFill>
+              </a:rPr>
+              <a:t>: Kale-ab Tessera</a:t>
             </a:r>
             <a:endParaRPr lang="en-ZA" sz="2200" u="sng" dirty="0">
               <a:solidFill>
@@ -5202,7 +5179,7 @@
         </p:spPr>
         <p:txBody>
           <a:bodyPr>
-            <a:normAutofit/>
+            <a:normAutofit fontScale="47500" lnSpcReduction="20000"/>
           </a:bodyPr>
           <a:lstStyle/>
           <a:p>
@@ -5210,37 +5187,80 @@
               <a:buNone/>
             </a:pPr>
             <a:r>
-              <a:rPr lang="en-ZA" sz="2000" b="1" dirty="0" smtClean="0">
-                <a:solidFill>
-                  <a:schemeClr val="bg1"/>
-                </a:solidFill>
-              </a:rPr>
-              <a:t>Description</a:t>
-            </a:r>
-            <a:r>
-              <a:rPr lang="en-ZA" sz="2000" dirty="0" smtClean="0">
-                <a:solidFill>
-                  <a:schemeClr val="bg1"/>
-                </a:solidFill>
-              </a:rPr>
-              <a:t>:</a:t>
+              <a:rPr lang="en-ZA" sz="4200" b="1" u="sng" dirty="0" smtClean="0">
+                <a:solidFill>
+                  <a:schemeClr val="bg1"/>
+                </a:solidFill>
+              </a:rPr>
+              <a:t>Description:</a:t>
             </a:r>
           </a:p>
           <a:p>
             <a:pPr marL="0" indent="0" algn="just">
               <a:buNone/>
             </a:pPr>
-            <a:endParaRPr lang="en-ZA" sz="2000" dirty="0">
-              <a:solidFill>
-                <a:schemeClr val="bg1"/>
-              </a:solidFill>
-            </a:endParaRPr>
+            <a:r>
+              <a:rPr lang="en-ZA" sz="3300" dirty="0" smtClean="0">
+                <a:solidFill>
+                  <a:schemeClr val="bg1"/>
+                </a:solidFill>
+              </a:rPr>
+              <a:t>This function returns a </a:t>
+            </a:r>
+            <a:r>
+              <a:rPr lang="en-ZA" sz="3300" dirty="0" err="1" smtClean="0">
+                <a:solidFill>
+                  <a:schemeClr val="bg1"/>
+                </a:solidFill>
+              </a:rPr>
+              <a:t>json</a:t>
+            </a:r>
+            <a:r>
+              <a:rPr lang="en-ZA" sz="3300" dirty="0" smtClean="0">
+                <a:solidFill>
+                  <a:schemeClr val="bg1"/>
+                </a:solidFill>
+              </a:rPr>
+              <a:t> string and has one parameter -</a:t>
+            </a:r>
+            <a:r>
+              <a:rPr lang="en-ZA" sz="3300" dirty="0" err="1" smtClean="0">
+                <a:solidFill>
+                  <a:schemeClr val="bg1"/>
+                </a:solidFill>
+              </a:rPr>
+              <a:t>buzzSpaceID</a:t>
+            </a:r>
+            <a:r>
+              <a:rPr lang="en-ZA" sz="3300" dirty="0" smtClean="0">
+                <a:solidFill>
+                  <a:schemeClr val="bg1"/>
+                </a:solidFill>
+              </a:rPr>
+              <a:t> which specifies the </a:t>
+            </a:r>
+            <a:r>
+              <a:rPr lang="en-ZA" sz="3300" dirty="0" err="1" smtClean="0">
+                <a:solidFill>
+                  <a:schemeClr val="bg1"/>
+                </a:solidFill>
+              </a:rPr>
+              <a:t>buzzSpace</a:t>
+            </a:r>
+            <a:r>
+              <a:rPr lang="en-ZA" sz="3300" dirty="0" smtClean="0">
+                <a:solidFill>
+                  <a:schemeClr val="bg1"/>
+                </a:solidFill>
+              </a:rPr>
+              <a:t>. </a:t>
+            </a:r>
           </a:p>
           <a:p>
             <a:pPr marL="0" indent="0" algn="just">
               <a:buNone/>
             </a:pPr>
-            <a:endParaRPr lang="en-ZA" sz="2000" dirty="0" smtClean="0">
+            <a:endParaRPr lang="en-ZA" sz="3300" dirty="0" smtClean="0">
               <a:solidFill>
                 <a:schemeClr val="bg1"/>
               </a:solidFill>
@@ -5250,18 +5270,63 @@
             <a:pPr marL="0" indent="0" algn="just">
               <a:buNone/>
             </a:pPr>
-            <a:endParaRPr lang="en-ZA" sz="2000" dirty="0" smtClean="0">
-              <a:solidFill>
-                <a:schemeClr val="bg1"/>
-              </a:solidFill>
-            </a:endParaRPr>
+            <a:r>
+              <a:rPr lang="en-ZA" sz="3300" dirty="0" smtClean="0">
+                <a:solidFill>
+                  <a:schemeClr val="bg1"/>
+                </a:solidFill>
+              </a:rPr>
+              <a:t>The </a:t>
+            </a:r>
+            <a:r>
+              <a:rPr lang="en-ZA" sz="3300" dirty="0" err="1" smtClean="0">
+                <a:solidFill>
+                  <a:schemeClr val="bg1"/>
+                </a:solidFill>
+              </a:rPr>
+              <a:t>json</a:t>
+            </a:r>
+            <a:r>
+              <a:rPr lang="en-ZA" sz="3300" dirty="0" smtClean="0">
+                <a:solidFill>
+                  <a:schemeClr val="bg1"/>
+                </a:solidFill>
+              </a:rPr>
+              <a:t> string that is returned contains all the restrictions for the </a:t>
+            </a:r>
+            <a:r>
+              <a:rPr lang="en-ZA" sz="3300" dirty="0" err="1" smtClean="0">
+                <a:solidFill>
+                  <a:schemeClr val="bg1"/>
+                </a:solidFill>
+              </a:rPr>
+              <a:t>buzzSpace</a:t>
+            </a:r>
+            <a:r>
+              <a:rPr lang="en-ZA" sz="3300" dirty="0" smtClean="0">
+                <a:solidFill>
+                  <a:schemeClr val="bg1"/>
+                </a:solidFill>
+              </a:rPr>
+              <a:t> specified.  </a:t>
+            </a:r>
           </a:p>
           <a:p>
             <a:pPr marL="0" indent="0" algn="just">
               <a:buNone/>
             </a:pPr>
-            <a:r>
-              <a:rPr lang="en-ZA" sz="2000" b="1" dirty="0">
+            <a:endParaRPr lang="en-ZA" sz="2000" b="1" dirty="0">
+              <a:solidFill>
+                <a:schemeClr val="bg1"/>
+              </a:solidFill>
+            </a:endParaRPr>
+          </a:p>
+          <a:p>
+            <a:pPr marL="0" indent="0" algn="just">
+              <a:buNone/>
+            </a:pPr>
+            <a:r>
+              <a:rPr lang="en-ZA" sz="4200" b="1" u="sng" dirty="0">
                 <a:solidFill>
                   <a:schemeClr val="bg1"/>
                 </a:solidFill>
@@ -5273,7 +5338,105 @@
             <a:pPr marL="0" indent="0" algn="just">
               <a:buNone/>
             </a:pPr>
-            <a:endParaRPr lang="en-ZA" dirty="0">
+            <a:endParaRPr lang="en-ZA" sz="2000" b="1" dirty="0">
+              <a:solidFill>
+                <a:schemeClr val="bg1"/>
+              </a:solidFill>
+            </a:endParaRPr>
+          </a:p>
+          <a:p>
+            <a:pPr marL="0" indent="0" algn="just">
+              <a:buNone/>
+            </a:pPr>
+            <a:r>
+              <a:rPr lang="en-ZA" sz="3600" dirty="0" smtClean="0">
+                <a:solidFill>
+                  <a:schemeClr val="bg1"/>
+                </a:solidFill>
+              </a:rPr>
+              <a:t>Pre-conditions: </a:t>
+            </a:r>
+          </a:p>
+          <a:p>
+            <a:pPr algn="just">
+              <a:buFont typeface="Wingdings" panose="05000000000000000000" pitchFamily="2" charset="2"/>
+              <a:buChar char="Ø"/>
+            </a:pPr>
+            <a:r>
+              <a:rPr lang="en-ZA" sz="3600" dirty="0" smtClean="0">
+                <a:solidFill>
+                  <a:schemeClr val="bg1"/>
+                </a:solidFill>
+              </a:rPr>
+              <a:t>The </a:t>
+            </a:r>
+            <a:r>
+              <a:rPr lang="en-ZA" sz="3600" dirty="0" err="1" smtClean="0">
+                <a:solidFill>
+                  <a:schemeClr val="bg1"/>
+                </a:solidFill>
+              </a:rPr>
+              <a:t>BuzzSpace</a:t>
+            </a:r>
+            <a:r>
+              <a:rPr lang="en-ZA" sz="3600" dirty="0" smtClean="0">
+                <a:solidFill>
+                  <a:schemeClr val="bg1"/>
+                </a:solidFill>
+              </a:rPr>
+              <a:t> must exist.</a:t>
+            </a:r>
+          </a:p>
+          <a:p>
+            <a:pPr algn="just">
+              <a:buFont typeface="Wingdings" panose="05000000000000000000" pitchFamily="2" charset="2"/>
+              <a:buChar char="Ø"/>
+            </a:pPr>
+            <a:r>
+              <a:rPr lang="en-ZA" sz="3600" dirty="0" smtClean="0">
+                <a:solidFill>
+                  <a:schemeClr val="bg1"/>
+                </a:solidFill>
+              </a:rPr>
+              <a:t>The caller of the function must be authorised to use this function.</a:t>
+            </a:r>
+          </a:p>
+          <a:p>
+            <a:pPr marL="0" indent="0" algn="just">
+              <a:buNone/>
+            </a:pPr>
+            <a:endParaRPr lang="en-ZA" sz="3600" dirty="0" smtClean="0">
+              <a:solidFill>
+                <a:schemeClr val="bg1"/>
+              </a:solidFill>
+            </a:endParaRPr>
+          </a:p>
+          <a:p>
+            <a:pPr marL="0" indent="0" algn="just">
+              <a:buNone/>
+            </a:pPr>
+            <a:r>
+              <a:rPr lang="en-ZA" sz="3600" dirty="0" smtClean="0">
+                <a:solidFill>
+                  <a:schemeClr val="bg1"/>
+                </a:solidFill>
+              </a:rPr>
+              <a:t>Post-conditions:  </a:t>
+            </a:r>
+          </a:p>
+          <a:p>
+            <a:pPr marL="0" indent="0" algn="just">
+              <a:buNone/>
+            </a:pPr>
+            <a:r>
+              <a:rPr lang="en-ZA" sz="3600" dirty="0" smtClean="0">
+                <a:solidFill>
+                  <a:schemeClr val="bg1"/>
+                </a:solidFill>
+              </a:rPr>
+              <a:t>None</a:t>
+            </a:r>
+            <a:endParaRPr lang="en-ZA" sz="3600" dirty="0" smtClean="0">
               <a:solidFill>
                 <a:schemeClr val="bg1"/>
               </a:solidFill>
@@ -5494,49 +5657,9 @@
           </a:lstStyle>
           <a:p>
             <a:pPr marL="0" indent="0" algn="just">
-              <a:buFont typeface="Arial" pitchFamily="34" charset="0"/>
-              <a:buNone/>
-            </a:pPr>
-            <a:r>
-              <a:rPr lang="en-ZA" sz="2000" b="1" dirty="0" smtClean="0">
-                <a:solidFill>
-                  <a:schemeClr val="bg1"/>
-                </a:solidFill>
-              </a:rPr>
-              <a:t>Challenges Faced: </a:t>
-            </a:r>
-          </a:p>
-          <a:p>
-            <a:pPr marL="514350" indent="-514350" algn="just">
-              <a:buFont typeface="Arial" pitchFamily="34" charset="0"/>
-              <a:buAutoNum type="arabicPeriod"/>
-            </a:pPr>
-            <a:r>
-              <a:rPr lang="en-ZA" sz="2000" dirty="0" smtClean="0">
-                <a:solidFill>
-                  <a:schemeClr val="bg1"/>
-                </a:solidFill>
-              </a:rPr>
-              <a:t>…</a:t>
-            </a:r>
-          </a:p>
-          <a:p>
-            <a:pPr marL="514350" indent="-514350" algn="just">
-              <a:buFont typeface="Arial" pitchFamily="34" charset="0"/>
-              <a:buAutoNum type="arabicPeriod"/>
-            </a:pPr>
-            <a:endParaRPr lang="en-ZA" sz="2000" dirty="0">
-              <a:solidFill>
-                <a:schemeClr val="bg1"/>
-              </a:solidFill>
-            </a:endParaRPr>
-          </a:p>
-          <a:p>
-            <a:pPr marL="514350" indent="-514350" algn="just">
-              <a:buFont typeface="Arial" pitchFamily="34" charset="0"/>
-              <a:buAutoNum type="arabicPeriod"/>
-            </a:pPr>
-            <a:endParaRPr lang="en-ZA" sz="2000" dirty="0">
+              <a:buNone/>
+            </a:pPr>
+            <a:endParaRPr lang="en-ZA" sz="2000" b="1" dirty="0" smtClean="0">
               <a:solidFill>
                 <a:schemeClr val="bg1"/>
               </a:solidFill>
@@ -5547,7 +5670,69 @@
               <a:buNone/>
             </a:pPr>
             <a:r>
-              <a:rPr lang="en-ZA" sz="2000" b="1" dirty="0" smtClean="0">
+              <a:rPr lang="en-ZA" sz="2000" b="1" u="sng" dirty="0" smtClean="0">
+                <a:solidFill>
+                  <a:schemeClr val="bg1"/>
+                </a:solidFill>
+              </a:rPr>
+              <a:t>Challenges </a:t>
+            </a:r>
+            <a:r>
+              <a:rPr lang="en-ZA" sz="2000" b="1" u="sng" dirty="0">
+                <a:solidFill>
+                  <a:schemeClr val="bg1"/>
+                </a:solidFill>
+              </a:rPr>
+              <a:t>Faced: </a:t>
+            </a:r>
+          </a:p>
+          <a:p>
+            <a:pPr marL="0" indent="0" algn="just">
+              <a:buNone/>
+            </a:pPr>
+            <a:r>
+              <a:rPr lang="en-ZA" sz="1700" dirty="0">
+                <a:solidFill>
+                  <a:schemeClr val="bg1"/>
+                </a:solidFill>
+              </a:rPr>
+              <a:t>1. Integration with other functions due to multiple schemas being used.</a:t>
+            </a:r>
+          </a:p>
+          <a:p>
+            <a:pPr marL="0" indent="0" algn="just">
+              <a:buNone/>
+            </a:pPr>
+            <a:r>
+              <a:rPr lang="en-ZA" sz="1700" dirty="0" smtClean="0">
+                <a:solidFill>
+                  <a:schemeClr val="bg1"/>
+                </a:solidFill>
+              </a:rPr>
+              <a:t>2. Constant changing of schema by top level.</a:t>
+            </a:r>
+            <a:endParaRPr lang="en-ZA" sz="1700" dirty="0">
+              <a:solidFill>
+                <a:schemeClr val="bg1"/>
+              </a:solidFill>
+            </a:endParaRPr>
+          </a:p>
+          <a:p>
+            <a:pPr marL="0" indent="0" algn="just">
+              <a:buNone/>
+            </a:pPr>
+            <a:endParaRPr lang="en-ZA" sz="2000" b="1" dirty="0">
+              <a:solidFill>
+                <a:schemeClr val="bg1"/>
+              </a:solidFill>
+            </a:endParaRPr>
+          </a:p>
+          <a:p>
+            <a:pPr marL="0" indent="0" algn="just">
+              <a:buNone/>
+            </a:pPr>
+            <a:r>
+              <a:rPr lang="en-ZA" sz="2000" b="1" u="sng" dirty="0">
                 <a:solidFill>
                   <a:schemeClr val="bg1"/>
                 </a:solidFill>
@@ -5556,17 +5741,16 @@
             </a:r>
           </a:p>
           <a:p>
-            <a:pPr marL="514350" indent="-514350" algn="just">
-              <a:buFont typeface="+mj-lt"/>
-              <a:buAutoNum type="arabicPeriod"/>
-            </a:pPr>
-            <a:r>
-              <a:rPr lang="en-ZA" sz="2000" dirty="0" smtClean="0">
-                <a:solidFill>
-                  <a:schemeClr val="bg1"/>
-                </a:solidFill>
-              </a:rPr>
-              <a:t>…</a:t>
+            <a:pPr marL="0" indent="0" algn="just">
+              <a:buNone/>
+            </a:pPr>
+            <a:r>
+              <a:rPr lang="en-ZA" sz="1600" dirty="0">
+                <a:solidFill>
+                  <a:schemeClr val="bg1"/>
+                </a:solidFill>
+              </a:rPr>
+              <a:t>1. A global Schema was used and required.</a:t>
             </a:r>
           </a:p>
           <a:p>
@@ -5574,7 +5758,15 @@
               <a:buFont typeface="Arial" pitchFamily="34" charset="0"/>
               <a:buNone/>
             </a:pPr>
-            <a:endParaRPr lang="en-ZA" dirty="0" smtClean="0">
+            <a:r>
+              <a:rPr lang="en-ZA" sz="1600" dirty="0" smtClean="0">
+                <a:solidFill>
+                  <a:schemeClr val="bg1"/>
+                </a:solidFill>
+              </a:rPr>
+              <a:t>2. This required some patience and late changes were made.</a:t>
+            </a:r>
+            <a:endParaRPr lang="en-ZA" sz="1600" dirty="0" smtClean="0">
               <a:solidFill>
                 <a:schemeClr val="bg1"/>
               </a:solidFill>
@@ -5620,7 +5812,7 @@
     </p:spTree>
     <p:extLst>
       <p:ext uri="{BB962C8B-B14F-4D97-AF65-F5344CB8AC3E}">
-        <p14:creationId xmlns:p14="http://schemas.microsoft.com/office/powerpoint/2010/main" xmlns="" val="446071776"/>
+        <p14:creationId xmlns:p14="http://schemas.microsoft.com/office/powerpoint/2010/main" val="446071776"/>
       </p:ext>
     </p:extLst>
   </p:cSld>
@@ -5767,7 +5959,7 @@
               <a:buNone/>
             </a:pPr>
             <a:r>
-              <a:rPr lang="en-ZA" sz="2000" b="1" dirty="0" smtClean="0">
+              <a:rPr lang="en-ZA" sz="2000" b="1" u="sng" dirty="0" smtClean="0">
                 <a:solidFill>
                   <a:schemeClr val="bg1"/>
                 </a:solidFill>
@@ -5775,7 +5967,7 @@
               <a:t>Description</a:t>
             </a:r>
             <a:r>
-              <a:rPr lang="en-ZA" sz="2000" dirty="0" smtClean="0">
+              <a:rPr lang="en-ZA" sz="2000" u="sng" dirty="0" smtClean="0">
                 <a:solidFill>
                   <a:schemeClr val="bg1"/>
                 </a:solidFill>
@@ -5824,7 +6016,7 @@
               <a:buNone/>
             </a:pPr>
             <a:r>
-              <a:rPr lang="en-ZA" sz="2000" b="1" dirty="0">
+              <a:rPr lang="en-ZA" sz="2000" b="1" u="sng" dirty="0">
                 <a:solidFill>
                   <a:schemeClr val="bg1"/>
                 </a:solidFill>
@@ -6132,7 +6324,7 @@
               <a:buNone/>
             </a:pPr>
             <a:r>
-              <a:rPr lang="en-ZA" sz="6200" b="1" dirty="0" smtClean="0">
+              <a:rPr lang="en-ZA" sz="6200" b="1" u="sng" dirty="0" smtClean="0">
                 <a:solidFill>
                   <a:schemeClr val="bg1"/>
                 </a:solidFill>
@@ -6175,7 +6367,7 @@
               <a:buNone/>
             </a:pPr>
             <a:r>
-              <a:rPr lang="en-ZA" sz="6200" b="1" dirty="0" smtClean="0">
+              <a:rPr lang="en-ZA" sz="6200" b="1" u="sng" dirty="0" smtClean="0">
                 <a:solidFill>
                   <a:schemeClr val="bg1"/>
                 </a:solidFill>
@@ -6228,7 +6420,7 @@
     </p:spTree>
     <p:extLst>
       <p:ext uri="{BB962C8B-B14F-4D97-AF65-F5344CB8AC3E}">
-        <p14:creationId xmlns:p14="http://schemas.microsoft.com/office/powerpoint/2010/main" xmlns="" val="4160446826"/>
+        <p14:creationId xmlns:p14="http://schemas.microsoft.com/office/powerpoint/2010/main" val="4160446826"/>
       </p:ext>
     </p:extLst>
   </p:cSld>
@@ -6322,7 +6514,23 @@
                   <a:schemeClr val="bg1"/>
                 </a:solidFill>
               </a:rPr>
-              <a:t>Authors:</a:t>
+              <a:t>Authors</a:t>
+            </a:r>
+            <a:r>
+              <a:rPr lang="en-ZA" sz="2200" u="sng" dirty="0" smtClean="0">
+                <a:solidFill>
+                  <a:schemeClr val="bg1"/>
+                </a:solidFill>
+              </a:rPr>
+              <a:t>: Kale-ab Tessera, Armand </a:t>
+            </a:r>
+            <a:r>
+              <a:rPr lang="en-ZA" sz="2200" u="sng" dirty="0" err="1" smtClean="0">
+                <a:solidFill>
+                  <a:schemeClr val="bg1"/>
+                </a:solidFill>
+              </a:rPr>
+              <a:t>Pieterse</a:t>
             </a:r>
             <a:endParaRPr lang="en-ZA" sz="2200" u="sng" dirty="0">
               <a:solidFill>
@@ -6359,7 +6567,7 @@
         </p:spPr>
         <p:txBody>
           <a:bodyPr>
-            <a:normAutofit/>
+            <a:normAutofit fontScale="25000" lnSpcReduction="20000"/>
           </a:bodyPr>
           <a:lstStyle/>
           <a:p>
@@ -6367,26 +6575,138 @@
               <a:buNone/>
             </a:pPr>
             <a:r>
-              <a:rPr lang="en-ZA" sz="2000" b="1" dirty="0" smtClean="0">
-                <a:solidFill>
-                  <a:schemeClr val="bg1"/>
-                </a:solidFill>
-              </a:rPr>
-              <a:t>Description</a:t>
-            </a:r>
-            <a:r>
-              <a:rPr lang="en-ZA" sz="2000" dirty="0" smtClean="0">
-                <a:solidFill>
-                  <a:schemeClr val="bg1"/>
-                </a:solidFill>
-              </a:rPr>
-              <a:t>:</a:t>
+              <a:rPr lang="en-ZA" sz="8000" b="1" u="sng" dirty="0" smtClean="0">
+                <a:solidFill>
+                  <a:schemeClr val="bg1"/>
+                </a:solidFill>
+              </a:rPr>
+              <a:t>Description:</a:t>
             </a:r>
           </a:p>
           <a:p>
             <a:pPr marL="0" indent="0" algn="just">
               <a:buNone/>
             </a:pPr>
+            <a:r>
+              <a:rPr lang="en-ZA" sz="6400" dirty="0">
+                <a:solidFill>
+                  <a:schemeClr val="bg1"/>
+                </a:solidFill>
+              </a:rPr>
+              <a:t>Void function. Accepts three parameters-  </a:t>
+            </a:r>
+            <a:r>
+              <a:rPr lang="en-ZA" sz="6400" dirty="0" err="1">
+                <a:solidFill>
+                  <a:schemeClr val="bg1"/>
+                </a:solidFill>
+              </a:rPr>
+              <a:t>authorizedID</a:t>
+            </a:r>
+            <a:r>
+              <a:rPr lang="en-ZA" sz="6400" dirty="0">
+                <a:solidFill>
+                  <a:schemeClr val="bg1"/>
+                </a:solidFill>
+              </a:rPr>
+              <a:t>, role and </a:t>
+            </a:r>
+            <a:r>
+              <a:rPr lang="en-ZA" sz="6400" dirty="0" err="1">
+                <a:solidFill>
+                  <a:schemeClr val="bg1"/>
+                </a:solidFill>
+              </a:rPr>
+              <a:t>statusPoints</a:t>
+            </a:r>
+            <a:r>
+              <a:rPr lang="en-ZA" sz="6400" dirty="0">
+                <a:solidFill>
+                  <a:schemeClr val="bg1"/>
+                </a:solidFill>
+              </a:rPr>
+              <a:t>. </a:t>
+            </a:r>
+          </a:p>
+          <a:p>
+            <a:pPr marL="0" indent="0" algn="just">
+              <a:buNone/>
+            </a:pPr>
+            <a:endParaRPr lang="en-ZA" sz="6400" dirty="0">
+              <a:solidFill>
+                <a:schemeClr val="bg1"/>
+              </a:solidFill>
+            </a:endParaRPr>
+          </a:p>
+          <a:p>
+            <a:pPr marL="0" indent="0" algn="just">
+              <a:buNone/>
+            </a:pPr>
+            <a:r>
+              <a:rPr lang="en-ZA" sz="6400" dirty="0">
+                <a:solidFill>
+                  <a:schemeClr val="bg1"/>
+                </a:solidFill>
+              </a:rPr>
+              <a:t>The function changes the role and </a:t>
+            </a:r>
+            <a:r>
+              <a:rPr lang="en-ZA" sz="6400" dirty="0" err="1">
+                <a:solidFill>
+                  <a:schemeClr val="bg1"/>
+                </a:solidFill>
+              </a:rPr>
+              <a:t>statusPoints</a:t>
+            </a:r>
+            <a:r>
+              <a:rPr lang="en-ZA" sz="6400" dirty="0">
+                <a:solidFill>
+                  <a:schemeClr val="bg1"/>
+                </a:solidFill>
+              </a:rPr>
+              <a:t> of the authorization restriction specified by </a:t>
+            </a:r>
+            <a:r>
+              <a:rPr lang="en-ZA" sz="6400" dirty="0" err="1">
+                <a:solidFill>
+                  <a:schemeClr val="bg1"/>
+                </a:solidFill>
+              </a:rPr>
+              <a:t>authorizedID</a:t>
+            </a:r>
+            <a:r>
+              <a:rPr lang="en-ZA" sz="6400" dirty="0">
+                <a:solidFill>
+                  <a:schemeClr val="bg1"/>
+                </a:solidFill>
+              </a:rPr>
+              <a:t>.</a:t>
+            </a:r>
+          </a:p>
+          <a:p>
+            <a:pPr marL="0" indent="0" algn="just">
+              <a:buNone/>
+            </a:pPr>
+            <a:endParaRPr lang="en-ZA" sz="5200" dirty="0">
+              <a:solidFill>
+                <a:schemeClr val="bg1"/>
+              </a:solidFill>
+            </a:endParaRPr>
+          </a:p>
+          <a:p>
+            <a:pPr marL="0" indent="0" algn="just">
+              <a:buNone/>
+            </a:pPr>
+            <a:endParaRPr lang="en-ZA" sz="2000" dirty="0" smtClean="0">
+              <a:solidFill>
+                <a:schemeClr val="bg1"/>
+              </a:solidFill>
+            </a:endParaRPr>
+          </a:p>
+          <a:p>
+            <a:pPr marL="0" indent="0" algn="just">
+              <a:buNone/>
+            </a:pPr>
             <a:endParaRPr lang="en-ZA" sz="2000" dirty="0">
               <a:solidFill>
                 <a:schemeClr val="bg1"/>
@@ -6407,7 +6727,7 @@
             <a:pPr marL="0" indent="0" algn="just">
               <a:buNone/>
             </a:pPr>
-            <a:endParaRPr lang="en-ZA" sz="2000" dirty="0" smtClean="0">
+            <a:endParaRPr lang="en-ZA" sz="2000" dirty="0">
               <a:solidFill>
                 <a:schemeClr val="bg1"/>
               </a:solidFill>
@@ -6418,7 +6738,7 @@
               <a:buNone/>
             </a:pPr>
             <a:r>
-              <a:rPr lang="en-ZA" sz="2000" b="1" dirty="0">
+              <a:rPr lang="en-ZA" sz="8000" b="1" u="sng" dirty="0">
                 <a:solidFill>
                   <a:schemeClr val="bg1"/>
                 </a:solidFill>
@@ -6430,51 +6750,145 @@
             <a:pPr marL="0" indent="0" algn="just">
               <a:buNone/>
             </a:pPr>
-            <a:endParaRPr lang="en-ZA" dirty="0">
-              <a:solidFill>
-                <a:schemeClr val="bg1"/>
-              </a:solidFill>
-            </a:endParaRPr>
+            <a:r>
+              <a:rPr lang="en-ZA" sz="6400" dirty="0">
+                <a:solidFill>
+                  <a:schemeClr val="bg1"/>
+                </a:solidFill>
+              </a:rPr>
+              <a:t>Pre:</a:t>
+            </a:r>
           </a:p>
           <a:p>
             <a:pPr marL="0" indent="0" algn="just">
               <a:buNone/>
             </a:pPr>
-            <a:endParaRPr lang="en-ZA" dirty="0" smtClean="0">
-              <a:solidFill>
-                <a:schemeClr val="bg1"/>
-              </a:solidFill>
-            </a:endParaRPr>
-          </a:p>
-          <a:p>
-            <a:pPr marL="0" indent="0">
-              <a:buNone/>
-            </a:pPr>
-            <a:r>
-              <a:rPr lang="en-ZA" dirty="0" smtClean="0">
-                <a:solidFill>
-                  <a:schemeClr val="bg1"/>
-                </a:solidFill>
-              </a:rPr>
-              <a:t>	</a:t>
-            </a:r>
-          </a:p>
-          <a:p>
-            <a:endParaRPr lang="en-ZA" dirty="0" smtClean="0">
-              <a:solidFill>
-                <a:schemeClr val="bg1"/>
-              </a:solidFill>
-            </a:endParaRPr>
-          </a:p>
-          <a:p>
-            <a:endParaRPr lang="en-ZA" dirty="0">
-              <a:solidFill>
-                <a:schemeClr val="bg1"/>
-              </a:solidFill>
-            </a:endParaRPr>
-          </a:p>
-          <a:p>
-            <a:endParaRPr lang="en-ZA" dirty="0">
+            <a:r>
+              <a:rPr lang="en-ZA" sz="6400" dirty="0">
+                <a:solidFill>
+                  <a:schemeClr val="bg1"/>
+                </a:solidFill>
+              </a:rPr>
+              <a:t>The authorization must exist.</a:t>
+            </a:r>
+          </a:p>
+          <a:p>
+            <a:pPr marL="0" indent="0" algn="just">
+              <a:buNone/>
+            </a:pPr>
+            <a:r>
+              <a:rPr lang="en-ZA" sz="6400" dirty="0">
+                <a:solidFill>
+                  <a:schemeClr val="bg1"/>
+                </a:solidFill>
+              </a:rPr>
+              <a:t>The caller of the function must have authorization to use this function</a:t>
+            </a:r>
+            <a:r>
+              <a:rPr lang="en-ZA" sz="6400" dirty="0" smtClean="0">
+                <a:solidFill>
+                  <a:schemeClr val="bg1"/>
+                </a:solidFill>
+              </a:rPr>
+              <a:t>.</a:t>
+            </a:r>
+          </a:p>
+          <a:p>
+            <a:pPr marL="0" indent="0" algn="just">
+              <a:buNone/>
+            </a:pPr>
+            <a:r>
+              <a:rPr lang="en-ZA" sz="6400" dirty="0" smtClean="0">
+                <a:solidFill>
+                  <a:schemeClr val="bg1"/>
+                </a:solidFill>
+              </a:rPr>
+              <a:t>The new role and </a:t>
+            </a:r>
+            <a:r>
+              <a:rPr lang="en-ZA" sz="6400" dirty="0" err="1" smtClean="0">
+                <a:solidFill>
+                  <a:schemeClr val="bg1"/>
+                </a:solidFill>
+              </a:rPr>
+              <a:t>statusPoint</a:t>
+            </a:r>
+            <a:r>
+              <a:rPr lang="en-ZA" sz="6400" dirty="0" smtClean="0">
+                <a:solidFill>
+                  <a:schemeClr val="bg1"/>
+                </a:solidFill>
+              </a:rPr>
+              <a:t> values must be valid.</a:t>
+            </a:r>
+            <a:endParaRPr lang="en-ZA" sz="6400" dirty="0">
+              <a:solidFill>
+                <a:schemeClr val="bg1"/>
+              </a:solidFill>
+            </a:endParaRPr>
+          </a:p>
+          <a:p>
+            <a:pPr marL="0" indent="0" algn="just">
+              <a:buNone/>
+            </a:pPr>
+            <a:endParaRPr lang="en-ZA" sz="6400" dirty="0">
+              <a:solidFill>
+                <a:schemeClr val="bg1"/>
+              </a:solidFill>
+            </a:endParaRPr>
+          </a:p>
+          <a:p>
+            <a:pPr marL="0" indent="0" algn="just">
+              <a:buNone/>
+            </a:pPr>
+            <a:r>
+              <a:rPr lang="en-ZA" sz="6400" dirty="0">
+                <a:solidFill>
+                  <a:schemeClr val="bg1"/>
+                </a:solidFill>
+              </a:rPr>
+              <a:t>Post: </a:t>
+            </a:r>
+          </a:p>
+          <a:p>
+            <a:pPr marL="0" indent="0" algn="just">
+              <a:buNone/>
+            </a:pPr>
+            <a:r>
+              <a:rPr lang="en-ZA" sz="6400" dirty="0">
+                <a:solidFill>
+                  <a:schemeClr val="bg1"/>
+                </a:solidFill>
+              </a:rPr>
+              <a:t>The role and </a:t>
+            </a:r>
+            <a:r>
+              <a:rPr lang="en-ZA" sz="6400" dirty="0" err="1">
+                <a:solidFill>
+                  <a:schemeClr val="bg1"/>
+                </a:solidFill>
+              </a:rPr>
+              <a:t>statusPoints</a:t>
+            </a:r>
+            <a:r>
+              <a:rPr lang="en-ZA" sz="6400" dirty="0">
+                <a:solidFill>
+                  <a:schemeClr val="bg1"/>
+                </a:solidFill>
+              </a:rPr>
+              <a:t> must be altered accordingly.</a:t>
+            </a:r>
+            <a:endParaRPr lang="en-ZA" sz="6400" dirty="0" smtClean="0">
+              <a:solidFill>
+                <a:schemeClr val="bg1"/>
+              </a:solidFill>
+            </a:endParaRPr>
+          </a:p>
+          <a:p>
+            <a:pPr marL="0" indent="0" algn="just">
+              <a:buNone/>
+            </a:pPr>
+            <a:endParaRPr lang="en-ZA" sz="3600" dirty="0" smtClean="0">
               <a:solidFill>
                 <a:schemeClr val="bg1"/>
               </a:solidFill>
@@ -6651,11 +7065,10 @@
           </a:lstStyle>
           <a:p>
             <a:pPr marL="0" indent="0" algn="just">
-              <a:buFont typeface="Arial" pitchFamily="34" charset="0"/>
-              <a:buNone/>
-            </a:pPr>
-            <a:r>
-              <a:rPr lang="en-ZA" sz="2000" b="1" dirty="0" smtClean="0">
+              <a:buNone/>
+            </a:pPr>
+            <a:r>
+              <a:rPr lang="en-ZA" sz="2000" b="1" u="sng" dirty="0">
                 <a:solidFill>
                   <a:schemeClr val="bg1"/>
                 </a:solidFill>
@@ -6664,47 +7077,44 @@
             </a:r>
           </a:p>
           <a:p>
-            <a:pPr marL="514350" indent="-514350" algn="just">
-              <a:buFont typeface="Arial" pitchFamily="34" charset="0"/>
-              <a:buAutoNum type="arabicPeriod"/>
-            </a:pPr>
-            <a:r>
-              <a:rPr lang="en-ZA" sz="2000" dirty="0" smtClean="0">
-                <a:solidFill>
-                  <a:schemeClr val="bg1"/>
-                </a:solidFill>
-              </a:rPr>
-              <a:t>…</a:t>
-            </a:r>
-          </a:p>
-          <a:p>
-            <a:pPr marL="514350" indent="-514350" algn="just">
-              <a:buFont typeface="Arial" pitchFamily="34" charset="0"/>
-              <a:buAutoNum type="arabicPeriod"/>
-            </a:pPr>
-            <a:endParaRPr lang="en-ZA" sz="2000" dirty="0">
-              <a:solidFill>
-                <a:schemeClr val="bg1"/>
-              </a:solidFill>
-            </a:endParaRPr>
-          </a:p>
-          <a:p>
-            <a:pPr marL="514350" indent="-514350" algn="just">
-              <a:buFont typeface="Arial" pitchFamily="34" charset="0"/>
-              <a:buAutoNum type="arabicPeriod"/>
-            </a:pPr>
-            <a:endParaRPr lang="en-ZA" sz="2000" dirty="0">
-              <a:solidFill>
-                <a:schemeClr val="bg1"/>
-              </a:solidFill>
-            </a:endParaRPr>
-          </a:p>
-          <a:p>
             <a:pPr marL="0" indent="0" algn="just">
               <a:buNone/>
             </a:pPr>
             <a:r>
-              <a:rPr lang="en-ZA" sz="2000" b="1" dirty="0" smtClean="0">
+              <a:rPr lang="en-ZA" sz="1700" dirty="0">
+                <a:solidFill>
+                  <a:schemeClr val="bg1"/>
+                </a:solidFill>
+              </a:rPr>
+              <a:t>Having the changes made to a record persist. </a:t>
+            </a:r>
+          </a:p>
+          <a:p>
+            <a:pPr marL="0" indent="0" algn="just">
+              <a:buNone/>
+            </a:pPr>
+            <a:endParaRPr lang="en-ZA" sz="2000" b="1" dirty="0">
+              <a:solidFill>
+                <a:schemeClr val="bg1"/>
+              </a:solidFill>
+            </a:endParaRPr>
+          </a:p>
+          <a:p>
+            <a:pPr marL="0" indent="0" algn="just">
+              <a:buNone/>
+            </a:pPr>
+            <a:endParaRPr lang="en-ZA" sz="2000" b="1" dirty="0">
+              <a:solidFill>
+                <a:schemeClr val="bg1"/>
+              </a:solidFill>
+            </a:endParaRPr>
+          </a:p>
+          <a:p>
+            <a:pPr marL="0" indent="0" algn="just">
+              <a:buNone/>
+            </a:pPr>
+            <a:r>
+              <a:rPr lang="en-ZA" sz="2000" b="1" u="sng" dirty="0">
                 <a:solidFill>
                   <a:schemeClr val="bg1"/>
                 </a:solidFill>
@@ -6713,18 +7123,27 @@
             </a:r>
           </a:p>
           <a:p>
-            <a:pPr marL="514350" indent="-514350" algn="just">
-              <a:buFont typeface="+mj-lt"/>
-              <a:buAutoNum type="arabicPeriod"/>
-            </a:pPr>
-            <a:r>
-              <a:rPr lang="en-ZA" sz="2000" dirty="0" smtClean="0">
-                <a:solidFill>
-                  <a:schemeClr val="bg1"/>
-                </a:solidFill>
-              </a:rPr>
-              <a:t>…</a:t>
-            </a:r>
+            <a:pPr marL="0" indent="0" algn="just">
+              <a:buNone/>
+            </a:pPr>
+            <a:r>
+              <a:rPr lang="en-ZA" sz="1700" dirty="0">
+                <a:solidFill>
+                  <a:schemeClr val="bg1"/>
+                </a:solidFill>
+              </a:rPr>
+              <a:t>Research was done and the save function for a record in a database was found and implemented.</a:t>
+            </a:r>
+          </a:p>
+          <a:p>
+            <a:pPr marL="0" indent="0" algn="just">
+              <a:buNone/>
+            </a:pPr>
+            <a:endParaRPr lang="en-ZA" sz="2000" b="1" dirty="0">
+              <a:solidFill>
+                <a:schemeClr val="bg1"/>
+              </a:solidFill>
+            </a:endParaRPr>
           </a:p>
           <a:p>
             <a:pPr marL="0" indent="0" algn="just">
@@ -6777,7 +7196,7 @@
     </p:spTree>
     <p:extLst>
       <p:ext uri="{BB962C8B-B14F-4D97-AF65-F5344CB8AC3E}">
-        <p14:creationId xmlns:p14="http://schemas.microsoft.com/office/powerpoint/2010/main" xmlns="" val="109087637"/>
+        <p14:creationId xmlns:p14="http://schemas.microsoft.com/office/powerpoint/2010/main" val="109087637"/>
       </p:ext>
     </p:extLst>
   </p:cSld>
@@ -6977,7 +7396,7 @@
     </p:spTree>
     <p:extLst>
       <p:ext uri="{BB962C8B-B14F-4D97-AF65-F5344CB8AC3E}">
-        <p14:creationId xmlns:p14="http://schemas.microsoft.com/office/powerpoint/2010/main" xmlns="" val="176429030"/>
+        <p14:creationId xmlns:p14="http://schemas.microsoft.com/office/powerpoint/2010/main" val="176429030"/>
       </p:ext>
     </p:extLst>
   </p:cSld>
@@ -7186,7 +7605,7 @@
     </p:spTree>
     <p:extLst>
       <p:ext uri="{BB962C8B-B14F-4D97-AF65-F5344CB8AC3E}">
-        <p14:creationId xmlns:p14="http://schemas.microsoft.com/office/powerpoint/2010/main" xmlns="" val="1129193988"/>
+        <p14:creationId xmlns:p14="http://schemas.microsoft.com/office/powerpoint/2010/main" val="1129193988"/>
       </p:ext>
     </p:extLst>
   </p:cSld>

--- a/Authentication - B.pptx
+++ b/Authentication - B.pptx
@@ -114,7 +114,7 @@
   </p:defaultTextStyle>
   <p:extLst>
     <p:ext uri="{EFAFB233-063F-42B5-8137-9DF3F51BA10A}">
-      <p15:sldGuideLst xmlns:p15="http://schemas.microsoft.com/office/powerpoint/2012/main">
+      <p15:sldGuideLst xmlns:p15="http://schemas.microsoft.com/office/powerpoint/2012/main" xmlns="">
         <p15:guide id="1" orient="horz" pos="2160">
           <p15:clr>
             <a:srgbClr val="A4A3A4"/>
@@ -3785,7 +3785,7 @@
         </p:spPr>
         <p:txBody>
           <a:bodyPr>
-            <a:normAutofit fontScale="62500" lnSpcReduction="20000"/>
+            <a:normAutofit fontScale="25000" lnSpcReduction="20000"/>
           </a:bodyPr>
           <a:lstStyle/>
           <a:p>
@@ -3793,7 +3793,7 @@
               <a:buNone/>
             </a:pPr>
             <a:r>
-              <a:rPr lang="en-ZA" sz="5000" b="1" u="sng" dirty="0" smtClean="0">
+              <a:rPr lang="en-ZA" sz="8000" b="1" u="sng" dirty="0" smtClean="0">
                 <a:solidFill>
                   <a:schemeClr val="bg1"/>
                 </a:solidFill>
@@ -3801,25 +3801,20 @@
               <a:t>Description</a:t>
             </a:r>
             <a:r>
-              <a:rPr lang="en-ZA" sz="5000" u="sng" dirty="0" smtClean="0">
+              <a:rPr lang="en-ZA" sz="8000" u="sng" dirty="0" smtClean="0">
                 <a:solidFill>
                   <a:schemeClr val="bg1"/>
                 </a:solidFill>
               </a:rPr>
               <a:t>: </a:t>
             </a:r>
-            <a:endParaRPr lang="en-ZA" sz="5000" u="sng" dirty="0" smtClean="0">
-              <a:solidFill>
-                <a:schemeClr val="bg1"/>
-              </a:solidFill>
-            </a:endParaRPr>
-          </a:p>
-          <a:p>
-            <a:pPr marL="0" indent="0" algn="just">
-              <a:buNone/>
-            </a:pPr>
-            <a:r>
-              <a:rPr lang="en-ZA" sz="3400" dirty="0" smtClean="0">
+          </a:p>
+          <a:p>
+            <a:pPr marL="0" indent="0" algn="just">
+              <a:buNone/>
+            </a:pPr>
+            <a:r>
+              <a:rPr lang="en-ZA" sz="6400" dirty="0">
                 <a:solidFill>
                   <a:schemeClr val="bg1"/>
                 </a:solidFill>
@@ -3842,27 +3837,145 @@
               <a:buNone/>
             </a:pPr>
             <a:r>
-              <a:rPr lang="en-ZA" sz="5000" b="1" u="sng" dirty="0" smtClean="0">
-                <a:solidFill>
-                  <a:schemeClr val="bg1"/>
-                </a:solidFill>
-              </a:rPr>
-              <a:t>Pre and </a:t>
-            </a:r>
-            <a:r>
-              <a:rPr lang="en-ZA" sz="5000" b="1" u="sng" dirty="0" smtClean="0">
-                <a:solidFill>
-                  <a:schemeClr val="bg1"/>
-                </a:solidFill>
-              </a:rPr>
-              <a:t>Post Conditions:</a:t>
-            </a:r>
-          </a:p>
-          <a:p>
-            <a:pPr marL="0" indent="0" algn="just">
-              <a:buNone/>
-            </a:pPr>
-            <a:endParaRPr lang="en-ZA" sz="6400" dirty="0" smtClean="0">
+              <a:rPr lang="en-ZA" sz="8000" b="1" u="sng" dirty="0" smtClean="0">
+                <a:solidFill>
+                  <a:schemeClr val="bg1"/>
+                </a:solidFill>
+              </a:rPr>
+              <a:t>Pre and Post Conditions:</a:t>
+            </a:r>
+          </a:p>
+          <a:p>
+            <a:pPr marL="0" indent="0" algn="just">
+              <a:buNone/>
+            </a:pPr>
+            <a:r>
+              <a:rPr lang="en-ZA" sz="6400" b="1" dirty="0" smtClean="0">
+                <a:solidFill>
+                  <a:schemeClr val="bg1"/>
+                </a:solidFill>
+              </a:rPr>
+              <a:t>Pre-conditions</a:t>
+            </a:r>
+            <a:r>
+              <a:rPr lang="en-ZA" sz="6400" b="1" dirty="0">
+                <a:solidFill>
+                  <a:schemeClr val="bg1"/>
+                </a:solidFill>
+              </a:rPr>
+              <a:t>: </a:t>
+            </a:r>
+          </a:p>
+          <a:p>
+            <a:pPr marL="0" indent="0" algn="just">
+              <a:buNone/>
+            </a:pPr>
+            <a:r>
+              <a:rPr lang="en-ZA" sz="6400" dirty="0" smtClean="0">
+                <a:solidFill>
+                  <a:schemeClr val="bg1"/>
+                </a:solidFill>
+              </a:rPr>
+              <a:t>* The </a:t>
+            </a:r>
+            <a:r>
+              <a:rPr lang="en-ZA" sz="6400" dirty="0">
+                <a:solidFill>
+                  <a:schemeClr val="bg1"/>
+                </a:solidFill>
+              </a:rPr>
+              <a:t>user, within a specific </a:t>
+            </a:r>
+            <a:r>
+              <a:rPr lang="en-ZA" sz="6400" dirty="0" err="1">
+                <a:solidFill>
+                  <a:schemeClr val="bg1"/>
+                </a:solidFill>
+              </a:rPr>
+              <a:t>buzzspace</a:t>
+            </a:r>
+            <a:r>
+              <a:rPr lang="en-ZA" sz="6400" dirty="0">
+                <a:solidFill>
+                  <a:schemeClr val="bg1"/>
+                </a:solidFill>
+              </a:rPr>
+              <a:t> must request or attempt to use a specific service.</a:t>
+            </a:r>
+          </a:p>
+          <a:p>
+            <a:pPr marL="0" indent="0" algn="just">
+              <a:buNone/>
+            </a:pPr>
+            <a:r>
+              <a:rPr lang="en-ZA" sz="6400" dirty="0" smtClean="0">
+                <a:solidFill>
+                  <a:schemeClr val="bg1"/>
+                </a:solidFill>
+              </a:rPr>
+              <a:t>* The </a:t>
+            </a:r>
+            <a:r>
+              <a:rPr lang="en-ZA" sz="6400" dirty="0">
+                <a:solidFill>
+                  <a:schemeClr val="bg1"/>
+                </a:solidFill>
+              </a:rPr>
+              <a:t>user has to have some form of status within the system</a:t>
+            </a:r>
+          </a:p>
+          <a:p>
+            <a:pPr algn="just">
+              <a:buFont typeface="Arial" charset="0"/>
+              <a:buChar char="•"/>
+            </a:pPr>
+            <a:r>
+              <a:rPr lang="en-ZA" sz="6400" dirty="0" smtClean="0">
+                <a:solidFill>
+                  <a:schemeClr val="bg1"/>
+                </a:solidFill>
+              </a:rPr>
+              <a:t>The </a:t>
+            </a:r>
+            <a:r>
+              <a:rPr lang="en-ZA" sz="6400" dirty="0">
+                <a:solidFill>
+                  <a:schemeClr val="bg1"/>
+                </a:solidFill>
+              </a:rPr>
+              <a:t>service the user is </a:t>
+            </a:r>
+            <a:r>
+              <a:rPr lang="en-ZA" sz="6400" dirty="0" smtClean="0">
+                <a:solidFill>
+                  <a:schemeClr val="bg1"/>
+                </a:solidFill>
+              </a:rPr>
+              <a:t>attempting </a:t>
+            </a:r>
+            <a:r>
+              <a:rPr lang="en-ZA" sz="6400" dirty="0">
+                <a:solidFill>
+                  <a:schemeClr val="bg1"/>
+                </a:solidFill>
+              </a:rPr>
+              <a:t>to use must be clearly identified</a:t>
+            </a:r>
+            <a:r>
+              <a:rPr lang="en-ZA" sz="6400" dirty="0" smtClean="0">
+                <a:solidFill>
+                  <a:schemeClr val="bg1"/>
+                </a:solidFill>
+              </a:rPr>
+              <a:t>.</a:t>
+            </a:r>
+          </a:p>
+          <a:p>
+            <a:pPr algn="just">
+              <a:buFont typeface="Arial" charset="0"/>
+              <a:buChar char="•"/>
+            </a:pPr>
+            <a:endParaRPr lang="en-ZA" sz="6400" dirty="0">
               <a:solidFill>
                 <a:schemeClr val="bg1"/>
               </a:solidFill>
@@ -3872,44 +3985,46 @@
             <a:pPr marL="0" indent="0" algn="just">
               <a:buNone/>
             </a:pPr>
-            <a:endParaRPr lang="en-ZA" dirty="0">
-              <a:solidFill>
-                <a:schemeClr val="bg1"/>
-              </a:solidFill>
-            </a:endParaRPr>
-          </a:p>
-          <a:p>
-            <a:pPr marL="0" indent="0" algn="just">
-              <a:buNone/>
-            </a:pPr>
-            <a:endParaRPr lang="en-ZA" dirty="0" smtClean="0">
-              <a:solidFill>
-                <a:schemeClr val="bg1"/>
-              </a:solidFill>
-            </a:endParaRPr>
-          </a:p>
-          <a:p>
-            <a:pPr marL="0" indent="0">
-              <a:buNone/>
-            </a:pPr>
-            <a:r>
-              <a:rPr lang="en-ZA" dirty="0" smtClean="0">
-                <a:solidFill>
-                  <a:schemeClr val="bg1"/>
-                </a:solidFill>
-              </a:rPr>
-              <a:t>	</a:t>
-            </a:r>
-          </a:p>
-          <a:p>
-            <a:endParaRPr lang="en-ZA" dirty="0" smtClean="0">
-              <a:solidFill>
-                <a:schemeClr val="bg1"/>
-              </a:solidFill>
-            </a:endParaRPr>
-          </a:p>
-          <a:p>
-            <a:endParaRPr lang="en-ZA" dirty="0">
+            <a:r>
+              <a:rPr lang="en-ZA" sz="6400" b="1" dirty="0">
+                <a:solidFill>
+                  <a:schemeClr val="bg1"/>
+                </a:solidFill>
+              </a:rPr>
+              <a:t>Post-conditions:</a:t>
+            </a:r>
+          </a:p>
+          <a:p>
+            <a:pPr marL="0" indent="0" algn="just">
+              <a:buNone/>
+            </a:pPr>
+            <a:r>
+              <a:rPr lang="en-ZA" sz="6400" dirty="0">
+                <a:solidFill>
+                  <a:schemeClr val="bg1"/>
+                </a:solidFill>
+              </a:rPr>
+              <a:t>* Based on service user is attempting to use the role / status of the user will be evaluated.</a:t>
+            </a:r>
+          </a:p>
+          <a:p>
+            <a:pPr marL="0" indent="0" algn="just">
+              <a:buNone/>
+            </a:pPr>
+            <a:r>
+              <a:rPr lang="en-ZA" sz="6400" dirty="0">
+                <a:solidFill>
+                  <a:schemeClr val="bg1"/>
+                </a:solidFill>
+              </a:rPr>
+              <a:t>* The user will be granted permission (true will be returned) if the user has the privilege to make use of the service.</a:t>
+            </a:r>
+          </a:p>
+          <a:p>
+            <a:pPr marL="0" indent="0" algn="just">
+              <a:buNone/>
+            </a:pPr>
+            <a:endParaRPr lang="en-ZA" sz="6400" dirty="0">
               <a:solidFill>
                 <a:schemeClr val="bg1"/>
               </a:solidFill>
@@ -3952,7 +4067,7 @@
         </p:spPr>
         <p:txBody>
           <a:bodyPr vert="horz" lIns="91440" tIns="45720" rIns="91440" bIns="45720" rtlCol="0">
-            <a:normAutofit lnSpcReduction="10000"/>
+            <a:normAutofit fontScale="40000" lnSpcReduction="20000"/>
           </a:bodyPr>
           <a:lstStyle>
             <a:lvl1pPr marL="342900" indent="-342900" algn="l" defTabSz="914400" rtl="0" eaLnBrk="1" latinLnBrk="0" hangingPunct="1">
@@ -4093,76 +4208,130 @@
           </a:lstStyle>
           <a:p>
             <a:pPr marL="0" indent="0" algn="just">
-              <a:buFont typeface="Arial" pitchFamily="34" charset="0"/>
-              <a:buNone/>
-            </a:pPr>
-            <a:r>
-              <a:rPr lang="en-ZA" sz="2000" b="1" u="sng" dirty="0" smtClean="0">
-                <a:solidFill>
-                  <a:schemeClr val="bg1"/>
-                </a:solidFill>
-              </a:rPr>
-              <a:t>Challenges Faced: </a:t>
-            </a:r>
-          </a:p>
-          <a:p>
-            <a:pPr marL="514350" indent="-514350" algn="just">
-              <a:buFont typeface="Arial" pitchFamily="34" charset="0"/>
-              <a:buAutoNum type="arabicPeriod"/>
-            </a:pPr>
-            <a:r>
-              <a:rPr lang="en-ZA" sz="1600" dirty="0">
-                <a:solidFill>
-                  <a:schemeClr val="bg1"/>
-                </a:solidFill>
-              </a:rPr>
-              <a:t>Did not know how to define a class in JavaScript</a:t>
-            </a:r>
-            <a:r>
-              <a:rPr lang="en-ZA" sz="1600" dirty="0" smtClean="0">
-                <a:solidFill>
-                  <a:schemeClr val="bg1"/>
-                </a:solidFill>
-              </a:rPr>
-              <a:t>.</a:t>
-            </a:r>
-          </a:p>
-          <a:p>
-            <a:pPr marL="514350" indent="-514350" algn="just">
-              <a:buFont typeface="Arial" pitchFamily="34" charset="0"/>
-              <a:buAutoNum type="arabicPeriod"/>
-            </a:pPr>
-            <a:r>
-              <a:rPr lang="en-ZA" sz="1600" dirty="0" smtClean="0">
-                <a:solidFill>
-                  <a:schemeClr val="bg1"/>
-                </a:solidFill>
-              </a:rPr>
-              <a:t>The function calls to the database returned asynchronously.</a:t>
-            </a:r>
-            <a:endParaRPr lang="en-ZA" sz="1600" dirty="0">
+              <a:buNone/>
+            </a:pPr>
+            <a:r>
+              <a:rPr lang="en-ZA" sz="4000" dirty="0" smtClean="0">
+                <a:solidFill>
+                  <a:schemeClr val="bg1"/>
+                </a:solidFill>
+              </a:rPr>
+              <a:t>* The </a:t>
+            </a:r>
+            <a:r>
+              <a:rPr lang="en-ZA" sz="4000" dirty="0">
+                <a:solidFill>
+                  <a:schemeClr val="bg1"/>
+                </a:solidFill>
+              </a:rPr>
+              <a:t>user will be denied the right (false will be returned) to make use of the service if the </a:t>
+            </a:r>
+            <a:r>
+              <a:rPr lang="en-ZA" sz="4000" dirty="0" smtClean="0">
+                <a:solidFill>
+                  <a:schemeClr val="bg1"/>
+                </a:solidFill>
+              </a:rPr>
+              <a:t>status </a:t>
+            </a:r>
+            <a:r>
+              <a:rPr lang="en-ZA" sz="4000" dirty="0">
+                <a:solidFill>
+                  <a:schemeClr val="bg1"/>
+                </a:solidFill>
+              </a:rPr>
+              <a:t>of the user is not the same or higher than the status required to use the service.</a:t>
+            </a:r>
+          </a:p>
+          <a:p>
+            <a:pPr marL="0" indent="0" algn="just">
+              <a:buNone/>
+            </a:pPr>
+            <a:endParaRPr lang="en-ZA" sz="2600" dirty="0">
               <a:solidFill>
                 <a:schemeClr val="bg1"/>
               </a:solidFill>
             </a:endParaRPr>
           </a:p>
           <a:p>
+            <a:pPr marL="0" indent="0">
+              <a:buNone/>
+            </a:pPr>
+            <a:r>
+              <a:rPr lang="en-ZA" sz="5000" b="1" u="sng" dirty="0" smtClean="0">
+                <a:solidFill>
+                  <a:schemeClr val="bg1"/>
+                </a:solidFill>
+              </a:rPr>
+              <a:t>Challenges </a:t>
+            </a:r>
+            <a:r>
+              <a:rPr lang="en-ZA" sz="5000" b="1" u="sng" dirty="0" smtClean="0">
+                <a:solidFill>
+                  <a:schemeClr val="bg1"/>
+                </a:solidFill>
+              </a:rPr>
+              <a:t>Faced: </a:t>
+            </a:r>
+          </a:p>
+          <a:p>
             <a:pPr marL="514350" indent="-514350" algn="just">
               <a:buFont typeface="Arial" pitchFamily="34" charset="0"/>
               <a:buAutoNum type="arabicPeriod"/>
             </a:pPr>
-            <a:endParaRPr lang="en-ZA" sz="1700" dirty="0">
+            <a:r>
+              <a:rPr lang="en-ZA" sz="4000" dirty="0">
+                <a:solidFill>
+                  <a:schemeClr val="bg1"/>
+                </a:solidFill>
+              </a:rPr>
+              <a:t>Did not know how to define a class in JavaScript</a:t>
+            </a:r>
+            <a:r>
+              <a:rPr lang="en-ZA" sz="4000" dirty="0" smtClean="0">
+                <a:solidFill>
+                  <a:schemeClr val="bg1"/>
+                </a:solidFill>
+              </a:rPr>
+              <a:t>.</a:t>
+            </a:r>
+          </a:p>
+          <a:p>
+            <a:pPr marL="514350" indent="-514350" algn="just">
+              <a:buFont typeface="Arial" pitchFamily="34" charset="0"/>
+              <a:buAutoNum type="arabicPeriod"/>
+            </a:pPr>
+            <a:r>
+              <a:rPr lang="en-ZA" sz="4000" dirty="0" smtClean="0">
+                <a:solidFill>
+                  <a:schemeClr val="bg1"/>
+                </a:solidFill>
+              </a:rPr>
+              <a:t>The function calls to the database returned asynchronously.</a:t>
+            </a:r>
+            <a:endParaRPr lang="en-ZA" sz="4000" dirty="0">
               <a:solidFill>
                 <a:schemeClr val="bg1"/>
               </a:solidFill>
             </a:endParaRPr>
           </a:p>
           <a:p>
-            <a:pPr marL="0" indent="0" algn="just">
-              <a:buNone/>
-            </a:pPr>
-            <a:r>
-              <a:rPr lang="en-ZA" sz="2000" b="1" u="sng" dirty="0" smtClean="0">
+            <a:pPr marL="514350" indent="-514350" algn="just">
+              <a:buFont typeface="Arial" pitchFamily="34" charset="0"/>
+              <a:buAutoNum type="arabicPeriod"/>
+            </a:pPr>
+            <a:endParaRPr lang="en-ZA" sz="2600" dirty="0">
+              <a:solidFill>
+                <a:schemeClr val="bg1"/>
+              </a:solidFill>
+            </a:endParaRPr>
+          </a:p>
+          <a:p>
+            <a:pPr marL="0" indent="0" algn="just">
+              <a:buNone/>
+            </a:pPr>
+            <a:r>
+              <a:rPr lang="en-ZA" sz="5000" b="1" u="sng" dirty="0" smtClean="0">
                 <a:solidFill>
                   <a:schemeClr val="bg1"/>
                 </a:solidFill>
@@ -4176,7 +4345,7 @@
               <a:buAutoNum type="arabicPeriod"/>
             </a:pPr>
             <a:r>
-              <a:rPr lang="en-ZA" sz="1600" dirty="0">
+              <a:rPr lang="en-ZA" sz="4000" dirty="0">
                 <a:solidFill>
                   <a:schemeClr val="bg1"/>
                 </a:solidFill>
@@ -4184,7 +4353,7 @@
               <a:t>Through research and trial and error</a:t>
             </a:r>
             <a:r>
-              <a:rPr lang="en-ZA" sz="1600" dirty="0" smtClean="0">
+              <a:rPr lang="en-ZA" sz="4000" dirty="0" smtClean="0">
                 <a:solidFill>
                   <a:schemeClr val="bg1"/>
                 </a:solidFill>
@@ -4198,7 +4367,7 @@
               <a:buAutoNum type="arabicPeriod"/>
             </a:pPr>
             <a:r>
-              <a:rPr lang="en-ZA" sz="1600" dirty="0" smtClean="0">
+              <a:rPr lang="en-ZA" sz="4000" dirty="0" smtClean="0">
                 <a:solidFill>
                   <a:schemeClr val="bg1"/>
                 </a:solidFill>
@@ -4551,15 +4720,7 @@
                   <a:schemeClr val="bg1"/>
                 </a:solidFill>
               </a:rPr>
-              <a:t>Specific </a:t>
-            </a:r>
-            <a:r>
-              <a:rPr lang="en-ZA" sz="1800" dirty="0" smtClean="0">
-                <a:solidFill>
-                  <a:schemeClr val="bg1"/>
-                </a:solidFill>
-              </a:rPr>
-              <a:t>restriction should not exist.</a:t>
+              <a:t>Specific restriction should not exist.</a:t>
             </a:r>
           </a:p>
           <a:p>
@@ -4603,15 +4764,7 @@
                   <a:schemeClr val="bg1"/>
                 </a:solidFill>
               </a:rPr>
-              <a:t>Specified </a:t>
-            </a:r>
-            <a:r>
-              <a:rPr lang="en-ZA" sz="1800" dirty="0" smtClean="0">
-                <a:solidFill>
-                  <a:schemeClr val="bg1"/>
-                </a:solidFill>
-              </a:rPr>
-              <a:t>service should Exist.</a:t>
+              <a:t>Specified service should Exist.</a:t>
             </a:r>
           </a:p>
           <a:p>
@@ -4625,15 +4778,7 @@
                   <a:schemeClr val="bg1"/>
                 </a:solidFill>
               </a:rPr>
-              <a:t>Specified </a:t>
-            </a:r>
-            <a:r>
-              <a:rPr lang="en-ZA" sz="1800" dirty="0" smtClean="0">
-                <a:solidFill>
-                  <a:schemeClr val="bg1"/>
-                </a:solidFill>
-              </a:rPr>
-              <a:t>role should be valid. </a:t>
+              <a:t>Specified role should be valid. </a:t>
             </a:r>
           </a:p>
           <a:p>
@@ -4647,15 +4792,7 @@
                   <a:schemeClr val="bg1"/>
                 </a:solidFill>
               </a:rPr>
-              <a:t>Minimum </a:t>
-            </a:r>
-            <a:r>
-              <a:rPr lang="en-ZA" sz="1800" dirty="0" smtClean="0">
-                <a:solidFill>
-                  <a:schemeClr val="bg1"/>
-                </a:solidFill>
-              </a:rPr>
-              <a:t>Status points should be valid.</a:t>
+              <a:t>Minimum Status points should be valid.</a:t>
             </a:r>
           </a:p>
           <a:p>
@@ -5134,15 +5271,7 @@
                   <a:schemeClr val="bg1"/>
                 </a:solidFill>
               </a:rPr>
-              <a:t>Authors</a:t>
-            </a:r>
-            <a:r>
-              <a:rPr lang="en-ZA" sz="2200" u="sng" dirty="0" smtClean="0">
-                <a:solidFill>
-                  <a:schemeClr val="bg1"/>
-                </a:solidFill>
-              </a:rPr>
-              <a:t>: Kale-ab Tessera</a:t>
+              <a:t>Authors: Kale-ab Tessera</a:t>
             </a:r>
             <a:endParaRPr lang="en-ZA" sz="2200" u="sng" dirty="0">
               <a:solidFill>
@@ -5436,11 +5565,6 @@
               </a:rPr>
               <a:t>None</a:t>
             </a:r>
-            <a:endParaRPr lang="en-ZA" sz="3600" dirty="0" smtClean="0">
-              <a:solidFill>
-                <a:schemeClr val="bg1"/>
-              </a:solidFill>
-            </a:endParaRPr>
           </a:p>
           <a:p>
             <a:pPr marL="0" indent="0" algn="just">
@@ -5766,11 +5890,6 @@
               </a:rPr>
               <a:t>2. This required some patience and late changes were made.</a:t>
             </a:r>
-            <a:endParaRPr lang="en-ZA" sz="1600" dirty="0" smtClean="0">
-              <a:solidFill>
-                <a:schemeClr val="bg1"/>
-              </a:solidFill>
-            </a:endParaRPr>
           </a:p>
           <a:p>
             <a:pPr marL="0" indent="0">
@@ -6514,15 +6633,7 @@
                   <a:schemeClr val="bg1"/>
                 </a:solidFill>
               </a:rPr>
-              <a:t>Authors</a:t>
-            </a:r>
-            <a:r>
-              <a:rPr lang="en-ZA" sz="2200" u="sng" dirty="0" smtClean="0">
-                <a:solidFill>
-                  <a:schemeClr val="bg1"/>
-                </a:solidFill>
-              </a:rPr>
-              <a:t>: Kale-ab Tessera, Armand </a:t>
+              <a:t>Authors: Kale-ab Tessera, Armand </a:t>
             </a:r>
             <a:r>
               <a:rPr lang="en-ZA" sz="2200" u="sng" dirty="0" err="1" smtClean="0">
@@ -7504,7 +7615,7 @@
         </p:spPr>
         <p:txBody>
           <a:bodyPr>
-            <a:normAutofit lnSpcReduction="10000"/>
+            <a:normAutofit/>
           </a:bodyPr>
           <a:lstStyle/>
           <a:p>
@@ -7557,35 +7668,6 @@
               </a:rPr>
               <a:t>GitHub</a:t>
             </a:r>
-            <a:endParaRPr lang="en-ZA" dirty="0" smtClean="0">
-              <a:solidFill>
-                <a:schemeClr val="bg1"/>
-              </a:solidFill>
-            </a:endParaRPr>
-          </a:p>
-          <a:p>
-            <a:pPr lvl="1"/>
-            <a:r>
-              <a:rPr lang="en-ZA" dirty="0" err="1" smtClean="0">
-                <a:solidFill>
-                  <a:schemeClr val="bg1"/>
-                </a:solidFill>
-              </a:rPr>
-              <a:t>NodeUnit</a:t>
-            </a:r>
-            <a:r>
-              <a:rPr lang="en-ZA" dirty="0" smtClean="0">
-                <a:solidFill>
-                  <a:schemeClr val="bg1"/>
-                </a:solidFill>
-              </a:rPr>
-              <a:t> ****</a:t>
-            </a:r>
-          </a:p>
-          <a:p>
-            <a:pPr marL="457200" lvl="1" indent="0">
-              <a:buNone/>
-            </a:pPr>
             <a:endParaRPr lang="en-ZA" dirty="0" smtClean="0">
               <a:solidFill>
                 <a:schemeClr val="bg1"/>
